--- a/Projet Big Big Data 2020-2021.pptx
+++ b/Projet Big Big Data 2020-2021.pptx
@@ -19,6 +19,10 @@
     <p:sldId id="264" r:id="rId14"/>
     <p:sldId id="265" r:id="rId15"/>
     <p:sldId id="266" r:id="rId16"/>
+    <p:sldId id="267" r:id="rId17"/>
+    <p:sldId id="268" r:id="rId18"/>
+    <p:sldId id="269" r:id="rId19"/>
+    <p:sldId id="270" r:id="rId20"/>
   </p:sldIdLst>
   <p:sldSz cy="5143500" cx="9144000"/>
   <p:notesSz cx="6858000" cy="9144000"/>
@@ -814,7 +818,7 @@
       </p:grpSpPr>
       <p:sp>
         <p:nvSpPr>
-          <p:cNvPr id="164" name="Google Shape;164;gb610c32d85_2_103:notes"/>
+          <p:cNvPr id="164" name="Google Shape;164;gb7d8bcb956_0_0:notes"/>
           <p:cNvSpPr/>
           <p:nvPr>
             <p:ph idx="2" type="sldImg"/>
@@ -849,7 +853,7 @@
       </p:sp>
       <p:sp>
         <p:nvSpPr>
-          <p:cNvPr id="165" name="Google Shape;165;gb610c32d85_2_103:notes"/>
+          <p:cNvPr id="165" name="Google Shape;165;gb7d8bcb956_0_0:notes"/>
           <p:cNvSpPr txBox="1"/>
           <p:nvPr>
             <p:ph idx="1" type="body"/>
@@ -899,7 +903,7 @@
   <p:cSld>
     <p:spTree>
       <p:nvGrpSpPr>
-        <p:cNvPr id="170" name="Shape 170"/>
+        <p:cNvPr id="178" name="Shape 178"/>
         <p:cNvGrpSpPr/>
         <p:nvPr/>
       </p:nvGrpSpPr>
@@ -913,7 +917,7 @@
       </p:grpSpPr>
       <p:sp>
         <p:nvSpPr>
-          <p:cNvPr id="171" name="Google Shape;171;gafa43cd03d_0_6:notes"/>
+          <p:cNvPr id="179" name="Google Shape;179;gb784dc0dc1_0_14:notes"/>
           <p:cNvSpPr/>
           <p:nvPr>
             <p:ph idx="2" type="sldImg"/>
@@ -948,7 +952,403 @@
       </p:sp>
       <p:sp>
         <p:nvSpPr>
-          <p:cNvPr id="172" name="Google Shape;172;gafa43cd03d_0_6:notes"/>
+          <p:cNvPr id="180" name="Google Shape;180;gb784dc0dc1_0_14:notes"/>
+          <p:cNvSpPr txBox="1"/>
+          <p:nvPr>
+            <p:ph idx="1" type="body"/>
+          </p:nvPr>
+        </p:nvSpPr>
+        <p:spPr>
+          <a:xfrm>
+            <a:off x="685800" y="4343400"/>
+            <a:ext cx="5486400" cy="4114800"/>
+          </a:xfrm>
+          <a:prstGeom prst="rect">
+            <a:avLst/>
+          </a:prstGeom>
+        </p:spPr>
+        <p:txBody>
+          <a:bodyPr anchorCtr="0" anchor="t" bIns="91425" lIns="91425" spcFirstLastPara="1" rIns="91425" wrap="square" tIns="91425">
+            <a:noAutofit/>
+          </a:bodyPr>
+          <a:lstStyle/>
+          <a:p>
+            <a:pPr indent="0" lvl="0" marL="0" rtl="0" algn="l">
+              <a:spcBef>
+                <a:spcPts val="0"/>
+              </a:spcBef>
+              <a:spcAft>
+                <a:spcPts val="0"/>
+              </a:spcAft>
+              <a:buNone/>
+            </a:pPr>
+            <a:r>
+              <a:t/>
+            </a:r>
+            <a:endParaRPr/>
+          </a:p>
+        </p:txBody>
+      </p:sp>
+    </p:spTree>
+  </p:cSld>
+  <p:clrMapOvr>
+    <a:masterClrMapping/>
+  </p:clrMapOvr>
+</p:notes>
+</file>
+
+<file path=ppt/notesSlides/notesSlide12.xml><?xml version="1.0" encoding="utf-8"?>
+<p:notes xmlns:a="http://schemas.openxmlformats.org/drawingml/2006/main" xmlns:r="http://schemas.openxmlformats.org/officeDocument/2006/relationships" xmlns:mc="http://schemas.openxmlformats.org/markup-compatibility/2006" xmlns:mv="urn:schemas-microsoft-com:mac:vml" xmlns:p="http://schemas.openxmlformats.org/presentationml/2006/main" xmlns:c="http://schemas.openxmlformats.org/drawingml/2006/chart" xmlns:dgm="http://schemas.openxmlformats.org/drawingml/2006/diagram" xmlns:o="urn:schemas-microsoft-com:office:office" xmlns:v="urn:schemas-microsoft-com:vml" xmlns:pvml="urn:schemas-microsoft-com:office:powerpoint" xmlns:com="http://schemas.openxmlformats.org/drawingml/2006/compatibility" xmlns:p14="http://schemas.microsoft.com/office/powerpoint/2010/main" xmlns:p15="http://schemas.microsoft.com/office/powerpoint/2012/main" xmlns:ahyp="http://schemas.microsoft.com/office/drawing/2018/hyperlinkcolor" showMasterPhAnim="0" showMasterSp="0">
+  <p:cSld>
+    <p:spTree>
+      <p:nvGrpSpPr>
+        <p:cNvPr id="187" name="Shape 187"/>
+        <p:cNvGrpSpPr/>
+        <p:nvPr/>
+      </p:nvGrpSpPr>
+      <p:grpSpPr>
+        <a:xfrm>
+          <a:off x="0" y="0"/>
+          <a:ext cx="0" cy="0"/>
+          <a:chOff x="0" y="0"/>
+          <a:chExt cx="0" cy="0"/>
+        </a:xfrm>
+      </p:grpSpPr>
+      <p:sp>
+        <p:nvSpPr>
+          <p:cNvPr id="188" name="Google Shape;188;gb784dc0dc1_0_24:notes"/>
+          <p:cNvSpPr/>
+          <p:nvPr>
+            <p:ph idx="2" type="sldImg"/>
+          </p:nvPr>
+        </p:nvSpPr>
+        <p:spPr>
+          <a:xfrm>
+            <a:off x="381300" y="685800"/>
+            <a:ext cx="6096000" cy="3429000"/>
+          </a:xfrm>
+          <a:custGeom>
+            <a:rect b="b" l="l" r="r" t="t"/>
+            <a:pathLst>
+              <a:path extrusionOk="0" h="120000" w="120000">
+                <a:moveTo>
+                  <a:pt x="0" y="0"/>
+                </a:moveTo>
+                <a:lnTo>
+                  <a:pt x="120000" y="0"/>
+                </a:lnTo>
+                <a:lnTo>
+                  <a:pt x="120000" y="120000"/>
+                </a:lnTo>
+                <a:lnTo>
+                  <a:pt x="0" y="120000"/>
+                </a:lnTo>
+                <a:close/>
+              </a:path>
+            </a:pathLst>
+          </a:custGeom>
+        </p:spPr>
+      </p:sp>
+      <p:sp>
+        <p:nvSpPr>
+          <p:cNvPr id="189" name="Google Shape;189;gb784dc0dc1_0_24:notes"/>
+          <p:cNvSpPr txBox="1"/>
+          <p:nvPr>
+            <p:ph idx="1" type="body"/>
+          </p:nvPr>
+        </p:nvSpPr>
+        <p:spPr>
+          <a:xfrm>
+            <a:off x="685800" y="4343400"/>
+            <a:ext cx="5486400" cy="4114800"/>
+          </a:xfrm>
+          <a:prstGeom prst="rect">
+            <a:avLst/>
+          </a:prstGeom>
+        </p:spPr>
+        <p:txBody>
+          <a:bodyPr anchorCtr="0" anchor="t" bIns="91425" lIns="91425" spcFirstLastPara="1" rIns="91425" wrap="square" tIns="91425">
+            <a:noAutofit/>
+          </a:bodyPr>
+          <a:lstStyle/>
+          <a:p>
+            <a:pPr indent="0" lvl="0" marL="0" rtl="0" algn="l">
+              <a:spcBef>
+                <a:spcPts val="0"/>
+              </a:spcBef>
+              <a:spcAft>
+                <a:spcPts val="0"/>
+              </a:spcAft>
+              <a:buNone/>
+            </a:pPr>
+            <a:r>
+              <a:t/>
+            </a:r>
+            <a:endParaRPr/>
+          </a:p>
+        </p:txBody>
+      </p:sp>
+    </p:spTree>
+  </p:cSld>
+  <p:clrMapOvr>
+    <a:masterClrMapping/>
+  </p:clrMapOvr>
+</p:notes>
+</file>
+
+<file path=ppt/notesSlides/notesSlide13.xml><?xml version="1.0" encoding="utf-8"?>
+<p:notes xmlns:a="http://schemas.openxmlformats.org/drawingml/2006/main" xmlns:r="http://schemas.openxmlformats.org/officeDocument/2006/relationships" xmlns:mc="http://schemas.openxmlformats.org/markup-compatibility/2006" xmlns:mv="urn:schemas-microsoft-com:mac:vml" xmlns:p="http://schemas.openxmlformats.org/presentationml/2006/main" xmlns:c="http://schemas.openxmlformats.org/drawingml/2006/chart" xmlns:dgm="http://schemas.openxmlformats.org/drawingml/2006/diagram" xmlns:o="urn:schemas-microsoft-com:office:office" xmlns:v="urn:schemas-microsoft-com:vml" xmlns:pvml="urn:schemas-microsoft-com:office:powerpoint" xmlns:com="http://schemas.openxmlformats.org/drawingml/2006/compatibility" xmlns:p14="http://schemas.microsoft.com/office/powerpoint/2010/main" xmlns:p15="http://schemas.microsoft.com/office/powerpoint/2012/main" xmlns:ahyp="http://schemas.microsoft.com/office/drawing/2018/hyperlinkcolor" showMasterPhAnim="0" showMasterSp="0">
+  <p:cSld>
+    <p:spTree>
+      <p:nvGrpSpPr>
+        <p:cNvPr id="195" name="Shape 195"/>
+        <p:cNvGrpSpPr/>
+        <p:nvPr/>
+      </p:nvGrpSpPr>
+      <p:grpSpPr>
+        <a:xfrm>
+          <a:off x="0" y="0"/>
+          <a:ext cx="0" cy="0"/>
+          <a:chOff x="0" y="0"/>
+          <a:chExt cx="0" cy="0"/>
+        </a:xfrm>
+      </p:grpSpPr>
+      <p:sp>
+        <p:nvSpPr>
+          <p:cNvPr id="196" name="Google Shape;196;gb610c32d85_2_103:notes"/>
+          <p:cNvSpPr/>
+          <p:nvPr>
+            <p:ph idx="2" type="sldImg"/>
+          </p:nvPr>
+        </p:nvSpPr>
+        <p:spPr>
+          <a:xfrm>
+            <a:off x="381300" y="685800"/>
+            <a:ext cx="6096000" cy="3429000"/>
+          </a:xfrm>
+          <a:custGeom>
+            <a:rect b="b" l="l" r="r" t="t"/>
+            <a:pathLst>
+              <a:path extrusionOk="0" h="120000" w="120000">
+                <a:moveTo>
+                  <a:pt x="0" y="0"/>
+                </a:moveTo>
+                <a:lnTo>
+                  <a:pt x="120000" y="0"/>
+                </a:lnTo>
+                <a:lnTo>
+                  <a:pt x="120000" y="120000"/>
+                </a:lnTo>
+                <a:lnTo>
+                  <a:pt x="0" y="120000"/>
+                </a:lnTo>
+                <a:close/>
+              </a:path>
+            </a:pathLst>
+          </a:custGeom>
+        </p:spPr>
+      </p:sp>
+      <p:sp>
+        <p:nvSpPr>
+          <p:cNvPr id="197" name="Google Shape;197;gb610c32d85_2_103:notes"/>
+          <p:cNvSpPr txBox="1"/>
+          <p:nvPr>
+            <p:ph idx="1" type="body"/>
+          </p:nvPr>
+        </p:nvSpPr>
+        <p:spPr>
+          <a:xfrm>
+            <a:off x="685800" y="4343400"/>
+            <a:ext cx="5486400" cy="4114800"/>
+          </a:xfrm>
+          <a:prstGeom prst="rect">
+            <a:avLst/>
+          </a:prstGeom>
+        </p:spPr>
+        <p:txBody>
+          <a:bodyPr anchorCtr="0" anchor="t" bIns="91425" lIns="91425" spcFirstLastPara="1" rIns="91425" wrap="square" tIns="91425">
+            <a:noAutofit/>
+          </a:bodyPr>
+          <a:lstStyle/>
+          <a:p>
+            <a:pPr indent="0" lvl="0" marL="0" rtl="0" algn="l">
+              <a:spcBef>
+                <a:spcPts val="0"/>
+              </a:spcBef>
+              <a:spcAft>
+                <a:spcPts val="0"/>
+              </a:spcAft>
+              <a:buNone/>
+            </a:pPr>
+            <a:r>
+              <a:t/>
+            </a:r>
+            <a:endParaRPr/>
+          </a:p>
+        </p:txBody>
+      </p:sp>
+    </p:spTree>
+  </p:cSld>
+  <p:clrMapOvr>
+    <a:masterClrMapping/>
+  </p:clrMapOvr>
+</p:notes>
+</file>
+
+<file path=ppt/notesSlides/notesSlide14.xml><?xml version="1.0" encoding="utf-8"?>
+<p:notes xmlns:a="http://schemas.openxmlformats.org/drawingml/2006/main" xmlns:r="http://schemas.openxmlformats.org/officeDocument/2006/relationships" xmlns:mc="http://schemas.openxmlformats.org/markup-compatibility/2006" xmlns:mv="urn:schemas-microsoft-com:mac:vml" xmlns:p="http://schemas.openxmlformats.org/presentationml/2006/main" xmlns:c="http://schemas.openxmlformats.org/drawingml/2006/chart" xmlns:dgm="http://schemas.openxmlformats.org/drawingml/2006/diagram" xmlns:o="urn:schemas-microsoft-com:office:office" xmlns:v="urn:schemas-microsoft-com:vml" xmlns:pvml="urn:schemas-microsoft-com:office:powerpoint" xmlns:com="http://schemas.openxmlformats.org/drawingml/2006/compatibility" xmlns:p14="http://schemas.microsoft.com/office/powerpoint/2010/main" xmlns:p15="http://schemas.microsoft.com/office/powerpoint/2012/main" xmlns:ahyp="http://schemas.microsoft.com/office/drawing/2018/hyperlinkcolor" showMasterPhAnim="0" showMasterSp="0">
+  <p:cSld>
+    <p:spTree>
+      <p:nvGrpSpPr>
+        <p:cNvPr id="202" name="Shape 202"/>
+        <p:cNvGrpSpPr/>
+        <p:nvPr/>
+      </p:nvGrpSpPr>
+      <p:grpSpPr>
+        <a:xfrm>
+          <a:off x="0" y="0"/>
+          <a:ext cx="0" cy="0"/>
+          <a:chOff x="0" y="0"/>
+          <a:chExt cx="0" cy="0"/>
+        </a:xfrm>
+      </p:grpSpPr>
+      <p:sp>
+        <p:nvSpPr>
+          <p:cNvPr id="203" name="Google Shape;203;gb7d8bcb956_0_9:notes"/>
+          <p:cNvSpPr/>
+          <p:nvPr>
+            <p:ph idx="2" type="sldImg"/>
+          </p:nvPr>
+        </p:nvSpPr>
+        <p:spPr>
+          <a:xfrm>
+            <a:off x="381300" y="685800"/>
+            <a:ext cx="6096000" cy="3429000"/>
+          </a:xfrm>
+          <a:custGeom>
+            <a:rect b="b" l="l" r="r" t="t"/>
+            <a:pathLst>
+              <a:path extrusionOk="0" h="120000" w="120000">
+                <a:moveTo>
+                  <a:pt x="0" y="0"/>
+                </a:moveTo>
+                <a:lnTo>
+                  <a:pt x="120000" y="0"/>
+                </a:lnTo>
+                <a:lnTo>
+                  <a:pt x="120000" y="120000"/>
+                </a:lnTo>
+                <a:lnTo>
+                  <a:pt x="0" y="120000"/>
+                </a:lnTo>
+                <a:close/>
+              </a:path>
+            </a:pathLst>
+          </a:custGeom>
+        </p:spPr>
+      </p:sp>
+      <p:sp>
+        <p:nvSpPr>
+          <p:cNvPr id="204" name="Google Shape;204;gb7d8bcb956_0_9:notes"/>
+          <p:cNvSpPr txBox="1"/>
+          <p:nvPr>
+            <p:ph idx="1" type="body"/>
+          </p:nvPr>
+        </p:nvSpPr>
+        <p:spPr>
+          <a:xfrm>
+            <a:off x="685800" y="4343400"/>
+            <a:ext cx="5486400" cy="4114800"/>
+          </a:xfrm>
+          <a:prstGeom prst="rect">
+            <a:avLst/>
+          </a:prstGeom>
+        </p:spPr>
+        <p:txBody>
+          <a:bodyPr anchorCtr="0" anchor="t" bIns="91425" lIns="91425" spcFirstLastPara="1" rIns="91425" wrap="square" tIns="91425">
+            <a:noAutofit/>
+          </a:bodyPr>
+          <a:lstStyle/>
+          <a:p>
+            <a:pPr indent="0" lvl="0" marL="0" rtl="0" algn="l">
+              <a:spcBef>
+                <a:spcPts val="0"/>
+              </a:spcBef>
+              <a:spcAft>
+                <a:spcPts val="0"/>
+              </a:spcAft>
+              <a:buNone/>
+            </a:pPr>
+            <a:r>
+              <a:t/>
+            </a:r>
+            <a:endParaRPr/>
+          </a:p>
+        </p:txBody>
+      </p:sp>
+    </p:spTree>
+  </p:cSld>
+  <p:clrMapOvr>
+    <a:masterClrMapping/>
+  </p:clrMapOvr>
+</p:notes>
+</file>
+
+<file path=ppt/notesSlides/notesSlide15.xml><?xml version="1.0" encoding="utf-8"?>
+<p:notes xmlns:a="http://schemas.openxmlformats.org/drawingml/2006/main" xmlns:r="http://schemas.openxmlformats.org/officeDocument/2006/relationships" xmlns:mc="http://schemas.openxmlformats.org/markup-compatibility/2006" xmlns:mv="urn:schemas-microsoft-com:mac:vml" xmlns:p="http://schemas.openxmlformats.org/presentationml/2006/main" xmlns:c="http://schemas.openxmlformats.org/drawingml/2006/chart" xmlns:dgm="http://schemas.openxmlformats.org/drawingml/2006/diagram" xmlns:o="urn:schemas-microsoft-com:office:office" xmlns:v="urn:schemas-microsoft-com:vml" xmlns:pvml="urn:schemas-microsoft-com:office:powerpoint" xmlns:com="http://schemas.openxmlformats.org/drawingml/2006/compatibility" xmlns:p14="http://schemas.microsoft.com/office/powerpoint/2010/main" xmlns:p15="http://schemas.microsoft.com/office/powerpoint/2012/main" xmlns:ahyp="http://schemas.microsoft.com/office/drawing/2018/hyperlinkcolor" showMasterPhAnim="0" showMasterSp="0">
+  <p:cSld>
+    <p:spTree>
+      <p:nvGrpSpPr>
+        <p:cNvPr id="210" name="Shape 210"/>
+        <p:cNvGrpSpPr/>
+        <p:nvPr/>
+      </p:nvGrpSpPr>
+      <p:grpSpPr>
+        <a:xfrm>
+          <a:off x="0" y="0"/>
+          <a:ext cx="0" cy="0"/>
+          <a:chOff x="0" y="0"/>
+          <a:chExt cx="0" cy="0"/>
+        </a:xfrm>
+      </p:grpSpPr>
+      <p:sp>
+        <p:nvSpPr>
+          <p:cNvPr id="211" name="Google Shape;211;gafa43cd03d_0_6:notes"/>
+          <p:cNvSpPr/>
+          <p:nvPr>
+            <p:ph idx="2" type="sldImg"/>
+          </p:nvPr>
+        </p:nvSpPr>
+        <p:spPr>
+          <a:xfrm>
+            <a:off x="381300" y="685800"/>
+            <a:ext cx="6096000" cy="3429000"/>
+          </a:xfrm>
+          <a:custGeom>
+            <a:rect b="b" l="l" r="r" t="t"/>
+            <a:pathLst>
+              <a:path extrusionOk="0" h="120000" w="120000">
+                <a:moveTo>
+                  <a:pt x="0" y="0"/>
+                </a:moveTo>
+                <a:lnTo>
+                  <a:pt x="120000" y="0"/>
+                </a:lnTo>
+                <a:lnTo>
+                  <a:pt x="120000" y="120000"/>
+                </a:lnTo>
+                <a:lnTo>
+                  <a:pt x="0" y="120000"/>
+                </a:lnTo>
+                <a:close/>
+              </a:path>
+            </a:pathLst>
+          </a:custGeom>
+        </p:spPr>
+      </p:sp>
+      <p:sp>
+        <p:nvSpPr>
+          <p:cNvPr id="212" name="Google Shape;212;gafa43cd03d_0_6:notes"/>
           <p:cNvSpPr txBox="1"/>
           <p:nvPr>
             <p:ph idx="1" type="body"/>
@@ -6712,7 +7112,7 @@
         <p:spPr>
           <a:xfrm>
             <a:off x="278850" y="1355688"/>
-            <a:ext cx="8586300" cy="2432100"/>
+            <a:ext cx="8586300" cy="2339700"/>
           </a:xfrm>
           <a:prstGeom prst="rect">
             <a:avLst/>
@@ -6798,7 +7198,7 @@
               <a:buNone/>
             </a:pPr>
             <a:r>
-              <a:rPr lang="en" sz="3000">
+              <a:rPr lang="en" sz="2700">
                 <a:solidFill>
                   <a:schemeClr val="lt1"/>
                 </a:solidFill>
@@ -6807,9 +7207,9 @@
                 <a:cs typeface="Cambria"/>
                 <a:sym typeface="Cambria"/>
               </a:rPr>
-              <a:t>Impact des médias dans la pandémie Coronavirus</a:t>
-            </a:r>
-            <a:endParaRPr sz="3000">
+              <a:t>Evolution de la pandémie COVID 19 via son impact media</a:t>
+            </a:r>
+            <a:endParaRPr sz="2700">
               <a:solidFill>
                 <a:schemeClr val="lt1"/>
               </a:solidFill>
@@ -6835,7 +7235,7 @@
               <a:buNone/>
             </a:pPr>
             <a:r>
-              <a:rPr lang="en" sz="3000">
+              <a:rPr lang="en" sz="2700">
                 <a:solidFill>
                   <a:schemeClr val="lt1"/>
                 </a:solidFill>
@@ -6846,7 +7246,7 @@
               </a:rPr>
               <a:t>22-01-2021</a:t>
             </a:r>
-            <a:endParaRPr sz="3000">
+            <a:endParaRPr sz="2700">
               <a:solidFill>
                 <a:schemeClr val="lt1"/>
               </a:solidFill>
@@ -6936,8 +7336,8 @@
         </p:nvSpPr>
         <p:spPr>
           <a:xfrm>
-            <a:off x="3262650" y="516750"/>
-            <a:ext cx="2618700" cy="572700"/>
+            <a:off x="311700" y="392750"/>
+            <a:ext cx="8520600" cy="572700"/>
           </a:xfrm>
           <a:prstGeom prst="rect">
             <a:avLst/>
@@ -6959,18 +7359,14 @@
               <a:buNone/>
             </a:pPr>
             <a:r>
-              <a:rPr i="1" lang="en">
-                <a:solidFill>
-                  <a:schemeClr val="dk2"/>
-                </a:solidFill>
-              </a:rPr>
-              <a:t>Demonstration</a:t>
-            </a:r>
-            <a:endParaRPr i="1">
-              <a:solidFill>
-                <a:schemeClr val="dk2"/>
-              </a:solidFill>
-            </a:endParaRPr>
+              <a:rPr lang="en"/>
+              <a:t>Volumétrie des données</a:t>
+            </a:r>
+            <a:r>
+              <a:rPr lang="en"/>
+              <a:t> - dataframe</a:t>
+            </a:r>
+            <a:endParaRPr/>
           </a:p>
         </p:txBody>
       </p:sp>
@@ -6990,8 +7386,8 @@
         </p:blipFill>
         <p:spPr>
           <a:xfrm>
-            <a:off x="2667000" y="1407075"/>
-            <a:ext cx="3810000" cy="3048000"/>
+            <a:off x="8135325" y="392750"/>
+            <a:ext cx="696975" cy="796550"/>
           </a:xfrm>
           <a:prstGeom prst="rect">
             <a:avLst/>
@@ -7010,20 +7406,18 @@
         </p:nvSpPr>
         <p:spPr>
           <a:xfrm>
-            <a:off x="122950" y="106550"/>
-            <a:ext cx="8924400" cy="4918200"/>
-          </a:xfrm>
-          <a:prstGeom prst="rect">
+            <a:off x="2121000" y="3370375"/>
+            <a:ext cx="585300" cy="572700"/>
+          </a:xfrm>
+          <a:prstGeom prst="ellipse">
             <a:avLst/>
           </a:prstGeom>
           <a:solidFill>
-            <a:srgbClr val="EEEEEE">
-              <a:alpha val="4860"/>
-            </a:srgbClr>
+            <a:srgbClr val="9FC5E8"/>
           </a:solidFill>
           <a:ln cap="flat" cmpd="sng" w="9525">
             <a:solidFill>
-              <a:srgbClr val="434343"/>
+              <a:schemeClr val="dk2"/>
             </a:solidFill>
             <a:prstDash val="solid"/>
             <a:round/>
@@ -7048,6 +7442,378 @@
             </a:pPr>
             <a:r>
               <a:t/>
+            </a:r>
+            <a:endParaRPr/>
+          </a:p>
+        </p:txBody>
+      </p:sp>
+      <p:sp>
+        <p:nvSpPr>
+          <p:cNvPr id="170" name="Google Shape;170;p22"/>
+          <p:cNvSpPr/>
+          <p:nvPr/>
+        </p:nvSpPr>
+        <p:spPr>
+          <a:xfrm>
+            <a:off x="5314025" y="1994875"/>
+            <a:ext cx="1944300" cy="1948200"/>
+          </a:xfrm>
+          <a:prstGeom prst="ellipse">
+            <a:avLst/>
+          </a:prstGeom>
+          <a:solidFill>
+            <a:srgbClr val="3D85C6"/>
+          </a:solidFill>
+          <a:ln cap="flat" cmpd="sng" w="9525">
+            <a:solidFill>
+              <a:schemeClr val="dk2"/>
+            </a:solidFill>
+            <a:prstDash val="solid"/>
+            <a:round/>
+            <a:headEnd len="sm" w="sm" type="none"/>
+            <a:tailEnd len="sm" w="sm" type="none"/>
+          </a:ln>
+        </p:spPr>
+        <p:txBody>
+          <a:bodyPr anchorCtr="0" anchor="ctr" bIns="91425" lIns="91425" spcFirstLastPara="1" rIns="91425" wrap="square" tIns="91425">
+            <a:noAutofit/>
+          </a:bodyPr>
+          <a:lstStyle/>
+          <a:p>
+            <a:pPr indent="0" lvl="0" marL="0" rtl="0" algn="l">
+              <a:spcBef>
+                <a:spcPts val="0"/>
+              </a:spcBef>
+              <a:spcAft>
+                <a:spcPts val="0"/>
+              </a:spcAft>
+              <a:buNone/>
+            </a:pPr>
+            <a:r>
+              <a:t/>
+            </a:r>
+            <a:endParaRPr/>
+          </a:p>
+        </p:txBody>
+      </p:sp>
+      <p:sp>
+        <p:nvSpPr>
+          <p:cNvPr id="171" name="Google Shape;171;p22"/>
+          <p:cNvSpPr/>
+          <p:nvPr/>
+        </p:nvSpPr>
+        <p:spPr>
+          <a:xfrm>
+            <a:off x="3676625" y="3046375"/>
+            <a:ext cx="902400" cy="896700"/>
+          </a:xfrm>
+          <a:prstGeom prst="ellipse">
+            <a:avLst/>
+          </a:prstGeom>
+          <a:solidFill>
+            <a:srgbClr val="6FA8DC"/>
+          </a:solidFill>
+          <a:ln cap="flat" cmpd="sng" w="9525">
+            <a:solidFill>
+              <a:schemeClr val="dk2"/>
+            </a:solidFill>
+            <a:prstDash val="solid"/>
+            <a:round/>
+            <a:headEnd len="sm" w="sm" type="none"/>
+            <a:tailEnd len="sm" w="sm" type="none"/>
+          </a:ln>
+        </p:spPr>
+        <p:txBody>
+          <a:bodyPr anchorCtr="0" anchor="ctr" bIns="91425" lIns="91425" spcFirstLastPara="1" rIns="91425" wrap="square" tIns="91425">
+            <a:noAutofit/>
+          </a:bodyPr>
+          <a:lstStyle/>
+          <a:p>
+            <a:pPr indent="0" lvl="0" marL="0" rtl="0" algn="l">
+              <a:spcBef>
+                <a:spcPts val="0"/>
+              </a:spcBef>
+              <a:spcAft>
+                <a:spcPts val="0"/>
+              </a:spcAft>
+              <a:buNone/>
+            </a:pPr>
+            <a:r>
+              <a:t/>
+            </a:r>
+            <a:endParaRPr/>
+          </a:p>
+        </p:txBody>
+      </p:sp>
+      <p:sp>
+        <p:nvSpPr>
+          <p:cNvPr id="172" name="Google Shape;172;p22"/>
+          <p:cNvSpPr txBox="1"/>
+          <p:nvPr/>
+        </p:nvSpPr>
+        <p:spPr>
+          <a:xfrm>
+            <a:off x="1885663" y="4160575"/>
+            <a:ext cx="1056000" cy="400200"/>
+          </a:xfrm>
+          <a:prstGeom prst="rect">
+            <a:avLst/>
+          </a:prstGeom>
+          <a:noFill/>
+          <a:ln cap="flat" cmpd="sng" w="9525">
+            <a:solidFill>
+              <a:srgbClr val="000000"/>
+            </a:solidFill>
+            <a:prstDash val="solid"/>
+            <a:round/>
+            <a:headEnd len="sm" w="sm" type="none"/>
+            <a:tailEnd len="sm" w="sm" type="none"/>
+          </a:ln>
+        </p:spPr>
+        <p:txBody>
+          <a:bodyPr anchorCtr="0" anchor="t" bIns="91425" lIns="91425" spcFirstLastPara="1" rIns="91425" wrap="square" tIns="91425">
+            <a:spAutoFit/>
+          </a:bodyPr>
+          <a:lstStyle/>
+          <a:p>
+            <a:pPr indent="0" lvl="0" marL="0" rtl="0" algn="l">
+              <a:spcBef>
+                <a:spcPts val="0"/>
+              </a:spcBef>
+              <a:spcAft>
+                <a:spcPts val="0"/>
+              </a:spcAft>
+              <a:buNone/>
+            </a:pPr>
+            <a:r>
+              <a:rPr lang="en"/>
+              <a:t>Requête 1</a:t>
+            </a:r>
+            <a:endParaRPr/>
+          </a:p>
+        </p:txBody>
+      </p:sp>
+      <p:sp>
+        <p:nvSpPr>
+          <p:cNvPr id="173" name="Google Shape;173;p22"/>
+          <p:cNvSpPr txBox="1"/>
+          <p:nvPr/>
+        </p:nvSpPr>
+        <p:spPr>
+          <a:xfrm>
+            <a:off x="3599838" y="4160575"/>
+            <a:ext cx="1056000" cy="400200"/>
+          </a:xfrm>
+          <a:prstGeom prst="rect">
+            <a:avLst/>
+          </a:prstGeom>
+          <a:noFill/>
+          <a:ln cap="flat" cmpd="sng" w="9525">
+            <a:solidFill>
+              <a:srgbClr val="000000"/>
+            </a:solidFill>
+            <a:prstDash val="solid"/>
+            <a:round/>
+            <a:headEnd len="sm" w="sm" type="none"/>
+            <a:tailEnd len="sm" w="sm" type="none"/>
+          </a:ln>
+        </p:spPr>
+        <p:txBody>
+          <a:bodyPr anchorCtr="0" anchor="t" bIns="91425" lIns="91425" spcFirstLastPara="1" rIns="91425" wrap="square" tIns="91425">
+            <a:spAutoFit/>
+          </a:bodyPr>
+          <a:lstStyle/>
+          <a:p>
+            <a:pPr indent="0" lvl="0" marL="0" rtl="0" algn="l">
+              <a:spcBef>
+                <a:spcPts val="0"/>
+              </a:spcBef>
+              <a:spcAft>
+                <a:spcPts val="0"/>
+              </a:spcAft>
+              <a:buNone/>
+            </a:pPr>
+            <a:r>
+              <a:rPr lang="en"/>
+              <a:t>Requête 1</a:t>
+            </a:r>
+            <a:endParaRPr/>
+          </a:p>
+        </p:txBody>
+      </p:sp>
+      <p:sp>
+        <p:nvSpPr>
+          <p:cNvPr id="174" name="Google Shape;174;p22"/>
+          <p:cNvSpPr txBox="1"/>
+          <p:nvPr/>
+        </p:nvSpPr>
+        <p:spPr>
+          <a:xfrm>
+            <a:off x="5758163" y="4160575"/>
+            <a:ext cx="1056000" cy="400200"/>
+          </a:xfrm>
+          <a:prstGeom prst="rect">
+            <a:avLst/>
+          </a:prstGeom>
+          <a:noFill/>
+          <a:ln cap="flat" cmpd="sng" w="9525">
+            <a:solidFill>
+              <a:srgbClr val="000000"/>
+            </a:solidFill>
+            <a:prstDash val="solid"/>
+            <a:round/>
+            <a:headEnd len="sm" w="sm" type="none"/>
+            <a:tailEnd len="sm" w="sm" type="none"/>
+          </a:ln>
+        </p:spPr>
+        <p:txBody>
+          <a:bodyPr anchorCtr="0" anchor="t" bIns="91425" lIns="91425" spcFirstLastPara="1" rIns="91425" wrap="square" tIns="91425">
+            <a:spAutoFit/>
+          </a:bodyPr>
+          <a:lstStyle/>
+          <a:p>
+            <a:pPr indent="0" lvl="0" marL="0" rtl="0" algn="l">
+              <a:spcBef>
+                <a:spcPts val="0"/>
+              </a:spcBef>
+              <a:spcAft>
+                <a:spcPts val="0"/>
+              </a:spcAft>
+              <a:buNone/>
+            </a:pPr>
+            <a:r>
+              <a:rPr lang="en"/>
+              <a:t>Requête 3</a:t>
+            </a:r>
+            <a:endParaRPr/>
+          </a:p>
+        </p:txBody>
+      </p:sp>
+      <p:sp>
+        <p:nvSpPr>
+          <p:cNvPr id="175" name="Google Shape;175;p22"/>
+          <p:cNvSpPr txBox="1"/>
+          <p:nvPr/>
+        </p:nvSpPr>
+        <p:spPr>
+          <a:xfrm>
+            <a:off x="2016463" y="2970175"/>
+            <a:ext cx="794400" cy="400200"/>
+          </a:xfrm>
+          <a:prstGeom prst="rect">
+            <a:avLst/>
+          </a:prstGeom>
+          <a:noFill/>
+          <a:ln>
+            <a:noFill/>
+          </a:ln>
+        </p:spPr>
+        <p:txBody>
+          <a:bodyPr anchorCtr="0" anchor="t" bIns="91425" lIns="91425" spcFirstLastPara="1" rIns="91425" wrap="square" tIns="91425">
+            <a:spAutoFit/>
+          </a:bodyPr>
+          <a:lstStyle/>
+          <a:p>
+            <a:pPr indent="0" lvl="0" marL="0" rtl="0" algn="l">
+              <a:spcBef>
+                <a:spcPts val="0"/>
+              </a:spcBef>
+              <a:spcAft>
+                <a:spcPts val="0"/>
+              </a:spcAft>
+              <a:buNone/>
+            </a:pPr>
+            <a:r>
+              <a:rPr lang="en"/>
+              <a:t>1.6 Mo</a:t>
+            </a:r>
+            <a:endParaRPr/>
+          </a:p>
+        </p:txBody>
+      </p:sp>
+      <p:sp>
+        <p:nvSpPr>
+          <p:cNvPr id="176" name="Google Shape;176;p22"/>
+          <p:cNvSpPr txBox="1"/>
+          <p:nvPr/>
+        </p:nvSpPr>
+        <p:spPr>
+          <a:xfrm>
+            <a:off x="3731100" y="2646175"/>
+            <a:ext cx="794400" cy="400200"/>
+          </a:xfrm>
+          <a:prstGeom prst="rect">
+            <a:avLst/>
+          </a:prstGeom>
+          <a:noFill/>
+          <a:ln>
+            <a:noFill/>
+          </a:ln>
+        </p:spPr>
+        <p:txBody>
+          <a:bodyPr anchorCtr="0" anchor="t" bIns="91425" lIns="91425" spcFirstLastPara="1" rIns="91425" wrap="square" tIns="91425">
+            <a:spAutoFit/>
+          </a:bodyPr>
+          <a:lstStyle/>
+          <a:p>
+            <a:pPr indent="0" lvl="0" marL="0" rtl="0" algn="l">
+              <a:spcBef>
+                <a:spcPts val="0"/>
+              </a:spcBef>
+              <a:spcAft>
+                <a:spcPts val="0"/>
+              </a:spcAft>
+              <a:buNone/>
+            </a:pPr>
+            <a:r>
+              <a:rPr lang="en"/>
+              <a:t>96</a:t>
+            </a:r>
+            <a:r>
+              <a:rPr lang="en"/>
+              <a:t> Mo</a:t>
+            </a:r>
+            <a:endParaRPr/>
+          </a:p>
+        </p:txBody>
+      </p:sp>
+      <p:sp>
+        <p:nvSpPr>
+          <p:cNvPr id="177" name="Google Shape;177;p22"/>
+          <p:cNvSpPr txBox="1"/>
+          <p:nvPr/>
+        </p:nvSpPr>
+        <p:spPr>
+          <a:xfrm>
+            <a:off x="5888975" y="1533600"/>
+            <a:ext cx="794400" cy="400200"/>
+          </a:xfrm>
+          <a:prstGeom prst="rect">
+            <a:avLst/>
+          </a:prstGeom>
+          <a:noFill/>
+          <a:ln>
+            <a:noFill/>
+          </a:ln>
+        </p:spPr>
+        <p:txBody>
+          <a:bodyPr anchorCtr="0" anchor="t" bIns="91425" lIns="91425" spcFirstLastPara="1" rIns="91425" wrap="square" tIns="91425">
+            <a:spAutoFit/>
+          </a:bodyPr>
+          <a:lstStyle/>
+          <a:p>
+            <a:pPr indent="0" lvl="0" marL="0" rtl="0" algn="l">
+              <a:spcBef>
+                <a:spcPts val="0"/>
+              </a:spcBef>
+              <a:spcAft>
+                <a:spcPts val="0"/>
+              </a:spcAft>
+              <a:buNone/>
+            </a:pPr>
+            <a:r>
+              <a:rPr lang="en"/>
+              <a:t>51 Go</a:t>
             </a:r>
             <a:endParaRPr/>
           </a:p>
@@ -7066,7 +7832,7 @@
   <p:cSld>
     <p:spTree>
       <p:nvGrpSpPr>
-        <p:cNvPr id="173" name="Shape 173"/>
+        <p:cNvPr id="181" name="Shape 181"/>
         <p:cNvGrpSpPr/>
         <p:nvPr/>
       </p:nvGrpSpPr>
@@ -7080,7 +7846,7 @@
       </p:grpSpPr>
       <p:sp>
         <p:nvSpPr>
-          <p:cNvPr id="174" name="Google Shape;174;p23"/>
+          <p:cNvPr id="182" name="Google Shape;182;p23"/>
           <p:cNvSpPr txBox="1"/>
           <p:nvPr>
             <p:ph type="title"/>
@@ -7088,7 +7854,7 @@
         </p:nvSpPr>
         <p:spPr>
           <a:xfrm>
-            <a:off x="311700" y="2781125"/>
+            <a:off x="149175" y="246450"/>
             <a:ext cx="8520600" cy="572700"/>
           </a:xfrm>
           <a:prstGeom prst="rect">
@@ -7112,61 +7878,15 @@
             </a:pPr>
             <a:r>
               <a:rPr lang="en"/>
-              <a:t>Des q</a:t>
-            </a:r>
-            <a:r>
-              <a:rPr lang="en"/>
-              <a:t>uestions ?</a:t>
+              <a:t>Volumétrie des données - cluster Cassandra</a:t>
             </a:r>
             <a:endParaRPr/>
-          </a:p>
-        </p:txBody>
-      </p:sp>
-      <p:sp>
-        <p:nvSpPr>
-          <p:cNvPr id="175" name="Google Shape;175;p23"/>
-          <p:cNvSpPr txBox="1"/>
-          <p:nvPr/>
-        </p:nvSpPr>
-        <p:spPr>
-          <a:xfrm>
-            <a:off x="1221150" y="3927975"/>
-            <a:ext cx="5901600" cy="400200"/>
-          </a:xfrm>
-          <a:prstGeom prst="rect">
-            <a:avLst/>
-          </a:prstGeom>
-          <a:noFill/>
-          <a:ln>
-            <a:noFill/>
-          </a:ln>
-        </p:spPr>
-        <p:txBody>
-          <a:bodyPr anchorCtr="0" anchor="t" bIns="91425" lIns="91425" spcFirstLastPara="1" rIns="91425" wrap="square" tIns="91425">
-            <a:spAutoFit/>
-          </a:bodyPr>
-          <a:lstStyle/>
-          <a:p>
-            <a:pPr indent="0" lvl="0" marL="0" rtl="0" algn="l">
-              <a:spcBef>
-                <a:spcPts val="0"/>
-              </a:spcBef>
-              <a:spcAft>
-                <a:spcPts val="0"/>
-              </a:spcAft>
-              <a:buNone/>
-            </a:pPr>
-            <a:r>
-              <a:rPr i="1" lang="en"/>
-              <a:t>https://github.com/MSBGD-Gdelt-Project/gdelt</a:t>
-            </a:r>
-            <a:endParaRPr i="1"/>
           </a:p>
         </p:txBody>
       </p:sp>
       <p:pic>
         <p:nvPicPr>
-          <p:cNvPr id="176" name="Google Shape;176;p23"/>
+          <p:cNvPr id="183" name="Google Shape;183;p23"/>
           <p:cNvPicPr preferRelativeResize="0"/>
           <p:nvPr/>
         </p:nvPicPr>
@@ -7180,8 +7900,8 @@
         </p:blipFill>
         <p:spPr>
           <a:xfrm>
-            <a:off x="311700" y="3676850"/>
-            <a:ext cx="846325" cy="846325"/>
+            <a:off x="8065000" y="246450"/>
+            <a:ext cx="696975" cy="796550"/>
           </a:xfrm>
           <a:prstGeom prst="rect">
             <a:avLst/>
@@ -7192,16 +7912,97 @@
           </a:ln>
         </p:spPr>
       </p:pic>
+      <p:pic>
+        <p:nvPicPr>
+          <p:cNvPr id="184" name="Google Shape;184;p23"/>
+          <p:cNvPicPr preferRelativeResize="0"/>
+          <p:nvPr/>
+        </p:nvPicPr>
+        <p:blipFill>
+          <a:blip r:embed="rId4">
+            <a:alphaModFix/>
+          </a:blip>
+          <a:stretch>
+            <a:fillRect/>
+          </a:stretch>
+        </p:blipFill>
+        <p:spPr>
+          <a:xfrm>
+            <a:off x="393913" y="1623950"/>
+            <a:ext cx="8031123" cy="1895600"/>
+          </a:xfrm>
+          <a:prstGeom prst="rect">
+            <a:avLst/>
+          </a:prstGeom>
+          <a:noFill/>
+          <a:ln>
+            <a:noFill/>
+          </a:ln>
+        </p:spPr>
+      </p:pic>
       <p:sp>
         <p:nvSpPr>
-          <p:cNvPr id="177" name="Google Shape;177;p23"/>
+          <p:cNvPr id="185" name="Google Shape;185;p23"/>
+          <p:cNvSpPr/>
+          <p:nvPr/>
+        </p:nvSpPr>
+        <p:spPr>
+          <a:xfrm>
+            <a:off x="1725725" y="2465275"/>
+            <a:ext cx="696900" cy="717300"/>
+          </a:xfrm>
+          <a:prstGeom prst="roundRect">
+            <a:avLst>
+              <a:gd fmla="val 16667" name="adj"/>
+            </a:avLst>
+          </a:prstGeom>
+          <a:noFill/>
+          <a:ln cap="flat" cmpd="sng" w="28575">
+            <a:solidFill>
+              <a:srgbClr val="980000"/>
+            </a:solidFill>
+            <a:prstDash val="solid"/>
+            <a:round/>
+            <a:headEnd len="sm" w="sm" type="none"/>
+            <a:tailEnd len="sm" w="sm" type="none"/>
+          </a:ln>
+        </p:spPr>
+        <p:txBody>
+          <a:bodyPr anchorCtr="0" anchor="ctr" bIns="91425" lIns="91425" spcFirstLastPara="1" rIns="91425" wrap="square" tIns="91425">
+            <a:noAutofit/>
+          </a:bodyPr>
+          <a:lstStyle/>
+          <a:p>
+            <a:pPr indent="0" lvl="0" marL="0" rtl="0" algn="l">
+              <a:spcBef>
+                <a:spcPts val="0"/>
+              </a:spcBef>
+              <a:spcAft>
+                <a:spcPts val="0"/>
+              </a:spcAft>
+              <a:buNone/>
+            </a:pPr>
+            <a:r>
+              <a:t/>
+            </a:r>
+            <a:endParaRPr>
+              <a:solidFill>
+                <a:srgbClr val="FF0000"/>
+              </a:solidFill>
+            </a:endParaRPr>
+          </a:p>
+        </p:txBody>
+      </p:sp>
+      <p:sp>
+        <p:nvSpPr>
+          <p:cNvPr id="186" name="Google Shape;186;p23"/>
           <p:cNvSpPr txBox="1"/>
           <p:nvPr/>
         </p:nvSpPr>
         <p:spPr>
           <a:xfrm>
-            <a:off x="3535800" y="997950"/>
-            <a:ext cx="2072400" cy="923400"/>
+            <a:off x="393925" y="3840850"/>
+            <a:ext cx="6505800" cy="415500"/>
           </a:xfrm>
           <a:prstGeom prst="rect">
             <a:avLst/>
@@ -7227,6 +8028,719 @@
               <a:buNone/>
             </a:pPr>
             <a:r>
+              <a:rPr i="1" lang="en" sz="1500">
+                <a:solidFill>
+                  <a:srgbClr val="434343"/>
+                </a:solidFill>
+              </a:rPr>
+              <a:t>Une répartition </a:t>
+            </a:r>
+            <a:r>
+              <a:rPr b="1" i="1" lang="en" sz="1500">
+                <a:solidFill>
+                  <a:srgbClr val="434343"/>
+                </a:solidFill>
+              </a:rPr>
+              <a:t>équitable </a:t>
+            </a:r>
+            <a:r>
+              <a:rPr i="1" lang="en" sz="1500">
+                <a:solidFill>
+                  <a:srgbClr val="434343"/>
+                </a:solidFill>
+              </a:rPr>
+              <a:t>du chargement sur chaque noeud du cluster</a:t>
+            </a:r>
+            <a:endParaRPr i="1" sz="1500">
+              <a:solidFill>
+                <a:srgbClr val="434343"/>
+              </a:solidFill>
+            </a:endParaRPr>
+          </a:p>
+        </p:txBody>
+      </p:sp>
+    </p:spTree>
+  </p:cSld>
+  <p:clrMapOvr>
+    <a:masterClrMapping/>
+  </p:clrMapOvr>
+</p:sld>
+</file>
+
+<file path=ppt/slides/slide12.xml><?xml version="1.0" encoding="utf-8"?>
+<p:sld xmlns:a="http://schemas.openxmlformats.org/drawingml/2006/main" xmlns:r="http://schemas.openxmlformats.org/officeDocument/2006/relationships" xmlns:mc="http://schemas.openxmlformats.org/markup-compatibility/2006" xmlns:mv="urn:schemas-microsoft-com:mac:vml" xmlns:p="http://schemas.openxmlformats.org/presentationml/2006/main" xmlns:c="http://schemas.openxmlformats.org/drawingml/2006/chart" xmlns:dgm="http://schemas.openxmlformats.org/drawingml/2006/diagram" xmlns:o="urn:schemas-microsoft-com:office:office" xmlns:v="urn:schemas-microsoft-com:vml" xmlns:pvml="urn:schemas-microsoft-com:office:powerpoint" xmlns:com="http://schemas.openxmlformats.org/drawingml/2006/compatibility" xmlns:p14="http://schemas.microsoft.com/office/powerpoint/2010/main" xmlns:p15="http://schemas.microsoft.com/office/powerpoint/2012/main" xmlns:ahyp="http://schemas.microsoft.com/office/drawing/2018/hyperlinkcolor">
+  <p:cSld>
+    <p:spTree>
+      <p:nvGrpSpPr>
+        <p:cNvPr id="190" name="Shape 190"/>
+        <p:cNvGrpSpPr/>
+        <p:nvPr/>
+      </p:nvGrpSpPr>
+      <p:grpSpPr>
+        <a:xfrm>
+          <a:off x="0" y="0"/>
+          <a:ext cx="0" cy="0"/>
+          <a:chOff x="0" y="0"/>
+          <a:chExt cx="0" cy="0"/>
+        </a:xfrm>
+      </p:grpSpPr>
+      <p:sp>
+        <p:nvSpPr>
+          <p:cNvPr id="191" name="Google Shape;191;p24"/>
+          <p:cNvSpPr txBox="1"/>
+          <p:nvPr>
+            <p:ph type="title"/>
+          </p:nvPr>
+        </p:nvSpPr>
+        <p:spPr>
+          <a:xfrm>
+            <a:off x="149175" y="246450"/>
+            <a:ext cx="8520600" cy="572700"/>
+          </a:xfrm>
+          <a:prstGeom prst="rect">
+            <a:avLst/>
+          </a:prstGeom>
+        </p:spPr>
+        <p:txBody>
+          <a:bodyPr anchorCtr="0" anchor="t" bIns="91425" lIns="91425" spcFirstLastPara="1" rIns="91425" wrap="square" tIns="91425">
+            <a:noAutofit/>
+          </a:bodyPr>
+          <a:lstStyle/>
+          <a:p>
+            <a:pPr indent="0" lvl="0" marL="0" rtl="0" algn="l">
+              <a:spcBef>
+                <a:spcPts val="0"/>
+              </a:spcBef>
+              <a:spcAft>
+                <a:spcPts val="0"/>
+              </a:spcAft>
+              <a:buNone/>
+            </a:pPr>
+            <a:r>
+              <a:rPr lang="en"/>
+              <a:t>Aperçu d’une requête</a:t>
+            </a:r>
+            <a:endParaRPr/>
+          </a:p>
+        </p:txBody>
+      </p:sp>
+      <p:pic>
+        <p:nvPicPr>
+          <p:cNvPr id="192" name="Google Shape;192;p24"/>
+          <p:cNvPicPr preferRelativeResize="0"/>
+          <p:nvPr/>
+        </p:nvPicPr>
+        <p:blipFill>
+          <a:blip r:embed="rId3">
+            <a:alphaModFix/>
+          </a:blip>
+          <a:stretch>
+            <a:fillRect/>
+          </a:stretch>
+        </p:blipFill>
+        <p:spPr>
+          <a:xfrm>
+            <a:off x="8193625" y="246450"/>
+            <a:ext cx="719525" cy="719525"/>
+          </a:xfrm>
+          <a:prstGeom prst="rect">
+            <a:avLst/>
+          </a:prstGeom>
+          <a:noFill/>
+          <a:ln>
+            <a:noFill/>
+          </a:ln>
+        </p:spPr>
+      </p:pic>
+      <p:sp>
+        <p:nvSpPr>
+          <p:cNvPr id="193" name="Google Shape;193;p24"/>
+          <p:cNvSpPr txBox="1"/>
+          <p:nvPr>
+            <p:ph idx="1" type="body"/>
+          </p:nvPr>
+        </p:nvSpPr>
+        <p:spPr>
+          <a:xfrm>
+            <a:off x="311700" y="921938"/>
+            <a:ext cx="8520600" cy="378300"/>
+          </a:xfrm>
+          <a:prstGeom prst="rect">
+            <a:avLst/>
+          </a:prstGeom>
+        </p:spPr>
+        <p:txBody>
+          <a:bodyPr anchorCtr="0" anchor="t" bIns="91425" lIns="91425" spcFirstLastPara="1" rIns="91425" wrap="square" tIns="91425">
+            <a:noAutofit/>
+          </a:bodyPr>
+          <a:lstStyle/>
+          <a:p>
+            <a:pPr indent="-342900" lvl="0" marL="457200" rtl="0" algn="l">
+              <a:spcBef>
+                <a:spcPts val="0"/>
+              </a:spcBef>
+              <a:spcAft>
+                <a:spcPts val="0"/>
+              </a:spcAft>
+              <a:buSzPts val="1800"/>
+              <a:buChar char="✦"/>
+            </a:pPr>
+            <a:r>
+              <a:rPr lang="en"/>
+              <a:t>Evolution du nombre d’articles traitant du COVID par langue pour la France </a:t>
+            </a:r>
+            <a:endParaRPr/>
+          </a:p>
+        </p:txBody>
+      </p:sp>
+      <p:pic>
+        <p:nvPicPr>
+          <p:cNvPr id="194" name="Google Shape;194;p24"/>
+          <p:cNvPicPr preferRelativeResize="0"/>
+          <p:nvPr/>
+        </p:nvPicPr>
+        <p:blipFill>
+          <a:blip r:embed="rId4">
+            <a:alphaModFix/>
+          </a:blip>
+          <a:stretch>
+            <a:fillRect/>
+          </a:stretch>
+        </p:blipFill>
+        <p:spPr>
+          <a:xfrm>
+            <a:off x="152400" y="1800013"/>
+            <a:ext cx="8839197" cy="2222524"/>
+          </a:xfrm>
+          <a:prstGeom prst="rect">
+            <a:avLst/>
+          </a:prstGeom>
+          <a:noFill/>
+          <a:ln>
+            <a:noFill/>
+          </a:ln>
+        </p:spPr>
+      </p:pic>
+    </p:spTree>
+  </p:cSld>
+  <p:clrMapOvr>
+    <a:masterClrMapping/>
+  </p:clrMapOvr>
+</p:sld>
+</file>
+
+<file path=ppt/slides/slide13.xml><?xml version="1.0" encoding="utf-8"?>
+<p:sld xmlns:a="http://schemas.openxmlformats.org/drawingml/2006/main" xmlns:r="http://schemas.openxmlformats.org/officeDocument/2006/relationships" xmlns:mc="http://schemas.openxmlformats.org/markup-compatibility/2006" xmlns:mv="urn:schemas-microsoft-com:mac:vml" xmlns:p="http://schemas.openxmlformats.org/presentationml/2006/main" xmlns:c="http://schemas.openxmlformats.org/drawingml/2006/chart" xmlns:dgm="http://schemas.openxmlformats.org/drawingml/2006/diagram" xmlns:o="urn:schemas-microsoft-com:office:office" xmlns:v="urn:schemas-microsoft-com:vml" xmlns:pvml="urn:schemas-microsoft-com:office:powerpoint" xmlns:com="http://schemas.openxmlformats.org/drawingml/2006/compatibility" xmlns:p14="http://schemas.microsoft.com/office/powerpoint/2010/main" xmlns:p15="http://schemas.microsoft.com/office/powerpoint/2012/main" xmlns:ahyp="http://schemas.microsoft.com/office/drawing/2018/hyperlinkcolor">
+  <p:cSld>
+    <p:spTree>
+      <p:nvGrpSpPr>
+        <p:cNvPr id="198" name="Shape 198"/>
+        <p:cNvGrpSpPr/>
+        <p:nvPr/>
+      </p:nvGrpSpPr>
+      <p:grpSpPr>
+        <a:xfrm>
+          <a:off x="0" y="0"/>
+          <a:ext cx="0" cy="0"/>
+          <a:chOff x="0" y="0"/>
+          <a:chExt cx="0" cy="0"/>
+        </a:xfrm>
+      </p:grpSpPr>
+      <p:sp>
+        <p:nvSpPr>
+          <p:cNvPr id="199" name="Google Shape;199;p25"/>
+          <p:cNvSpPr txBox="1"/>
+          <p:nvPr>
+            <p:ph type="title"/>
+          </p:nvPr>
+        </p:nvSpPr>
+        <p:spPr>
+          <a:xfrm>
+            <a:off x="3262650" y="516750"/>
+            <a:ext cx="2618700" cy="572700"/>
+          </a:xfrm>
+          <a:prstGeom prst="rect">
+            <a:avLst/>
+          </a:prstGeom>
+        </p:spPr>
+        <p:txBody>
+          <a:bodyPr anchorCtr="0" anchor="t" bIns="91425" lIns="91425" spcFirstLastPara="1" rIns="91425" wrap="square" tIns="91425">
+            <a:noAutofit/>
+          </a:bodyPr>
+          <a:lstStyle/>
+          <a:p>
+            <a:pPr indent="0" lvl="0" marL="0" rtl="0" algn="l">
+              <a:spcBef>
+                <a:spcPts val="0"/>
+              </a:spcBef>
+              <a:spcAft>
+                <a:spcPts val="0"/>
+              </a:spcAft>
+              <a:buNone/>
+            </a:pPr>
+            <a:r>
+              <a:rPr i="1" lang="en">
+                <a:solidFill>
+                  <a:schemeClr val="dk2"/>
+                </a:solidFill>
+              </a:rPr>
+              <a:t>Demonstration</a:t>
+            </a:r>
+            <a:endParaRPr i="1">
+              <a:solidFill>
+                <a:schemeClr val="dk2"/>
+              </a:solidFill>
+            </a:endParaRPr>
+          </a:p>
+        </p:txBody>
+      </p:sp>
+      <p:pic>
+        <p:nvPicPr>
+          <p:cNvPr id="200" name="Google Shape;200;p25"/>
+          <p:cNvPicPr preferRelativeResize="0"/>
+          <p:nvPr/>
+        </p:nvPicPr>
+        <p:blipFill>
+          <a:blip r:embed="rId3">
+            <a:alphaModFix/>
+          </a:blip>
+          <a:stretch>
+            <a:fillRect/>
+          </a:stretch>
+        </p:blipFill>
+        <p:spPr>
+          <a:xfrm>
+            <a:off x="2667000" y="1407075"/>
+            <a:ext cx="3810000" cy="3048000"/>
+          </a:xfrm>
+          <a:prstGeom prst="rect">
+            <a:avLst/>
+          </a:prstGeom>
+          <a:noFill/>
+          <a:ln>
+            <a:noFill/>
+          </a:ln>
+        </p:spPr>
+      </p:pic>
+      <p:sp>
+        <p:nvSpPr>
+          <p:cNvPr id="201" name="Google Shape;201;p25"/>
+          <p:cNvSpPr/>
+          <p:nvPr/>
+        </p:nvSpPr>
+        <p:spPr>
+          <a:xfrm>
+            <a:off x="122950" y="106550"/>
+            <a:ext cx="8924400" cy="4918200"/>
+          </a:xfrm>
+          <a:prstGeom prst="rect">
+            <a:avLst/>
+          </a:prstGeom>
+          <a:solidFill>
+            <a:srgbClr val="EEEEEE">
+              <a:alpha val="4860"/>
+            </a:srgbClr>
+          </a:solidFill>
+          <a:ln cap="flat" cmpd="sng" w="9525">
+            <a:solidFill>
+              <a:srgbClr val="434343"/>
+            </a:solidFill>
+            <a:prstDash val="solid"/>
+            <a:round/>
+            <a:headEnd len="sm" w="sm" type="none"/>
+            <a:tailEnd len="sm" w="sm" type="none"/>
+          </a:ln>
+        </p:spPr>
+        <p:txBody>
+          <a:bodyPr anchorCtr="0" anchor="ctr" bIns="91425" lIns="91425" spcFirstLastPara="1" rIns="91425" wrap="square" tIns="91425">
+            <a:noAutofit/>
+          </a:bodyPr>
+          <a:lstStyle/>
+          <a:p>
+            <a:pPr indent="0" lvl="0" marL="0" rtl="0" algn="l">
+              <a:spcBef>
+                <a:spcPts val="0"/>
+              </a:spcBef>
+              <a:spcAft>
+                <a:spcPts val="0"/>
+              </a:spcAft>
+              <a:buNone/>
+            </a:pPr>
+            <a:r>
+              <a:t/>
+            </a:r>
+            <a:endParaRPr/>
+          </a:p>
+        </p:txBody>
+      </p:sp>
+    </p:spTree>
+  </p:cSld>
+  <p:clrMapOvr>
+    <a:masterClrMapping/>
+  </p:clrMapOvr>
+</p:sld>
+</file>
+
+<file path=ppt/slides/slide14.xml><?xml version="1.0" encoding="utf-8"?>
+<p:sld xmlns:a="http://schemas.openxmlformats.org/drawingml/2006/main" xmlns:r="http://schemas.openxmlformats.org/officeDocument/2006/relationships" xmlns:mc="http://schemas.openxmlformats.org/markup-compatibility/2006" xmlns:mv="urn:schemas-microsoft-com:mac:vml" xmlns:p="http://schemas.openxmlformats.org/presentationml/2006/main" xmlns:c="http://schemas.openxmlformats.org/drawingml/2006/chart" xmlns:dgm="http://schemas.openxmlformats.org/drawingml/2006/diagram" xmlns:o="urn:schemas-microsoft-com:office:office" xmlns:v="urn:schemas-microsoft-com:vml" xmlns:pvml="urn:schemas-microsoft-com:office:powerpoint" xmlns:com="http://schemas.openxmlformats.org/drawingml/2006/compatibility" xmlns:p14="http://schemas.microsoft.com/office/powerpoint/2010/main" xmlns:p15="http://schemas.microsoft.com/office/powerpoint/2012/main" xmlns:ahyp="http://schemas.microsoft.com/office/drawing/2018/hyperlinkcolor">
+  <p:cSld>
+    <p:spTree>
+      <p:nvGrpSpPr>
+        <p:cNvPr id="205" name="Shape 205"/>
+        <p:cNvGrpSpPr/>
+        <p:nvPr/>
+      </p:nvGrpSpPr>
+      <p:grpSpPr>
+        <a:xfrm>
+          <a:off x="0" y="0"/>
+          <a:ext cx="0" cy="0"/>
+          <a:chOff x="0" y="0"/>
+          <a:chExt cx="0" cy="0"/>
+        </a:xfrm>
+      </p:grpSpPr>
+      <p:sp>
+        <p:nvSpPr>
+          <p:cNvPr id="206" name="Google Shape;206;p26"/>
+          <p:cNvSpPr txBox="1"/>
+          <p:nvPr>
+            <p:ph type="title"/>
+          </p:nvPr>
+        </p:nvSpPr>
+        <p:spPr>
+          <a:xfrm>
+            <a:off x="311700" y="445025"/>
+            <a:ext cx="8520600" cy="572700"/>
+          </a:xfrm>
+          <a:prstGeom prst="rect">
+            <a:avLst/>
+          </a:prstGeom>
+        </p:spPr>
+        <p:txBody>
+          <a:bodyPr anchorCtr="0" anchor="t" bIns="91425" lIns="91425" spcFirstLastPara="1" rIns="91425" wrap="square" tIns="91425">
+            <a:noAutofit/>
+          </a:bodyPr>
+          <a:lstStyle/>
+          <a:p>
+            <a:pPr indent="0" lvl="0" marL="0" rtl="0" algn="l">
+              <a:spcBef>
+                <a:spcPts val="0"/>
+              </a:spcBef>
+              <a:spcAft>
+                <a:spcPts val="0"/>
+              </a:spcAft>
+              <a:buNone/>
+            </a:pPr>
+            <a:r>
+              <a:rPr lang="en"/>
+              <a:t>Améliorations identifiées</a:t>
+            </a:r>
+            <a:endParaRPr/>
+          </a:p>
+        </p:txBody>
+      </p:sp>
+      <p:sp>
+        <p:nvSpPr>
+          <p:cNvPr id="207" name="Google Shape;207;p26"/>
+          <p:cNvSpPr txBox="1"/>
+          <p:nvPr>
+            <p:ph idx="1" type="body"/>
+          </p:nvPr>
+        </p:nvSpPr>
+        <p:spPr>
+          <a:xfrm>
+            <a:off x="311700" y="1727100"/>
+            <a:ext cx="8520600" cy="3416400"/>
+          </a:xfrm>
+          <a:prstGeom prst="rect">
+            <a:avLst/>
+          </a:prstGeom>
+        </p:spPr>
+        <p:txBody>
+          <a:bodyPr anchorCtr="0" anchor="t" bIns="91425" lIns="91425" spcFirstLastPara="1" rIns="91425" wrap="square" tIns="91425">
+            <a:noAutofit/>
+          </a:bodyPr>
+          <a:lstStyle/>
+          <a:p>
+            <a:pPr indent="-342900" lvl="0" marL="457200" rtl="0" algn="l">
+              <a:spcBef>
+                <a:spcPts val="0"/>
+              </a:spcBef>
+              <a:spcAft>
+                <a:spcPts val="0"/>
+              </a:spcAft>
+              <a:buSzPts val="1800"/>
+              <a:buChar char="✦"/>
+            </a:pPr>
+            <a:r>
+              <a:rPr lang="en"/>
+              <a:t>Augmentation du nombre d’instances EC2 pour résoudre les problèmes de mémoire récurrents</a:t>
+            </a:r>
+            <a:endParaRPr/>
+          </a:p>
+          <a:p>
+            <a:pPr indent="0" lvl="0" marL="457200" rtl="0" algn="l">
+              <a:spcBef>
+                <a:spcPts val="1600"/>
+              </a:spcBef>
+              <a:spcAft>
+                <a:spcPts val="0"/>
+              </a:spcAft>
+              <a:buNone/>
+            </a:pPr>
+            <a:r>
+              <a:t/>
+            </a:r>
+            <a:endParaRPr/>
+          </a:p>
+          <a:p>
+            <a:pPr indent="-342900" lvl="0" marL="457200" rtl="0" algn="l">
+              <a:spcBef>
+                <a:spcPts val="1600"/>
+              </a:spcBef>
+              <a:spcAft>
+                <a:spcPts val="0"/>
+              </a:spcAft>
+              <a:buSzPts val="1800"/>
+              <a:buChar char="✦"/>
+            </a:pPr>
+            <a:r>
+              <a:rPr lang="en"/>
+              <a:t>Utilisation de Ansible pour la configuration de Cassandra </a:t>
+            </a:r>
+            <a:endParaRPr/>
+          </a:p>
+        </p:txBody>
+      </p:sp>
+      <p:pic>
+        <p:nvPicPr>
+          <p:cNvPr id="208" name="Google Shape;208;p26"/>
+          <p:cNvPicPr preferRelativeResize="0"/>
+          <p:nvPr/>
+        </p:nvPicPr>
+        <p:blipFill>
+          <a:blip r:embed="rId3">
+            <a:alphaModFix/>
+          </a:blip>
+          <a:stretch>
+            <a:fillRect/>
+          </a:stretch>
+        </p:blipFill>
+        <p:spPr>
+          <a:xfrm>
+            <a:off x="6868475" y="3059799"/>
+            <a:ext cx="471575" cy="473700"/>
+          </a:xfrm>
+          <a:prstGeom prst="rect">
+            <a:avLst/>
+          </a:prstGeom>
+          <a:noFill/>
+          <a:ln>
+            <a:noFill/>
+          </a:ln>
+        </p:spPr>
+      </p:pic>
+      <p:pic>
+        <p:nvPicPr>
+          <p:cNvPr id="209" name="Google Shape;209;p26"/>
+          <p:cNvPicPr preferRelativeResize="0"/>
+          <p:nvPr/>
+        </p:nvPicPr>
+        <p:blipFill>
+          <a:blip r:embed="rId4">
+            <a:alphaModFix/>
+          </a:blip>
+          <a:stretch>
+            <a:fillRect/>
+          </a:stretch>
+        </p:blipFill>
+        <p:spPr>
+          <a:xfrm>
+            <a:off x="8079600" y="401450"/>
+            <a:ext cx="752699" cy="752701"/>
+          </a:xfrm>
+          <a:prstGeom prst="rect">
+            <a:avLst/>
+          </a:prstGeom>
+          <a:noFill/>
+          <a:ln>
+            <a:noFill/>
+          </a:ln>
+        </p:spPr>
+      </p:pic>
+    </p:spTree>
+  </p:cSld>
+  <p:clrMapOvr>
+    <a:masterClrMapping/>
+  </p:clrMapOvr>
+</p:sld>
+</file>
+
+<file path=ppt/slides/slide15.xml><?xml version="1.0" encoding="utf-8"?>
+<p:sld xmlns:a="http://schemas.openxmlformats.org/drawingml/2006/main" xmlns:r="http://schemas.openxmlformats.org/officeDocument/2006/relationships" xmlns:mc="http://schemas.openxmlformats.org/markup-compatibility/2006" xmlns:mv="urn:schemas-microsoft-com:mac:vml" xmlns:p="http://schemas.openxmlformats.org/presentationml/2006/main" xmlns:c="http://schemas.openxmlformats.org/drawingml/2006/chart" xmlns:dgm="http://schemas.openxmlformats.org/drawingml/2006/diagram" xmlns:o="urn:schemas-microsoft-com:office:office" xmlns:v="urn:schemas-microsoft-com:vml" xmlns:pvml="urn:schemas-microsoft-com:office:powerpoint" xmlns:com="http://schemas.openxmlformats.org/drawingml/2006/compatibility" xmlns:p14="http://schemas.microsoft.com/office/powerpoint/2010/main" xmlns:p15="http://schemas.microsoft.com/office/powerpoint/2012/main" xmlns:ahyp="http://schemas.microsoft.com/office/drawing/2018/hyperlinkcolor">
+  <p:cSld>
+    <p:spTree>
+      <p:nvGrpSpPr>
+        <p:cNvPr id="213" name="Shape 213"/>
+        <p:cNvGrpSpPr/>
+        <p:nvPr/>
+      </p:nvGrpSpPr>
+      <p:grpSpPr>
+        <a:xfrm>
+          <a:off x="0" y="0"/>
+          <a:ext cx="0" cy="0"/>
+          <a:chOff x="0" y="0"/>
+          <a:chExt cx="0" cy="0"/>
+        </a:xfrm>
+      </p:grpSpPr>
+      <p:sp>
+        <p:nvSpPr>
+          <p:cNvPr id="214" name="Google Shape;214;p27"/>
+          <p:cNvSpPr txBox="1"/>
+          <p:nvPr>
+            <p:ph type="title"/>
+          </p:nvPr>
+        </p:nvSpPr>
+        <p:spPr>
+          <a:xfrm>
+            <a:off x="311700" y="2781125"/>
+            <a:ext cx="8520600" cy="572700"/>
+          </a:xfrm>
+          <a:prstGeom prst="rect">
+            <a:avLst/>
+          </a:prstGeom>
+        </p:spPr>
+        <p:txBody>
+          <a:bodyPr anchorCtr="0" anchor="t" bIns="91425" lIns="91425" spcFirstLastPara="1" rIns="91425" wrap="square" tIns="91425">
+            <a:noAutofit/>
+          </a:bodyPr>
+          <a:lstStyle/>
+          <a:p>
+            <a:pPr indent="0" lvl="0" marL="0" rtl="0" algn="l">
+              <a:spcBef>
+                <a:spcPts val="0"/>
+              </a:spcBef>
+              <a:spcAft>
+                <a:spcPts val="0"/>
+              </a:spcAft>
+              <a:buNone/>
+            </a:pPr>
+            <a:r>
+              <a:rPr lang="en"/>
+              <a:t>Des q</a:t>
+            </a:r>
+            <a:r>
+              <a:rPr lang="en"/>
+              <a:t>uestions ?</a:t>
+            </a:r>
+            <a:endParaRPr/>
+          </a:p>
+        </p:txBody>
+      </p:sp>
+      <p:sp>
+        <p:nvSpPr>
+          <p:cNvPr id="215" name="Google Shape;215;p27"/>
+          <p:cNvSpPr txBox="1"/>
+          <p:nvPr/>
+        </p:nvSpPr>
+        <p:spPr>
+          <a:xfrm>
+            <a:off x="1221150" y="3927975"/>
+            <a:ext cx="5901600" cy="415500"/>
+          </a:xfrm>
+          <a:prstGeom prst="rect">
+            <a:avLst/>
+          </a:prstGeom>
+          <a:noFill/>
+          <a:ln>
+            <a:noFill/>
+          </a:ln>
+        </p:spPr>
+        <p:txBody>
+          <a:bodyPr anchorCtr="0" anchor="t" bIns="91425" lIns="91425" spcFirstLastPara="1" rIns="91425" wrap="square" tIns="91425">
+            <a:spAutoFit/>
+          </a:bodyPr>
+          <a:lstStyle/>
+          <a:p>
+            <a:pPr indent="0" lvl="0" marL="0" rtl="0" algn="l">
+              <a:spcBef>
+                <a:spcPts val="0"/>
+              </a:spcBef>
+              <a:spcAft>
+                <a:spcPts val="0"/>
+              </a:spcAft>
+              <a:buNone/>
+            </a:pPr>
+            <a:r>
+              <a:rPr i="1" lang="en" sz="1500"/>
+              <a:t>https://github.com/MSBGD-Gdelt-Project/gdelt</a:t>
+            </a:r>
+            <a:endParaRPr i="1" sz="1500"/>
+          </a:p>
+        </p:txBody>
+      </p:sp>
+      <p:pic>
+        <p:nvPicPr>
+          <p:cNvPr id="216" name="Google Shape;216;p27"/>
+          <p:cNvPicPr preferRelativeResize="0"/>
+          <p:nvPr/>
+        </p:nvPicPr>
+        <p:blipFill>
+          <a:blip r:embed="rId3">
+            <a:alphaModFix/>
+          </a:blip>
+          <a:stretch>
+            <a:fillRect/>
+          </a:stretch>
+        </p:blipFill>
+        <p:spPr>
+          <a:xfrm>
+            <a:off x="311700" y="3676850"/>
+            <a:ext cx="846325" cy="846325"/>
+          </a:xfrm>
+          <a:prstGeom prst="rect">
+            <a:avLst/>
+          </a:prstGeom>
+          <a:noFill/>
+          <a:ln>
+            <a:noFill/>
+          </a:ln>
+        </p:spPr>
+      </p:pic>
+      <p:sp>
+        <p:nvSpPr>
+          <p:cNvPr id="217" name="Google Shape;217;p27"/>
+          <p:cNvSpPr txBox="1"/>
+          <p:nvPr/>
+        </p:nvSpPr>
+        <p:spPr>
+          <a:xfrm>
+            <a:off x="3535800" y="997950"/>
+            <a:ext cx="2072400" cy="923400"/>
+          </a:xfrm>
+          <a:prstGeom prst="rect">
+            <a:avLst/>
+          </a:prstGeom>
+          <a:noFill/>
+          <a:ln>
+            <a:noFill/>
+          </a:ln>
+        </p:spPr>
+        <p:txBody>
+          <a:bodyPr anchorCtr="0" anchor="t" bIns="91425" lIns="91425" spcFirstLastPara="1" rIns="91425" wrap="square" tIns="91425">
+            <a:spAutoFit/>
+          </a:bodyPr>
+          <a:lstStyle/>
+          <a:p>
+            <a:pPr indent="0" lvl="0" marL="0" rtl="0" algn="l">
+              <a:spcBef>
+                <a:spcPts val="0"/>
+              </a:spcBef>
+              <a:spcAft>
+                <a:spcPts val="0"/>
+              </a:spcAft>
+              <a:buNone/>
+            </a:pPr>
+            <a:r>
               <a:rPr lang="en" sz="4800"/>
               <a:t>Merci !</a:t>
             </a:r>
@@ -7236,7 +8750,7 @@
       </p:sp>
       <p:cxnSp>
         <p:nvCxnSpPr>
-          <p:cNvPr id="178" name="Google Shape;178;p23"/>
+          <p:cNvPr id="218" name="Google Shape;218;p27"/>
           <p:cNvCxnSpPr/>
           <p:nvPr/>
         </p:nvCxnSpPr>
@@ -8333,7 +9847,7 @@
             </a:r>
             <a:r>
               <a:rPr lang="en" sz="1200"/>
-              <a:t> instances avec EMR 5.32.0 </a:t>
+              <a:t> instances x4.large avec EMR 5.32.0 </a:t>
             </a:r>
             <a:endParaRPr sz="1200"/>
           </a:p>
@@ -11570,7 +13084,7 @@
             </a:pPr>
             <a:r>
               <a:rPr lang="en"/>
-              <a:t>Volumétrie des données</a:t>
+              <a:t>Volumétrie des données - fichiers Parquet</a:t>
             </a:r>
             <a:endParaRPr/>
           </a:p>
@@ -11647,6 +13161,285 @@
 </file>
 
 <file path=ppt/theme/theme1.xml><?xml version="1.0" encoding="utf-8"?>
+<a:theme xmlns:a="http://schemas.openxmlformats.org/drawingml/2006/main" xmlns:r="http://schemas.openxmlformats.org/officeDocument/2006/relationships">
+  <a:themeElements>
+    <a:clrScheme name="Default">
+      <a:dk1>
+        <a:srgbClr val="000000"/>
+      </a:dk1>
+      <a:lt1>
+        <a:srgbClr val="FFFFFF"/>
+      </a:lt1>
+      <a:dk2>
+        <a:srgbClr val="158158"/>
+      </a:dk2>
+      <a:lt2>
+        <a:srgbClr val="F3F3F3"/>
+      </a:lt2>
+      <a:accent1>
+        <a:srgbClr val="058DC7"/>
+      </a:accent1>
+      <a:accent2>
+        <a:srgbClr val="50B432"/>
+      </a:accent2>
+      <a:accent3>
+        <a:srgbClr val="ED561B"/>
+      </a:accent3>
+      <a:accent4>
+        <a:srgbClr val="EDEF00"/>
+      </a:accent4>
+      <a:accent5>
+        <a:srgbClr val="24CBE5"/>
+      </a:accent5>
+      <a:accent6>
+        <a:srgbClr val="64E572"/>
+      </a:accent6>
+      <a:hlink>
+        <a:srgbClr val="2200CC"/>
+      </a:hlink>
+      <a:folHlink>
+        <a:srgbClr val="551A8B"/>
+      </a:folHlink>
+    </a:clrScheme>
+    <a:fontScheme name="Office">
+      <a:majorFont>
+        <a:latin typeface="Arial"/>
+        <a:ea typeface=""/>
+        <a:cs typeface=""/>
+        <a:font script="Jpan" typeface="ＭＳ Ｐゴシック"/>
+        <a:font script="Hang" typeface="맑은 고딕"/>
+        <a:font script="Hans" typeface="宋体"/>
+        <a:font script="Hant" typeface="新細明體"/>
+        <a:font script="Arab" typeface="Times New Roman"/>
+        <a:font script="Hebr" typeface="Times New Roman"/>
+        <a:font script="Thai" typeface="Angsana New"/>
+        <a:font script="Ethi" typeface="Nyala"/>
+        <a:font script="Beng" typeface="Vrinda"/>
+        <a:font script="Gujr" typeface="Shruti"/>
+        <a:font script="Khmr" typeface="MoolBoran"/>
+        <a:font script="Knda" typeface="Tunga"/>
+        <a:font script="Guru" typeface="Raavi"/>
+        <a:font script="Cans" typeface="Euphemia"/>
+        <a:font script="Cher" typeface="Plantagenet Cherokee"/>
+        <a:font script="Yiii" typeface="Microsoft Yi Baiti"/>
+        <a:font script="Tibt" typeface="Microsoft Himalaya"/>
+        <a:font script="Thaa" typeface="MV Boli"/>
+        <a:font script="Deva" typeface="Mangal"/>
+        <a:font script="Telu" typeface="Gautami"/>
+        <a:font script="Taml" typeface="Latha"/>
+        <a:font script="Syrc" typeface="Estrangelo Edessa"/>
+        <a:font script="Orya" typeface="Kalinga"/>
+        <a:font script="Mlym" typeface="Kartika"/>
+        <a:font script="Laoo" typeface="DokChampa"/>
+        <a:font script="Sinh" typeface="Iskoola Pota"/>
+        <a:font script="Mong" typeface="Mongolian Baiti"/>
+        <a:font script="Viet" typeface="Times New Roman"/>
+        <a:font script="Uigh" typeface="Microsoft Uighur"/>
+        <a:font script="Geor" typeface="Sylfaen"/>
+      </a:majorFont>
+      <a:minorFont>
+        <a:latin typeface="Arial"/>
+        <a:ea typeface=""/>
+        <a:cs typeface=""/>
+        <a:font script="Jpan" typeface="ＭＳ Ｐゴシック"/>
+        <a:font script="Hang" typeface="맑은 고딕"/>
+        <a:font script="Hans" typeface="宋体"/>
+        <a:font script="Hant" typeface="新細明體"/>
+        <a:font script="Arab" typeface="Arial"/>
+        <a:font script="Hebr" typeface="Arial"/>
+        <a:font script="Thai" typeface="Cordia New"/>
+        <a:font script="Ethi" typeface="Nyala"/>
+        <a:font script="Beng" typeface="Vrinda"/>
+        <a:font script="Gujr" typeface="Shruti"/>
+        <a:font script="Khmr" typeface="DaunPenh"/>
+        <a:font script="Knda" typeface="Tunga"/>
+        <a:font script="Guru" typeface="Raavi"/>
+        <a:font script="Cans" typeface="Euphemia"/>
+        <a:font script="Cher" typeface="Plantagenet Cherokee"/>
+        <a:font script="Yiii" typeface="Microsoft Yi Baiti"/>
+        <a:font script="Tibt" typeface="Microsoft Himalaya"/>
+        <a:font script="Thaa" typeface="MV Boli"/>
+        <a:font script="Deva" typeface="Mangal"/>
+        <a:font script="Telu" typeface="Gautami"/>
+        <a:font script="Taml" typeface="Latha"/>
+        <a:font script="Syrc" typeface="Estrangelo Edessa"/>
+        <a:font script="Orya" typeface="Kalinga"/>
+        <a:font script="Mlym" typeface="Kartika"/>
+        <a:font script="Laoo" typeface="DokChampa"/>
+        <a:font script="Sinh" typeface="Iskoola Pota"/>
+        <a:font script="Mong" typeface="Mongolian Baiti"/>
+        <a:font script="Viet" typeface="Arial"/>
+        <a:font script="Uigh" typeface="Microsoft Uighur"/>
+        <a:font script="Geor" typeface="Sylfaen"/>
+      </a:minorFont>
+    </a:fontScheme>
+    <a:fmtScheme name="Office">
+      <a:fillStyleLst>
+        <a:solidFill>
+          <a:schemeClr val="phClr"/>
+        </a:solidFill>
+        <a:gradFill rotWithShape="1">
+          <a:gsLst>
+            <a:gs pos="0">
+              <a:schemeClr val="phClr">
+                <a:tint val="50000"/>
+                <a:satMod val="300000"/>
+              </a:schemeClr>
+            </a:gs>
+            <a:gs pos="35000">
+              <a:schemeClr val="phClr">
+                <a:tint val="37000"/>
+                <a:satMod val="300000"/>
+              </a:schemeClr>
+            </a:gs>
+            <a:gs pos="100000">
+              <a:schemeClr val="phClr">
+                <a:tint val="15000"/>
+                <a:satMod val="350000"/>
+              </a:schemeClr>
+            </a:gs>
+          </a:gsLst>
+          <a:lin ang="16200000" scaled="1"/>
+        </a:gradFill>
+        <a:gradFill rotWithShape="1">
+          <a:gsLst>
+            <a:gs pos="0">
+              <a:schemeClr val="phClr">
+                <a:tint val="100000"/>
+                <a:shade val="100000"/>
+                <a:satMod val="130000"/>
+              </a:schemeClr>
+            </a:gs>
+            <a:gs pos="100000">
+              <a:schemeClr val="phClr">
+                <a:tint val="50000"/>
+                <a:shade val="100000"/>
+                <a:satMod val="350000"/>
+              </a:schemeClr>
+            </a:gs>
+          </a:gsLst>
+          <a:lin ang="16200000" scaled="0"/>
+        </a:gradFill>
+      </a:fillStyleLst>
+      <a:lnStyleLst>
+        <a:ln w="9525" cap="flat" cmpd="sng" algn="ctr">
+          <a:solidFill>
+            <a:schemeClr val="phClr">
+              <a:shade val="95000"/>
+              <a:satMod val="105000"/>
+            </a:schemeClr>
+          </a:solidFill>
+          <a:prstDash val="solid"/>
+        </a:ln>
+        <a:ln w="25400" cap="flat" cmpd="sng" algn="ctr">
+          <a:solidFill>
+            <a:schemeClr val="phClr"/>
+          </a:solidFill>
+          <a:prstDash val="solid"/>
+        </a:ln>
+        <a:ln w="38100" cap="flat" cmpd="sng" algn="ctr">
+          <a:solidFill>
+            <a:schemeClr val="phClr"/>
+          </a:solidFill>
+          <a:prstDash val="solid"/>
+        </a:ln>
+      </a:lnStyleLst>
+      <a:effectStyleLst>
+        <a:effectStyle>
+          <a:effectLst>
+            <a:outerShdw blurRad="40000" dist="20000" dir="5400000" rotWithShape="0">
+              <a:srgbClr val="000000">
+                <a:alpha val="38000"/>
+              </a:srgbClr>
+            </a:outerShdw>
+          </a:effectLst>
+        </a:effectStyle>
+        <a:effectStyle>
+          <a:effectLst>
+            <a:outerShdw blurRad="40000" dist="23000" dir="5400000" rotWithShape="0">
+              <a:srgbClr val="000000">
+                <a:alpha val="35000"/>
+              </a:srgbClr>
+            </a:outerShdw>
+          </a:effectLst>
+        </a:effectStyle>
+        <a:effectStyle>
+          <a:effectLst>
+            <a:outerShdw blurRad="40000" dist="23000" dir="5400000" rotWithShape="0">
+              <a:srgbClr val="000000">
+                <a:alpha val="35000"/>
+              </a:srgbClr>
+            </a:outerShdw>
+          </a:effectLst>
+          <a:scene3d>
+            <a:camera prst="orthographicFront">
+              <a:rot lat="0" lon="0" rev="0"/>
+            </a:camera>
+            <a:lightRig rig="threePt" dir="t">
+              <a:rot lat="0" lon="0" rev="1200000"/>
+            </a:lightRig>
+          </a:scene3d>
+          <a:sp3d>
+            <a:bevelT w="63500" h="25400"/>
+          </a:sp3d>
+        </a:effectStyle>
+      </a:effectStyleLst>
+      <a:bgFillStyleLst>
+        <a:solidFill>
+          <a:schemeClr val="phClr"/>
+        </a:solidFill>
+        <a:gradFill rotWithShape="1">
+          <a:gsLst>
+            <a:gs pos="0">
+              <a:schemeClr val="phClr">
+                <a:tint val="40000"/>
+                <a:satMod val="350000"/>
+              </a:schemeClr>
+            </a:gs>
+            <a:gs pos="40000">
+              <a:schemeClr val="phClr">
+                <a:tint val="45000"/>
+                <a:shade val="99000"/>
+                <a:satMod val="350000"/>
+              </a:schemeClr>
+            </a:gs>
+            <a:gs pos="100000">
+              <a:schemeClr val="phClr">
+                <a:shade val="20000"/>
+                <a:satMod val="255000"/>
+              </a:schemeClr>
+            </a:gs>
+          </a:gsLst>
+          <a:path path="circle">
+            <a:fillToRect l="50000" t="-80000" r="50000" b="180000"/>
+          </a:path>
+        </a:gradFill>
+        <a:gradFill rotWithShape="1">
+          <a:gsLst>
+            <a:gs pos="0">
+              <a:schemeClr val="phClr">
+                <a:tint val="80000"/>
+                <a:satMod val="300000"/>
+              </a:schemeClr>
+            </a:gs>
+            <a:gs pos="100000">
+              <a:schemeClr val="phClr">
+                <a:shade val="30000"/>
+                <a:satMod val="200000"/>
+              </a:schemeClr>
+            </a:gs>
+          </a:gsLst>
+          <a:path path="circle">
+            <a:fillToRect l="50000" t="50000" r="50000" b="50000"/>
+          </a:path>
+        </a:gradFill>
+      </a:bgFillStyleLst>
+    </a:fmtScheme>
+  </a:themeElements>
+</a:theme>
+</file>
+
+<file path=ppt/theme/theme2.xml><?xml version="1.0" encoding="utf-8"?>
 <a:theme xmlns:a="http://schemas.openxmlformats.org/drawingml/2006/main" xmlns:r="http://schemas.openxmlformats.org/officeDocument/2006/relationships" name="Simple Light">
   <a:themeElements>
     <a:clrScheme name="Simple Light">
@@ -11923,283 +13716,4 @@
     </a:fmtScheme>
   </a:themeElements>
 </a:theme>
-</file>
-
-<file path=ppt/theme/theme2.xml><?xml version="1.0" encoding="utf-8"?>
-<a:theme xmlns:a="http://schemas.openxmlformats.org/drawingml/2006/main" xmlns:r="http://schemas.openxmlformats.org/officeDocument/2006/relationships">
-  <a:themeElements>
-    <a:clrScheme name="Default">
-      <a:dk1>
-        <a:srgbClr val="000000"/>
-      </a:dk1>
-      <a:lt1>
-        <a:srgbClr val="FFFFFF"/>
-      </a:lt1>
-      <a:dk2>
-        <a:srgbClr val="158158"/>
-      </a:dk2>
-      <a:lt2>
-        <a:srgbClr val="F3F3F3"/>
-      </a:lt2>
-      <a:accent1>
-        <a:srgbClr val="058DC7"/>
-      </a:accent1>
-      <a:accent2>
-        <a:srgbClr val="50B432"/>
-      </a:accent2>
-      <a:accent3>
-        <a:srgbClr val="ED561B"/>
-      </a:accent3>
-      <a:accent4>
-        <a:srgbClr val="EDEF00"/>
-      </a:accent4>
-      <a:accent5>
-        <a:srgbClr val="24CBE5"/>
-      </a:accent5>
-      <a:accent6>
-        <a:srgbClr val="64E572"/>
-      </a:accent6>
-      <a:hlink>
-        <a:srgbClr val="2200CC"/>
-      </a:hlink>
-      <a:folHlink>
-        <a:srgbClr val="551A8B"/>
-      </a:folHlink>
-    </a:clrScheme>
-    <a:fontScheme name="Office">
-      <a:majorFont>
-        <a:latin typeface="Arial"/>
-        <a:ea typeface=""/>
-        <a:cs typeface=""/>
-        <a:font script="Jpan" typeface="ＭＳ Ｐゴシック"/>
-        <a:font script="Hang" typeface="맑은 고딕"/>
-        <a:font script="Hans" typeface="宋体"/>
-        <a:font script="Hant" typeface="新細明體"/>
-        <a:font script="Arab" typeface="Times New Roman"/>
-        <a:font script="Hebr" typeface="Times New Roman"/>
-        <a:font script="Thai" typeface="Angsana New"/>
-        <a:font script="Ethi" typeface="Nyala"/>
-        <a:font script="Beng" typeface="Vrinda"/>
-        <a:font script="Gujr" typeface="Shruti"/>
-        <a:font script="Khmr" typeface="MoolBoran"/>
-        <a:font script="Knda" typeface="Tunga"/>
-        <a:font script="Guru" typeface="Raavi"/>
-        <a:font script="Cans" typeface="Euphemia"/>
-        <a:font script="Cher" typeface="Plantagenet Cherokee"/>
-        <a:font script="Yiii" typeface="Microsoft Yi Baiti"/>
-        <a:font script="Tibt" typeface="Microsoft Himalaya"/>
-        <a:font script="Thaa" typeface="MV Boli"/>
-        <a:font script="Deva" typeface="Mangal"/>
-        <a:font script="Telu" typeface="Gautami"/>
-        <a:font script="Taml" typeface="Latha"/>
-        <a:font script="Syrc" typeface="Estrangelo Edessa"/>
-        <a:font script="Orya" typeface="Kalinga"/>
-        <a:font script="Mlym" typeface="Kartika"/>
-        <a:font script="Laoo" typeface="DokChampa"/>
-        <a:font script="Sinh" typeface="Iskoola Pota"/>
-        <a:font script="Mong" typeface="Mongolian Baiti"/>
-        <a:font script="Viet" typeface="Times New Roman"/>
-        <a:font script="Uigh" typeface="Microsoft Uighur"/>
-        <a:font script="Geor" typeface="Sylfaen"/>
-      </a:majorFont>
-      <a:minorFont>
-        <a:latin typeface="Arial"/>
-        <a:ea typeface=""/>
-        <a:cs typeface=""/>
-        <a:font script="Jpan" typeface="ＭＳ Ｐゴシック"/>
-        <a:font script="Hang" typeface="맑은 고딕"/>
-        <a:font script="Hans" typeface="宋体"/>
-        <a:font script="Hant" typeface="新細明體"/>
-        <a:font script="Arab" typeface="Arial"/>
-        <a:font script="Hebr" typeface="Arial"/>
-        <a:font script="Thai" typeface="Cordia New"/>
-        <a:font script="Ethi" typeface="Nyala"/>
-        <a:font script="Beng" typeface="Vrinda"/>
-        <a:font script="Gujr" typeface="Shruti"/>
-        <a:font script="Khmr" typeface="DaunPenh"/>
-        <a:font script="Knda" typeface="Tunga"/>
-        <a:font script="Guru" typeface="Raavi"/>
-        <a:font script="Cans" typeface="Euphemia"/>
-        <a:font script="Cher" typeface="Plantagenet Cherokee"/>
-        <a:font script="Yiii" typeface="Microsoft Yi Baiti"/>
-        <a:font script="Tibt" typeface="Microsoft Himalaya"/>
-        <a:font script="Thaa" typeface="MV Boli"/>
-        <a:font script="Deva" typeface="Mangal"/>
-        <a:font script="Telu" typeface="Gautami"/>
-        <a:font script="Taml" typeface="Latha"/>
-        <a:font script="Syrc" typeface="Estrangelo Edessa"/>
-        <a:font script="Orya" typeface="Kalinga"/>
-        <a:font script="Mlym" typeface="Kartika"/>
-        <a:font script="Laoo" typeface="DokChampa"/>
-        <a:font script="Sinh" typeface="Iskoola Pota"/>
-        <a:font script="Mong" typeface="Mongolian Baiti"/>
-        <a:font script="Viet" typeface="Arial"/>
-        <a:font script="Uigh" typeface="Microsoft Uighur"/>
-        <a:font script="Geor" typeface="Sylfaen"/>
-      </a:minorFont>
-    </a:fontScheme>
-    <a:fmtScheme name="Office">
-      <a:fillStyleLst>
-        <a:solidFill>
-          <a:schemeClr val="phClr"/>
-        </a:solidFill>
-        <a:gradFill rotWithShape="1">
-          <a:gsLst>
-            <a:gs pos="0">
-              <a:schemeClr val="phClr">
-                <a:tint val="50000"/>
-                <a:satMod val="300000"/>
-              </a:schemeClr>
-            </a:gs>
-            <a:gs pos="35000">
-              <a:schemeClr val="phClr">
-                <a:tint val="37000"/>
-                <a:satMod val="300000"/>
-              </a:schemeClr>
-            </a:gs>
-            <a:gs pos="100000">
-              <a:schemeClr val="phClr">
-                <a:tint val="15000"/>
-                <a:satMod val="350000"/>
-              </a:schemeClr>
-            </a:gs>
-          </a:gsLst>
-          <a:lin ang="16200000" scaled="1"/>
-        </a:gradFill>
-        <a:gradFill rotWithShape="1">
-          <a:gsLst>
-            <a:gs pos="0">
-              <a:schemeClr val="phClr">
-                <a:tint val="100000"/>
-                <a:shade val="100000"/>
-                <a:satMod val="130000"/>
-              </a:schemeClr>
-            </a:gs>
-            <a:gs pos="100000">
-              <a:schemeClr val="phClr">
-                <a:tint val="50000"/>
-                <a:shade val="100000"/>
-                <a:satMod val="350000"/>
-              </a:schemeClr>
-            </a:gs>
-          </a:gsLst>
-          <a:lin ang="16200000" scaled="0"/>
-        </a:gradFill>
-      </a:fillStyleLst>
-      <a:lnStyleLst>
-        <a:ln w="9525" cap="flat" cmpd="sng" algn="ctr">
-          <a:solidFill>
-            <a:schemeClr val="phClr">
-              <a:shade val="95000"/>
-              <a:satMod val="105000"/>
-            </a:schemeClr>
-          </a:solidFill>
-          <a:prstDash val="solid"/>
-        </a:ln>
-        <a:ln w="25400" cap="flat" cmpd="sng" algn="ctr">
-          <a:solidFill>
-            <a:schemeClr val="phClr"/>
-          </a:solidFill>
-          <a:prstDash val="solid"/>
-        </a:ln>
-        <a:ln w="38100" cap="flat" cmpd="sng" algn="ctr">
-          <a:solidFill>
-            <a:schemeClr val="phClr"/>
-          </a:solidFill>
-          <a:prstDash val="solid"/>
-        </a:ln>
-      </a:lnStyleLst>
-      <a:effectStyleLst>
-        <a:effectStyle>
-          <a:effectLst>
-            <a:outerShdw blurRad="40000" dist="20000" dir="5400000" rotWithShape="0">
-              <a:srgbClr val="000000">
-                <a:alpha val="38000"/>
-              </a:srgbClr>
-            </a:outerShdw>
-          </a:effectLst>
-        </a:effectStyle>
-        <a:effectStyle>
-          <a:effectLst>
-            <a:outerShdw blurRad="40000" dist="23000" dir="5400000" rotWithShape="0">
-              <a:srgbClr val="000000">
-                <a:alpha val="35000"/>
-              </a:srgbClr>
-            </a:outerShdw>
-          </a:effectLst>
-        </a:effectStyle>
-        <a:effectStyle>
-          <a:effectLst>
-            <a:outerShdw blurRad="40000" dist="23000" dir="5400000" rotWithShape="0">
-              <a:srgbClr val="000000">
-                <a:alpha val="35000"/>
-              </a:srgbClr>
-            </a:outerShdw>
-          </a:effectLst>
-          <a:scene3d>
-            <a:camera prst="orthographicFront">
-              <a:rot lat="0" lon="0" rev="0"/>
-            </a:camera>
-            <a:lightRig rig="threePt" dir="t">
-              <a:rot lat="0" lon="0" rev="1200000"/>
-            </a:lightRig>
-          </a:scene3d>
-          <a:sp3d>
-            <a:bevelT w="63500" h="25400"/>
-          </a:sp3d>
-        </a:effectStyle>
-      </a:effectStyleLst>
-      <a:bgFillStyleLst>
-        <a:solidFill>
-          <a:schemeClr val="phClr"/>
-        </a:solidFill>
-        <a:gradFill rotWithShape="1">
-          <a:gsLst>
-            <a:gs pos="0">
-              <a:schemeClr val="phClr">
-                <a:tint val="40000"/>
-                <a:satMod val="350000"/>
-              </a:schemeClr>
-            </a:gs>
-            <a:gs pos="40000">
-              <a:schemeClr val="phClr">
-                <a:tint val="45000"/>
-                <a:shade val="99000"/>
-                <a:satMod val="350000"/>
-              </a:schemeClr>
-            </a:gs>
-            <a:gs pos="100000">
-              <a:schemeClr val="phClr">
-                <a:shade val="20000"/>
-                <a:satMod val="255000"/>
-              </a:schemeClr>
-            </a:gs>
-          </a:gsLst>
-          <a:path path="circle">
-            <a:fillToRect l="50000" t="-80000" r="50000" b="180000"/>
-          </a:path>
-        </a:gradFill>
-        <a:gradFill rotWithShape="1">
-          <a:gsLst>
-            <a:gs pos="0">
-              <a:schemeClr val="phClr">
-                <a:tint val="80000"/>
-                <a:satMod val="300000"/>
-              </a:schemeClr>
-            </a:gs>
-            <a:gs pos="100000">
-              <a:schemeClr val="phClr">
-                <a:shade val="30000"/>
-                <a:satMod val="200000"/>
-              </a:schemeClr>
-            </a:gs>
-          </a:gsLst>
-          <a:path path="circle">
-            <a:fillToRect l="50000" t="50000" r="50000" b="50000"/>
-          </a:path>
-        </a:gradFill>
-      </a:bgFillStyleLst>
-    </a:fmtScheme>
-  </a:themeElements>
-</a:theme>
 </file>
--- a/Projet Big Big Data 2020-2021.pptx
+++ b/Projet Big Big Data 2020-2021.pptx
@@ -1,33 +1,34 @@
 
 <file path=ppt/presentation.xml><?xml version="1.0" encoding="utf-8"?>
-<p:presentation xmlns:a="http://schemas.openxmlformats.org/drawingml/2006/main" xmlns:r="http://schemas.openxmlformats.org/officeDocument/2006/relationships" xmlns:mc="http://schemas.openxmlformats.org/markup-compatibility/2006" xmlns:mv="urn:schemas-microsoft-com:mac:vml" xmlns:p="http://schemas.openxmlformats.org/presentationml/2006/main" xmlns:c="http://schemas.openxmlformats.org/drawingml/2006/chart" xmlns:dgm="http://schemas.openxmlformats.org/drawingml/2006/diagram" xmlns:o="urn:schemas-microsoft-com:office:office" xmlns:v="urn:schemas-microsoft-com:vml" xmlns:pvml="urn:schemas-microsoft-com:office:powerpoint" xmlns:com="http://schemas.openxmlformats.org/drawingml/2006/compatibility" xmlns:p14="http://schemas.microsoft.com/office/powerpoint/2010/main" xmlns:p15="http://schemas.microsoft.com/office/powerpoint/2012/main" xmlns:ahyp="http://schemas.microsoft.com/office/drawing/2018/hyperlinkcolor" autoCompressPictures="0" strictFirstAndLastChars="0" saveSubsetFonts="1">
+<p:presentation xmlns:a="http://schemas.openxmlformats.org/drawingml/2006/main" xmlns:r="http://schemas.openxmlformats.org/officeDocument/2006/relationships" xmlns:p="http://schemas.openxmlformats.org/presentationml/2006/main" strictFirstAndLastChars="0" saveSubsetFonts="1" autoCompressPictures="0">
   <p:sldMasterIdLst>
-    <p:sldMasterId id="2147483659" r:id="rId4"/>
+    <p:sldMasterId id="2147483659" r:id="rId1"/>
   </p:sldMasterIdLst>
   <p:notesMasterIdLst>
-    <p:notesMasterId r:id="rId5"/>
+    <p:notesMasterId r:id="rId18"/>
   </p:notesMasterIdLst>
   <p:sldIdLst>
-    <p:sldId id="256" r:id="rId6"/>
-    <p:sldId id="257" r:id="rId7"/>
-    <p:sldId id="258" r:id="rId8"/>
-    <p:sldId id="259" r:id="rId9"/>
-    <p:sldId id="260" r:id="rId10"/>
-    <p:sldId id="261" r:id="rId11"/>
-    <p:sldId id="262" r:id="rId12"/>
-    <p:sldId id="263" r:id="rId13"/>
-    <p:sldId id="264" r:id="rId14"/>
-    <p:sldId id="265" r:id="rId15"/>
-    <p:sldId id="266" r:id="rId16"/>
-    <p:sldId id="267" r:id="rId17"/>
-    <p:sldId id="268" r:id="rId18"/>
-    <p:sldId id="269" r:id="rId19"/>
-    <p:sldId id="270" r:id="rId20"/>
+    <p:sldId id="256" r:id="rId2"/>
+    <p:sldId id="257" r:id="rId3"/>
+    <p:sldId id="258" r:id="rId4"/>
+    <p:sldId id="259" r:id="rId5"/>
+    <p:sldId id="260" r:id="rId6"/>
+    <p:sldId id="261" r:id="rId7"/>
+    <p:sldId id="262" r:id="rId8"/>
+    <p:sldId id="263" r:id="rId9"/>
+    <p:sldId id="264" r:id="rId10"/>
+    <p:sldId id="265" r:id="rId11"/>
+    <p:sldId id="266" r:id="rId12"/>
+    <p:sldId id="267" r:id="rId13"/>
+    <p:sldId id="268" r:id="rId14"/>
+    <p:sldId id="271" r:id="rId15"/>
+    <p:sldId id="269" r:id="rId16"/>
+    <p:sldId id="270" r:id="rId17"/>
   </p:sldIdLst>
-  <p:sldSz cy="5143500" cx="9144000"/>
+  <p:sldSz cx="9144000" cy="5143500" type="screen16x9"/>
   <p:notesSz cx="6858000" cy="9144000"/>
   <p:defaultTextStyle>
-    <a:defPPr lvl="0" marR="0" rtl="0" algn="l">
+    <a:defPPr marR="0" lvl="0" algn="l" rtl="0">
       <a:lnSpc>
         <a:spcPct val="100000"/>
       </a:lnSpc>
@@ -38,7 +39,7 @@
         <a:spcPts val="0"/>
       </a:spcAft>
     </a:defPPr>
-    <a:lvl1pPr lvl="0" marR="0" rtl="0" algn="l">
+    <a:lvl1pPr marR="0" lvl="0" algn="l" rtl="0">
       <a:lnSpc>
         <a:spcPct val="100000"/>
       </a:lnSpc>
@@ -52,7 +53,7 @@
         <a:srgbClr val="000000"/>
       </a:buClr>
       <a:buFont typeface="Arial"/>
-      <a:defRPr b="0" i="0" sz="1400" u="none" cap="none" strike="noStrike">
+      <a:defRPr sz="1400" b="0" i="0" u="none" strike="noStrike" cap="none">
         <a:solidFill>
           <a:srgbClr val="000000"/>
         </a:solidFill>
@@ -62,7 +63,7 @@
         <a:sym typeface="Arial"/>
       </a:defRPr>
     </a:lvl1pPr>
-    <a:lvl2pPr lvl="1" marR="0" rtl="0" algn="l">
+    <a:lvl2pPr marR="0" lvl="1" algn="l" rtl="0">
       <a:lnSpc>
         <a:spcPct val="100000"/>
       </a:lnSpc>
@@ -76,7 +77,7 @@
         <a:srgbClr val="000000"/>
       </a:buClr>
       <a:buFont typeface="Arial"/>
-      <a:defRPr b="0" i="0" sz="1400" u="none" cap="none" strike="noStrike">
+      <a:defRPr sz="1400" b="0" i="0" u="none" strike="noStrike" cap="none">
         <a:solidFill>
           <a:srgbClr val="000000"/>
         </a:solidFill>
@@ -86,7 +87,7 @@
         <a:sym typeface="Arial"/>
       </a:defRPr>
     </a:lvl2pPr>
-    <a:lvl3pPr lvl="2" marR="0" rtl="0" algn="l">
+    <a:lvl3pPr marR="0" lvl="2" algn="l" rtl="0">
       <a:lnSpc>
         <a:spcPct val="100000"/>
       </a:lnSpc>
@@ -100,7 +101,7 @@
         <a:srgbClr val="000000"/>
       </a:buClr>
       <a:buFont typeface="Arial"/>
-      <a:defRPr b="0" i="0" sz="1400" u="none" cap="none" strike="noStrike">
+      <a:defRPr sz="1400" b="0" i="0" u="none" strike="noStrike" cap="none">
         <a:solidFill>
           <a:srgbClr val="000000"/>
         </a:solidFill>
@@ -110,7 +111,7 @@
         <a:sym typeface="Arial"/>
       </a:defRPr>
     </a:lvl3pPr>
-    <a:lvl4pPr lvl="3" marR="0" rtl="0" algn="l">
+    <a:lvl4pPr marR="0" lvl="3" algn="l" rtl="0">
       <a:lnSpc>
         <a:spcPct val="100000"/>
       </a:lnSpc>
@@ -124,7 +125,7 @@
         <a:srgbClr val="000000"/>
       </a:buClr>
       <a:buFont typeface="Arial"/>
-      <a:defRPr b="0" i="0" sz="1400" u="none" cap="none" strike="noStrike">
+      <a:defRPr sz="1400" b="0" i="0" u="none" strike="noStrike" cap="none">
         <a:solidFill>
           <a:srgbClr val="000000"/>
         </a:solidFill>
@@ -134,7 +135,7 @@
         <a:sym typeface="Arial"/>
       </a:defRPr>
     </a:lvl4pPr>
-    <a:lvl5pPr lvl="4" marR="0" rtl="0" algn="l">
+    <a:lvl5pPr marR="0" lvl="4" algn="l" rtl="0">
       <a:lnSpc>
         <a:spcPct val="100000"/>
       </a:lnSpc>
@@ -148,7 +149,7 @@
         <a:srgbClr val="000000"/>
       </a:buClr>
       <a:buFont typeface="Arial"/>
-      <a:defRPr b="0" i="0" sz="1400" u="none" cap="none" strike="noStrike">
+      <a:defRPr sz="1400" b="0" i="0" u="none" strike="noStrike" cap="none">
         <a:solidFill>
           <a:srgbClr val="000000"/>
         </a:solidFill>
@@ -158,7 +159,7 @@
         <a:sym typeface="Arial"/>
       </a:defRPr>
     </a:lvl5pPr>
-    <a:lvl6pPr lvl="5" marR="0" rtl="0" algn="l">
+    <a:lvl6pPr marR="0" lvl="5" algn="l" rtl="0">
       <a:lnSpc>
         <a:spcPct val="100000"/>
       </a:lnSpc>
@@ -172,7 +173,7 @@
         <a:srgbClr val="000000"/>
       </a:buClr>
       <a:buFont typeface="Arial"/>
-      <a:defRPr b="0" i="0" sz="1400" u="none" cap="none" strike="noStrike">
+      <a:defRPr sz="1400" b="0" i="0" u="none" strike="noStrike" cap="none">
         <a:solidFill>
           <a:srgbClr val="000000"/>
         </a:solidFill>
@@ -182,7 +183,7 @@
         <a:sym typeface="Arial"/>
       </a:defRPr>
     </a:lvl6pPr>
-    <a:lvl7pPr lvl="6" marR="0" rtl="0" algn="l">
+    <a:lvl7pPr marR="0" lvl="6" algn="l" rtl="0">
       <a:lnSpc>
         <a:spcPct val="100000"/>
       </a:lnSpc>
@@ -196,7 +197,7 @@
         <a:srgbClr val="000000"/>
       </a:buClr>
       <a:buFont typeface="Arial"/>
-      <a:defRPr b="0" i="0" sz="1400" u="none" cap="none" strike="noStrike">
+      <a:defRPr sz="1400" b="0" i="0" u="none" strike="noStrike" cap="none">
         <a:solidFill>
           <a:srgbClr val="000000"/>
         </a:solidFill>
@@ -206,7 +207,7 @@
         <a:sym typeface="Arial"/>
       </a:defRPr>
     </a:lvl7pPr>
-    <a:lvl8pPr lvl="7" marR="0" rtl="0" algn="l">
+    <a:lvl8pPr marR="0" lvl="7" algn="l" rtl="0">
       <a:lnSpc>
         <a:spcPct val="100000"/>
       </a:lnSpc>
@@ -220,7 +221,7 @@
         <a:srgbClr val="000000"/>
       </a:buClr>
       <a:buFont typeface="Arial"/>
-      <a:defRPr b="0" i="0" sz="1400" u="none" cap="none" strike="noStrike">
+      <a:defRPr sz="1400" b="0" i="0" u="none" strike="noStrike" cap="none">
         <a:solidFill>
           <a:srgbClr val="000000"/>
         </a:solidFill>
@@ -230,7 +231,7 @@
         <a:sym typeface="Arial"/>
       </a:defRPr>
     </a:lvl8pPr>
-    <a:lvl9pPr lvl="8" marR="0" rtl="0" algn="l">
+    <a:lvl9pPr marR="0" lvl="8" algn="l" rtl="0">
       <a:lnSpc>
         <a:spcPct val="100000"/>
       </a:lnSpc>
@@ -244,7 +245,7 @@
         <a:srgbClr val="000000"/>
       </a:buClr>
       <a:buFont typeface="Arial"/>
-      <a:defRPr b="0" i="0" sz="1400" u="none" cap="none" strike="noStrike">
+      <a:defRPr sz="1400" b="0" i="0" u="none" strike="noStrike" cap="none">
         <a:solidFill>
           <a:srgbClr val="000000"/>
         </a:solidFill>
@@ -257,7 +258,7 @@
   </p:defaultTextStyle>
   <p:extLst>
     <p:ext uri="{EFAFB233-063F-42B5-8137-9DF3F51BA10A}">
-      <p15:sldGuideLst>
+      <p15:sldGuideLst xmlns:p15="http://schemas.microsoft.com/office/powerpoint/2012/main">
         <p15:guide id="1" orient="horz" pos="1620">
           <p15:clr>
             <a:srgbClr val="A4A3A4"/>
@@ -275,11 +276,16 @@
 </file>
 
 <file path=ppt/notesMasters/notesMaster1.xml><?xml version="1.0" encoding="utf-8"?>
-<p:notesMaster xmlns:a="http://schemas.openxmlformats.org/drawingml/2006/main" xmlns:r="http://schemas.openxmlformats.org/officeDocument/2006/relationships" xmlns:mc="http://schemas.openxmlformats.org/markup-compatibility/2006" xmlns:mv="urn:schemas-microsoft-com:mac:vml" xmlns:p="http://schemas.openxmlformats.org/presentationml/2006/main" xmlns:c="http://schemas.openxmlformats.org/drawingml/2006/chart" xmlns:dgm="http://schemas.openxmlformats.org/drawingml/2006/diagram" xmlns:o="urn:schemas-microsoft-com:office:office" xmlns:v="urn:schemas-microsoft-com:vml" xmlns:pvml="urn:schemas-microsoft-com:office:powerpoint" xmlns:com="http://schemas.openxmlformats.org/drawingml/2006/compatibility" xmlns:p14="http://schemas.microsoft.com/office/powerpoint/2010/main" xmlns:p15="http://schemas.microsoft.com/office/powerpoint/2012/main" xmlns:ahyp="http://schemas.microsoft.com/office/drawing/2018/hyperlinkcolor">
+<p:notesMaster xmlns:a="http://schemas.openxmlformats.org/drawingml/2006/main" xmlns:r="http://schemas.openxmlformats.org/officeDocument/2006/relationships" xmlns:p="http://schemas.openxmlformats.org/presentationml/2006/main">
   <p:cSld>
+    <p:bg>
+      <p:bgRef idx="1001">
+        <a:schemeClr val="bg1"/>
+      </p:bgRef>
+    </p:bg>
     <p:spTree>
       <p:nvGrpSpPr>
-        <p:cNvPr id="2" name="Shape 2"/>
+        <p:cNvPr id="1" name="Shape 2"/>
         <p:cNvGrpSpPr/>
         <p:nvPr/>
       </p:nvGrpSpPr>
@@ -294,9 +300,11 @@
       <p:sp>
         <p:nvSpPr>
           <p:cNvPr id="3" name="Google Shape;3;n"/>
-          <p:cNvSpPr/>
+          <p:cNvSpPr>
+            <a:spLocks noGrp="1" noRot="1" noChangeAspect="1"/>
+          </p:cNvSpPr>
           <p:nvPr>
-            <p:ph idx="2" type="sldImg"/>
+            <p:ph type="sldImg" idx="2"/>
           </p:nvPr>
         </p:nvSpPr>
         <p:spPr>
@@ -305,9 +313,13 @@
             <a:ext cx="6096075" cy="3429000"/>
           </a:xfrm>
           <a:custGeom>
-            <a:rect b="b" l="l" r="r" t="t"/>
+            <a:avLst/>
+            <a:gdLst/>
+            <a:ahLst/>
+            <a:cxnLst/>
+            <a:rect l="l" t="t" r="r" b="b"/>
             <a:pathLst>
-              <a:path extrusionOk="0" h="120000" w="120000">
+              <a:path w="120000" h="120000" extrusionOk="0">
                 <a:moveTo>
                   <a:pt x="0" y="0"/>
                 </a:moveTo>
@@ -325,23 +337,25 @@
             </a:pathLst>
           </a:custGeom>
           <a:noFill/>
-          <a:ln cap="flat" cmpd="sng" w="9525">
+          <a:ln w="9525" cap="flat" cmpd="sng">
             <a:solidFill>
               <a:srgbClr val="000000"/>
             </a:solidFill>
             <a:prstDash val="solid"/>
             <a:round/>
-            <a:headEnd len="sm" w="sm" type="none"/>
-            <a:tailEnd len="sm" w="sm" type="none"/>
+            <a:headEnd type="none" w="sm" len="sm"/>
+            <a:tailEnd type="none" w="sm" len="sm"/>
           </a:ln>
         </p:spPr>
       </p:sp>
       <p:sp>
         <p:nvSpPr>
           <p:cNvPr id="4" name="Google Shape;4;n"/>
-          <p:cNvSpPr txBox="1"/>
+          <p:cNvSpPr txBox="1">
+            <a:spLocks noGrp="1"/>
+          </p:cNvSpPr>
           <p:nvPr>
-            <p:ph idx="1" type="body"/>
+            <p:ph type="body" idx="1"/>
           </p:nvPr>
         </p:nvSpPr>
         <p:spPr>
@@ -358,11 +372,11 @@
           </a:ln>
         </p:spPr>
         <p:txBody>
-          <a:bodyPr anchorCtr="0" anchor="t" bIns="91425" lIns="91425" spcFirstLastPara="1" rIns="91425" wrap="square" tIns="91425">
+          <a:bodyPr spcFirstLastPara="1" wrap="square" lIns="91425" tIns="91425" rIns="91425" bIns="91425" anchor="t" anchorCtr="0">
             <a:noAutofit/>
           </a:bodyPr>
           <a:lstStyle>
-            <a:lvl1pPr indent="-298450" lvl="0" marL="457200">
+            <a:lvl1pPr marL="457200" lvl="0" indent="-298450">
               <a:spcBef>
                 <a:spcPts val="0"/>
               </a:spcBef>
@@ -373,7 +387,7 @@
               <a:buChar char="●"/>
               <a:defRPr sz="1100"/>
             </a:lvl1pPr>
-            <a:lvl2pPr indent="-298450" lvl="1" marL="914400">
+            <a:lvl2pPr marL="914400" lvl="1" indent="-298450">
               <a:spcBef>
                 <a:spcPts val="0"/>
               </a:spcBef>
@@ -384,7 +398,7 @@
               <a:buChar char="○"/>
               <a:defRPr sz="1100"/>
             </a:lvl2pPr>
-            <a:lvl3pPr indent="-298450" lvl="2" marL="1371600">
+            <a:lvl3pPr marL="1371600" lvl="2" indent="-298450">
               <a:spcBef>
                 <a:spcPts val="0"/>
               </a:spcBef>
@@ -395,7 +409,7 @@
               <a:buChar char="■"/>
               <a:defRPr sz="1100"/>
             </a:lvl3pPr>
-            <a:lvl4pPr indent="-298450" lvl="3" marL="1828800">
+            <a:lvl4pPr marL="1828800" lvl="3" indent="-298450">
               <a:spcBef>
                 <a:spcPts val="0"/>
               </a:spcBef>
@@ -406,7 +420,7 @@
               <a:buChar char="●"/>
               <a:defRPr sz="1100"/>
             </a:lvl4pPr>
-            <a:lvl5pPr indent="-298450" lvl="4" marL="2286000">
+            <a:lvl5pPr marL="2286000" lvl="4" indent="-298450">
               <a:spcBef>
                 <a:spcPts val="0"/>
               </a:spcBef>
@@ -417,7 +431,7 @@
               <a:buChar char="○"/>
               <a:defRPr sz="1100"/>
             </a:lvl5pPr>
-            <a:lvl6pPr indent="-298450" lvl="5" marL="2743200">
+            <a:lvl6pPr marL="2743200" lvl="5" indent="-298450">
               <a:spcBef>
                 <a:spcPts val="0"/>
               </a:spcBef>
@@ -428,7 +442,7 @@
               <a:buChar char="■"/>
               <a:defRPr sz="1100"/>
             </a:lvl6pPr>
-            <a:lvl7pPr indent="-298450" lvl="6" marL="3200400">
+            <a:lvl7pPr marL="3200400" lvl="6" indent="-298450">
               <a:spcBef>
                 <a:spcPts val="0"/>
               </a:spcBef>
@@ -439,7 +453,7 @@
               <a:buChar char="●"/>
               <a:defRPr sz="1100"/>
             </a:lvl7pPr>
-            <a:lvl8pPr indent="-298450" lvl="7" marL="3657600">
+            <a:lvl8pPr marL="3657600" lvl="7" indent="-298450">
               <a:spcBef>
                 <a:spcPts val="0"/>
               </a:spcBef>
@@ -450,7 +464,7 @@
               <a:buChar char="○"/>
               <a:defRPr sz="1100"/>
             </a:lvl8pPr>
-            <a:lvl9pPr indent="-298450" lvl="8" marL="4114800">
+            <a:lvl9pPr marL="4114800" lvl="8" indent="-298450">
               <a:spcBef>
                 <a:spcPts val="0"/>
               </a:spcBef>
@@ -462,14 +476,16 @@
               <a:defRPr sz="1100"/>
             </a:lvl9pPr>
           </a:lstStyle>
-          <a:p/>
+          <a:p>
+            <a:endParaRPr/>
+          </a:p>
         </p:txBody>
       </p:sp>
     </p:spTree>
   </p:cSld>
-  <p:clrMap accent1="accent1" accent2="accent2" accent3="accent3" accent4="accent4" accent5="accent5" accent6="accent6" bg1="lt1" bg2="dk2" tx1="dk1" tx2="lt2" folHlink="folHlink" hlink="hlink"/>
+  <p:clrMap bg1="lt1" tx1="dk1" bg2="dk2" tx2="lt2" accent1="accent1" accent2="accent2" accent3="accent3" accent4="accent4" accent5="accent5" accent6="accent6" hlink="hlink" folHlink="folHlink"/>
   <p:notesStyle>
-    <a:defPPr lvl="0" marR="0" rtl="0" algn="l">
+    <a:defPPr marR="0" lvl="0" algn="l" rtl="0">
       <a:lnSpc>
         <a:spcPct val="100000"/>
       </a:lnSpc>
@@ -480,7 +496,7 @@
         <a:spcPts val="0"/>
       </a:spcAft>
     </a:defPPr>
-    <a:lvl1pPr lvl="0" marR="0" rtl="0" algn="l">
+    <a:lvl1pPr marR="0" lvl="0" algn="l" rtl="0">
       <a:lnSpc>
         <a:spcPct val="100000"/>
       </a:lnSpc>
@@ -494,7 +510,7 @@
         <a:srgbClr val="000000"/>
       </a:buClr>
       <a:buFont typeface="Arial"/>
-      <a:defRPr b="0" i="0" sz="1400" u="none" cap="none" strike="noStrike">
+      <a:defRPr sz="1400" b="0" i="0" u="none" strike="noStrike" cap="none">
         <a:solidFill>
           <a:srgbClr val="000000"/>
         </a:solidFill>
@@ -504,7 +520,7 @@
         <a:sym typeface="Arial"/>
       </a:defRPr>
     </a:lvl1pPr>
-    <a:lvl2pPr lvl="1" marR="0" rtl="0" algn="l">
+    <a:lvl2pPr marR="0" lvl="1" algn="l" rtl="0">
       <a:lnSpc>
         <a:spcPct val="100000"/>
       </a:lnSpc>
@@ -518,7 +534,7 @@
         <a:srgbClr val="000000"/>
       </a:buClr>
       <a:buFont typeface="Arial"/>
-      <a:defRPr b="0" i="0" sz="1400" u="none" cap="none" strike="noStrike">
+      <a:defRPr sz="1400" b="0" i="0" u="none" strike="noStrike" cap="none">
         <a:solidFill>
           <a:srgbClr val="000000"/>
         </a:solidFill>
@@ -528,7 +544,7 @@
         <a:sym typeface="Arial"/>
       </a:defRPr>
     </a:lvl2pPr>
-    <a:lvl3pPr lvl="2" marR="0" rtl="0" algn="l">
+    <a:lvl3pPr marR="0" lvl="2" algn="l" rtl="0">
       <a:lnSpc>
         <a:spcPct val="100000"/>
       </a:lnSpc>
@@ -542,7 +558,7 @@
         <a:srgbClr val="000000"/>
       </a:buClr>
       <a:buFont typeface="Arial"/>
-      <a:defRPr b="0" i="0" sz="1400" u="none" cap="none" strike="noStrike">
+      <a:defRPr sz="1400" b="0" i="0" u="none" strike="noStrike" cap="none">
         <a:solidFill>
           <a:srgbClr val="000000"/>
         </a:solidFill>
@@ -552,7 +568,7 @@
         <a:sym typeface="Arial"/>
       </a:defRPr>
     </a:lvl3pPr>
-    <a:lvl4pPr lvl="3" marR="0" rtl="0" algn="l">
+    <a:lvl4pPr marR="0" lvl="3" algn="l" rtl="0">
       <a:lnSpc>
         <a:spcPct val="100000"/>
       </a:lnSpc>
@@ -566,7 +582,7 @@
         <a:srgbClr val="000000"/>
       </a:buClr>
       <a:buFont typeface="Arial"/>
-      <a:defRPr b="0" i="0" sz="1400" u="none" cap="none" strike="noStrike">
+      <a:defRPr sz="1400" b="0" i="0" u="none" strike="noStrike" cap="none">
         <a:solidFill>
           <a:srgbClr val="000000"/>
         </a:solidFill>
@@ -576,7 +592,7 @@
         <a:sym typeface="Arial"/>
       </a:defRPr>
     </a:lvl4pPr>
-    <a:lvl5pPr lvl="4" marR="0" rtl="0" algn="l">
+    <a:lvl5pPr marR="0" lvl="4" algn="l" rtl="0">
       <a:lnSpc>
         <a:spcPct val="100000"/>
       </a:lnSpc>
@@ -590,7 +606,7 @@
         <a:srgbClr val="000000"/>
       </a:buClr>
       <a:buFont typeface="Arial"/>
-      <a:defRPr b="0" i="0" sz="1400" u="none" cap="none" strike="noStrike">
+      <a:defRPr sz="1400" b="0" i="0" u="none" strike="noStrike" cap="none">
         <a:solidFill>
           <a:srgbClr val="000000"/>
         </a:solidFill>
@@ -600,7 +616,7 @@
         <a:sym typeface="Arial"/>
       </a:defRPr>
     </a:lvl5pPr>
-    <a:lvl6pPr lvl="5" marR="0" rtl="0" algn="l">
+    <a:lvl6pPr marR="0" lvl="5" algn="l" rtl="0">
       <a:lnSpc>
         <a:spcPct val="100000"/>
       </a:lnSpc>
@@ -614,7 +630,7 @@
         <a:srgbClr val="000000"/>
       </a:buClr>
       <a:buFont typeface="Arial"/>
-      <a:defRPr b="0" i="0" sz="1400" u="none" cap="none" strike="noStrike">
+      <a:defRPr sz="1400" b="0" i="0" u="none" strike="noStrike" cap="none">
         <a:solidFill>
           <a:srgbClr val="000000"/>
         </a:solidFill>
@@ -624,7 +640,7 @@
         <a:sym typeface="Arial"/>
       </a:defRPr>
     </a:lvl6pPr>
-    <a:lvl7pPr lvl="6" marR="0" rtl="0" algn="l">
+    <a:lvl7pPr marR="0" lvl="6" algn="l" rtl="0">
       <a:lnSpc>
         <a:spcPct val="100000"/>
       </a:lnSpc>
@@ -638,7 +654,7 @@
         <a:srgbClr val="000000"/>
       </a:buClr>
       <a:buFont typeface="Arial"/>
-      <a:defRPr b="0" i="0" sz="1400" u="none" cap="none" strike="noStrike">
+      <a:defRPr sz="1400" b="0" i="0" u="none" strike="noStrike" cap="none">
         <a:solidFill>
           <a:srgbClr val="000000"/>
         </a:solidFill>
@@ -648,7 +664,7 @@
         <a:sym typeface="Arial"/>
       </a:defRPr>
     </a:lvl7pPr>
-    <a:lvl8pPr lvl="7" marR="0" rtl="0" algn="l">
+    <a:lvl8pPr marR="0" lvl="7" algn="l" rtl="0">
       <a:lnSpc>
         <a:spcPct val="100000"/>
       </a:lnSpc>
@@ -662,7 +678,7 @@
         <a:srgbClr val="000000"/>
       </a:buClr>
       <a:buFont typeface="Arial"/>
-      <a:defRPr b="0" i="0" sz="1400" u="none" cap="none" strike="noStrike">
+      <a:defRPr sz="1400" b="0" i="0" u="none" strike="noStrike" cap="none">
         <a:solidFill>
           <a:srgbClr val="000000"/>
         </a:solidFill>
@@ -672,7 +688,7 @@
         <a:sym typeface="Arial"/>
       </a:defRPr>
     </a:lvl8pPr>
-    <a:lvl9pPr lvl="8" marR="0" rtl="0" algn="l">
+    <a:lvl9pPr marR="0" lvl="8" algn="l" rtl="0">
       <a:lnSpc>
         <a:spcPct val="100000"/>
       </a:lnSpc>
@@ -686,7 +702,7 @@
         <a:srgbClr val="000000"/>
       </a:buClr>
       <a:buFont typeface="Arial"/>
-      <a:defRPr b="0" i="0" sz="1400" u="none" cap="none" strike="noStrike">
+      <a:defRPr sz="1400" b="0" i="0" u="none" strike="noStrike" cap="none">
         <a:solidFill>
           <a:srgbClr val="000000"/>
         </a:solidFill>
@@ -701,11 +717,11 @@
 </file>
 
 <file path=ppt/notesSlides/notesSlide1.xml><?xml version="1.0" encoding="utf-8"?>
-<p:notes xmlns:a="http://schemas.openxmlformats.org/drawingml/2006/main" xmlns:r="http://schemas.openxmlformats.org/officeDocument/2006/relationships" xmlns:mc="http://schemas.openxmlformats.org/markup-compatibility/2006" xmlns:mv="urn:schemas-microsoft-com:mac:vml" xmlns:p="http://schemas.openxmlformats.org/presentationml/2006/main" xmlns:c="http://schemas.openxmlformats.org/drawingml/2006/chart" xmlns:dgm="http://schemas.openxmlformats.org/drawingml/2006/diagram" xmlns:o="urn:schemas-microsoft-com:office:office" xmlns:v="urn:schemas-microsoft-com:vml" xmlns:pvml="urn:schemas-microsoft-com:office:powerpoint" xmlns:com="http://schemas.openxmlformats.org/drawingml/2006/compatibility" xmlns:p14="http://schemas.microsoft.com/office/powerpoint/2010/main" xmlns:p15="http://schemas.microsoft.com/office/powerpoint/2012/main" xmlns:ahyp="http://schemas.microsoft.com/office/drawing/2018/hyperlinkcolor" showMasterPhAnim="0" showMasterSp="0">
+<p:notes xmlns:a="http://schemas.openxmlformats.org/drawingml/2006/main" xmlns:r="http://schemas.openxmlformats.org/officeDocument/2006/relationships" xmlns:p="http://schemas.openxmlformats.org/presentationml/2006/main" showMasterSp="0" showMasterPhAnim="0">
   <p:cSld>
     <p:spTree>
       <p:nvGrpSpPr>
-        <p:cNvPr id="50" name="Shape 50"/>
+        <p:cNvPr id="1" name="Shape 50"/>
         <p:cNvGrpSpPr/>
         <p:nvPr/>
       </p:nvGrpSpPr>
@@ -720,9 +736,11 @@
       <p:sp>
         <p:nvSpPr>
           <p:cNvPr id="51" name="Google Shape;51;gae6d429fda_5_4:notes"/>
-          <p:cNvSpPr/>
+          <p:cNvSpPr>
+            <a:spLocks noGrp="1" noRot="1" noChangeAspect="1"/>
+          </p:cNvSpPr>
           <p:nvPr>
-            <p:ph idx="2" type="sldImg"/>
+            <p:ph type="sldImg" idx="2"/>
           </p:nvPr>
         </p:nvSpPr>
         <p:spPr>
@@ -731,9 +749,13 @@
             <a:ext cx="6096000" cy="3429000"/>
           </a:xfrm>
           <a:custGeom>
-            <a:rect b="b" l="l" r="r" t="t"/>
+            <a:avLst/>
+            <a:gdLst/>
+            <a:ahLst/>
+            <a:cxnLst/>
+            <a:rect l="l" t="t" r="r" b="b"/>
             <a:pathLst>
-              <a:path extrusionOk="0" h="120000" w="120000">
+              <a:path w="120000" h="120000" extrusionOk="0">
                 <a:moveTo>
                   <a:pt x="0" y="0"/>
                 </a:moveTo>
@@ -755,9 +777,11 @@
       <p:sp>
         <p:nvSpPr>
           <p:cNvPr id="52" name="Google Shape;52;gae6d429fda_5_4:notes"/>
-          <p:cNvSpPr txBox="1"/>
+          <p:cNvSpPr txBox="1">
+            <a:spLocks noGrp="1"/>
+          </p:cNvSpPr>
           <p:nvPr>
-            <p:ph idx="1" type="body"/>
+            <p:ph type="body" idx="1"/>
           </p:nvPr>
         </p:nvSpPr>
         <p:spPr>
@@ -770,23 +794,20 @@
           </a:prstGeom>
         </p:spPr>
         <p:txBody>
-          <a:bodyPr anchorCtr="0" anchor="t" bIns="91425" lIns="91425" spcFirstLastPara="1" rIns="91425" wrap="square" tIns="91425">
+          <a:bodyPr spcFirstLastPara="1" wrap="square" lIns="91425" tIns="91425" rIns="91425" bIns="91425" anchor="t" anchorCtr="0">
             <a:noAutofit/>
           </a:bodyPr>
           <a:lstStyle/>
           <a:p>
-            <a:pPr indent="0" lvl="0" marL="0" rtl="0" algn="l">
-              <a:spcBef>
-                <a:spcPts val="0"/>
-              </a:spcBef>
-              <a:spcAft>
-                <a:spcPts val="0"/>
-              </a:spcAft>
-              <a:buNone/>
-            </a:pPr>
-            <a:r>
-              <a:t/>
-            </a:r>
+            <a:pPr marL="0" lvl="0" indent="0" algn="l" rtl="0">
+              <a:spcBef>
+                <a:spcPts val="0"/>
+              </a:spcBef>
+              <a:spcAft>
+                <a:spcPts val="0"/>
+              </a:spcAft>
+              <a:buNone/>
+            </a:pPr>
             <a:endParaRPr/>
           </a:p>
         </p:txBody>
@@ -800,11 +821,11 @@
 </file>
 
 <file path=ppt/notesSlides/notesSlide10.xml><?xml version="1.0" encoding="utf-8"?>
-<p:notes xmlns:a="http://schemas.openxmlformats.org/drawingml/2006/main" xmlns:r="http://schemas.openxmlformats.org/officeDocument/2006/relationships" xmlns:mc="http://schemas.openxmlformats.org/markup-compatibility/2006" xmlns:mv="urn:schemas-microsoft-com:mac:vml" xmlns:p="http://schemas.openxmlformats.org/presentationml/2006/main" xmlns:c="http://schemas.openxmlformats.org/drawingml/2006/chart" xmlns:dgm="http://schemas.openxmlformats.org/drawingml/2006/diagram" xmlns:o="urn:schemas-microsoft-com:office:office" xmlns:v="urn:schemas-microsoft-com:vml" xmlns:pvml="urn:schemas-microsoft-com:office:powerpoint" xmlns:com="http://schemas.openxmlformats.org/drawingml/2006/compatibility" xmlns:p14="http://schemas.microsoft.com/office/powerpoint/2010/main" xmlns:p15="http://schemas.microsoft.com/office/powerpoint/2012/main" xmlns:ahyp="http://schemas.microsoft.com/office/drawing/2018/hyperlinkcolor" showMasterPhAnim="0" showMasterSp="0">
+<p:notes xmlns:a="http://schemas.openxmlformats.org/drawingml/2006/main" xmlns:r="http://schemas.openxmlformats.org/officeDocument/2006/relationships" xmlns:p="http://schemas.openxmlformats.org/presentationml/2006/main" showMasterSp="0" showMasterPhAnim="0">
   <p:cSld>
     <p:spTree>
       <p:nvGrpSpPr>
-        <p:cNvPr id="163" name="Shape 163"/>
+        <p:cNvPr id="1" name="Shape 163"/>
         <p:cNvGrpSpPr/>
         <p:nvPr/>
       </p:nvGrpSpPr>
@@ -819,20 +840,26 @@
       <p:sp>
         <p:nvSpPr>
           <p:cNvPr id="164" name="Google Shape;164;gb7d8bcb956_0_0:notes"/>
-          <p:cNvSpPr/>
+          <p:cNvSpPr>
+            <a:spLocks noGrp="1" noRot="1" noChangeAspect="1"/>
+          </p:cNvSpPr>
           <p:nvPr>
-            <p:ph idx="2" type="sldImg"/>
+            <p:ph type="sldImg" idx="2"/>
           </p:nvPr>
         </p:nvSpPr>
         <p:spPr>
           <a:xfrm>
-            <a:off x="381300" y="685800"/>
+            <a:off x="381000" y="685800"/>
             <a:ext cx="6096000" cy="3429000"/>
           </a:xfrm>
           <a:custGeom>
-            <a:rect b="b" l="l" r="r" t="t"/>
+            <a:avLst/>
+            <a:gdLst/>
+            <a:ahLst/>
+            <a:cxnLst/>
+            <a:rect l="l" t="t" r="r" b="b"/>
             <a:pathLst>
-              <a:path extrusionOk="0" h="120000" w="120000">
+              <a:path w="120000" h="120000" extrusionOk="0">
                 <a:moveTo>
                   <a:pt x="0" y="0"/>
                 </a:moveTo>
@@ -854,9 +881,11 @@
       <p:sp>
         <p:nvSpPr>
           <p:cNvPr id="165" name="Google Shape;165;gb7d8bcb956_0_0:notes"/>
-          <p:cNvSpPr txBox="1"/>
+          <p:cNvSpPr txBox="1">
+            <a:spLocks noGrp="1"/>
+          </p:cNvSpPr>
           <p:nvPr>
-            <p:ph idx="1" type="body"/>
+            <p:ph type="body" idx="1"/>
           </p:nvPr>
         </p:nvSpPr>
         <p:spPr>
@@ -869,23 +898,20 @@
           </a:prstGeom>
         </p:spPr>
         <p:txBody>
-          <a:bodyPr anchorCtr="0" anchor="t" bIns="91425" lIns="91425" spcFirstLastPara="1" rIns="91425" wrap="square" tIns="91425">
+          <a:bodyPr spcFirstLastPara="1" wrap="square" lIns="91425" tIns="91425" rIns="91425" bIns="91425" anchor="t" anchorCtr="0">
             <a:noAutofit/>
           </a:bodyPr>
           <a:lstStyle/>
           <a:p>
-            <a:pPr indent="0" lvl="0" marL="0" rtl="0" algn="l">
-              <a:spcBef>
-                <a:spcPts val="0"/>
-              </a:spcBef>
-              <a:spcAft>
-                <a:spcPts val="0"/>
-              </a:spcAft>
-              <a:buNone/>
-            </a:pPr>
-            <a:r>
-              <a:t/>
-            </a:r>
+            <a:pPr marL="0" lvl="0" indent="0" algn="l" rtl="0">
+              <a:spcBef>
+                <a:spcPts val="0"/>
+              </a:spcBef>
+              <a:spcAft>
+                <a:spcPts val="0"/>
+              </a:spcAft>
+              <a:buNone/>
+            </a:pPr>
             <a:endParaRPr/>
           </a:p>
         </p:txBody>
@@ -899,11 +925,11 @@
 </file>
 
 <file path=ppt/notesSlides/notesSlide11.xml><?xml version="1.0" encoding="utf-8"?>
-<p:notes xmlns:a="http://schemas.openxmlformats.org/drawingml/2006/main" xmlns:r="http://schemas.openxmlformats.org/officeDocument/2006/relationships" xmlns:mc="http://schemas.openxmlformats.org/markup-compatibility/2006" xmlns:mv="urn:schemas-microsoft-com:mac:vml" xmlns:p="http://schemas.openxmlformats.org/presentationml/2006/main" xmlns:c="http://schemas.openxmlformats.org/drawingml/2006/chart" xmlns:dgm="http://schemas.openxmlformats.org/drawingml/2006/diagram" xmlns:o="urn:schemas-microsoft-com:office:office" xmlns:v="urn:schemas-microsoft-com:vml" xmlns:pvml="urn:schemas-microsoft-com:office:powerpoint" xmlns:com="http://schemas.openxmlformats.org/drawingml/2006/compatibility" xmlns:p14="http://schemas.microsoft.com/office/powerpoint/2010/main" xmlns:p15="http://schemas.microsoft.com/office/powerpoint/2012/main" xmlns:ahyp="http://schemas.microsoft.com/office/drawing/2018/hyperlinkcolor" showMasterPhAnim="0" showMasterSp="0">
+<p:notes xmlns:a="http://schemas.openxmlformats.org/drawingml/2006/main" xmlns:r="http://schemas.openxmlformats.org/officeDocument/2006/relationships" xmlns:p="http://schemas.openxmlformats.org/presentationml/2006/main" showMasterSp="0" showMasterPhAnim="0">
   <p:cSld>
     <p:spTree>
       <p:nvGrpSpPr>
-        <p:cNvPr id="178" name="Shape 178"/>
+        <p:cNvPr id="1" name="Shape 178"/>
         <p:cNvGrpSpPr/>
         <p:nvPr/>
       </p:nvGrpSpPr>
@@ -918,9 +944,11 @@
       <p:sp>
         <p:nvSpPr>
           <p:cNvPr id="179" name="Google Shape;179;gb784dc0dc1_0_14:notes"/>
-          <p:cNvSpPr/>
+          <p:cNvSpPr>
+            <a:spLocks noGrp="1" noRot="1" noChangeAspect="1"/>
+          </p:cNvSpPr>
           <p:nvPr>
-            <p:ph idx="2" type="sldImg"/>
+            <p:ph type="sldImg" idx="2"/>
           </p:nvPr>
         </p:nvSpPr>
         <p:spPr>
@@ -929,9 +957,13 @@
             <a:ext cx="6096000" cy="3429000"/>
           </a:xfrm>
           <a:custGeom>
-            <a:rect b="b" l="l" r="r" t="t"/>
+            <a:avLst/>
+            <a:gdLst/>
+            <a:ahLst/>
+            <a:cxnLst/>
+            <a:rect l="l" t="t" r="r" b="b"/>
             <a:pathLst>
-              <a:path extrusionOk="0" h="120000" w="120000">
+              <a:path w="120000" h="120000" extrusionOk="0">
                 <a:moveTo>
                   <a:pt x="0" y="0"/>
                 </a:moveTo>
@@ -953,9 +985,11 @@
       <p:sp>
         <p:nvSpPr>
           <p:cNvPr id="180" name="Google Shape;180;gb784dc0dc1_0_14:notes"/>
-          <p:cNvSpPr txBox="1"/>
+          <p:cNvSpPr txBox="1">
+            <a:spLocks noGrp="1"/>
+          </p:cNvSpPr>
           <p:nvPr>
-            <p:ph idx="1" type="body"/>
+            <p:ph type="body" idx="1"/>
           </p:nvPr>
         </p:nvSpPr>
         <p:spPr>
@@ -968,23 +1002,20 @@
           </a:prstGeom>
         </p:spPr>
         <p:txBody>
-          <a:bodyPr anchorCtr="0" anchor="t" bIns="91425" lIns="91425" spcFirstLastPara="1" rIns="91425" wrap="square" tIns="91425">
+          <a:bodyPr spcFirstLastPara="1" wrap="square" lIns="91425" tIns="91425" rIns="91425" bIns="91425" anchor="t" anchorCtr="0">
             <a:noAutofit/>
           </a:bodyPr>
           <a:lstStyle/>
           <a:p>
-            <a:pPr indent="0" lvl="0" marL="0" rtl="0" algn="l">
-              <a:spcBef>
-                <a:spcPts val="0"/>
-              </a:spcBef>
-              <a:spcAft>
-                <a:spcPts val="0"/>
-              </a:spcAft>
-              <a:buNone/>
-            </a:pPr>
-            <a:r>
-              <a:t/>
-            </a:r>
+            <a:pPr marL="0" lvl="0" indent="0" algn="l" rtl="0">
+              <a:spcBef>
+                <a:spcPts val="0"/>
+              </a:spcBef>
+              <a:spcAft>
+                <a:spcPts val="0"/>
+              </a:spcAft>
+              <a:buNone/>
+            </a:pPr>
             <a:endParaRPr/>
           </a:p>
         </p:txBody>
@@ -998,11 +1029,11 @@
 </file>
 
 <file path=ppt/notesSlides/notesSlide12.xml><?xml version="1.0" encoding="utf-8"?>
-<p:notes xmlns:a="http://schemas.openxmlformats.org/drawingml/2006/main" xmlns:r="http://schemas.openxmlformats.org/officeDocument/2006/relationships" xmlns:mc="http://schemas.openxmlformats.org/markup-compatibility/2006" xmlns:mv="urn:schemas-microsoft-com:mac:vml" xmlns:p="http://schemas.openxmlformats.org/presentationml/2006/main" xmlns:c="http://schemas.openxmlformats.org/drawingml/2006/chart" xmlns:dgm="http://schemas.openxmlformats.org/drawingml/2006/diagram" xmlns:o="urn:schemas-microsoft-com:office:office" xmlns:v="urn:schemas-microsoft-com:vml" xmlns:pvml="urn:schemas-microsoft-com:office:powerpoint" xmlns:com="http://schemas.openxmlformats.org/drawingml/2006/compatibility" xmlns:p14="http://schemas.microsoft.com/office/powerpoint/2010/main" xmlns:p15="http://schemas.microsoft.com/office/powerpoint/2012/main" xmlns:ahyp="http://schemas.microsoft.com/office/drawing/2018/hyperlinkcolor" showMasterPhAnim="0" showMasterSp="0">
+<p:notes xmlns:a="http://schemas.openxmlformats.org/drawingml/2006/main" xmlns:r="http://schemas.openxmlformats.org/officeDocument/2006/relationships" xmlns:p="http://schemas.openxmlformats.org/presentationml/2006/main" showMasterSp="0" showMasterPhAnim="0">
   <p:cSld>
     <p:spTree>
       <p:nvGrpSpPr>
-        <p:cNvPr id="187" name="Shape 187"/>
+        <p:cNvPr id="1" name="Shape 187"/>
         <p:cNvGrpSpPr/>
         <p:nvPr/>
       </p:nvGrpSpPr>
@@ -1017,9 +1048,11 @@
       <p:sp>
         <p:nvSpPr>
           <p:cNvPr id="188" name="Google Shape;188;gb784dc0dc1_0_24:notes"/>
-          <p:cNvSpPr/>
+          <p:cNvSpPr>
+            <a:spLocks noGrp="1" noRot="1" noChangeAspect="1"/>
+          </p:cNvSpPr>
           <p:nvPr>
-            <p:ph idx="2" type="sldImg"/>
+            <p:ph type="sldImg" idx="2"/>
           </p:nvPr>
         </p:nvSpPr>
         <p:spPr>
@@ -1028,9 +1061,13 @@
             <a:ext cx="6096000" cy="3429000"/>
           </a:xfrm>
           <a:custGeom>
-            <a:rect b="b" l="l" r="r" t="t"/>
+            <a:avLst/>
+            <a:gdLst/>
+            <a:ahLst/>
+            <a:cxnLst/>
+            <a:rect l="l" t="t" r="r" b="b"/>
             <a:pathLst>
-              <a:path extrusionOk="0" h="120000" w="120000">
+              <a:path w="120000" h="120000" extrusionOk="0">
                 <a:moveTo>
                   <a:pt x="0" y="0"/>
                 </a:moveTo>
@@ -1052,9 +1089,11 @@
       <p:sp>
         <p:nvSpPr>
           <p:cNvPr id="189" name="Google Shape;189;gb784dc0dc1_0_24:notes"/>
-          <p:cNvSpPr txBox="1"/>
+          <p:cNvSpPr txBox="1">
+            <a:spLocks noGrp="1"/>
+          </p:cNvSpPr>
           <p:nvPr>
-            <p:ph idx="1" type="body"/>
+            <p:ph type="body" idx="1"/>
           </p:nvPr>
         </p:nvSpPr>
         <p:spPr>
@@ -1067,23 +1106,20 @@
           </a:prstGeom>
         </p:spPr>
         <p:txBody>
-          <a:bodyPr anchorCtr="0" anchor="t" bIns="91425" lIns="91425" spcFirstLastPara="1" rIns="91425" wrap="square" tIns="91425">
+          <a:bodyPr spcFirstLastPara="1" wrap="square" lIns="91425" tIns="91425" rIns="91425" bIns="91425" anchor="t" anchorCtr="0">
             <a:noAutofit/>
           </a:bodyPr>
           <a:lstStyle/>
           <a:p>
-            <a:pPr indent="0" lvl="0" marL="0" rtl="0" algn="l">
-              <a:spcBef>
-                <a:spcPts val="0"/>
-              </a:spcBef>
-              <a:spcAft>
-                <a:spcPts val="0"/>
-              </a:spcAft>
-              <a:buNone/>
-            </a:pPr>
-            <a:r>
-              <a:t/>
-            </a:r>
+            <a:pPr marL="0" lvl="0" indent="0" algn="l" rtl="0">
+              <a:spcBef>
+                <a:spcPts val="0"/>
+              </a:spcBef>
+              <a:spcAft>
+                <a:spcPts val="0"/>
+              </a:spcAft>
+              <a:buNone/>
+            </a:pPr>
             <a:endParaRPr/>
           </a:p>
         </p:txBody>
@@ -1097,11 +1133,11 @@
 </file>
 
 <file path=ppt/notesSlides/notesSlide13.xml><?xml version="1.0" encoding="utf-8"?>
-<p:notes xmlns:a="http://schemas.openxmlformats.org/drawingml/2006/main" xmlns:r="http://schemas.openxmlformats.org/officeDocument/2006/relationships" xmlns:mc="http://schemas.openxmlformats.org/markup-compatibility/2006" xmlns:mv="urn:schemas-microsoft-com:mac:vml" xmlns:p="http://schemas.openxmlformats.org/presentationml/2006/main" xmlns:c="http://schemas.openxmlformats.org/drawingml/2006/chart" xmlns:dgm="http://schemas.openxmlformats.org/drawingml/2006/diagram" xmlns:o="urn:schemas-microsoft-com:office:office" xmlns:v="urn:schemas-microsoft-com:vml" xmlns:pvml="urn:schemas-microsoft-com:office:powerpoint" xmlns:com="http://schemas.openxmlformats.org/drawingml/2006/compatibility" xmlns:p14="http://schemas.microsoft.com/office/powerpoint/2010/main" xmlns:p15="http://schemas.microsoft.com/office/powerpoint/2012/main" xmlns:ahyp="http://schemas.microsoft.com/office/drawing/2018/hyperlinkcolor" showMasterPhAnim="0" showMasterSp="0">
+<p:notes xmlns:a="http://schemas.openxmlformats.org/drawingml/2006/main" xmlns:r="http://schemas.openxmlformats.org/officeDocument/2006/relationships" xmlns:p="http://schemas.openxmlformats.org/presentationml/2006/main" showMasterSp="0" showMasterPhAnim="0">
   <p:cSld>
     <p:spTree>
       <p:nvGrpSpPr>
-        <p:cNvPr id="195" name="Shape 195"/>
+        <p:cNvPr id="1" name="Shape 195"/>
         <p:cNvGrpSpPr/>
         <p:nvPr/>
       </p:nvGrpSpPr>
@@ -1116,9 +1152,11 @@
       <p:sp>
         <p:nvSpPr>
           <p:cNvPr id="196" name="Google Shape;196;gb610c32d85_2_103:notes"/>
-          <p:cNvSpPr/>
+          <p:cNvSpPr>
+            <a:spLocks noGrp="1" noRot="1" noChangeAspect="1"/>
+          </p:cNvSpPr>
           <p:nvPr>
-            <p:ph idx="2" type="sldImg"/>
+            <p:ph type="sldImg" idx="2"/>
           </p:nvPr>
         </p:nvSpPr>
         <p:spPr>
@@ -1127,9 +1165,13 @@
             <a:ext cx="6096000" cy="3429000"/>
           </a:xfrm>
           <a:custGeom>
-            <a:rect b="b" l="l" r="r" t="t"/>
+            <a:avLst/>
+            <a:gdLst/>
+            <a:ahLst/>
+            <a:cxnLst/>
+            <a:rect l="l" t="t" r="r" b="b"/>
             <a:pathLst>
-              <a:path extrusionOk="0" h="120000" w="120000">
+              <a:path w="120000" h="120000" extrusionOk="0">
                 <a:moveTo>
                   <a:pt x="0" y="0"/>
                 </a:moveTo>
@@ -1151,9 +1193,11 @@
       <p:sp>
         <p:nvSpPr>
           <p:cNvPr id="197" name="Google Shape;197;gb610c32d85_2_103:notes"/>
-          <p:cNvSpPr txBox="1"/>
+          <p:cNvSpPr txBox="1">
+            <a:spLocks noGrp="1"/>
+          </p:cNvSpPr>
           <p:nvPr>
-            <p:ph idx="1" type="body"/>
+            <p:ph type="body" idx="1"/>
           </p:nvPr>
         </p:nvSpPr>
         <p:spPr>
@@ -1166,23 +1210,20 @@
           </a:prstGeom>
         </p:spPr>
         <p:txBody>
-          <a:bodyPr anchorCtr="0" anchor="t" bIns="91425" lIns="91425" spcFirstLastPara="1" rIns="91425" wrap="square" tIns="91425">
+          <a:bodyPr spcFirstLastPara="1" wrap="square" lIns="91425" tIns="91425" rIns="91425" bIns="91425" anchor="t" anchorCtr="0">
             <a:noAutofit/>
           </a:bodyPr>
           <a:lstStyle/>
           <a:p>
-            <a:pPr indent="0" lvl="0" marL="0" rtl="0" algn="l">
-              <a:spcBef>
-                <a:spcPts val="0"/>
-              </a:spcBef>
-              <a:spcAft>
-                <a:spcPts val="0"/>
-              </a:spcAft>
-              <a:buNone/>
-            </a:pPr>
-            <a:r>
-              <a:t/>
-            </a:r>
+            <a:pPr marL="0" lvl="0" indent="0" algn="l" rtl="0">
+              <a:spcBef>
+                <a:spcPts val="0"/>
+              </a:spcBef>
+              <a:spcAft>
+                <a:spcPts val="0"/>
+              </a:spcAft>
+              <a:buNone/>
+            </a:pPr>
             <a:endParaRPr/>
           </a:p>
         </p:txBody>
@@ -1196,11 +1237,11 @@
 </file>
 
 <file path=ppt/notesSlides/notesSlide14.xml><?xml version="1.0" encoding="utf-8"?>
-<p:notes xmlns:a="http://schemas.openxmlformats.org/drawingml/2006/main" xmlns:r="http://schemas.openxmlformats.org/officeDocument/2006/relationships" xmlns:mc="http://schemas.openxmlformats.org/markup-compatibility/2006" xmlns:mv="urn:schemas-microsoft-com:mac:vml" xmlns:p="http://schemas.openxmlformats.org/presentationml/2006/main" xmlns:c="http://schemas.openxmlformats.org/drawingml/2006/chart" xmlns:dgm="http://schemas.openxmlformats.org/drawingml/2006/diagram" xmlns:o="urn:schemas-microsoft-com:office:office" xmlns:v="urn:schemas-microsoft-com:vml" xmlns:pvml="urn:schemas-microsoft-com:office:powerpoint" xmlns:com="http://schemas.openxmlformats.org/drawingml/2006/compatibility" xmlns:p14="http://schemas.microsoft.com/office/powerpoint/2010/main" xmlns:p15="http://schemas.microsoft.com/office/powerpoint/2012/main" xmlns:ahyp="http://schemas.microsoft.com/office/drawing/2018/hyperlinkcolor" showMasterPhAnim="0" showMasterSp="0">
+<p:notes xmlns:a="http://schemas.openxmlformats.org/drawingml/2006/main" xmlns:r="http://schemas.openxmlformats.org/officeDocument/2006/relationships" xmlns:p="http://schemas.openxmlformats.org/presentationml/2006/main" showMasterSp="0" showMasterPhAnim="0">
   <p:cSld>
     <p:spTree>
       <p:nvGrpSpPr>
-        <p:cNvPr id="202" name="Shape 202"/>
+        <p:cNvPr id="1" name="Shape 202"/>
         <p:cNvGrpSpPr/>
         <p:nvPr/>
       </p:nvGrpSpPr>
@@ -1215,9 +1256,11 @@
       <p:sp>
         <p:nvSpPr>
           <p:cNvPr id="203" name="Google Shape;203;gb7d8bcb956_0_9:notes"/>
-          <p:cNvSpPr/>
+          <p:cNvSpPr>
+            <a:spLocks noGrp="1" noRot="1" noChangeAspect="1"/>
+          </p:cNvSpPr>
           <p:nvPr>
-            <p:ph idx="2" type="sldImg"/>
+            <p:ph type="sldImg" idx="2"/>
           </p:nvPr>
         </p:nvSpPr>
         <p:spPr>
@@ -1226,9 +1269,13 @@
             <a:ext cx="6096000" cy="3429000"/>
           </a:xfrm>
           <a:custGeom>
-            <a:rect b="b" l="l" r="r" t="t"/>
+            <a:avLst/>
+            <a:gdLst/>
+            <a:ahLst/>
+            <a:cxnLst/>
+            <a:rect l="l" t="t" r="r" b="b"/>
             <a:pathLst>
-              <a:path extrusionOk="0" h="120000" w="120000">
+              <a:path w="120000" h="120000" extrusionOk="0">
                 <a:moveTo>
                   <a:pt x="0" y="0"/>
                 </a:moveTo>
@@ -1250,9 +1297,11 @@
       <p:sp>
         <p:nvSpPr>
           <p:cNvPr id="204" name="Google Shape;204;gb7d8bcb956_0_9:notes"/>
-          <p:cNvSpPr txBox="1"/>
+          <p:cNvSpPr txBox="1">
+            <a:spLocks noGrp="1"/>
+          </p:cNvSpPr>
           <p:nvPr>
-            <p:ph idx="1" type="body"/>
+            <p:ph type="body" idx="1"/>
           </p:nvPr>
         </p:nvSpPr>
         <p:spPr>
@@ -1265,23 +1314,20 @@
           </a:prstGeom>
         </p:spPr>
         <p:txBody>
-          <a:bodyPr anchorCtr="0" anchor="t" bIns="91425" lIns="91425" spcFirstLastPara="1" rIns="91425" wrap="square" tIns="91425">
+          <a:bodyPr spcFirstLastPara="1" wrap="square" lIns="91425" tIns="91425" rIns="91425" bIns="91425" anchor="t" anchorCtr="0">
             <a:noAutofit/>
           </a:bodyPr>
           <a:lstStyle/>
           <a:p>
-            <a:pPr indent="0" lvl="0" marL="0" rtl="0" algn="l">
-              <a:spcBef>
-                <a:spcPts val="0"/>
-              </a:spcBef>
-              <a:spcAft>
-                <a:spcPts val="0"/>
-              </a:spcAft>
-              <a:buNone/>
-            </a:pPr>
-            <a:r>
-              <a:t/>
-            </a:r>
+            <a:pPr marL="0" lvl="0" indent="0" algn="l" rtl="0">
+              <a:spcBef>
+                <a:spcPts val="0"/>
+              </a:spcBef>
+              <a:spcAft>
+                <a:spcPts val="0"/>
+              </a:spcAft>
+              <a:buNone/>
+            </a:pPr>
             <a:endParaRPr/>
           </a:p>
         </p:txBody>
@@ -1295,11 +1341,11 @@
 </file>
 
 <file path=ppt/notesSlides/notesSlide15.xml><?xml version="1.0" encoding="utf-8"?>
-<p:notes xmlns:a="http://schemas.openxmlformats.org/drawingml/2006/main" xmlns:r="http://schemas.openxmlformats.org/officeDocument/2006/relationships" xmlns:mc="http://schemas.openxmlformats.org/markup-compatibility/2006" xmlns:mv="urn:schemas-microsoft-com:mac:vml" xmlns:p="http://schemas.openxmlformats.org/presentationml/2006/main" xmlns:c="http://schemas.openxmlformats.org/drawingml/2006/chart" xmlns:dgm="http://schemas.openxmlformats.org/drawingml/2006/diagram" xmlns:o="urn:schemas-microsoft-com:office:office" xmlns:v="urn:schemas-microsoft-com:vml" xmlns:pvml="urn:schemas-microsoft-com:office:powerpoint" xmlns:com="http://schemas.openxmlformats.org/drawingml/2006/compatibility" xmlns:p14="http://schemas.microsoft.com/office/powerpoint/2010/main" xmlns:p15="http://schemas.microsoft.com/office/powerpoint/2012/main" xmlns:ahyp="http://schemas.microsoft.com/office/drawing/2018/hyperlinkcolor" showMasterPhAnim="0" showMasterSp="0">
+<p:notes xmlns:a="http://schemas.openxmlformats.org/drawingml/2006/main" xmlns:r="http://schemas.openxmlformats.org/officeDocument/2006/relationships" xmlns:p="http://schemas.openxmlformats.org/presentationml/2006/main" showMasterSp="0" showMasterPhAnim="0">
   <p:cSld>
     <p:spTree>
       <p:nvGrpSpPr>
-        <p:cNvPr id="210" name="Shape 210"/>
+        <p:cNvPr id="1" name="Shape 210"/>
         <p:cNvGrpSpPr/>
         <p:nvPr/>
       </p:nvGrpSpPr>
@@ -1314,9 +1360,11 @@
       <p:sp>
         <p:nvSpPr>
           <p:cNvPr id="211" name="Google Shape;211;gafa43cd03d_0_6:notes"/>
-          <p:cNvSpPr/>
+          <p:cNvSpPr>
+            <a:spLocks noGrp="1" noRot="1" noChangeAspect="1"/>
+          </p:cNvSpPr>
           <p:nvPr>
-            <p:ph idx="2" type="sldImg"/>
+            <p:ph type="sldImg" idx="2"/>
           </p:nvPr>
         </p:nvSpPr>
         <p:spPr>
@@ -1325,9 +1373,13 @@
             <a:ext cx="6096000" cy="3429000"/>
           </a:xfrm>
           <a:custGeom>
-            <a:rect b="b" l="l" r="r" t="t"/>
+            <a:avLst/>
+            <a:gdLst/>
+            <a:ahLst/>
+            <a:cxnLst/>
+            <a:rect l="l" t="t" r="r" b="b"/>
             <a:pathLst>
-              <a:path extrusionOk="0" h="120000" w="120000">
+              <a:path w="120000" h="120000" extrusionOk="0">
                 <a:moveTo>
                   <a:pt x="0" y="0"/>
                 </a:moveTo>
@@ -1349,9 +1401,11 @@
       <p:sp>
         <p:nvSpPr>
           <p:cNvPr id="212" name="Google Shape;212;gafa43cd03d_0_6:notes"/>
-          <p:cNvSpPr txBox="1"/>
+          <p:cNvSpPr txBox="1">
+            <a:spLocks noGrp="1"/>
+          </p:cNvSpPr>
           <p:nvPr>
-            <p:ph idx="1" type="body"/>
+            <p:ph type="body" idx="1"/>
           </p:nvPr>
         </p:nvSpPr>
         <p:spPr>
@@ -1364,23 +1418,20 @@
           </a:prstGeom>
         </p:spPr>
         <p:txBody>
-          <a:bodyPr anchorCtr="0" anchor="t" bIns="91425" lIns="91425" spcFirstLastPara="1" rIns="91425" wrap="square" tIns="91425">
+          <a:bodyPr spcFirstLastPara="1" wrap="square" lIns="91425" tIns="91425" rIns="91425" bIns="91425" anchor="t" anchorCtr="0">
             <a:noAutofit/>
           </a:bodyPr>
           <a:lstStyle/>
           <a:p>
-            <a:pPr indent="0" lvl="0" marL="0" rtl="0" algn="l">
-              <a:spcBef>
-                <a:spcPts val="0"/>
-              </a:spcBef>
-              <a:spcAft>
-                <a:spcPts val="0"/>
-              </a:spcAft>
-              <a:buNone/>
-            </a:pPr>
-            <a:r>
-              <a:t/>
-            </a:r>
+            <a:pPr marL="0" lvl="0" indent="0" algn="l" rtl="0">
+              <a:spcBef>
+                <a:spcPts val="0"/>
+              </a:spcBef>
+              <a:spcAft>
+                <a:spcPts val="0"/>
+              </a:spcAft>
+              <a:buNone/>
+            </a:pPr>
             <a:endParaRPr/>
           </a:p>
         </p:txBody>
@@ -1394,11 +1445,11 @@
 </file>
 
 <file path=ppt/notesSlides/notesSlide2.xml><?xml version="1.0" encoding="utf-8"?>
-<p:notes xmlns:a="http://schemas.openxmlformats.org/drawingml/2006/main" xmlns:r="http://schemas.openxmlformats.org/officeDocument/2006/relationships" xmlns:mc="http://schemas.openxmlformats.org/markup-compatibility/2006" xmlns:mv="urn:schemas-microsoft-com:mac:vml" xmlns:p="http://schemas.openxmlformats.org/presentationml/2006/main" xmlns:c="http://schemas.openxmlformats.org/drawingml/2006/chart" xmlns:dgm="http://schemas.openxmlformats.org/drawingml/2006/diagram" xmlns:o="urn:schemas-microsoft-com:office:office" xmlns:v="urn:schemas-microsoft-com:vml" xmlns:pvml="urn:schemas-microsoft-com:office:powerpoint" xmlns:com="http://schemas.openxmlformats.org/drawingml/2006/compatibility" xmlns:p14="http://schemas.microsoft.com/office/powerpoint/2010/main" xmlns:p15="http://schemas.microsoft.com/office/powerpoint/2012/main" xmlns:ahyp="http://schemas.microsoft.com/office/drawing/2018/hyperlinkcolor" showMasterPhAnim="0" showMasterSp="0">
+<p:notes xmlns:a="http://schemas.openxmlformats.org/drawingml/2006/main" xmlns:r="http://schemas.openxmlformats.org/officeDocument/2006/relationships" xmlns:p="http://schemas.openxmlformats.org/presentationml/2006/main" showMasterSp="0" showMasterPhAnim="0">
   <p:cSld>
     <p:spTree>
       <p:nvGrpSpPr>
-        <p:cNvPr id="59" name="Shape 59"/>
+        <p:cNvPr id="1" name="Shape 59"/>
         <p:cNvGrpSpPr/>
         <p:nvPr/>
       </p:nvGrpSpPr>
@@ -1413,9 +1464,11 @@
       <p:sp>
         <p:nvSpPr>
           <p:cNvPr id="60" name="Google Shape;60;gae6d429fda_5_20:notes"/>
-          <p:cNvSpPr/>
+          <p:cNvSpPr>
+            <a:spLocks noGrp="1" noRot="1" noChangeAspect="1"/>
+          </p:cNvSpPr>
           <p:nvPr>
-            <p:ph idx="2" type="sldImg"/>
+            <p:ph type="sldImg" idx="2"/>
           </p:nvPr>
         </p:nvSpPr>
         <p:spPr>
@@ -1424,9 +1477,13 @@
             <a:ext cx="6096000" cy="3429000"/>
           </a:xfrm>
           <a:custGeom>
-            <a:rect b="b" l="l" r="r" t="t"/>
+            <a:avLst/>
+            <a:gdLst/>
+            <a:ahLst/>
+            <a:cxnLst/>
+            <a:rect l="l" t="t" r="r" b="b"/>
             <a:pathLst>
-              <a:path extrusionOk="0" h="120000" w="120000">
+              <a:path w="120000" h="120000" extrusionOk="0">
                 <a:moveTo>
                   <a:pt x="0" y="0"/>
                 </a:moveTo>
@@ -1448,9 +1505,11 @@
       <p:sp>
         <p:nvSpPr>
           <p:cNvPr id="61" name="Google Shape;61;gae6d429fda_5_20:notes"/>
-          <p:cNvSpPr txBox="1"/>
+          <p:cNvSpPr txBox="1">
+            <a:spLocks noGrp="1"/>
+          </p:cNvSpPr>
           <p:nvPr>
-            <p:ph idx="1" type="body"/>
+            <p:ph type="body" idx="1"/>
           </p:nvPr>
         </p:nvSpPr>
         <p:spPr>
@@ -1463,23 +1522,20 @@
           </a:prstGeom>
         </p:spPr>
         <p:txBody>
-          <a:bodyPr anchorCtr="0" anchor="t" bIns="91425" lIns="91425" spcFirstLastPara="1" rIns="91425" wrap="square" tIns="91425">
+          <a:bodyPr spcFirstLastPara="1" wrap="square" lIns="91425" tIns="91425" rIns="91425" bIns="91425" anchor="t" anchorCtr="0">
             <a:noAutofit/>
           </a:bodyPr>
           <a:lstStyle/>
           <a:p>
-            <a:pPr indent="0" lvl="0" marL="0" rtl="0" algn="l">
-              <a:spcBef>
-                <a:spcPts val="0"/>
-              </a:spcBef>
-              <a:spcAft>
-                <a:spcPts val="0"/>
-              </a:spcAft>
-              <a:buNone/>
-            </a:pPr>
-            <a:r>
-              <a:t/>
-            </a:r>
+            <a:pPr marL="0" lvl="0" indent="0" algn="l" rtl="0">
+              <a:spcBef>
+                <a:spcPts val="0"/>
+              </a:spcBef>
+              <a:spcAft>
+                <a:spcPts val="0"/>
+              </a:spcAft>
+              <a:buNone/>
+            </a:pPr>
             <a:endParaRPr/>
           </a:p>
         </p:txBody>
@@ -1493,11 +1549,11 @@
 </file>
 
 <file path=ppt/notesSlides/notesSlide3.xml><?xml version="1.0" encoding="utf-8"?>
-<p:notes xmlns:a="http://schemas.openxmlformats.org/drawingml/2006/main" xmlns:r="http://schemas.openxmlformats.org/officeDocument/2006/relationships" xmlns:mc="http://schemas.openxmlformats.org/markup-compatibility/2006" xmlns:mv="urn:schemas-microsoft-com:mac:vml" xmlns:p="http://schemas.openxmlformats.org/presentationml/2006/main" xmlns:c="http://schemas.openxmlformats.org/drawingml/2006/chart" xmlns:dgm="http://schemas.openxmlformats.org/drawingml/2006/diagram" xmlns:o="urn:schemas-microsoft-com:office:office" xmlns:v="urn:schemas-microsoft-com:vml" xmlns:pvml="urn:schemas-microsoft-com:office:powerpoint" xmlns:com="http://schemas.openxmlformats.org/drawingml/2006/compatibility" xmlns:p14="http://schemas.microsoft.com/office/powerpoint/2010/main" xmlns:p15="http://schemas.microsoft.com/office/powerpoint/2012/main" xmlns:ahyp="http://schemas.microsoft.com/office/drawing/2018/hyperlinkcolor" showMasterPhAnim="0" showMasterSp="0">
+<p:notes xmlns:a="http://schemas.openxmlformats.org/drawingml/2006/main" xmlns:r="http://schemas.openxmlformats.org/officeDocument/2006/relationships" xmlns:p="http://schemas.openxmlformats.org/presentationml/2006/main" showMasterSp="0" showMasterPhAnim="0">
   <p:cSld>
     <p:spTree>
       <p:nvGrpSpPr>
-        <p:cNvPr id="66" name="Shape 66"/>
+        <p:cNvPr id="1" name="Shape 66"/>
         <p:cNvGrpSpPr/>
         <p:nvPr/>
       </p:nvGrpSpPr>
@@ -1512,9 +1568,11 @@
       <p:sp>
         <p:nvSpPr>
           <p:cNvPr id="67" name="Google Shape;67;gae6d429fda_1_0:notes"/>
-          <p:cNvSpPr/>
+          <p:cNvSpPr>
+            <a:spLocks noGrp="1" noRot="1" noChangeAspect="1"/>
+          </p:cNvSpPr>
           <p:nvPr>
-            <p:ph idx="2" type="sldImg"/>
+            <p:ph type="sldImg" idx="2"/>
           </p:nvPr>
         </p:nvSpPr>
         <p:spPr>
@@ -1523,9 +1581,13 @@
             <a:ext cx="6096000" cy="3429000"/>
           </a:xfrm>
           <a:custGeom>
-            <a:rect b="b" l="l" r="r" t="t"/>
+            <a:avLst/>
+            <a:gdLst/>
+            <a:ahLst/>
+            <a:cxnLst/>
+            <a:rect l="l" t="t" r="r" b="b"/>
             <a:pathLst>
-              <a:path extrusionOk="0" h="120000" w="120000">
+              <a:path w="120000" h="120000" extrusionOk="0">
                 <a:moveTo>
                   <a:pt x="0" y="0"/>
                 </a:moveTo>
@@ -1547,9 +1609,11 @@
       <p:sp>
         <p:nvSpPr>
           <p:cNvPr id="68" name="Google Shape;68;gae6d429fda_1_0:notes"/>
-          <p:cNvSpPr txBox="1"/>
+          <p:cNvSpPr txBox="1">
+            <a:spLocks noGrp="1"/>
+          </p:cNvSpPr>
           <p:nvPr>
-            <p:ph idx="1" type="body"/>
+            <p:ph type="body" idx="1"/>
           </p:nvPr>
         </p:nvSpPr>
         <p:spPr>
@@ -1562,23 +1626,20 @@
           </a:prstGeom>
         </p:spPr>
         <p:txBody>
-          <a:bodyPr anchorCtr="0" anchor="t" bIns="91425" lIns="91425" spcFirstLastPara="1" rIns="91425" wrap="square" tIns="91425">
+          <a:bodyPr spcFirstLastPara="1" wrap="square" lIns="91425" tIns="91425" rIns="91425" bIns="91425" anchor="t" anchorCtr="0">
             <a:noAutofit/>
           </a:bodyPr>
           <a:lstStyle/>
           <a:p>
-            <a:pPr indent="0" lvl="0" marL="0" rtl="0" algn="l">
-              <a:spcBef>
-                <a:spcPts val="0"/>
-              </a:spcBef>
-              <a:spcAft>
-                <a:spcPts val="0"/>
-              </a:spcAft>
-              <a:buNone/>
-            </a:pPr>
-            <a:r>
-              <a:t/>
-            </a:r>
+            <a:pPr marL="0" lvl="0" indent="0" algn="l" rtl="0">
+              <a:spcBef>
+                <a:spcPts val="0"/>
+              </a:spcBef>
+              <a:spcAft>
+                <a:spcPts val="0"/>
+              </a:spcAft>
+              <a:buNone/>
+            </a:pPr>
             <a:endParaRPr/>
           </a:p>
         </p:txBody>
@@ -1592,11 +1653,11 @@
 </file>
 
 <file path=ppt/notesSlides/notesSlide4.xml><?xml version="1.0" encoding="utf-8"?>
-<p:notes xmlns:a="http://schemas.openxmlformats.org/drawingml/2006/main" xmlns:r="http://schemas.openxmlformats.org/officeDocument/2006/relationships" xmlns:mc="http://schemas.openxmlformats.org/markup-compatibility/2006" xmlns:mv="urn:schemas-microsoft-com:mac:vml" xmlns:p="http://schemas.openxmlformats.org/presentationml/2006/main" xmlns:c="http://schemas.openxmlformats.org/drawingml/2006/chart" xmlns:dgm="http://schemas.openxmlformats.org/drawingml/2006/diagram" xmlns:o="urn:schemas-microsoft-com:office:office" xmlns:v="urn:schemas-microsoft-com:vml" xmlns:pvml="urn:schemas-microsoft-com:office:powerpoint" xmlns:com="http://schemas.openxmlformats.org/drawingml/2006/compatibility" xmlns:p14="http://schemas.microsoft.com/office/powerpoint/2010/main" xmlns:p15="http://schemas.microsoft.com/office/powerpoint/2012/main" xmlns:ahyp="http://schemas.microsoft.com/office/drawing/2018/hyperlinkcolor" showMasterPhAnim="0" showMasterSp="0">
+<p:notes xmlns:a="http://schemas.openxmlformats.org/drawingml/2006/main" xmlns:r="http://schemas.openxmlformats.org/officeDocument/2006/relationships" xmlns:p="http://schemas.openxmlformats.org/presentationml/2006/main" showMasterSp="0" showMasterPhAnim="0">
   <p:cSld>
     <p:spTree>
       <p:nvGrpSpPr>
-        <p:cNvPr id="89" name="Shape 89"/>
+        <p:cNvPr id="1" name="Shape 89"/>
         <p:cNvGrpSpPr/>
         <p:nvPr/>
       </p:nvGrpSpPr>
@@ -1611,9 +1672,11 @@
       <p:sp>
         <p:nvSpPr>
           <p:cNvPr id="90" name="Google Shape;90;gb610c32d85_2_0:notes"/>
-          <p:cNvSpPr/>
+          <p:cNvSpPr>
+            <a:spLocks noGrp="1" noRot="1" noChangeAspect="1"/>
+          </p:cNvSpPr>
           <p:nvPr>
-            <p:ph idx="2" type="sldImg"/>
+            <p:ph type="sldImg" idx="2"/>
           </p:nvPr>
         </p:nvSpPr>
         <p:spPr>
@@ -1622,9 +1685,13 @@
             <a:ext cx="6096000" cy="3429000"/>
           </a:xfrm>
           <a:custGeom>
-            <a:rect b="b" l="l" r="r" t="t"/>
+            <a:avLst/>
+            <a:gdLst/>
+            <a:ahLst/>
+            <a:cxnLst/>
+            <a:rect l="l" t="t" r="r" b="b"/>
             <a:pathLst>
-              <a:path extrusionOk="0" h="120000" w="120000">
+              <a:path w="120000" h="120000" extrusionOk="0">
                 <a:moveTo>
                   <a:pt x="0" y="0"/>
                 </a:moveTo>
@@ -1646,9 +1713,11 @@
       <p:sp>
         <p:nvSpPr>
           <p:cNvPr id="91" name="Google Shape;91;gb610c32d85_2_0:notes"/>
-          <p:cNvSpPr txBox="1"/>
+          <p:cNvSpPr txBox="1">
+            <a:spLocks noGrp="1"/>
+          </p:cNvSpPr>
           <p:nvPr>
-            <p:ph idx="1" type="body"/>
+            <p:ph type="body" idx="1"/>
           </p:nvPr>
         </p:nvSpPr>
         <p:spPr>
@@ -1661,23 +1730,20 @@
           </a:prstGeom>
         </p:spPr>
         <p:txBody>
-          <a:bodyPr anchorCtr="0" anchor="t" bIns="91425" lIns="91425" spcFirstLastPara="1" rIns="91425" wrap="square" tIns="91425">
+          <a:bodyPr spcFirstLastPara="1" wrap="square" lIns="91425" tIns="91425" rIns="91425" bIns="91425" anchor="t" anchorCtr="0">
             <a:noAutofit/>
           </a:bodyPr>
           <a:lstStyle/>
           <a:p>
-            <a:pPr indent="0" lvl="0" marL="0" rtl="0" algn="l">
-              <a:spcBef>
-                <a:spcPts val="0"/>
-              </a:spcBef>
-              <a:spcAft>
-                <a:spcPts val="0"/>
-              </a:spcAft>
-              <a:buNone/>
-            </a:pPr>
-            <a:r>
-              <a:t/>
-            </a:r>
+            <a:pPr marL="0" lvl="0" indent="0" algn="l" rtl="0">
+              <a:spcBef>
+                <a:spcPts val="0"/>
+              </a:spcBef>
+              <a:spcAft>
+                <a:spcPts val="0"/>
+              </a:spcAft>
+              <a:buNone/>
+            </a:pPr>
             <a:endParaRPr/>
           </a:p>
         </p:txBody>
@@ -1691,11 +1757,11 @@
 </file>
 
 <file path=ppt/notesSlides/notesSlide5.xml><?xml version="1.0" encoding="utf-8"?>
-<p:notes xmlns:a="http://schemas.openxmlformats.org/drawingml/2006/main" xmlns:r="http://schemas.openxmlformats.org/officeDocument/2006/relationships" xmlns:mc="http://schemas.openxmlformats.org/markup-compatibility/2006" xmlns:mv="urn:schemas-microsoft-com:mac:vml" xmlns:p="http://schemas.openxmlformats.org/presentationml/2006/main" xmlns:c="http://schemas.openxmlformats.org/drawingml/2006/chart" xmlns:dgm="http://schemas.openxmlformats.org/drawingml/2006/diagram" xmlns:o="urn:schemas-microsoft-com:office:office" xmlns:v="urn:schemas-microsoft-com:vml" xmlns:pvml="urn:schemas-microsoft-com:office:powerpoint" xmlns:com="http://schemas.openxmlformats.org/drawingml/2006/compatibility" xmlns:p14="http://schemas.microsoft.com/office/powerpoint/2010/main" xmlns:p15="http://schemas.microsoft.com/office/powerpoint/2012/main" xmlns:ahyp="http://schemas.microsoft.com/office/drawing/2018/hyperlinkcolor" showMasterPhAnim="0" showMasterSp="0">
+<p:notes xmlns:a="http://schemas.openxmlformats.org/drawingml/2006/main" xmlns:r="http://schemas.openxmlformats.org/officeDocument/2006/relationships" xmlns:p="http://schemas.openxmlformats.org/presentationml/2006/main" showMasterSp="0" showMasterPhAnim="0">
   <p:cSld>
     <p:spTree>
       <p:nvGrpSpPr>
-        <p:cNvPr id="128" name="Shape 128"/>
+        <p:cNvPr id="1" name="Shape 128"/>
         <p:cNvGrpSpPr/>
         <p:nvPr/>
       </p:nvGrpSpPr>
@@ -1710,9 +1776,11 @@
       <p:sp>
         <p:nvSpPr>
           <p:cNvPr id="129" name="Google Shape;129;g7963f3ccf6_0_5:notes"/>
-          <p:cNvSpPr/>
+          <p:cNvSpPr>
+            <a:spLocks noGrp="1" noRot="1" noChangeAspect="1"/>
+          </p:cNvSpPr>
           <p:nvPr>
-            <p:ph idx="2" type="sldImg"/>
+            <p:ph type="sldImg" idx="2"/>
           </p:nvPr>
         </p:nvSpPr>
         <p:spPr>
@@ -1721,9 +1789,13 @@
             <a:ext cx="6096000" cy="3429000"/>
           </a:xfrm>
           <a:custGeom>
-            <a:rect b="b" l="l" r="r" t="t"/>
+            <a:avLst/>
+            <a:gdLst/>
+            <a:ahLst/>
+            <a:cxnLst/>
+            <a:rect l="l" t="t" r="r" b="b"/>
             <a:pathLst>
-              <a:path extrusionOk="0" h="120000" w="120000">
+              <a:path w="120000" h="120000" extrusionOk="0">
                 <a:moveTo>
                   <a:pt x="0" y="0"/>
                 </a:moveTo>
@@ -1745,9 +1817,11 @@
       <p:sp>
         <p:nvSpPr>
           <p:cNvPr id="130" name="Google Shape;130;g7963f3ccf6_0_5:notes"/>
-          <p:cNvSpPr txBox="1"/>
+          <p:cNvSpPr txBox="1">
+            <a:spLocks noGrp="1"/>
+          </p:cNvSpPr>
           <p:nvPr>
-            <p:ph idx="1" type="body"/>
+            <p:ph type="body" idx="1"/>
           </p:nvPr>
         </p:nvSpPr>
         <p:spPr>
@@ -1760,23 +1834,20 @@
           </a:prstGeom>
         </p:spPr>
         <p:txBody>
-          <a:bodyPr anchorCtr="0" anchor="t" bIns="91425" lIns="91425" spcFirstLastPara="1" rIns="91425" wrap="square" tIns="91425">
+          <a:bodyPr spcFirstLastPara="1" wrap="square" lIns="91425" tIns="91425" rIns="91425" bIns="91425" anchor="t" anchorCtr="0">
             <a:noAutofit/>
           </a:bodyPr>
           <a:lstStyle/>
           <a:p>
-            <a:pPr indent="0" lvl="0" marL="0" rtl="0" algn="l">
-              <a:spcBef>
-                <a:spcPts val="0"/>
-              </a:spcBef>
-              <a:spcAft>
-                <a:spcPts val="0"/>
-              </a:spcAft>
-              <a:buNone/>
-            </a:pPr>
-            <a:r>
-              <a:t/>
-            </a:r>
+            <a:pPr marL="0" lvl="0" indent="0" algn="l" rtl="0">
+              <a:spcBef>
+                <a:spcPts val="0"/>
+              </a:spcBef>
+              <a:spcAft>
+                <a:spcPts val="0"/>
+              </a:spcAft>
+              <a:buNone/>
+            </a:pPr>
             <a:endParaRPr/>
           </a:p>
         </p:txBody>
@@ -1790,11 +1861,11 @@
 </file>
 
 <file path=ppt/notesSlides/notesSlide6.xml><?xml version="1.0" encoding="utf-8"?>
-<p:notes xmlns:a="http://schemas.openxmlformats.org/drawingml/2006/main" xmlns:r="http://schemas.openxmlformats.org/officeDocument/2006/relationships" xmlns:mc="http://schemas.openxmlformats.org/markup-compatibility/2006" xmlns:mv="urn:schemas-microsoft-com:mac:vml" xmlns:p="http://schemas.openxmlformats.org/presentationml/2006/main" xmlns:c="http://schemas.openxmlformats.org/drawingml/2006/chart" xmlns:dgm="http://schemas.openxmlformats.org/drawingml/2006/diagram" xmlns:o="urn:schemas-microsoft-com:office:office" xmlns:v="urn:schemas-microsoft-com:vml" xmlns:pvml="urn:schemas-microsoft-com:office:powerpoint" xmlns:com="http://schemas.openxmlformats.org/drawingml/2006/compatibility" xmlns:p14="http://schemas.microsoft.com/office/powerpoint/2010/main" xmlns:p15="http://schemas.microsoft.com/office/powerpoint/2012/main" xmlns:ahyp="http://schemas.microsoft.com/office/drawing/2018/hyperlinkcolor" showMasterPhAnim="0" showMasterSp="0">
+<p:notes xmlns:a="http://schemas.openxmlformats.org/drawingml/2006/main" xmlns:r="http://schemas.openxmlformats.org/officeDocument/2006/relationships" xmlns:p="http://schemas.openxmlformats.org/presentationml/2006/main" showMasterSp="0" showMasterPhAnim="0">
   <p:cSld>
     <p:spTree>
       <p:nvGrpSpPr>
-        <p:cNvPr id="135" name="Shape 135"/>
+        <p:cNvPr id="1" name="Shape 135"/>
         <p:cNvGrpSpPr/>
         <p:nvPr/>
       </p:nvGrpSpPr>
@@ -1809,9 +1880,11 @@
       <p:sp>
         <p:nvSpPr>
           <p:cNvPr id="136" name="Google Shape;136;gae6d429fda_7_15:notes"/>
-          <p:cNvSpPr/>
+          <p:cNvSpPr>
+            <a:spLocks noGrp="1" noRot="1" noChangeAspect="1"/>
+          </p:cNvSpPr>
           <p:nvPr>
-            <p:ph idx="2" type="sldImg"/>
+            <p:ph type="sldImg" idx="2"/>
           </p:nvPr>
         </p:nvSpPr>
         <p:spPr>
@@ -1820,9 +1893,13 @@
             <a:ext cx="6096000" cy="3429000"/>
           </a:xfrm>
           <a:custGeom>
-            <a:rect b="b" l="l" r="r" t="t"/>
+            <a:avLst/>
+            <a:gdLst/>
+            <a:ahLst/>
+            <a:cxnLst/>
+            <a:rect l="l" t="t" r="r" b="b"/>
             <a:pathLst>
-              <a:path extrusionOk="0" h="120000" w="120000">
+              <a:path w="120000" h="120000" extrusionOk="0">
                 <a:moveTo>
                   <a:pt x="0" y="0"/>
                 </a:moveTo>
@@ -1844,9 +1921,11 @@
       <p:sp>
         <p:nvSpPr>
           <p:cNvPr id="137" name="Google Shape;137;gae6d429fda_7_15:notes"/>
-          <p:cNvSpPr txBox="1"/>
+          <p:cNvSpPr txBox="1">
+            <a:spLocks noGrp="1"/>
+          </p:cNvSpPr>
           <p:nvPr>
-            <p:ph idx="1" type="body"/>
+            <p:ph type="body" idx="1"/>
           </p:nvPr>
         </p:nvSpPr>
         <p:spPr>
@@ -1859,23 +1938,20 @@
           </a:prstGeom>
         </p:spPr>
         <p:txBody>
-          <a:bodyPr anchorCtr="0" anchor="t" bIns="91425" lIns="91425" spcFirstLastPara="1" rIns="91425" wrap="square" tIns="91425">
+          <a:bodyPr spcFirstLastPara="1" wrap="square" lIns="91425" tIns="91425" rIns="91425" bIns="91425" anchor="t" anchorCtr="0">
             <a:noAutofit/>
           </a:bodyPr>
           <a:lstStyle/>
           <a:p>
-            <a:pPr indent="0" lvl="0" marL="0" rtl="0" algn="l">
-              <a:spcBef>
-                <a:spcPts val="0"/>
-              </a:spcBef>
-              <a:spcAft>
-                <a:spcPts val="0"/>
-              </a:spcAft>
-              <a:buNone/>
-            </a:pPr>
-            <a:r>
-              <a:t/>
-            </a:r>
+            <a:pPr marL="0" lvl="0" indent="0" algn="l" rtl="0">
+              <a:spcBef>
+                <a:spcPts val="0"/>
+              </a:spcBef>
+              <a:spcAft>
+                <a:spcPts val="0"/>
+              </a:spcAft>
+              <a:buNone/>
+            </a:pPr>
             <a:endParaRPr/>
           </a:p>
         </p:txBody>
@@ -1889,11 +1965,11 @@
 </file>
 
 <file path=ppt/notesSlides/notesSlide7.xml><?xml version="1.0" encoding="utf-8"?>
-<p:notes xmlns:a="http://schemas.openxmlformats.org/drawingml/2006/main" xmlns:r="http://schemas.openxmlformats.org/officeDocument/2006/relationships" xmlns:mc="http://schemas.openxmlformats.org/markup-compatibility/2006" xmlns:mv="urn:schemas-microsoft-com:mac:vml" xmlns:p="http://schemas.openxmlformats.org/presentationml/2006/main" xmlns:c="http://schemas.openxmlformats.org/drawingml/2006/chart" xmlns:dgm="http://schemas.openxmlformats.org/drawingml/2006/diagram" xmlns:o="urn:schemas-microsoft-com:office:office" xmlns:v="urn:schemas-microsoft-com:vml" xmlns:pvml="urn:schemas-microsoft-com:office:powerpoint" xmlns:com="http://schemas.openxmlformats.org/drawingml/2006/compatibility" xmlns:p14="http://schemas.microsoft.com/office/powerpoint/2010/main" xmlns:p15="http://schemas.microsoft.com/office/powerpoint/2012/main" xmlns:ahyp="http://schemas.microsoft.com/office/drawing/2018/hyperlinkcolor" showMasterPhAnim="0" showMasterSp="0">
+<p:notes xmlns:a="http://schemas.openxmlformats.org/drawingml/2006/main" xmlns:r="http://schemas.openxmlformats.org/officeDocument/2006/relationships" xmlns:p="http://schemas.openxmlformats.org/presentationml/2006/main" showMasterSp="0" showMasterPhAnim="0">
   <p:cSld>
     <p:spTree>
       <p:nvGrpSpPr>
-        <p:cNvPr id="142" name="Shape 142"/>
+        <p:cNvPr id="1" name="Shape 142"/>
         <p:cNvGrpSpPr/>
         <p:nvPr/>
       </p:nvGrpSpPr>
@@ -1908,9 +1984,11 @@
       <p:sp>
         <p:nvSpPr>
           <p:cNvPr id="143" name="Google Shape;143;gae6d429fda_7_20:notes"/>
-          <p:cNvSpPr/>
+          <p:cNvSpPr>
+            <a:spLocks noGrp="1" noRot="1" noChangeAspect="1"/>
+          </p:cNvSpPr>
           <p:nvPr>
-            <p:ph idx="2" type="sldImg"/>
+            <p:ph type="sldImg" idx="2"/>
           </p:nvPr>
         </p:nvSpPr>
         <p:spPr>
@@ -1919,9 +1997,13 @@
             <a:ext cx="6096000" cy="3429000"/>
           </a:xfrm>
           <a:custGeom>
-            <a:rect b="b" l="l" r="r" t="t"/>
+            <a:avLst/>
+            <a:gdLst/>
+            <a:ahLst/>
+            <a:cxnLst/>
+            <a:rect l="l" t="t" r="r" b="b"/>
             <a:pathLst>
-              <a:path extrusionOk="0" h="120000" w="120000">
+              <a:path w="120000" h="120000" extrusionOk="0">
                 <a:moveTo>
                   <a:pt x="0" y="0"/>
                 </a:moveTo>
@@ -1943,9 +2025,11 @@
       <p:sp>
         <p:nvSpPr>
           <p:cNvPr id="144" name="Google Shape;144;gae6d429fda_7_20:notes"/>
-          <p:cNvSpPr txBox="1"/>
+          <p:cNvSpPr txBox="1">
+            <a:spLocks noGrp="1"/>
+          </p:cNvSpPr>
           <p:nvPr>
-            <p:ph idx="1" type="body"/>
+            <p:ph type="body" idx="1"/>
           </p:nvPr>
         </p:nvSpPr>
         <p:spPr>
@@ -1958,23 +2042,20 @@
           </a:prstGeom>
         </p:spPr>
         <p:txBody>
-          <a:bodyPr anchorCtr="0" anchor="t" bIns="91425" lIns="91425" spcFirstLastPara="1" rIns="91425" wrap="square" tIns="91425">
+          <a:bodyPr spcFirstLastPara="1" wrap="square" lIns="91425" tIns="91425" rIns="91425" bIns="91425" anchor="t" anchorCtr="0">
             <a:noAutofit/>
           </a:bodyPr>
           <a:lstStyle/>
           <a:p>
-            <a:pPr indent="0" lvl="0" marL="0" rtl="0" algn="l">
-              <a:spcBef>
-                <a:spcPts val="0"/>
-              </a:spcBef>
-              <a:spcAft>
-                <a:spcPts val="0"/>
-              </a:spcAft>
-              <a:buNone/>
-            </a:pPr>
-            <a:r>
-              <a:t/>
-            </a:r>
+            <a:pPr marL="0" lvl="0" indent="0" algn="l" rtl="0">
+              <a:spcBef>
+                <a:spcPts val="0"/>
+              </a:spcBef>
+              <a:spcAft>
+                <a:spcPts val="0"/>
+              </a:spcAft>
+              <a:buNone/>
+            </a:pPr>
             <a:endParaRPr/>
           </a:p>
         </p:txBody>
@@ -1988,11 +2069,11 @@
 </file>
 
 <file path=ppt/notesSlides/notesSlide8.xml><?xml version="1.0" encoding="utf-8"?>
-<p:notes xmlns:a="http://schemas.openxmlformats.org/drawingml/2006/main" xmlns:r="http://schemas.openxmlformats.org/officeDocument/2006/relationships" xmlns:mc="http://schemas.openxmlformats.org/markup-compatibility/2006" xmlns:mv="urn:schemas-microsoft-com:mac:vml" xmlns:p="http://schemas.openxmlformats.org/presentationml/2006/main" xmlns:c="http://schemas.openxmlformats.org/drawingml/2006/chart" xmlns:dgm="http://schemas.openxmlformats.org/drawingml/2006/diagram" xmlns:o="urn:schemas-microsoft-com:office:office" xmlns:v="urn:schemas-microsoft-com:vml" xmlns:pvml="urn:schemas-microsoft-com:office:powerpoint" xmlns:com="http://schemas.openxmlformats.org/drawingml/2006/compatibility" xmlns:p14="http://schemas.microsoft.com/office/powerpoint/2010/main" xmlns:p15="http://schemas.microsoft.com/office/powerpoint/2012/main" xmlns:ahyp="http://schemas.microsoft.com/office/drawing/2018/hyperlinkcolor" showMasterPhAnim="0" showMasterSp="0">
+<p:notes xmlns:a="http://schemas.openxmlformats.org/drawingml/2006/main" xmlns:r="http://schemas.openxmlformats.org/officeDocument/2006/relationships" xmlns:p="http://schemas.openxmlformats.org/presentationml/2006/main" showMasterSp="0" showMasterPhAnim="0">
   <p:cSld>
     <p:spTree>
       <p:nvGrpSpPr>
-        <p:cNvPr id="149" name="Shape 149"/>
+        <p:cNvPr id="1" name="Shape 149"/>
         <p:cNvGrpSpPr/>
         <p:nvPr/>
       </p:nvGrpSpPr>
@@ -2007,9 +2088,11 @@
       <p:sp>
         <p:nvSpPr>
           <p:cNvPr id="150" name="Google Shape;150;gb610c32d85_2_79:notes"/>
-          <p:cNvSpPr/>
+          <p:cNvSpPr>
+            <a:spLocks noGrp="1" noRot="1" noChangeAspect="1"/>
+          </p:cNvSpPr>
           <p:nvPr>
-            <p:ph idx="2" type="sldImg"/>
+            <p:ph type="sldImg" idx="2"/>
           </p:nvPr>
         </p:nvSpPr>
         <p:spPr>
@@ -2018,9 +2101,13 @@
             <a:ext cx="6096000" cy="3429000"/>
           </a:xfrm>
           <a:custGeom>
-            <a:rect b="b" l="l" r="r" t="t"/>
+            <a:avLst/>
+            <a:gdLst/>
+            <a:ahLst/>
+            <a:cxnLst/>
+            <a:rect l="l" t="t" r="r" b="b"/>
             <a:pathLst>
-              <a:path extrusionOk="0" h="120000" w="120000">
+              <a:path w="120000" h="120000" extrusionOk="0">
                 <a:moveTo>
                   <a:pt x="0" y="0"/>
                 </a:moveTo>
@@ -2042,9 +2129,11 @@
       <p:sp>
         <p:nvSpPr>
           <p:cNvPr id="151" name="Google Shape;151;gb610c32d85_2_79:notes"/>
-          <p:cNvSpPr txBox="1"/>
+          <p:cNvSpPr txBox="1">
+            <a:spLocks noGrp="1"/>
+          </p:cNvSpPr>
           <p:nvPr>
-            <p:ph idx="1" type="body"/>
+            <p:ph type="body" idx="1"/>
           </p:nvPr>
         </p:nvSpPr>
         <p:spPr>
@@ -2057,23 +2146,20 @@
           </a:prstGeom>
         </p:spPr>
         <p:txBody>
-          <a:bodyPr anchorCtr="0" anchor="t" bIns="91425" lIns="91425" spcFirstLastPara="1" rIns="91425" wrap="square" tIns="91425">
+          <a:bodyPr spcFirstLastPara="1" wrap="square" lIns="91425" tIns="91425" rIns="91425" bIns="91425" anchor="t" anchorCtr="0">
             <a:noAutofit/>
           </a:bodyPr>
           <a:lstStyle/>
           <a:p>
-            <a:pPr indent="0" lvl="0" marL="0" rtl="0" algn="l">
-              <a:spcBef>
-                <a:spcPts val="0"/>
-              </a:spcBef>
-              <a:spcAft>
-                <a:spcPts val="0"/>
-              </a:spcAft>
-              <a:buNone/>
-            </a:pPr>
-            <a:r>
-              <a:t/>
-            </a:r>
+            <a:pPr marL="0" lvl="0" indent="0" algn="l" rtl="0">
+              <a:spcBef>
+                <a:spcPts val="0"/>
+              </a:spcBef>
+              <a:spcAft>
+                <a:spcPts val="0"/>
+              </a:spcAft>
+              <a:buNone/>
+            </a:pPr>
             <a:endParaRPr/>
           </a:p>
         </p:txBody>
@@ -2087,11 +2173,11 @@
 </file>
 
 <file path=ppt/notesSlides/notesSlide9.xml><?xml version="1.0" encoding="utf-8"?>
-<p:notes xmlns:a="http://schemas.openxmlformats.org/drawingml/2006/main" xmlns:r="http://schemas.openxmlformats.org/officeDocument/2006/relationships" xmlns:mc="http://schemas.openxmlformats.org/markup-compatibility/2006" xmlns:mv="urn:schemas-microsoft-com:mac:vml" xmlns:p="http://schemas.openxmlformats.org/presentationml/2006/main" xmlns:c="http://schemas.openxmlformats.org/drawingml/2006/chart" xmlns:dgm="http://schemas.openxmlformats.org/drawingml/2006/diagram" xmlns:o="urn:schemas-microsoft-com:office:office" xmlns:v="urn:schemas-microsoft-com:vml" xmlns:pvml="urn:schemas-microsoft-com:office:powerpoint" xmlns:com="http://schemas.openxmlformats.org/drawingml/2006/compatibility" xmlns:p14="http://schemas.microsoft.com/office/powerpoint/2010/main" xmlns:p15="http://schemas.microsoft.com/office/powerpoint/2012/main" xmlns:ahyp="http://schemas.microsoft.com/office/drawing/2018/hyperlinkcolor" showMasterPhAnim="0" showMasterSp="0">
+<p:notes xmlns:a="http://schemas.openxmlformats.org/drawingml/2006/main" xmlns:r="http://schemas.openxmlformats.org/officeDocument/2006/relationships" xmlns:p="http://schemas.openxmlformats.org/presentationml/2006/main" showMasterSp="0" showMasterPhAnim="0">
   <p:cSld>
     <p:spTree>
       <p:nvGrpSpPr>
-        <p:cNvPr id="156" name="Shape 156"/>
+        <p:cNvPr id="1" name="Shape 156"/>
         <p:cNvGrpSpPr/>
         <p:nvPr/>
       </p:nvGrpSpPr>
@@ -2106,9 +2192,11 @@
       <p:sp>
         <p:nvSpPr>
           <p:cNvPr id="157" name="Google Shape;157;g7963f3ccf6_0_0:notes"/>
-          <p:cNvSpPr/>
+          <p:cNvSpPr>
+            <a:spLocks noGrp="1" noRot="1" noChangeAspect="1"/>
+          </p:cNvSpPr>
           <p:nvPr>
-            <p:ph idx="2" type="sldImg"/>
+            <p:ph type="sldImg" idx="2"/>
           </p:nvPr>
         </p:nvSpPr>
         <p:spPr>
@@ -2117,9 +2205,13 @@
             <a:ext cx="6096000" cy="3429000"/>
           </a:xfrm>
           <a:custGeom>
-            <a:rect b="b" l="l" r="r" t="t"/>
+            <a:avLst/>
+            <a:gdLst/>
+            <a:ahLst/>
+            <a:cxnLst/>
+            <a:rect l="l" t="t" r="r" b="b"/>
             <a:pathLst>
-              <a:path extrusionOk="0" h="120000" w="120000">
+              <a:path w="120000" h="120000" extrusionOk="0">
                 <a:moveTo>
                   <a:pt x="0" y="0"/>
                 </a:moveTo>
@@ -2141,9 +2233,11 @@
       <p:sp>
         <p:nvSpPr>
           <p:cNvPr id="158" name="Google Shape;158;g7963f3ccf6_0_0:notes"/>
-          <p:cNvSpPr txBox="1"/>
+          <p:cNvSpPr txBox="1">
+            <a:spLocks noGrp="1"/>
+          </p:cNvSpPr>
           <p:nvPr>
-            <p:ph idx="1" type="body"/>
+            <p:ph type="body" idx="1"/>
           </p:nvPr>
         </p:nvSpPr>
         <p:spPr>
@@ -2156,23 +2250,20 @@
           </a:prstGeom>
         </p:spPr>
         <p:txBody>
-          <a:bodyPr anchorCtr="0" anchor="t" bIns="91425" lIns="91425" spcFirstLastPara="1" rIns="91425" wrap="square" tIns="91425">
+          <a:bodyPr spcFirstLastPara="1" wrap="square" lIns="91425" tIns="91425" rIns="91425" bIns="91425" anchor="t" anchorCtr="0">
             <a:noAutofit/>
           </a:bodyPr>
           <a:lstStyle/>
           <a:p>
-            <a:pPr indent="0" lvl="0" marL="0" rtl="0" algn="l">
-              <a:spcBef>
-                <a:spcPts val="0"/>
-              </a:spcBef>
-              <a:spcAft>
-                <a:spcPts val="0"/>
-              </a:spcAft>
-              <a:buNone/>
-            </a:pPr>
-            <a:r>
-              <a:t/>
-            </a:r>
+            <a:pPr marL="0" lvl="0" indent="0" algn="l" rtl="0">
+              <a:spcBef>
+                <a:spcPts val="0"/>
+              </a:spcBef>
+              <a:spcAft>
+                <a:spcPts val="0"/>
+              </a:spcAft>
+              <a:buNone/>
+            </a:pPr>
             <a:endParaRPr/>
           </a:p>
         </p:txBody>
@@ -2186,11 +2277,11 @@
 </file>
 
 <file path=ppt/slideLayouts/slideLayout1.xml><?xml version="1.0" encoding="utf-8"?>
-<p:sldLayout xmlns:a="http://schemas.openxmlformats.org/drawingml/2006/main" xmlns:r="http://schemas.openxmlformats.org/officeDocument/2006/relationships" xmlns:mc="http://schemas.openxmlformats.org/markup-compatibility/2006" xmlns:mv="urn:schemas-microsoft-com:mac:vml" xmlns:p="http://schemas.openxmlformats.org/presentationml/2006/main" xmlns:c="http://schemas.openxmlformats.org/drawingml/2006/chart" xmlns:dgm="http://schemas.openxmlformats.org/drawingml/2006/diagram" xmlns:o="urn:schemas-microsoft-com:office:office" xmlns:v="urn:schemas-microsoft-com:vml" xmlns:pvml="urn:schemas-microsoft-com:office:powerpoint" xmlns:com="http://schemas.openxmlformats.org/drawingml/2006/compatibility" xmlns:p14="http://schemas.microsoft.com/office/powerpoint/2010/main" xmlns:p15="http://schemas.microsoft.com/office/powerpoint/2012/main" xmlns:ahyp="http://schemas.microsoft.com/office/drawing/2018/hyperlinkcolor" matchingName="Title slide" type="title">
+<p:sldLayout xmlns:a="http://schemas.openxmlformats.org/drawingml/2006/main" xmlns:r="http://schemas.openxmlformats.org/officeDocument/2006/relationships" xmlns:p="http://schemas.openxmlformats.org/presentationml/2006/main" matchingName="Title slide" type="title">
   <p:cSld name="TITLE">
     <p:spTree>
       <p:nvGrpSpPr>
-        <p:cNvPr id="9" name="Shape 9"/>
+        <p:cNvPr id="1" name="Shape 9"/>
         <p:cNvGrpSpPr/>
         <p:nvPr/>
       </p:nvGrpSpPr>
@@ -2205,7 +2296,9 @@
       <p:sp>
         <p:nvSpPr>
           <p:cNvPr id="10" name="Google Shape;10;p2"/>
-          <p:cNvSpPr txBox="1"/>
+          <p:cNvSpPr txBox="1">
+            <a:spLocks noGrp="1"/>
+          </p:cNvSpPr>
           <p:nvPr>
             <p:ph type="ctrTitle"/>
           </p:nvPr>
@@ -2220,7 +2313,7 @@
           </a:prstGeom>
         </p:spPr>
         <p:txBody>
-          <a:bodyPr anchorCtr="0" anchor="b" bIns="91425" lIns="91425" spcFirstLastPara="1" rIns="91425" wrap="square" tIns="91425">
+          <a:bodyPr spcFirstLastPara="1" wrap="square" lIns="91425" tIns="91425" rIns="91425" bIns="91425" anchor="b" anchorCtr="0">
             <a:noAutofit/>
           </a:bodyPr>
           <a:lstStyle>
@@ -2324,15 +2417,19 @@
               <a:defRPr sz="5200"/>
             </a:lvl9pPr>
           </a:lstStyle>
-          <a:p/>
+          <a:p>
+            <a:endParaRPr/>
+          </a:p>
         </p:txBody>
       </p:sp>
       <p:sp>
         <p:nvSpPr>
           <p:cNvPr id="11" name="Google Shape;11;p2"/>
-          <p:cNvSpPr txBox="1"/>
+          <p:cNvSpPr txBox="1">
+            <a:spLocks noGrp="1"/>
+          </p:cNvSpPr>
           <p:nvPr>
-            <p:ph idx="1" type="subTitle"/>
+            <p:ph type="subTitle" idx="1"/>
           </p:nvPr>
         </p:nvSpPr>
         <p:spPr>
@@ -2345,7 +2442,7 @@
           </a:prstGeom>
         </p:spPr>
         <p:txBody>
-          <a:bodyPr anchorCtr="0" anchor="t" bIns="91425" lIns="91425" spcFirstLastPara="1" rIns="91425" wrap="square" tIns="91425">
+          <a:bodyPr spcFirstLastPara="1" wrap="square" lIns="91425" tIns="91425" rIns="91425" bIns="91425" anchor="t" anchorCtr="0">
             <a:noAutofit/>
           </a:bodyPr>
           <a:lstStyle>
@@ -2476,15 +2573,19 @@
               <a:defRPr sz="2800"/>
             </a:lvl9pPr>
           </a:lstStyle>
-          <a:p/>
+          <a:p>
+            <a:endParaRPr/>
+          </a:p>
         </p:txBody>
       </p:sp>
       <p:sp>
         <p:nvSpPr>
           <p:cNvPr id="12" name="Google Shape;12;p2"/>
-          <p:cNvSpPr txBox="1"/>
+          <p:cNvSpPr txBox="1">
+            <a:spLocks noGrp="1"/>
+          </p:cNvSpPr>
           <p:nvPr>
-            <p:ph idx="12" type="sldNum"/>
+            <p:ph type="sldNum" idx="12"/>
           </p:nvPr>
         </p:nvSpPr>
         <p:spPr>
@@ -2497,7 +2598,7 @@
           </a:prstGeom>
         </p:spPr>
         <p:txBody>
-          <a:bodyPr anchorCtr="0" anchor="ctr" bIns="91425" lIns="91425" spcFirstLastPara="1" rIns="91425" wrap="square" tIns="91425">
+          <a:bodyPr spcFirstLastPara="1" wrap="square" lIns="91425" tIns="91425" rIns="91425" bIns="91425" anchor="ctr" anchorCtr="0">
             <a:noAutofit/>
           </a:bodyPr>
           <a:lstStyle>
@@ -2539,7 +2640,7 @@
             </a:lvl9pPr>
           </a:lstStyle>
           <a:p>
-            <a:pPr indent="0" lvl="0" marL="0" rtl="0" algn="r">
+            <a:pPr marL="0" lvl="0" indent="0" algn="r" rtl="0">
               <a:spcBef>
                 <a:spcPts val="0"/>
               </a:spcBef>
@@ -2550,7 +2651,7 @@
             </a:pPr>
             <a:fld id="{00000000-1234-1234-1234-123412341234}" type="slidenum">
               <a:rPr lang="en"/>
-              <a:t>‹#›</a:t>
+              <a:t>‹N°›</a:t>
             </a:fld>
             <a:endParaRPr/>
           </a:p>
@@ -2565,11 +2666,11 @@
 </file>
 
 <file path=ppt/slideLayouts/slideLayout10.xml><?xml version="1.0" encoding="utf-8"?>
-<p:sldLayout xmlns:a="http://schemas.openxmlformats.org/drawingml/2006/main" xmlns:r="http://schemas.openxmlformats.org/officeDocument/2006/relationships" xmlns:mc="http://schemas.openxmlformats.org/markup-compatibility/2006" xmlns:mv="urn:schemas-microsoft-com:mac:vml" xmlns:p="http://schemas.openxmlformats.org/presentationml/2006/main" xmlns:c="http://schemas.openxmlformats.org/drawingml/2006/chart" xmlns:dgm="http://schemas.openxmlformats.org/drawingml/2006/diagram" xmlns:o="urn:schemas-microsoft-com:office:office" xmlns:v="urn:schemas-microsoft-com:vml" xmlns:pvml="urn:schemas-microsoft-com:office:powerpoint" xmlns:com="http://schemas.openxmlformats.org/drawingml/2006/compatibility" xmlns:p14="http://schemas.microsoft.com/office/powerpoint/2010/main" xmlns:p15="http://schemas.microsoft.com/office/powerpoint/2012/main" xmlns:ahyp="http://schemas.microsoft.com/office/drawing/2018/hyperlinkcolor" matchingName="Big number">
+<p:sldLayout xmlns:a="http://schemas.openxmlformats.org/drawingml/2006/main" xmlns:r="http://schemas.openxmlformats.org/officeDocument/2006/relationships" xmlns:p="http://schemas.openxmlformats.org/presentationml/2006/main" matchingName="Big number">
   <p:cSld name="BIG_NUMBER">
     <p:spTree>
       <p:nvGrpSpPr>
-        <p:cNvPr id="44" name="Shape 44"/>
+        <p:cNvPr id="1" name="Shape 44"/>
         <p:cNvGrpSpPr/>
         <p:nvPr/>
       </p:nvGrpSpPr>
@@ -2584,9 +2685,11 @@
       <p:sp>
         <p:nvSpPr>
           <p:cNvPr id="45" name="Google Shape;45;p11"/>
-          <p:cNvSpPr txBox="1"/>
+          <p:cNvSpPr txBox="1">
+            <a:spLocks noGrp="1"/>
+          </p:cNvSpPr>
           <p:nvPr>
-            <p:ph hasCustomPrompt="1" type="title"/>
+            <p:ph type="title" hasCustomPrompt="1"/>
           </p:nvPr>
         </p:nvSpPr>
         <p:spPr>
@@ -2599,7 +2702,7 @@
           </a:prstGeom>
         </p:spPr>
         <p:txBody>
-          <a:bodyPr anchorCtr="0" anchor="b" bIns="91425" lIns="91425" spcFirstLastPara="1" rIns="91425" wrap="square" tIns="91425">
+          <a:bodyPr spcFirstLastPara="1" wrap="square" lIns="91425" tIns="91425" rIns="91425" bIns="91425" anchor="b" anchorCtr="0">
             <a:noAutofit/>
           </a:bodyPr>
           <a:lstStyle>
@@ -2713,9 +2816,11 @@
       <p:sp>
         <p:nvSpPr>
           <p:cNvPr id="46" name="Google Shape;46;p11"/>
-          <p:cNvSpPr txBox="1"/>
+          <p:cNvSpPr txBox="1">
+            <a:spLocks noGrp="1"/>
+          </p:cNvSpPr>
           <p:nvPr>
-            <p:ph idx="1" type="body"/>
+            <p:ph type="body" idx="1"/>
           </p:nvPr>
         </p:nvSpPr>
         <p:spPr>
@@ -2728,11 +2833,11 @@
           </a:prstGeom>
         </p:spPr>
         <p:txBody>
-          <a:bodyPr anchorCtr="0" anchor="t" bIns="91425" lIns="91425" spcFirstLastPara="1" rIns="91425" wrap="square" tIns="91425">
+          <a:bodyPr spcFirstLastPara="1" wrap="square" lIns="91425" tIns="91425" rIns="91425" bIns="91425" anchor="t" anchorCtr="0">
             <a:noAutofit/>
           </a:bodyPr>
           <a:lstStyle>
-            <a:lvl1pPr indent="-342900" lvl="0" marL="457200" algn="ctr">
+            <a:lvl1pPr marL="457200" lvl="0" indent="-342900" algn="ctr">
               <a:spcBef>
                 <a:spcPts val="0"/>
               </a:spcBef>
@@ -2743,7 +2848,7 @@
               <a:buChar char="●"/>
               <a:defRPr/>
             </a:lvl1pPr>
-            <a:lvl2pPr indent="-317500" lvl="1" marL="914400" algn="ctr">
+            <a:lvl2pPr marL="914400" lvl="1" indent="-317500" algn="ctr">
               <a:spcBef>
                 <a:spcPts val="1600"/>
               </a:spcBef>
@@ -2754,7 +2859,7 @@
               <a:buChar char="○"/>
               <a:defRPr/>
             </a:lvl2pPr>
-            <a:lvl3pPr indent="-317500" lvl="2" marL="1371600" algn="ctr">
+            <a:lvl3pPr marL="1371600" lvl="2" indent="-317500" algn="ctr">
               <a:spcBef>
                 <a:spcPts val="1600"/>
               </a:spcBef>
@@ -2765,7 +2870,7 @@
               <a:buChar char="■"/>
               <a:defRPr/>
             </a:lvl3pPr>
-            <a:lvl4pPr indent="-317500" lvl="3" marL="1828800" algn="ctr">
+            <a:lvl4pPr marL="1828800" lvl="3" indent="-317500" algn="ctr">
               <a:spcBef>
                 <a:spcPts val="1600"/>
               </a:spcBef>
@@ -2776,7 +2881,7 @@
               <a:buChar char="●"/>
               <a:defRPr/>
             </a:lvl4pPr>
-            <a:lvl5pPr indent="-317500" lvl="4" marL="2286000" algn="ctr">
+            <a:lvl5pPr marL="2286000" lvl="4" indent="-317500" algn="ctr">
               <a:spcBef>
                 <a:spcPts val="1600"/>
               </a:spcBef>
@@ -2787,7 +2892,7 @@
               <a:buChar char="○"/>
               <a:defRPr/>
             </a:lvl5pPr>
-            <a:lvl6pPr indent="-317500" lvl="5" marL="2743200" algn="ctr">
+            <a:lvl6pPr marL="2743200" lvl="5" indent="-317500" algn="ctr">
               <a:spcBef>
                 <a:spcPts val="1600"/>
               </a:spcBef>
@@ -2798,7 +2903,7 @@
               <a:buChar char="■"/>
               <a:defRPr/>
             </a:lvl6pPr>
-            <a:lvl7pPr indent="-317500" lvl="6" marL="3200400" algn="ctr">
+            <a:lvl7pPr marL="3200400" lvl="6" indent="-317500" algn="ctr">
               <a:spcBef>
                 <a:spcPts val="1600"/>
               </a:spcBef>
@@ -2809,7 +2914,7 @@
               <a:buChar char="●"/>
               <a:defRPr/>
             </a:lvl7pPr>
-            <a:lvl8pPr indent="-317500" lvl="7" marL="3657600" algn="ctr">
+            <a:lvl8pPr marL="3657600" lvl="7" indent="-317500" algn="ctr">
               <a:spcBef>
                 <a:spcPts val="1600"/>
               </a:spcBef>
@@ -2820,7 +2925,7 @@
               <a:buChar char="○"/>
               <a:defRPr/>
             </a:lvl8pPr>
-            <a:lvl9pPr indent="-317500" lvl="8" marL="4114800" algn="ctr">
+            <a:lvl9pPr marL="4114800" lvl="8" indent="-317500" algn="ctr">
               <a:spcBef>
                 <a:spcPts val="1600"/>
               </a:spcBef>
@@ -2832,15 +2937,19 @@
               <a:defRPr/>
             </a:lvl9pPr>
           </a:lstStyle>
-          <a:p/>
+          <a:p>
+            <a:endParaRPr/>
+          </a:p>
         </p:txBody>
       </p:sp>
       <p:sp>
         <p:nvSpPr>
           <p:cNvPr id="47" name="Google Shape;47;p11"/>
-          <p:cNvSpPr txBox="1"/>
+          <p:cNvSpPr txBox="1">
+            <a:spLocks noGrp="1"/>
+          </p:cNvSpPr>
           <p:nvPr>
-            <p:ph idx="12" type="sldNum"/>
+            <p:ph type="sldNum" idx="12"/>
           </p:nvPr>
         </p:nvSpPr>
         <p:spPr>
@@ -2853,7 +2962,7 @@
           </a:prstGeom>
         </p:spPr>
         <p:txBody>
-          <a:bodyPr anchorCtr="0" anchor="ctr" bIns="91425" lIns="91425" spcFirstLastPara="1" rIns="91425" wrap="square" tIns="91425">
+          <a:bodyPr spcFirstLastPara="1" wrap="square" lIns="91425" tIns="91425" rIns="91425" bIns="91425" anchor="ctr" anchorCtr="0">
             <a:noAutofit/>
           </a:bodyPr>
           <a:lstStyle>
@@ -2895,7 +3004,7 @@
             </a:lvl9pPr>
           </a:lstStyle>
           <a:p>
-            <a:pPr indent="0" lvl="0" marL="0" rtl="0" algn="r">
+            <a:pPr marL="0" lvl="0" indent="0" algn="r" rtl="0">
               <a:spcBef>
                 <a:spcPts val="0"/>
               </a:spcBef>
@@ -2906,7 +3015,7 @@
             </a:pPr>
             <a:fld id="{00000000-1234-1234-1234-123412341234}" type="slidenum">
               <a:rPr lang="en"/>
-              <a:t>‹#›</a:t>
+              <a:t>‹N°›</a:t>
             </a:fld>
             <a:endParaRPr/>
           </a:p>
@@ -2921,11 +3030,11 @@
 </file>
 
 <file path=ppt/slideLayouts/slideLayout11.xml><?xml version="1.0" encoding="utf-8"?>
-<p:sldLayout xmlns:a="http://schemas.openxmlformats.org/drawingml/2006/main" xmlns:r="http://schemas.openxmlformats.org/officeDocument/2006/relationships" xmlns:mc="http://schemas.openxmlformats.org/markup-compatibility/2006" xmlns:mv="urn:schemas-microsoft-com:mac:vml" xmlns:p="http://schemas.openxmlformats.org/presentationml/2006/main" xmlns:c="http://schemas.openxmlformats.org/drawingml/2006/chart" xmlns:dgm="http://schemas.openxmlformats.org/drawingml/2006/diagram" xmlns:o="urn:schemas-microsoft-com:office:office" xmlns:v="urn:schemas-microsoft-com:vml" xmlns:pvml="urn:schemas-microsoft-com:office:powerpoint" xmlns:com="http://schemas.openxmlformats.org/drawingml/2006/compatibility" xmlns:p14="http://schemas.microsoft.com/office/powerpoint/2010/main" xmlns:p15="http://schemas.microsoft.com/office/powerpoint/2012/main" xmlns:ahyp="http://schemas.microsoft.com/office/drawing/2018/hyperlinkcolor" matchingName="Blank" type="blank">
+<p:sldLayout xmlns:a="http://schemas.openxmlformats.org/drawingml/2006/main" xmlns:r="http://schemas.openxmlformats.org/officeDocument/2006/relationships" xmlns:p="http://schemas.openxmlformats.org/presentationml/2006/main" matchingName="Blank" type="blank">
   <p:cSld name="BLANK">
     <p:spTree>
       <p:nvGrpSpPr>
-        <p:cNvPr id="48" name="Shape 48"/>
+        <p:cNvPr id="1" name="Shape 48"/>
         <p:cNvGrpSpPr/>
         <p:nvPr/>
       </p:nvGrpSpPr>
@@ -2940,9 +3049,11 @@
       <p:sp>
         <p:nvSpPr>
           <p:cNvPr id="49" name="Google Shape;49;p12"/>
-          <p:cNvSpPr txBox="1"/>
+          <p:cNvSpPr txBox="1">
+            <a:spLocks noGrp="1"/>
+          </p:cNvSpPr>
           <p:nvPr>
-            <p:ph idx="12" type="sldNum"/>
+            <p:ph type="sldNum" idx="12"/>
           </p:nvPr>
         </p:nvSpPr>
         <p:spPr>
@@ -2955,7 +3066,7 @@
           </a:prstGeom>
         </p:spPr>
         <p:txBody>
-          <a:bodyPr anchorCtr="0" anchor="ctr" bIns="91425" lIns="91425" spcFirstLastPara="1" rIns="91425" wrap="square" tIns="91425">
+          <a:bodyPr spcFirstLastPara="1" wrap="square" lIns="91425" tIns="91425" rIns="91425" bIns="91425" anchor="ctr" anchorCtr="0">
             <a:noAutofit/>
           </a:bodyPr>
           <a:lstStyle>
@@ -2997,7 +3108,7 @@
             </a:lvl9pPr>
           </a:lstStyle>
           <a:p>
-            <a:pPr indent="0" lvl="0" marL="0" rtl="0" algn="r">
+            <a:pPr marL="0" lvl="0" indent="0" algn="r" rtl="0">
               <a:spcBef>
                 <a:spcPts val="0"/>
               </a:spcBef>
@@ -3008,7 +3119,7 @@
             </a:pPr>
             <a:fld id="{00000000-1234-1234-1234-123412341234}" type="slidenum">
               <a:rPr lang="en"/>
-              <a:t>‹#›</a:t>
+              <a:t>‹N°›</a:t>
             </a:fld>
             <a:endParaRPr/>
           </a:p>
@@ -3023,11 +3134,11 @@
 </file>
 
 <file path=ppt/slideLayouts/slideLayout2.xml><?xml version="1.0" encoding="utf-8"?>
-<p:sldLayout xmlns:a="http://schemas.openxmlformats.org/drawingml/2006/main" xmlns:r="http://schemas.openxmlformats.org/officeDocument/2006/relationships" xmlns:mc="http://schemas.openxmlformats.org/markup-compatibility/2006" xmlns:mv="urn:schemas-microsoft-com:mac:vml" xmlns:p="http://schemas.openxmlformats.org/presentationml/2006/main" xmlns:c="http://schemas.openxmlformats.org/drawingml/2006/chart" xmlns:dgm="http://schemas.openxmlformats.org/drawingml/2006/diagram" xmlns:o="urn:schemas-microsoft-com:office:office" xmlns:v="urn:schemas-microsoft-com:vml" xmlns:pvml="urn:schemas-microsoft-com:office:powerpoint" xmlns:com="http://schemas.openxmlformats.org/drawingml/2006/compatibility" xmlns:p14="http://schemas.microsoft.com/office/powerpoint/2010/main" xmlns:p15="http://schemas.microsoft.com/office/powerpoint/2012/main" xmlns:ahyp="http://schemas.microsoft.com/office/drawing/2018/hyperlinkcolor" matchingName="Section header" type="secHead">
+<p:sldLayout xmlns:a="http://schemas.openxmlformats.org/drawingml/2006/main" xmlns:r="http://schemas.openxmlformats.org/officeDocument/2006/relationships" xmlns:p="http://schemas.openxmlformats.org/presentationml/2006/main" matchingName="Section header" type="secHead">
   <p:cSld name="SECTION_HEADER">
     <p:spTree>
       <p:nvGrpSpPr>
-        <p:cNvPr id="13" name="Shape 13"/>
+        <p:cNvPr id="1" name="Shape 13"/>
         <p:cNvGrpSpPr/>
         <p:nvPr/>
       </p:nvGrpSpPr>
@@ -3042,7 +3153,9 @@
       <p:sp>
         <p:nvSpPr>
           <p:cNvPr id="14" name="Google Shape;14;p3"/>
-          <p:cNvSpPr txBox="1"/>
+          <p:cNvSpPr txBox="1">
+            <a:spLocks noGrp="1"/>
+          </p:cNvSpPr>
           <p:nvPr>
             <p:ph type="title"/>
           </p:nvPr>
@@ -3057,7 +3170,7 @@
           </a:prstGeom>
         </p:spPr>
         <p:txBody>
-          <a:bodyPr anchorCtr="0" anchor="ctr" bIns="91425" lIns="91425" spcFirstLastPara="1" rIns="91425" wrap="square" tIns="91425">
+          <a:bodyPr spcFirstLastPara="1" wrap="square" lIns="91425" tIns="91425" rIns="91425" bIns="91425" anchor="ctr" anchorCtr="0">
             <a:noAutofit/>
           </a:bodyPr>
           <a:lstStyle>
@@ -3161,15 +3274,19 @@
               <a:defRPr sz="3600"/>
             </a:lvl9pPr>
           </a:lstStyle>
-          <a:p/>
+          <a:p>
+            <a:endParaRPr/>
+          </a:p>
         </p:txBody>
       </p:sp>
       <p:sp>
         <p:nvSpPr>
           <p:cNvPr id="15" name="Google Shape;15;p3"/>
-          <p:cNvSpPr txBox="1"/>
+          <p:cNvSpPr txBox="1">
+            <a:spLocks noGrp="1"/>
+          </p:cNvSpPr>
           <p:nvPr>
-            <p:ph idx="12" type="sldNum"/>
+            <p:ph type="sldNum" idx="12"/>
           </p:nvPr>
         </p:nvSpPr>
         <p:spPr>
@@ -3182,7 +3299,7 @@
           </a:prstGeom>
         </p:spPr>
         <p:txBody>
-          <a:bodyPr anchorCtr="0" anchor="ctr" bIns="91425" lIns="91425" spcFirstLastPara="1" rIns="91425" wrap="square" tIns="91425">
+          <a:bodyPr spcFirstLastPara="1" wrap="square" lIns="91425" tIns="91425" rIns="91425" bIns="91425" anchor="ctr" anchorCtr="0">
             <a:noAutofit/>
           </a:bodyPr>
           <a:lstStyle>
@@ -3224,7 +3341,7 @@
             </a:lvl9pPr>
           </a:lstStyle>
           <a:p>
-            <a:pPr indent="0" lvl="0" marL="0" rtl="0" algn="r">
+            <a:pPr marL="0" lvl="0" indent="0" algn="r" rtl="0">
               <a:spcBef>
                 <a:spcPts val="0"/>
               </a:spcBef>
@@ -3235,7 +3352,7 @@
             </a:pPr>
             <a:fld id="{00000000-1234-1234-1234-123412341234}" type="slidenum">
               <a:rPr lang="en"/>
-              <a:t>‹#›</a:t>
+              <a:t>‹N°›</a:t>
             </a:fld>
             <a:endParaRPr/>
           </a:p>
@@ -3250,11 +3367,11 @@
 </file>
 
 <file path=ppt/slideLayouts/slideLayout3.xml><?xml version="1.0" encoding="utf-8"?>
-<p:sldLayout xmlns:a="http://schemas.openxmlformats.org/drawingml/2006/main" xmlns:r="http://schemas.openxmlformats.org/officeDocument/2006/relationships" xmlns:mc="http://schemas.openxmlformats.org/markup-compatibility/2006" xmlns:mv="urn:schemas-microsoft-com:mac:vml" xmlns:p="http://schemas.openxmlformats.org/presentationml/2006/main" xmlns:c="http://schemas.openxmlformats.org/drawingml/2006/chart" xmlns:dgm="http://schemas.openxmlformats.org/drawingml/2006/diagram" xmlns:o="urn:schemas-microsoft-com:office:office" xmlns:v="urn:schemas-microsoft-com:vml" xmlns:pvml="urn:schemas-microsoft-com:office:powerpoint" xmlns:com="http://schemas.openxmlformats.org/drawingml/2006/compatibility" xmlns:p14="http://schemas.microsoft.com/office/powerpoint/2010/main" xmlns:p15="http://schemas.microsoft.com/office/powerpoint/2012/main" xmlns:ahyp="http://schemas.microsoft.com/office/drawing/2018/hyperlinkcolor" matchingName="Title and body" type="tx">
+<p:sldLayout xmlns:a="http://schemas.openxmlformats.org/drawingml/2006/main" xmlns:r="http://schemas.openxmlformats.org/officeDocument/2006/relationships" xmlns:p="http://schemas.openxmlformats.org/presentationml/2006/main" matchingName="Title and body" type="tx">
   <p:cSld name="TITLE_AND_BODY">
     <p:spTree>
       <p:nvGrpSpPr>
-        <p:cNvPr id="16" name="Shape 16"/>
+        <p:cNvPr id="1" name="Shape 16"/>
         <p:cNvGrpSpPr/>
         <p:nvPr/>
       </p:nvGrpSpPr>
@@ -3269,7 +3386,9 @@
       <p:sp>
         <p:nvSpPr>
           <p:cNvPr id="17" name="Google Shape;17;p4"/>
-          <p:cNvSpPr txBox="1"/>
+          <p:cNvSpPr txBox="1">
+            <a:spLocks noGrp="1"/>
+          </p:cNvSpPr>
           <p:nvPr>
             <p:ph type="title"/>
           </p:nvPr>
@@ -3284,7 +3403,7 @@
           </a:prstGeom>
         </p:spPr>
         <p:txBody>
-          <a:bodyPr anchorCtr="0" anchor="t" bIns="91425" lIns="91425" spcFirstLastPara="1" rIns="91425" wrap="square" tIns="91425">
+          <a:bodyPr spcFirstLastPara="1" wrap="square" lIns="91425" tIns="91425" rIns="91425" bIns="91425" anchor="t" anchorCtr="0">
             <a:noAutofit/>
           </a:bodyPr>
           <a:lstStyle>
@@ -3388,15 +3507,19 @@
               <a:defRPr/>
             </a:lvl9pPr>
           </a:lstStyle>
-          <a:p/>
+          <a:p>
+            <a:endParaRPr/>
+          </a:p>
         </p:txBody>
       </p:sp>
       <p:sp>
         <p:nvSpPr>
           <p:cNvPr id="18" name="Google Shape;18;p4"/>
-          <p:cNvSpPr txBox="1"/>
+          <p:cNvSpPr txBox="1">
+            <a:spLocks noGrp="1"/>
+          </p:cNvSpPr>
           <p:nvPr>
-            <p:ph idx="1" type="body"/>
+            <p:ph type="body" idx="1"/>
           </p:nvPr>
         </p:nvSpPr>
         <p:spPr>
@@ -3409,11 +3532,11 @@
           </a:prstGeom>
         </p:spPr>
         <p:txBody>
-          <a:bodyPr anchorCtr="0" anchor="t" bIns="91425" lIns="91425" spcFirstLastPara="1" rIns="91425" wrap="square" tIns="91425">
+          <a:bodyPr spcFirstLastPara="1" wrap="square" lIns="91425" tIns="91425" rIns="91425" bIns="91425" anchor="t" anchorCtr="0">
             <a:noAutofit/>
           </a:bodyPr>
           <a:lstStyle>
-            <a:lvl1pPr indent="-342900" lvl="0" marL="457200">
+            <a:lvl1pPr marL="457200" lvl="0" indent="-342900">
               <a:spcBef>
                 <a:spcPts val="0"/>
               </a:spcBef>
@@ -3424,7 +3547,7 @@
               <a:buChar char="●"/>
               <a:defRPr/>
             </a:lvl1pPr>
-            <a:lvl2pPr indent="-317500" lvl="1" marL="914400">
+            <a:lvl2pPr marL="914400" lvl="1" indent="-317500">
               <a:spcBef>
                 <a:spcPts val="1600"/>
               </a:spcBef>
@@ -3435,7 +3558,7 @@
               <a:buChar char="○"/>
               <a:defRPr/>
             </a:lvl2pPr>
-            <a:lvl3pPr indent="-317500" lvl="2" marL="1371600">
+            <a:lvl3pPr marL="1371600" lvl="2" indent="-317500">
               <a:spcBef>
                 <a:spcPts val="1600"/>
               </a:spcBef>
@@ -3446,7 +3569,7 @@
               <a:buChar char="■"/>
               <a:defRPr/>
             </a:lvl3pPr>
-            <a:lvl4pPr indent="-317500" lvl="3" marL="1828800">
+            <a:lvl4pPr marL="1828800" lvl="3" indent="-317500">
               <a:spcBef>
                 <a:spcPts val="1600"/>
               </a:spcBef>
@@ -3457,7 +3580,7 @@
               <a:buChar char="●"/>
               <a:defRPr/>
             </a:lvl4pPr>
-            <a:lvl5pPr indent="-317500" lvl="4" marL="2286000">
+            <a:lvl5pPr marL="2286000" lvl="4" indent="-317500">
               <a:spcBef>
                 <a:spcPts val="1600"/>
               </a:spcBef>
@@ -3468,7 +3591,7 @@
               <a:buChar char="○"/>
               <a:defRPr/>
             </a:lvl5pPr>
-            <a:lvl6pPr indent="-317500" lvl="5" marL="2743200">
+            <a:lvl6pPr marL="2743200" lvl="5" indent="-317500">
               <a:spcBef>
                 <a:spcPts val="1600"/>
               </a:spcBef>
@@ -3479,7 +3602,7 @@
               <a:buChar char="■"/>
               <a:defRPr/>
             </a:lvl6pPr>
-            <a:lvl7pPr indent="-317500" lvl="6" marL="3200400">
+            <a:lvl7pPr marL="3200400" lvl="6" indent="-317500">
               <a:spcBef>
                 <a:spcPts val="1600"/>
               </a:spcBef>
@@ -3490,7 +3613,7 @@
               <a:buChar char="●"/>
               <a:defRPr/>
             </a:lvl7pPr>
-            <a:lvl8pPr indent="-317500" lvl="7" marL="3657600">
+            <a:lvl8pPr marL="3657600" lvl="7" indent="-317500">
               <a:spcBef>
                 <a:spcPts val="1600"/>
               </a:spcBef>
@@ -3501,7 +3624,7 @@
               <a:buChar char="○"/>
               <a:defRPr/>
             </a:lvl8pPr>
-            <a:lvl9pPr indent="-317500" lvl="8" marL="4114800">
+            <a:lvl9pPr marL="4114800" lvl="8" indent="-317500">
               <a:spcBef>
                 <a:spcPts val="1600"/>
               </a:spcBef>
@@ -3513,15 +3636,19 @@
               <a:defRPr/>
             </a:lvl9pPr>
           </a:lstStyle>
-          <a:p/>
+          <a:p>
+            <a:endParaRPr/>
+          </a:p>
         </p:txBody>
       </p:sp>
       <p:sp>
         <p:nvSpPr>
           <p:cNvPr id="19" name="Google Shape;19;p4"/>
-          <p:cNvSpPr txBox="1"/>
+          <p:cNvSpPr txBox="1">
+            <a:spLocks noGrp="1"/>
+          </p:cNvSpPr>
           <p:nvPr>
-            <p:ph idx="12" type="sldNum"/>
+            <p:ph type="sldNum" idx="12"/>
           </p:nvPr>
         </p:nvSpPr>
         <p:spPr>
@@ -3534,7 +3661,7 @@
           </a:prstGeom>
         </p:spPr>
         <p:txBody>
-          <a:bodyPr anchorCtr="0" anchor="ctr" bIns="91425" lIns="91425" spcFirstLastPara="1" rIns="91425" wrap="square" tIns="91425">
+          <a:bodyPr spcFirstLastPara="1" wrap="square" lIns="91425" tIns="91425" rIns="91425" bIns="91425" anchor="ctr" anchorCtr="0">
             <a:noAutofit/>
           </a:bodyPr>
           <a:lstStyle>
@@ -3576,7 +3703,7 @@
             </a:lvl9pPr>
           </a:lstStyle>
           <a:p>
-            <a:pPr indent="0" lvl="0" marL="0" rtl="0" algn="r">
+            <a:pPr marL="0" lvl="0" indent="0" algn="r" rtl="0">
               <a:spcBef>
                 <a:spcPts val="0"/>
               </a:spcBef>
@@ -3587,7 +3714,7 @@
             </a:pPr>
             <a:fld id="{00000000-1234-1234-1234-123412341234}" type="slidenum">
               <a:rPr lang="en"/>
-              <a:t>‹#›</a:t>
+              <a:t>‹N°›</a:t>
             </a:fld>
             <a:endParaRPr/>
           </a:p>
@@ -3602,11 +3729,11 @@
 </file>
 
 <file path=ppt/slideLayouts/slideLayout4.xml><?xml version="1.0" encoding="utf-8"?>
-<p:sldLayout xmlns:a="http://schemas.openxmlformats.org/drawingml/2006/main" xmlns:r="http://schemas.openxmlformats.org/officeDocument/2006/relationships" xmlns:mc="http://schemas.openxmlformats.org/markup-compatibility/2006" xmlns:mv="urn:schemas-microsoft-com:mac:vml" xmlns:p="http://schemas.openxmlformats.org/presentationml/2006/main" xmlns:c="http://schemas.openxmlformats.org/drawingml/2006/chart" xmlns:dgm="http://schemas.openxmlformats.org/drawingml/2006/diagram" xmlns:o="urn:schemas-microsoft-com:office:office" xmlns:v="urn:schemas-microsoft-com:vml" xmlns:pvml="urn:schemas-microsoft-com:office:powerpoint" xmlns:com="http://schemas.openxmlformats.org/drawingml/2006/compatibility" xmlns:p14="http://schemas.microsoft.com/office/powerpoint/2010/main" xmlns:p15="http://schemas.microsoft.com/office/powerpoint/2012/main" xmlns:ahyp="http://schemas.microsoft.com/office/drawing/2018/hyperlinkcolor" matchingName="Title and two columns" type="twoColTx">
+<p:sldLayout xmlns:a="http://schemas.openxmlformats.org/drawingml/2006/main" xmlns:r="http://schemas.openxmlformats.org/officeDocument/2006/relationships" xmlns:p="http://schemas.openxmlformats.org/presentationml/2006/main" matchingName="Title and two columns" type="twoColTx">
   <p:cSld name="TITLE_AND_TWO_COLUMNS">
     <p:spTree>
       <p:nvGrpSpPr>
-        <p:cNvPr id="20" name="Shape 20"/>
+        <p:cNvPr id="1" name="Shape 20"/>
         <p:cNvGrpSpPr/>
         <p:nvPr/>
       </p:nvGrpSpPr>
@@ -3621,7 +3748,9 @@
       <p:sp>
         <p:nvSpPr>
           <p:cNvPr id="21" name="Google Shape;21;p5"/>
-          <p:cNvSpPr txBox="1"/>
+          <p:cNvSpPr txBox="1">
+            <a:spLocks noGrp="1"/>
+          </p:cNvSpPr>
           <p:nvPr>
             <p:ph type="title"/>
           </p:nvPr>
@@ -3636,7 +3765,7 @@
           </a:prstGeom>
         </p:spPr>
         <p:txBody>
-          <a:bodyPr anchorCtr="0" anchor="t" bIns="91425" lIns="91425" spcFirstLastPara="1" rIns="91425" wrap="square" tIns="91425">
+          <a:bodyPr spcFirstLastPara="1" wrap="square" lIns="91425" tIns="91425" rIns="91425" bIns="91425" anchor="t" anchorCtr="0">
             <a:noAutofit/>
           </a:bodyPr>
           <a:lstStyle>
@@ -3740,15 +3869,19 @@
               <a:defRPr/>
             </a:lvl9pPr>
           </a:lstStyle>
-          <a:p/>
+          <a:p>
+            <a:endParaRPr/>
+          </a:p>
         </p:txBody>
       </p:sp>
       <p:sp>
         <p:nvSpPr>
           <p:cNvPr id="22" name="Google Shape;22;p5"/>
-          <p:cNvSpPr txBox="1"/>
+          <p:cNvSpPr txBox="1">
+            <a:spLocks noGrp="1"/>
+          </p:cNvSpPr>
           <p:nvPr>
-            <p:ph idx="1" type="body"/>
+            <p:ph type="body" idx="1"/>
           </p:nvPr>
         </p:nvSpPr>
         <p:spPr>
@@ -3761,11 +3894,11 @@
           </a:prstGeom>
         </p:spPr>
         <p:txBody>
-          <a:bodyPr anchorCtr="0" anchor="t" bIns="91425" lIns="91425" spcFirstLastPara="1" rIns="91425" wrap="square" tIns="91425">
+          <a:bodyPr spcFirstLastPara="1" wrap="square" lIns="91425" tIns="91425" rIns="91425" bIns="91425" anchor="t" anchorCtr="0">
             <a:noAutofit/>
           </a:bodyPr>
           <a:lstStyle>
-            <a:lvl1pPr indent="-317500" lvl="0" marL="457200">
+            <a:lvl1pPr marL="457200" lvl="0" indent="-317500">
               <a:spcBef>
                 <a:spcPts val="0"/>
               </a:spcBef>
@@ -3776,7 +3909,7 @@
               <a:buChar char="●"/>
               <a:defRPr sz="1400"/>
             </a:lvl1pPr>
-            <a:lvl2pPr indent="-304800" lvl="1" marL="914400">
+            <a:lvl2pPr marL="914400" lvl="1" indent="-304800">
               <a:spcBef>
                 <a:spcPts val="1600"/>
               </a:spcBef>
@@ -3787,7 +3920,7 @@
               <a:buChar char="○"/>
               <a:defRPr sz="1200"/>
             </a:lvl2pPr>
-            <a:lvl3pPr indent="-304800" lvl="2" marL="1371600">
+            <a:lvl3pPr marL="1371600" lvl="2" indent="-304800">
               <a:spcBef>
                 <a:spcPts val="1600"/>
               </a:spcBef>
@@ -3798,7 +3931,7 @@
               <a:buChar char="■"/>
               <a:defRPr sz="1200"/>
             </a:lvl3pPr>
-            <a:lvl4pPr indent="-304800" lvl="3" marL="1828800">
+            <a:lvl4pPr marL="1828800" lvl="3" indent="-304800">
               <a:spcBef>
                 <a:spcPts val="1600"/>
               </a:spcBef>
@@ -3809,7 +3942,7 @@
               <a:buChar char="●"/>
               <a:defRPr sz="1200"/>
             </a:lvl4pPr>
-            <a:lvl5pPr indent="-304800" lvl="4" marL="2286000">
+            <a:lvl5pPr marL="2286000" lvl="4" indent="-304800">
               <a:spcBef>
                 <a:spcPts val="1600"/>
               </a:spcBef>
@@ -3820,7 +3953,7 @@
               <a:buChar char="○"/>
               <a:defRPr sz="1200"/>
             </a:lvl5pPr>
-            <a:lvl6pPr indent="-304800" lvl="5" marL="2743200">
+            <a:lvl6pPr marL="2743200" lvl="5" indent="-304800">
               <a:spcBef>
                 <a:spcPts val="1600"/>
               </a:spcBef>
@@ -3831,7 +3964,7 @@
               <a:buChar char="■"/>
               <a:defRPr sz="1200"/>
             </a:lvl6pPr>
-            <a:lvl7pPr indent="-304800" lvl="6" marL="3200400">
+            <a:lvl7pPr marL="3200400" lvl="6" indent="-304800">
               <a:spcBef>
                 <a:spcPts val="1600"/>
               </a:spcBef>
@@ -3842,7 +3975,7 @@
               <a:buChar char="●"/>
               <a:defRPr sz="1200"/>
             </a:lvl7pPr>
-            <a:lvl8pPr indent="-304800" lvl="7" marL="3657600">
+            <a:lvl8pPr marL="3657600" lvl="7" indent="-304800">
               <a:spcBef>
                 <a:spcPts val="1600"/>
               </a:spcBef>
@@ -3853,7 +3986,7 @@
               <a:buChar char="○"/>
               <a:defRPr sz="1200"/>
             </a:lvl8pPr>
-            <a:lvl9pPr indent="-304800" lvl="8" marL="4114800">
+            <a:lvl9pPr marL="4114800" lvl="8" indent="-304800">
               <a:spcBef>
                 <a:spcPts val="1600"/>
               </a:spcBef>
@@ -3865,15 +3998,19 @@
               <a:defRPr sz="1200"/>
             </a:lvl9pPr>
           </a:lstStyle>
-          <a:p/>
+          <a:p>
+            <a:endParaRPr/>
+          </a:p>
         </p:txBody>
       </p:sp>
       <p:sp>
         <p:nvSpPr>
           <p:cNvPr id="23" name="Google Shape;23;p5"/>
-          <p:cNvSpPr txBox="1"/>
+          <p:cNvSpPr txBox="1">
+            <a:spLocks noGrp="1"/>
+          </p:cNvSpPr>
           <p:nvPr>
-            <p:ph idx="2" type="body"/>
+            <p:ph type="body" idx="2"/>
           </p:nvPr>
         </p:nvSpPr>
         <p:spPr>
@@ -3886,11 +4023,11 @@
           </a:prstGeom>
         </p:spPr>
         <p:txBody>
-          <a:bodyPr anchorCtr="0" anchor="t" bIns="91425" lIns="91425" spcFirstLastPara="1" rIns="91425" wrap="square" tIns="91425">
+          <a:bodyPr spcFirstLastPara="1" wrap="square" lIns="91425" tIns="91425" rIns="91425" bIns="91425" anchor="t" anchorCtr="0">
             <a:noAutofit/>
           </a:bodyPr>
           <a:lstStyle>
-            <a:lvl1pPr indent="-317500" lvl="0" marL="457200">
+            <a:lvl1pPr marL="457200" lvl="0" indent="-317500">
               <a:spcBef>
                 <a:spcPts val="0"/>
               </a:spcBef>
@@ -3901,7 +4038,7 @@
               <a:buChar char="●"/>
               <a:defRPr sz="1400"/>
             </a:lvl1pPr>
-            <a:lvl2pPr indent="-304800" lvl="1" marL="914400">
+            <a:lvl2pPr marL="914400" lvl="1" indent="-304800">
               <a:spcBef>
                 <a:spcPts val="1600"/>
               </a:spcBef>
@@ -3912,7 +4049,7 @@
               <a:buChar char="○"/>
               <a:defRPr sz="1200"/>
             </a:lvl2pPr>
-            <a:lvl3pPr indent="-304800" lvl="2" marL="1371600">
+            <a:lvl3pPr marL="1371600" lvl="2" indent="-304800">
               <a:spcBef>
                 <a:spcPts val="1600"/>
               </a:spcBef>
@@ -3923,7 +4060,7 @@
               <a:buChar char="■"/>
               <a:defRPr sz="1200"/>
             </a:lvl3pPr>
-            <a:lvl4pPr indent="-304800" lvl="3" marL="1828800">
+            <a:lvl4pPr marL="1828800" lvl="3" indent="-304800">
               <a:spcBef>
                 <a:spcPts val="1600"/>
               </a:spcBef>
@@ -3934,7 +4071,7 @@
               <a:buChar char="●"/>
               <a:defRPr sz="1200"/>
             </a:lvl4pPr>
-            <a:lvl5pPr indent="-304800" lvl="4" marL="2286000">
+            <a:lvl5pPr marL="2286000" lvl="4" indent="-304800">
               <a:spcBef>
                 <a:spcPts val="1600"/>
               </a:spcBef>
@@ -3945,7 +4082,7 @@
               <a:buChar char="○"/>
               <a:defRPr sz="1200"/>
             </a:lvl5pPr>
-            <a:lvl6pPr indent="-304800" lvl="5" marL="2743200">
+            <a:lvl6pPr marL="2743200" lvl="5" indent="-304800">
               <a:spcBef>
                 <a:spcPts val="1600"/>
               </a:spcBef>
@@ -3956,7 +4093,7 @@
               <a:buChar char="■"/>
               <a:defRPr sz="1200"/>
             </a:lvl6pPr>
-            <a:lvl7pPr indent="-304800" lvl="6" marL="3200400">
+            <a:lvl7pPr marL="3200400" lvl="6" indent="-304800">
               <a:spcBef>
                 <a:spcPts val="1600"/>
               </a:spcBef>
@@ -3967,7 +4104,7 @@
               <a:buChar char="●"/>
               <a:defRPr sz="1200"/>
             </a:lvl7pPr>
-            <a:lvl8pPr indent="-304800" lvl="7" marL="3657600">
+            <a:lvl8pPr marL="3657600" lvl="7" indent="-304800">
               <a:spcBef>
                 <a:spcPts val="1600"/>
               </a:spcBef>
@@ -3978,7 +4115,7 @@
               <a:buChar char="○"/>
               <a:defRPr sz="1200"/>
             </a:lvl8pPr>
-            <a:lvl9pPr indent="-304800" lvl="8" marL="4114800">
+            <a:lvl9pPr marL="4114800" lvl="8" indent="-304800">
               <a:spcBef>
                 <a:spcPts val="1600"/>
               </a:spcBef>
@@ -3990,15 +4127,19 @@
               <a:defRPr sz="1200"/>
             </a:lvl9pPr>
           </a:lstStyle>
-          <a:p/>
+          <a:p>
+            <a:endParaRPr/>
+          </a:p>
         </p:txBody>
       </p:sp>
       <p:sp>
         <p:nvSpPr>
           <p:cNvPr id="24" name="Google Shape;24;p5"/>
-          <p:cNvSpPr txBox="1"/>
+          <p:cNvSpPr txBox="1">
+            <a:spLocks noGrp="1"/>
+          </p:cNvSpPr>
           <p:nvPr>
-            <p:ph idx="12" type="sldNum"/>
+            <p:ph type="sldNum" idx="12"/>
           </p:nvPr>
         </p:nvSpPr>
         <p:spPr>
@@ -4011,7 +4152,7 @@
           </a:prstGeom>
         </p:spPr>
         <p:txBody>
-          <a:bodyPr anchorCtr="0" anchor="ctr" bIns="91425" lIns="91425" spcFirstLastPara="1" rIns="91425" wrap="square" tIns="91425">
+          <a:bodyPr spcFirstLastPara="1" wrap="square" lIns="91425" tIns="91425" rIns="91425" bIns="91425" anchor="ctr" anchorCtr="0">
             <a:noAutofit/>
           </a:bodyPr>
           <a:lstStyle>
@@ -4053,7 +4194,7 @@
             </a:lvl9pPr>
           </a:lstStyle>
           <a:p>
-            <a:pPr indent="0" lvl="0" marL="0" rtl="0" algn="r">
+            <a:pPr marL="0" lvl="0" indent="0" algn="r" rtl="0">
               <a:spcBef>
                 <a:spcPts val="0"/>
               </a:spcBef>
@@ -4064,7 +4205,7 @@
             </a:pPr>
             <a:fld id="{00000000-1234-1234-1234-123412341234}" type="slidenum">
               <a:rPr lang="en"/>
-              <a:t>‹#›</a:t>
+              <a:t>‹N°›</a:t>
             </a:fld>
             <a:endParaRPr/>
           </a:p>
@@ -4079,11 +4220,11 @@
 </file>
 
 <file path=ppt/slideLayouts/slideLayout5.xml><?xml version="1.0" encoding="utf-8"?>
-<p:sldLayout xmlns:a="http://schemas.openxmlformats.org/drawingml/2006/main" xmlns:r="http://schemas.openxmlformats.org/officeDocument/2006/relationships" xmlns:mc="http://schemas.openxmlformats.org/markup-compatibility/2006" xmlns:mv="urn:schemas-microsoft-com:mac:vml" xmlns:p="http://schemas.openxmlformats.org/presentationml/2006/main" xmlns:c="http://schemas.openxmlformats.org/drawingml/2006/chart" xmlns:dgm="http://schemas.openxmlformats.org/drawingml/2006/diagram" xmlns:o="urn:schemas-microsoft-com:office:office" xmlns:v="urn:schemas-microsoft-com:vml" xmlns:pvml="urn:schemas-microsoft-com:office:powerpoint" xmlns:com="http://schemas.openxmlformats.org/drawingml/2006/compatibility" xmlns:p14="http://schemas.microsoft.com/office/powerpoint/2010/main" xmlns:p15="http://schemas.microsoft.com/office/powerpoint/2012/main" xmlns:ahyp="http://schemas.microsoft.com/office/drawing/2018/hyperlinkcolor" matchingName="Title only" type="titleOnly">
+<p:sldLayout xmlns:a="http://schemas.openxmlformats.org/drawingml/2006/main" xmlns:r="http://schemas.openxmlformats.org/officeDocument/2006/relationships" xmlns:p="http://schemas.openxmlformats.org/presentationml/2006/main" matchingName="Title only" type="titleOnly">
   <p:cSld name="TITLE_ONLY">
     <p:spTree>
       <p:nvGrpSpPr>
-        <p:cNvPr id="25" name="Shape 25"/>
+        <p:cNvPr id="1" name="Shape 25"/>
         <p:cNvGrpSpPr/>
         <p:nvPr/>
       </p:nvGrpSpPr>
@@ -4098,7 +4239,9 @@
       <p:sp>
         <p:nvSpPr>
           <p:cNvPr id="26" name="Google Shape;26;p6"/>
-          <p:cNvSpPr txBox="1"/>
+          <p:cNvSpPr txBox="1">
+            <a:spLocks noGrp="1"/>
+          </p:cNvSpPr>
           <p:nvPr>
             <p:ph type="title"/>
           </p:nvPr>
@@ -4113,7 +4256,7 @@
           </a:prstGeom>
         </p:spPr>
         <p:txBody>
-          <a:bodyPr anchorCtr="0" anchor="t" bIns="91425" lIns="91425" spcFirstLastPara="1" rIns="91425" wrap="square" tIns="91425">
+          <a:bodyPr spcFirstLastPara="1" wrap="square" lIns="91425" tIns="91425" rIns="91425" bIns="91425" anchor="t" anchorCtr="0">
             <a:noAutofit/>
           </a:bodyPr>
           <a:lstStyle>
@@ -4217,15 +4360,19 @@
               <a:defRPr/>
             </a:lvl9pPr>
           </a:lstStyle>
-          <a:p/>
+          <a:p>
+            <a:endParaRPr/>
+          </a:p>
         </p:txBody>
       </p:sp>
       <p:sp>
         <p:nvSpPr>
           <p:cNvPr id="27" name="Google Shape;27;p6"/>
-          <p:cNvSpPr txBox="1"/>
+          <p:cNvSpPr txBox="1">
+            <a:spLocks noGrp="1"/>
+          </p:cNvSpPr>
           <p:nvPr>
-            <p:ph idx="12" type="sldNum"/>
+            <p:ph type="sldNum" idx="12"/>
           </p:nvPr>
         </p:nvSpPr>
         <p:spPr>
@@ -4238,7 +4385,7 @@
           </a:prstGeom>
         </p:spPr>
         <p:txBody>
-          <a:bodyPr anchorCtr="0" anchor="ctr" bIns="91425" lIns="91425" spcFirstLastPara="1" rIns="91425" wrap="square" tIns="91425">
+          <a:bodyPr spcFirstLastPara="1" wrap="square" lIns="91425" tIns="91425" rIns="91425" bIns="91425" anchor="ctr" anchorCtr="0">
             <a:noAutofit/>
           </a:bodyPr>
           <a:lstStyle>
@@ -4280,7 +4427,7 @@
             </a:lvl9pPr>
           </a:lstStyle>
           <a:p>
-            <a:pPr indent="0" lvl="0" marL="0" rtl="0" algn="r">
+            <a:pPr marL="0" lvl="0" indent="0" algn="r" rtl="0">
               <a:spcBef>
                 <a:spcPts val="0"/>
               </a:spcBef>
@@ -4291,7 +4438,7 @@
             </a:pPr>
             <a:fld id="{00000000-1234-1234-1234-123412341234}" type="slidenum">
               <a:rPr lang="en"/>
-              <a:t>‹#›</a:t>
+              <a:t>‹N°›</a:t>
             </a:fld>
             <a:endParaRPr/>
           </a:p>
@@ -4306,11 +4453,11 @@
 </file>
 
 <file path=ppt/slideLayouts/slideLayout6.xml><?xml version="1.0" encoding="utf-8"?>
-<p:sldLayout xmlns:a="http://schemas.openxmlformats.org/drawingml/2006/main" xmlns:r="http://schemas.openxmlformats.org/officeDocument/2006/relationships" xmlns:mc="http://schemas.openxmlformats.org/markup-compatibility/2006" xmlns:mv="urn:schemas-microsoft-com:mac:vml" xmlns:p="http://schemas.openxmlformats.org/presentationml/2006/main" xmlns:c="http://schemas.openxmlformats.org/drawingml/2006/chart" xmlns:dgm="http://schemas.openxmlformats.org/drawingml/2006/diagram" xmlns:o="urn:schemas-microsoft-com:office:office" xmlns:v="urn:schemas-microsoft-com:vml" xmlns:pvml="urn:schemas-microsoft-com:office:powerpoint" xmlns:com="http://schemas.openxmlformats.org/drawingml/2006/compatibility" xmlns:p14="http://schemas.microsoft.com/office/powerpoint/2010/main" xmlns:p15="http://schemas.microsoft.com/office/powerpoint/2012/main" xmlns:ahyp="http://schemas.microsoft.com/office/drawing/2018/hyperlinkcolor" matchingName="One column text">
+<p:sldLayout xmlns:a="http://schemas.openxmlformats.org/drawingml/2006/main" xmlns:r="http://schemas.openxmlformats.org/officeDocument/2006/relationships" xmlns:p="http://schemas.openxmlformats.org/presentationml/2006/main" matchingName="One column text">
   <p:cSld name="ONE_COLUMN_TEXT">
     <p:spTree>
       <p:nvGrpSpPr>
-        <p:cNvPr id="28" name="Shape 28"/>
+        <p:cNvPr id="1" name="Shape 28"/>
         <p:cNvGrpSpPr/>
         <p:nvPr/>
       </p:nvGrpSpPr>
@@ -4325,7 +4472,9 @@
       <p:sp>
         <p:nvSpPr>
           <p:cNvPr id="29" name="Google Shape;29;p7"/>
-          <p:cNvSpPr txBox="1"/>
+          <p:cNvSpPr txBox="1">
+            <a:spLocks noGrp="1"/>
+          </p:cNvSpPr>
           <p:nvPr>
             <p:ph type="title"/>
           </p:nvPr>
@@ -4340,7 +4489,7 @@
           </a:prstGeom>
         </p:spPr>
         <p:txBody>
-          <a:bodyPr anchorCtr="0" anchor="b" bIns="91425" lIns="91425" spcFirstLastPara="1" rIns="91425" wrap="square" tIns="91425">
+          <a:bodyPr spcFirstLastPara="1" wrap="square" lIns="91425" tIns="91425" rIns="91425" bIns="91425" anchor="b" anchorCtr="0">
             <a:noAutofit/>
           </a:bodyPr>
           <a:lstStyle>
@@ -4444,15 +4593,19 @@
               <a:defRPr sz="2400"/>
             </a:lvl9pPr>
           </a:lstStyle>
-          <a:p/>
+          <a:p>
+            <a:endParaRPr/>
+          </a:p>
         </p:txBody>
       </p:sp>
       <p:sp>
         <p:nvSpPr>
           <p:cNvPr id="30" name="Google Shape;30;p7"/>
-          <p:cNvSpPr txBox="1"/>
+          <p:cNvSpPr txBox="1">
+            <a:spLocks noGrp="1"/>
+          </p:cNvSpPr>
           <p:nvPr>
-            <p:ph idx="1" type="body"/>
+            <p:ph type="body" idx="1"/>
           </p:nvPr>
         </p:nvSpPr>
         <p:spPr>
@@ -4465,11 +4618,11 @@
           </a:prstGeom>
         </p:spPr>
         <p:txBody>
-          <a:bodyPr anchorCtr="0" anchor="t" bIns="91425" lIns="91425" spcFirstLastPara="1" rIns="91425" wrap="square" tIns="91425">
+          <a:bodyPr spcFirstLastPara="1" wrap="square" lIns="91425" tIns="91425" rIns="91425" bIns="91425" anchor="t" anchorCtr="0">
             <a:noAutofit/>
           </a:bodyPr>
           <a:lstStyle>
-            <a:lvl1pPr indent="-304800" lvl="0" marL="457200">
+            <a:lvl1pPr marL="457200" lvl="0" indent="-304800">
               <a:spcBef>
                 <a:spcPts val="0"/>
               </a:spcBef>
@@ -4480,7 +4633,7 @@
               <a:buChar char="●"/>
               <a:defRPr sz="1200"/>
             </a:lvl1pPr>
-            <a:lvl2pPr indent="-304800" lvl="1" marL="914400">
+            <a:lvl2pPr marL="914400" lvl="1" indent="-304800">
               <a:spcBef>
                 <a:spcPts val="1600"/>
               </a:spcBef>
@@ -4491,7 +4644,7 @@
               <a:buChar char="○"/>
               <a:defRPr sz="1200"/>
             </a:lvl2pPr>
-            <a:lvl3pPr indent="-304800" lvl="2" marL="1371600">
+            <a:lvl3pPr marL="1371600" lvl="2" indent="-304800">
               <a:spcBef>
                 <a:spcPts val="1600"/>
               </a:spcBef>
@@ -4502,7 +4655,7 @@
               <a:buChar char="■"/>
               <a:defRPr sz="1200"/>
             </a:lvl3pPr>
-            <a:lvl4pPr indent="-304800" lvl="3" marL="1828800">
+            <a:lvl4pPr marL="1828800" lvl="3" indent="-304800">
               <a:spcBef>
                 <a:spcPts val="1600"/>
               </a:spcBef>
@@ -4513,7 +4666,7 @@
               <a:buChar char="●"/>
               <a:defRPr sz="1200"/>
             </a:lvl4pPr>
-            <a:lvl5pPr indent="-304800" lvl="4" marL="2286000">
+            <a:lvl5pPr marL="2286000" lvl="4" indent="-304800">
               <a:spcBef>
                 <a:spcPts val="1600"/>
               </a:spcBef>
@@ -4524,7 +4677,7 @@
               <a:buChar char="○"/>
               <a:defRPr sz="1200"/>
             </a:lvl5pPr>
-            <a:lvl6pPr indent="-304800" lvl="5" marL="2743200">
+            <a:lvl6pPr marL="2743200" lvl="5" indent="-304800">
               <a:spcBef>
                 <a:spcPts val="1600"/>
               </a:spcBef>
@@ -4535,7 +4688,7 @@
               <a:buChar char="■"/>
               <a:defRPr sz="1200"/>
             </a:lvl6pPr>
-            <a:lvl7pPr indent="-304800" lvl="6" marL="3200400">
+            <a:lvl7pPr marL="3200400" lvl="6" indent="-304800">
               <a:spcBef>
                 <a:spcPts val="1600"/>
               </a:spcBef>
@@ -4546,7 +4699,7 @@
               <a:buChar char="●"/>
               <a:defRPr sz="1200"/>
             </a:lvl7pPr>
-            <a:lvl8pPr indent="-304800" lvl="7" marL="3657600">
+            <a:lvl8pPr marL="3657600" lvl="7" indent="-304800">
               <a:spcBef>
                 <a:spcPts val="1600"/>
               </a:spcBef>
@@ -4557,7 +4710,7 @@
               <a:buChar char="○"/>
               <a:defRPr sz="1200"/>
             </a:lvl8pPr>
-            <a:lvl9pPr indent="-304800" lvl="8" marL="4114800">
+            <a:lvl9pPr marL="4114800" lvl="8" indent="-304800">
               <a:spcBef>
                 <a:spcPts val="1600"/>
               </a:spcBef>
@@ -4569,15 +4722,19 @@
               <a:defRPr sz="1200"/>
             </a:lvl9pPr>
           </a:lstStyle>
-          <a:p/>
+          <a:p>
+            <a:endParaRPr/>
+          </a:p>
         </p:txBody>
       </p:sp>
       <p:sp>
         <p:nvSpPr>
           <p:cNvPr id="31" name="Google Shape;31;p7"/>
-          <p:cNvSpPr txBox="1"/>
+          <p:cNvSpPr txBox="1">
+            <a:spLocks noGrp="1"/>
+          </p:cNvSpPr>
           <p:nvPr>
-            <p:ph idx="12" type="sldNum"/>
+            <p:ph type="sldNum" idx="12"/>
           </p:nvPr>
         </p:nvSpPr>
         <p:spPr>
@@ -4590,7 +4747,7 @@
           </a:prstGeom>
         </p:spPr>
         <p:txBody>
-          <a:bodyPr anchorCtr="0" anchor="ctr" bIns="91425" lIns="91425" spcFirstLastPara="1" rIns="91425" wrap="square" tIns="91425">
+          <a:bodyPr spcFirstLastPara="1" wrap="square" lIns="91425" tIns="91425" rIns="91425" bIns="91425" anchor="ctr" anchorCtr="0">
             <a:noAutofit/>
           </a:bodyPr>
           <a:lstStyle>
@@ -4632,7 +4789,7 @@
             </a:lvl9pPr>
           </a:lstStyle>
           <a:p>
-            <a:pPr indent="0" lvl="0" marL="0" rtl="0" algn="r">
+            <a:pPr marL="0" lvl="0" indent="0" algn="r" rtl="0">
               <a:spcBef>
                 <a:spcPts val="0"/>
               </a:spcBef>
@@ -4643,7 +4800,7 @@
             </a:pPr>
             <a:fld id="{00000000-1234-1234-1234-123412341234}" type="slidenum">
               <a:rPr lang="en"/>
-              <a:t>‹#›</a:t>
+              <a:t>‹N°›</a:t>
             </a:fld>
             <a:endParaRPr/>
           </a:p>
@@ -4658,11 +4815,11 @@
 </file>
 
 <file path=ppt/slideLayouts/slideLayout7.xml><?xml version="1.0" encoding="utf-8"?>
-<p:sldLayout xmlns:a="http://schemas.openxmlformats.org/drawingml/2006/main" xmlns:r="http://schemas.openxmlformats.org/officeDocument/2006/relationships" xmlns:mc="http://schemas.openxmlformats.org/markup-compatibility/2006" xmlns:mv="urn:schemas-microsoft-com:mac:vml" xmlns:p="http://schemas.openxmlformats.org/presentationml/2006/main" xmlns:c="http://schemas.openxmlformats.org/drawingml/2006/chart" xmlns:dgm="http://schemas.openxmlformats.org/drawingml/2006/diagram" xmlns:o="urn:schemas-microsoft-com:office:office" xmlns:v="urn:schemas-microsoft-com:vml" xmlns:pvml="urn:schemas-microsoft-com:office:powerpoint" xmlns:com="http://schemas.openxmlformats.org/drawingml/2006/compatibility" xmlns:p14="http://schemas.microsoft.com/office/powerpoint/2010/main" xmlns:p15="http://schemas.microsoft.com/office/powerpoint/2012/main" xmlns:ahyp="http://schemas.microsoft.com/office/drawing/2018/hyperlinkcolor" matchingName="Main point">
+<p:sldLayout xmlns:a="http://schemas.openxmlformats.org/drawingml/2006/main" xmlns:r="http://schemas.openxmlformats.org/officeDocument/2006/relationships" xmlns:p="http://schemas.openxmlformats.org/presentationml/2006/main" matchingName="Main point">
   <p:cSld name="MAIN_POINT">
     <p:spTree>
       <p:nvGrpSpPr>
-        <p:cNvPr id="32" name="Shape 32"/>
+        <p:cNvPr id="1" name="Shape 32"/>
         <p:cNvGrpSpPr/>
         <p:nvPr/>
       </p:nvGrpSpPr>
@@ -4677,7 +4834,9 @@
       <p:sp>
         <p:nvSpPr>
           <p:cNvPr id="33" name="Google Shape;33;p8"/>
-          <p:cNvSpPr txBox="1"/>
+          <p:cNvSpPr txBox="1">
+            <a:spLocks noGrp="1"/>
+          </p:cNvSpPr>
           <p:nvPr>
             <p:ph type="title"/>
           </p:nvPr>
@@ -4692,7 +4851,7 @@
           </a:prstGeom>
         </p:spPr>
         <p:txBody>
-          <a:bodyPr anchorCtr="0" anchor="ctr" bIns="91425" lIns="91425" spcFirstLastPara="1" rIns="91425" wrap="square" tIns="91425">
+          <a:bodyPr spcFirstLastPara="1" wrap="square" lIns="91425" tIns="91425" rIns="91425" bIns="91425" anchor="ctr" anchorCtr="0">
             <a:noAutofit/>
           </a:bodyPr>
           <a:lstStyle>
@@ -4796,15 +4955,19 @@
               <a:defRPr sz="4800"/>
             </a:lvl9pPr>
           </a:lstStyle>
-          <a:p/>
+          <a:p>
+            <a:endParaRPr/>
+          </a:p>
         </p:txBody>
       </p:sp>
       <p:sp>
         <p:nvSpPr>
           <p:cNvPr id="34" name="Google Shape;34;p8"/>
-          <p:cNvSpPr txBox="1"/>
+          <p:cNvSpPr txBox="1">
+            <a:spLocks noGrp="1"/>
+          </p:cNvSpPr>
           <p:nvPr>
-            <p:ph idx="12" type="sldNum"/>
+            <p:ph type="sldNum" idx="12"/>
           </p:nvPr>
         </p:nvSpPr>
         <p:spPr>
@@ -4817,7 +4980,7 @@
           </a:prstGeom>
         </p:spPr>
         <p:txBody>
-          <a:bodyPr anchorCtr="0" anchor="ctr" bIns="91425" lIns="91425" spcFirstLastPara="1" rIns="91425" wrap="square" tIns="91425">
+          <a:bodyPr spcFirstLastPara="1" wrap="square" lIns="91425" tIns="91425" rIns="91425" bIns="91425" anchor="ctr" anchorCtr="0">
             <a:noAutofit/>
           </a:bodyPr>
           <a:lstStyle>
@@ -4859,7 +5022,7 @@
             </a:lvl9pPr>
           </a:lstStyle>
           <a:p>
-            <a:pPr indent="0" lvl="0" marL="0" rtl="0" algn="r">
+            <a:pPr marL="0" lvl="0" indent="0" algn="r" rtl="0">
               <a:spcBef>
                 <a:spcPts val="0"/>
               </a:spcBef>
@@ -4870,7 +5033,7 @@
             </a:pPr>
             <a:fld id="{00000000-1234-1234-1234-123412341234}" type="slidenum">
               <a:rPr lang="en"/>
-              <a:t>‹#›</a:t>
+              <a:t>‹N°›</a:t>
             </a:fld>
             <a:endParaRPr/>
           </a:p>
@@ -4885,11 +5048,11 @@
 </file>
 
 <file path=ppt/slideLayouts/slideLayout8.xml><?xml version="1.0" encoding="utf-8"?>
-<p:sldLayout xmlns:a="http://schemas.openxmlformats.org/drawingml/2006/main" xmlns:r="http://schemas.openxmlformats.org/officeDocument/2006/relationships" xmlns:mc="http://schemas.openxmlformats.org/markup-compatibility/2006" xmlns:mv="urn:schemas-microsoft-com:mac:vml" xmlns:p="http://schemas.openxmlformats.org/presentationml/2006/main" xmlns:c="http://schemas.openxmlformats.org/drawingml/2006/chart" xmlns:dgm="http://schemas.openxmlformats.org/drawingml/2006/diagram" xmlns:o="urn:schemas-microsoft-com:office:office" xmlns:v="urn:schemas-microsoft-com:vml" xmlns:pvml="urn:schemas-microsoft-com:office:powerpoint" xmlns:com="http://schemas.openxmlformats.org/drawingml/2006/compatibility" xmlns:p14="http://schemas.microsoft.com/office/powerpoint/2010/main" xmlns:p15="http://schemas.microsoft.com/office/powerpoint/2012/main" xmlns:ahyp="http://schemas.microsoft.com/office/drawing/2018/hyperlinkcolor" matchingName="Section title and description">
+<p:sldLayout xmlns:a="http://schemas.openxmlformats.org/drawingml/2006/main" xmlns:r="http://schemas.openxmlformats.org/officeDocument/2006/relationships" xmlns:p="http://schemas.openxmlformats.org/presentationml/2006/main" matchingName="Section title and description">
   <p:cSld name="SECTION_TITLE_AND_DESCRIPTION">
     <p:spTree>
       <p:nvGrpSpPr>
-        <p:cNvPr id="35" name="Shape 35"/>
+        <p:cNvPr id="1" name="Shape 35"/>
         <p:cNvGrpSpPr/>
         <p:nvPr/>
       </p:nvGrpSpPr>
@@ -4923,23 +5086,20 @@
           </a:ln>
         </p:spPr>
         <p:txBody>
-          <a:bodyPr anchorCtr="0" anchor="ctr" bIns="91425" lIns="91425" spcFirstLastPara="1" rIns="91425" wrap="square" tIns="91425">
+          <a:bodyPr spcFirstLastPara="1" wrap="square" lIns="91425" tIns="91425" rIns="91425" bIns="91425" anchor="ctr" anchorCtr="0">
             <a:noAutofit/>
           </a:bodyPr>
           <a:lstStyle/>
           <a:p>
-            <a:pPr indent="0" lvl="0" marL="0" rtl="0" algn="l">
-              <a:spcBef>
-                <a:spcPts val="0"/>
-              </a:spcBef>
-              <a:spcAft>
-                <a:spcPts val="0"/>
-              </a:spcAft>
-              <a:buNone/>
-            </a:pPr>
-            <a:r>
-              <a:t/>
-            </a:r>
+            <a:pPr marL="0" lvl="0" indent="0" algn="l" rtl="0">
+              <a:spcBef>
+                <a:spcPts val="0"/>
+              </a:spcBef>
+              <a:spcAft>
+                <a:spcPts val="0"/>
+              </a:spcAft>
+              <a:buNone/>
+            </a:pPr>
             <a:endParaRPr/>
           </a:p>
         </p:txBody>
@@ -4947,7 +5107,9 @@
       <p:sp>
         <p:nvSpPr>
           <p:cNvPr id="37" name="Google Shape;37;p9"/>
-          <p:cNvSpPr txBox="1"/>
+          <p:cNvSpPr txBox="1">
+            <a:spLocks noGrp="1"/>
+          </p:cNvSpPr>
           <p:nvPr>
             <p:ph type="title"/>
           </p:nvPr>
@@ -4962,7 +5124,7 @@
           </a:prstGeom>
         </p:spPr>
         <p:txBody>
-          <a:bodyPr anchorCtr="0" anchor="b" bIns="91425" lIns="91425" spcFirstLastPara="1" rIns="91425" wrap="square" tIns="91425">
+          <a:bodyPr spcFirstLastPara="1" wrap="square" lIns="91425" tIns="91425" rIns="91425" bIns="91425" anchor="b" anchorCtr="0">
             <a:noAutofit/>
           </a:bodyPr>
           <a:lstStyle>
@@ -5066,15 +5228,19 @@
               <a:defRPr sz="4200"/>
             </a:lvl9pPr>
           </a:lstStyle>
-          <a:p/>
+          <a:p>
+            <a:endParaRPr/>
+          </a:p>
         </p:txBody>
       </p:sp>
       <p:sp>
         <p:nvSpPr>
           <p:cNvPr id="38" name="Google Shape;38;p9"/>
-          <p:cNvSpPr txBox="1"/>
+          <p:cNvSpPr txBox="1">
+            <a:spLocks noGrp="1"/>
+          </p:cNvSpPr>
           <p:nvPr>
-            <p:ph idx="1" type="subTitle"/>
+            <p:ph type="subTitle" idx="1"/>
           </p:nvPr>
         </p:nvSpPr>
         <p:spPr>
@@ -5087,7 +5253,7 @@
           </a:prstGeom>
         </p:spPr>
         <p:txBody>
-          <a:bodyPr anchorCtr="0" anchor="t" bIns="91425" lIns="91425" spcFirstLastPara="1" rIns="91425" wrap="square" tIns="91425">
+          <a:bodyPr spcFirstLastPara="1" wrap="square" lIns="91425" tIns="91425" rIns="91425" bIns="91425" anchor="t" anchorCtr="0">
             <a:noAutofit/>
           </a:bodyPr>
           <a:lstStyle>
@@ -5218,15 +5384,19 @@
               <a:defRPr sz="2100"/>
             </a:lvl9pPr>
           </a:lstStyle>
-          <a:p/>
+          <a:p>
+            <a:endParaRPr/>
+          </a:p>
         </p:txBody>
       </p:sp>
       <p:sp>
         <p:nvSpPr>
           <p:cNvPr id="39" name="Google Shape;39;p9"/>
-          <p:cNvSpPr txBox="1"/>
+          <p:cNvSpPr txBox="1">
+            <a:spLocks noGrp="1"/>
+          </p:cNvSpPr>
           <p:nvPr>
-            <p:ph idx="2" type="body"/>
+            <p:ph type="body" idx="2"/>
           </p:nvPr>
         </p:nvSpPr>
         <p:spPr>
@@ -5239,11 +5409,11 @@
           </a:prstGeom>
         </p:spPr>
         <p:txBody>
-          <a:bodyPr anchorCtr="0" anchor="ctr" bIns="91425" lIns="91425" spcFirstLastPara="1" rIns="91425" wrap="square" tIns="91425">
+          <a:bodyPr spcFirstLastPara="1" wrap="square" lIns="91425" tIns="91425" rIns="91425" bIns="91425" anchor="ctr" anchorCtr="0">
             <a:noAutofit/>
           </a:bodyPr>
           <a:lstStyle>
-            <a:lvl1pPr indent="-342900" lvl="0" marL="457200">
+            <a:lvl1pPr marL="457200" lvl="0" indent="-342900">
               <a:spcBef>
                 <a:spcPts val="0"/>
               </a:spcBef>
@@ -5254,7 +5424,7 @@
               <a:buChar char="●"/>
               <a:defRPr/>
             </a:lvl1pPr>
-            <a:lvl2pPr indent="-317500" lvl="1" marL="914400">
+            <a:lvl2pPr marL="914400" lvl="1" indent="-317500">
               <a:spcBef>
                 <a:spcPts val="1600"/>
               </a:spcBef>
@@ -5265,7 +5435,7 @@
               <a:buChar char="○"/>
               <a:defRPr/>
             </a:lvl2pPr>
-            <a:lvl3pPr indent="-317500" lvl="2" marL="1371600">
+            <a:lvl3pPr marL="1371600" lvl="2" indent="-317500">
               <a:spcBef>
                 <a:spcPts val="1600"/>
               </a:spcBef>
@@ -5276,7 +5446,7 @@
               <a:buChar char="■"/>
               <a:defRPr/>
             </a:lvl3pPr>
-            <a:lvl4pPr indent="-317500" lvl="3" marL="1828800">
+            <a:lvl4pPr marL="1828800" lvl="3" indent="-317500">
               <a:spcBef>
                 <a:spcPts val="1600"/>
               </a:spcBef>
@@ -5287,7 +5457,7 @@
               <a:buChar char="●"/>
               <a:defRPr/>
             </a:lvl4pPr>
-            <a:lvl5pPr indent="-317500" lvl="4" marL="2286000">
+            <a:lvl5pPr marL="2286000" lvl="4" indent="-317500">
               <a:spcBef>
                 <a:spcPts val="1600"/>
               </a:spcBef>
@@ -5298,7 +5468,7 @@
               <a:buChar char="○"/>
               <a:defRPr/>
             </a:lvl5pPr>
-            <a:lvl6pPr indent="-317500" lvl="5" marL="2743200">
+            <a:lvl6pPr marL="2743200" lvl="5" indent="-317500">
               <a:spcBef>
                 <a:spcPts val="1600"/>
               </a:spcBef>
@@ -5309,7 +5479,7 @@
               <a:buChar char="■"/>
               <a:defRPr/>
             </a:lvl6pPr>
-            <a:lvl7pPr indent="-317500" lvl="6" marL="3200400">
+            <a:lvl7pPr marL="3200400" lvl="6" indent="-317500">
               <a:spcBef>
                 <a:spcPts val="1600"/>
               </a:spcBef>
@@ -5320,7 +5490,7 @@
               <a:buChar char="●"/>
               <a:defRPr/>
             </a:lvl7pPr>
-            <a:lvl8pPr indent="-317500" lvl="7" marL="3657600">
+            <a:lvl8pPr marL="3657600" lvl="7" indent="-317500">
               <a:spcBef>
                 <a:spcPts val="1600"/>
               </a:spcBef>
@@ -5331,7 +5501,7 @@
               <a:buChar char="○"/>
               <a:defRPr/>
             </a:lvl8pPr>
-            <a:lvl9pPr indent="-317500" lvl="8" marL="4114800">
+            <a:lvl9pPr marL="4114800" lvl="8" indent="-317500">
               <a:spcBef>
                 <a:spcPts val="1600"/>
               </a:spcBef>
@@ -5343,15 +5513,19 @@
               <a:defRPr/>
             </a:lvl9pPr>
           </a:lstStyle>
-          <a:p/>
+          <a:p>
+            <a:endParaRPr/>
+          </a:p>
         </p:txBody>
       </p:sp>
       <p:sp>
         <p:nvSpPr>
           <p:cNvPr id="40" name="Google Shape;40;p9"/>
-          <p:cNvSpPr txBox="1"/>
+          <p:cNvSpPr txBox="1">
+            <a:spLocks noGrp="1"/>
+          </p:cNvSpPr>
           <p:nvPr>
-            <p:ph idx="12" type="sldNum"/>
+            <p:ph type="sldNum" idx="12"/>
           </p:nvPr>
         </p:nvSpPr>
         <p:spPr>
@@ -5364,7 +5538,7 @@
           </a:prstGeom>
         </p:spPr>
         <p:txBody>
-          <a:bodyPr anchorCtr="0" anchor="ctr" bIns="91425" lIns="91425" spcFirstLastPara="1" rIns="91425" wrap="square" tIns="91425">
+          <a:bodyPr spcFirstLastPara="1" wrap="square" lIns="91425" tIns="91425" rIns="91425" bIns="91425" anchor="ctr" anchorCtr="0">
             <a:noAutofit/>
           </a:bodyPr>
           <a:lstStyle>
@@ -5406,7 +5580,7 @@
             </a:lvl9pPr>
           </a:lstStyle>
           <a:p>
-            <a:pPr indent="0" lvl="0" marL="0" rtl="0" algn="r">
+            <a:pPr marL="0" lvl="0" indent="0" algn="r" rtl="0">
               <a:spcBef>
                 <a:spcPts val="0"/>
               </a:spcBef>
@@ -5417,7 +5591,7 @@
             </a:pPr>
             <a:fld id="{00000000-1234-1234-1234-123412341234}" type="slidenum">
               <a:rPr lang="en"/>
-              <a:t>‹#›</a:t>
+              <a:t>‹N°›</a:t>
             </a:fld>
             <a:endParaRPr/>
           </a:p>
@@ -5432,11 +5606,11 @@
 </file>
 
 <file path=ppt/slideLayouts/slideLayout9.xml><?xml version="1.0" encoding="utf-8"?>
-<p:sldLayout xmlns:a="http://schemas.openxmlformats.org/drawingml/2006/main" xmlns:r="http://schemas.openxmlformats.org/officeDocument/2006/relationships" xmlns:mc="http://schemas.openxmlformats.org/markup-compatibility/2006" xmlns:mv="urn:schemas-microsoft-com:mac:vml" xmlns:p="http://schemas.openxmlformats.org/presentationml/2006/main" xmlns:c="http://schemas.openxmlformats.org/drawingml/2006/chart" xmlns:dgm="http://schemas.openxmlformats.org/drawingml/2006/diagram" xmlns:o="urn:schemas-microsoft-com:office:office" xmlns:v="urn:schemas-microsoft-com:vml" xmlns:pvml="urn:schemas-microsoft-com:office:powerpoint" xmlns:com="http://schemas.openxmlformats.org/drawingml/2006/compatibility" xmlns:p14="http://schemas.microsoft.com/office/powerpoint/2010/main" xmlns:p15="http://schemas.microsoft.com/office/powerpoint/2012/main" xmlns:ahyp="http://schemas.microsoft.com/office/drawing/2018/hyperlinkcolor" matchingName="Caption">
+<p:sldLayout xmlns:a="http://schemas.openxmlformats.org/drawingml/2006/main" xmlns:r="http://schemas.openxmlformats.org/officeDocument/2006/relationships" xmlns:p="http://schemas.openxmlformats.org/presentationml/2006/main" matchingName="Caption">
   <p:cSld name="CAPTION_ONLY">
     <p:spTree>
       <p:nvGrpSpPr>
-        <p:cNvPr id="41" name="Shape 41"/>
+        <p:cNvPr id="1" name="Shape 41"/>
         <p:cNvGrpSpPr/>
         <p:nvPr/>
       </p:nvGrpSpPr>
@@ -5451,9 +5625,11 @@
       <p:sp>
         <p:nvSpPr>
           <p:cNvPr id="42" name="Google Shape;42;p10"/>
-          <p:cNvSpPr txBox="1"/>
+          <p:cNvSpPr txBox="1">
+            <a:spLocks noGrp="1"/>
+          </p:cNvSpPr>
           <p:nvPr>
-            <p:ph idx="1" type="body"/>
+            <p:ph type="body" idx="1"/>
           </p:nvPr>
         </p:nvSpPr>
         <p:spPr>
@@ -5466,11 +5642,11 @@
           </a:prstGeom>
         </p:spPr>
         <p:txBody>
-          <a:bodyPr anchorCtr="0" anchor="ctr" bIns="91425" lIns="91425" spcFirstLastPara="1" rIns="91425" wrap="square" tIns="91425">
+          <a:bodyPr spcFirstLastPara="1" wrap="square" lIns="91425" tIns="91425" rIns="91425" bIns="91425" anchor="ctr" anchorCtr="0">
             <a:noAutofit/>
           </a:bodyPr>
           <a:lstStyle>
-            <a:lvl1pPr indent="-228600" lvl="0" marL="457200">
+            <a:lvl1pPr marL="457200" lvl="0" indent="-228600">
               <a:lnSpc>
                 <a:spcPct val="100000"/>
               </a:lnSpc>
@@ -5485,15 +5661,19 @@
               <a:defRPr/>
             </a:lvl1pPr>
           </a:lstStyle>
-          <a:p/>
+          <a:p>
+            <a:endParaRPr/>
+          </a:p>
         </p:txBody>
       </p:sp>
       <p:sp>
         <p:nvSpPr>
           <p:cNvPr id="43" name="Google Shape;43;p10"/>
-          <p:cNvSpPr txBox="1"/>
+          <p:cNvSpPr txBox="1">
+            <a:spLocks noGrp="1"/>
+          </p:cNvSpPr>
           <p:nvPr>
-            <p:ph idx="12" type="sldNum"/>
+            <p:ph type="sldNum" idx="12"/>
           </p:nvPr>
         </p:nvSpPr>
         <p:spPr>
@@ -5506,7 +5686,7 @@
           </a:prstGeom>
         </p:spPr>
         <p:txBody>
-          <a:bodyPr anchorCtr="0" anchor="ctr" bIns="91425" lIns="91425" spcFirstLastPara="1" rIns="91425" wrap="square" tIns="91425">
+          <a:bodyPr spcFirstLastPara="1" wrap="square" lIns="91425" tIns="91425" rIns="91425" bIns="91425" anchor="ctr" anchorCtr="0">
             <a:noAutofit/>
           </a:bodyPr>
           <a:lstStyle>
@@ -5548,7 +5728,7 @@
             </a:lvl9pPr>
           </a:lstStyle>
           <a:p>
-            <a:pPr indent="0" lvl="0" marL="0" rtl="0" algn="r">
+            <a:pPr marL="0" lvl="0" indent="0" algn="r" rtl="0">
               <a:spcBef>
                 <a:spcPts val="0"/>
               </a:spcBef>
@@ -5559,7 +5739,7 @@
             </a:pPr>
             <a:fld id="{00000000-1234-1234-1234-123412341234}" type="slidenum">
               <a:rPr lang="en"/>
-              <a:t>‹#›</a:t>
+              <a:t>‹N°›</a:t>
             </a:fld>
             <a:endParaRPr/>
           </a:p>
@@ -5574,18 +5754,19 @@
 </file>
 
 <file path=ppt/slideMasters/slideMaster1.xml><?xml version="1.0" encoding="utf-8"?>
-<p:sldMaster xmlns:a="http://schemas.openxmlformats.org/drawingml/2006/main" xmlns:r="http://schemas.openxmlformats.org/officeDocument/2006/relationships" xmlns:mc="http://schemas.openxmlformats.org/markup-compatibility/2006" xmlns:mv="urn:schemas-microsoft-com:mac:vml" xmlns:p="http://schemas.openxmlformats.org/presentationml/2006/main" xmlns:c="http://schemas.openxmlformats.org/drawingml/2006/chart" xmlns:dgm="http://schemas.openxmlformats.org/drawingml/2006/diagram" xmlns:o="urn:schemas-microsoft-com:office:office" xmlns:v="urn:schemas-microsoft-com:vml" xmlns:pvml="urn:schemas-microsoft-com:office:powerpoint" xmlns:com="http://schemas.openxmlformats.org/drawingml/2006/compatibility" xmlns:p14="http://schemas.microsoft.com/office/powerpoint/2010/main" xmlns:p15="http://schemas.microsoft.com/office/powerpoint/2012/main" xmlns:ahyp="http://schemas.microsoft.com/office/drawing/2018/hyperlinkcolor">
+<p:sldMaster xmlns:a="http://schemas.openxmlformats.org/drawingml/2006/main" xmlns:r="http://schemas.openxmlformats.org/officeDocument/2006/relationships" xmlns:p="http://schemas.openxmlformats.org/presentationml/2006/main">
   <p:cSld name="simple-light-2">
     <p:bg>
       <p:bgPr>
         <a:solidFill>
           <a:schemeClr val="lt1"/>
         </a:solidFill>
+        <a:effectLst/>
       </p:bgPr>
     </p:bg>
     <p:spTree>
       <p:nvGrpSpPr>
-        <p:cNvPr id="5" name="Shape 5"/>
+        <p:cNvPr id="1" name="Shape 5"/>
         <p:cNvGrpSpPr/>
         <p:nvPr/>
       </p:nvGrpSpPr>
@@ -5600,7 +5781,9 @@
       <p:sp>
         <p:nvSpPr>
           <p:cNvPr id="6" name="Google Shape;6;p1"/>
-          <p:cNvSpPr txBox="1"/>
+          <p:cNvSpPr txBox="1">
+            <a:spLocks noGrp="1"/>
+          </p:cNvSpPr>
           <p:nvPr>
             <p:ph type="title"/>
           </p:nvPr>
@@ -5619,7 +5802,7 @@
           </a:ln>
         </p:spPr>
         <p:txBody>
-          <a:bodyPr anchorCtr="0" anchor="t" bIns="91425" lIns="91425" spcFirstLastPara="1" rIns="91425" wrap="square" tIns="91425">
+          <a:bodyPr spcFirstLastPara="1" wrap="square" lIns="91425" tIns="91425" rIns="91425" bIns="91425" anchor="t" anchorCtr="0">
             <a:noAutofit/>
           </a:bodyPr>
           <a:lstStyle>
@@ -5786,15 +5969,19 @@
               </a:defRPr>
             </a:lvl9pPr>
           </a:lstStyle>
-          <a:p/>
+          <a:p>
+            <a:endParaRPr/>
+          </a:p>
         </p:txBody>
       </p:sp>
       <p:sp>
         <p:nvSpPr>
           <p:cNvPr id="7" name="Google Shape;7;p1"/>
-          <p:cNvSpPr txBox="1"/>
+          <p:cNvSpPr txBox="1">
+            <a:spLocks noGrp="1"/>
+          </p:cNvSpPr>
           <p:nvPr>
-            <p:ph idx="1" type="body"/>
+            <p:ph type="body" idx="1"/>
           </p:nvPr>
         </p:nvSpPr>
         <p:spPr>
@@ -5811,11 +5998,11 @@
           </a:ln>
         </p:spPr>
         <p:txBody>
-          <a:bodyPr anchorCtr="0" anchor="t" bIns="91425" lIns="91425" spcFirstLastPara="1" rIns="91425" wrap="square" tIns="91425">
+          <a:bodyPr spcFirstLastPara="1" wrap="square" lIns="91425" tIns="91425" rIns="91425" bIns="91425" anchor="t" anchorCtr="0">
             <a:noAutofit/>
           </a:bodyPr>
           <a:lstStyle>
-            <a:lvl1pPr indent="-342900" lvl="0" marL="457200">
+            <a:lvl1pPr marL="457200" lvl="0" indent="-342900">
               <a:lnSpc>
                 <a:spcPct val="115000"/>
               </a:lnSpc>
@@ -5836,7 +6023,7 @@
                 </a:solidFill>
               </a:defRPr>
             </a:lvl1pPr>
-            <a:lvl2pPr indent="-317500" lvl="1" marL="914400">
+            <a:lvl2pPr marL="914400" lvl="1" indent="-317500">
               <a:lnSpc>
                 <a:spcPct val="115000"/>
               </a:lnSpc>
@@ -5857,7 +6044,7 @@
                 </a:solidFill>
               </a:defRPr>
             </a:lvl2pPr>
-            <a:lvl3pPr indent="-317500" lvl="2" marL="1371600">
+            <a:lvl3pPr marL="1371600" lvl="2" indent="-317500">
               <a:lnSpc>
                 <a:spcPct val="115000"/>
               </a:lnSpc>
@@ -5878,7 +6065,7 @@
                 </a:solidFill>
               </a:defRPr>
             </a:lvl3pPr>
-            <a:lvl4pPr indent="-317500" lvl="3" marL="1828800">
+            <a:lvl4pPr marL="1828800" lvl="3" indent="-317500">
               <a:lnSpc>
                 <a:spcPct val="115000"/>
               </a:lnSpc>
@@ -5899,7 +6086,7 @@
                 </a:solidFill>
               </a:defRPr>
             </a:lvl4pPr>
-            <a:lvl5pPr indent="-317500" lvl="4" marL="2286000">
+            <a:lvl5pPr marL="2286000" lvl="4" indent="-317500">
               <a:lnSpc>
                 <a:spcPct val="115000"/>
               </a:lnSpc>
@@ -5920,7 +6107,7 @@
                 </a:solidFill>
               </a:defRPr>
             </a:lvl5pPr>
-            <a:lvl6pPr indent="-317500" lvl="5" marL="2743200">
+            <a:lvl6pPr marL="2743200" lvl="5" indent="-317500">
               <a:lnSpc>
                 <a:spcPct val="115000"/>
               </a:lnSpc>
@@ -5941,7 +6128,7 @@
                 </a:solidFill>
               </a:defRPr>
             </a:lvl6pPr>
-            <a:lvl7pPr indent="-317500" lvl="6" marL="3200400">
+            <a:lvl7pPr marL="3200400" lvl="6" indent="-317500">
               <a:lnSpc>
                 <a:spcPct val="115000"/>
               </a:lnSpc>
@@ -5962,7 +6149,7 @@
                 </a:solidFill>
               </a:defRPr>
             </a:lvl7pPr>
-            <a:lvl8pPr indent="-317500" lvl="7" marL="3657600">
+            <a:lvl8pPr marL="3657600" lvl="7" indent="-317500">
               <a:lnSpc>
                 <a:spcPct val="115000"/>
               </a:lnSpc>
@@ -5983,7 +6170,7 @@
                 </a:solidFill>
               </a:defRPr>
             </a:lvl8pPr>
-            <a:lvl9pPr indent="-317500" lvl="8" marL="4114800">
+            <a:lvl9pPr marL="4114800" lvl="8" indent="-317500">
               <a:lnSpc>
                 <a:spcPct val="115000"/>
               </a:lnSpc>
@@ -6005,15 +6192,19 @@
               </a:defRPr>
             </a:lvl9pPr>
           </a:lstStyle>
-          <a:p/>
+          <a:p>
+            <a:endParaRPr/>
+          </a:p>
         </p:txBody>
       </p:sp>
       <p:sp>
         <p:nvSpPr>
           <p:cNvPr id="8" name="Google Shape;8;p1"/>
-          <p:cNvSpPr txBox="1"/>
+          <p:cNvSpPr txBox="1">
+            <a:spLocks noGrp="1"/>
+          </p:cNvSpPr>
           <p:nvPr>
-            <p:ph idx="12" type="sldNum"/>
+            <p:ph type="sldNum" idx="12"/>
           </p:nvPr>
         </p:nvSpPr>
         <p:spPr>
@@ -6030,7 +6221,7 @@
           </a:ln>
         </p:spPr>
         <p:txBody>
-          <a:bodyPr anchorCtr="0" anchor="ctr" bIns="91425" lIns="91425" spcFirstLastPara="1" rIns="91425" wrap="square" tIns="91425">
+          <a:bodyPr spcFirstLastPara="1" wrap="square" lIns="91425" tIns="91425" rIns="91425" bIns="91425" anchor="ctr" anchorCtr="0">
             <a:noAutofit/>
           </a:bodyPr>
           <a:lstStyle>
@@ -6108,7 +6299,7 @@
             </a:lvl9pPr>
           </a:lstStyle>
           <a:p>
-            <a:pPr indent="0" lvl="0" marL="0" rtl="0" algn="r">
+            <a:pPr marL="0" lvl="0" indent="0" algn="r" rtl="0">
               <a:spcBef>
                 <a:spcPts val="0"/>
               </a:spcBef>
@@ -6119,7 +6310,7 @@
             </a:pPr>
             <a:fld id="{00000000-1234-1234-1234-123412341234}" type="slidenum">
               <a:rPr lang="en"/>
-              <a:t>‹#›</a:t>
+              <a:t>‹N°›</a:t>
             </a:fld>
             <a:endParaRPr/>
           </a:p>
@@ -6127,7 +6318,7 @@
       </p:sp>
     </p:spTree>
   </p:cSld>
-  <p:clrMap accent1="accent1" accent2="accent2" accent3="accent3" accent4="accent4" accent5="accent5" accent6="accent6" bg1="lt1" bg2="dk2" tx1="dk1" tx2="lt2" folHlink="folHlink" hlink="hlink"/>
+  <p:clrMap bg1="lt1" tx1="dk1" bg2="dk2" tx2="lt2" accent1="accent1" accent2="accent2" accent3="accent3" accent4="accent4" accent5="accent5" accent6="accent6" hlink="hlink" folHlink="folHlink"/>
   <p:sldLayoutIdLst>
     <p:sldLayoutId id="2147483648" r:id="rId1"/>
     <p:sldLayoutId id="2147483649" r:id="rId2"/>
@@ -6141,10 +6332,10 @@
     <p:sldLayoutId id="2147483657" r:id="rId10"/>
     <p:sldLayoutId id="2147483658" r:id="rId11"/>
   </p:sldLayoutIdLst>
-  <p:hf dt="0" ftr="0" hdr="0" sldNum="0"/>
+  <p:hf sldNum="0" hdr="0" ftr="0" dt="0"/>
   <p:txStyles>
     <p:titleStyle>
-      <a:defPPr lvl="0" marR="0" rtl="0" algn="l">
+      <a:defPPr marR="0" lvl="0" algn="l" rtl="0">
         <a:lnSpc>
           <a:spcPct val="100000"/>
         </a:lnSpc>
@@ -6155,7 +6346,7 @@
           <a:spcPts val="0"/>
         </a:spcAft>
       </a:defPPr>
-      <a:lvl1pPr lvl="0" marR="0" rtl="0" algn="l">
+      <a:lvl1pPr marR="0" lvl="0" algn="l" rtl="0">
         <a:lnSpc>
           <a:spcPct val="100000"/>
         </a:lnSpc>
@@ -6169,7 +6360,7 @@
           <a:srgbClr val="000000"/>
         </a:buClr>
         <a:buFont typeface="Arial"/>
-        <a:defRPr b="0" i="0" sz="1400" u="none" cap="none" strike="noStrike">
+        <a:defRPr sz="1400" b="0" i="0" u="none" strike="noStrike" cap="none">
           <a:solidFill>
             <a:srgbClr val="000000"/>
           </a:solidFill>
@@ -6179,7 +6370,7 @@
           <a:sym typeface="Arial"/>
         </a:defRPr>
       </a:lvl1pPr>
-      <a:lvl2pPr lvl="1" marR="0" rtl="0" algn="l">
+      <a:lvl2pPr marR="0" lvl="1" algn="l" rtl="0">
         <a:lnSpc>
           <a:spcPct val="100000"/>
         </a:lnSpc>
@@ -6193,7 +6384,7 @@
           <a:srgbClr val="000000"/>
         </a:buClr>
         <a:buFont typeface="Arial"/>
-        <a:defRPr b="0" i="0" sz="1400" u="none" cap="none" strike="noStrike">
+        <a:defRPr sz="1400" b="0" i="0" u="none" strike="noStrike" cap="none">
           <a:solidFill>
             <a:srgbClr val="000000"/>
           </a:solidFill>
@@ -6203,7 +6394,7 @@
           <a:sym typeface="Arial"/>
         </a:defRPr>
       </a:lvl2pPr>
-      <a:lvl3pPr lvl="2" marR="0" rtl="0" algn="l">
+      <a:lvl3pPr marR="0" lvl="2" algn="l" rtl="0">
         <a:lnSpc>
           <a:spcPct val="100000"/>
         </a:lnSpc>
@@ -6217,7 +6408,7 @@
           <a:srgbClr val="000000"/>
         </a:buClr>
         <a:buFont typeface="Arial"/>
-        <a:defRPr b="0" i="0" sz="1400" u="none" cap="none" strike="noStrike">
+        <a:defRPr sz="1400" b="0" i="0" u="none" strike="noStrike" cap="none">
           <a:solidFill>
             <a:srgbClr val="000000"/>
           </a:solidFill>
@@ -6227,7 +6418,7 @@
           <a:sym typeface="Arial"/>
         </a:defRPr>
       </a:lvl3pPr>
-      <a:lvl4pPr lvl="3" marR="0" rtl="0" algn="l">
+      <a:lvl4pPr marR="0" lvl="3" algn="l" rtl="0">
         <a:lnSpc>
           <a:spcPct val="100000"/>
         </a:lnSpc>
@@ -6241,7 +6432,7 @@
           <a:srgbClr val="000000"/>
         </a:buClr>
         <a:buFont typeface="Arial"/>
-        <a:defRPr b="0" i="0" sz="1400" u="none" cap="none" strike="noStrike">
+        <a:defRPr sz="1400" b="0" i="0" u="none" strike="noStrike" cap="none">
           <a:solidFill>
             <a:srgbClr val="000000"/>
           </a:solidFill>
@@ -6251,7 +6442,7 @@
           <a:sym typeface="Arial"/>
         </a:defRPr>
       </a:lvl4pPr>
-      <a:lvl5pPr lvl="4" marR="0" rtl="0" algn="l">
+      <a:lvl5pPr marR="0" lvl="4" algn="l" rtl="0">
         <a:lnSpc>
           <a:spcPct val="100000"/>
         </a:lnSpc>
@@ -6265,7 +6456,7 @@
           <a:srgbClr val="000000"/>
         </a:buClr>
         <a:buFont typeface="Arial"/>
-        <a:defRPr b="0" i="0" sz="1400" u="none" cap="none" strike="noStrike">
+        <a:defRPr sz="1400" b="0" i="0" u="none" strike="noStrike" cap="none">
           <a:solidFill>
             <a:srgbClr val="000000"/>
           </a:solidFill>
@@ -6275,7 +6466,7 @@
           <a:sym typeface="Arial"/>
         </a:defRPr>
       </a:lvl5pPr>
-      <a:lvl6pPr lvl="5" marR="0" rtl="0" algn="l">
+      <a:lvl6pPr marR="0" lvl="5" algn="l" rtl="0">
         <a:lnSpc>
           <a:spcPct val="100000"/>
         </a:lnSpc>
@@ -6289,7 +6480,7 @@
           <a:srgbClr val="000000"/>
         </a:buClr>
         <a:buFont typeface="Arial"/>
-        <a:defRPr b="0" i="0" sz="1400" u="none" cap="none" strike="noStrike">
+        <a:defRPr sz="1400" b="0" i="0" u="none" strike="noStrike" cap="none">
           <a:solidFill>
             <a:srgbClr val="000000"/>
           </a:solidFill>
@@ -6299,7 +6490,7 @@
           <a:sym typeface="Arial"/>
         </a:defRPr>
       </a:lvl6pPr>
-      <a:lvl7pPr lvl="6" marR="0" rtl="0" algn="l">
+      <a:lvl7pPr marR="0" lvl="6" algn="l" rtl="0">
         <a:lnSpc>
           <a:spcPct val="100000"/>
         </a:lnSpc>
@@ -6313,7 +6504,7 @@
           <a:srgbClr val="000000"/>
         </a:buClr>
         <a:buFont typeface="Arial"/>
-        <a:defRPr b="0" i="0" sz="1400" u="none" cap="none" strike="noStrike">
+        <a:defRPr sz="1400" b="0" i="0" u="none" strike="noStrike" cap="none">
           <a:solidFill>
             <a:srgbClr val="000000"/>
           </a:solidFill>
@@ -6323,7 +6514,7 @@
           <a:sym typeface="Arial"/>
         </a:defRPr>
       </a:lvl7pPr>
-      <a:lvl8pPr lvl="7" marR="0" rtl="0" algn="l">
+      <a:lvl8pPr marR="0" lvl="7" algn="l" rtl="0">
         <a:lnSpc>
           <a:spcPct val="100000"/>
         </a:lnSpc>
@@ -6337,7 +6528,7 @@
           <a:srgbClr val="000000"/>
         </a:buClr>
         <a:buFont typeface="Arial"/>
-        <a:defRPr b="0" i="0" sz="1400" u="none" cap="none" strike="noStrike">
+        <a:defRPr sz="1400" b="0" i="0" u="none" strike="noStrike" cap="none">
           <a:solidFill>
             <a:srgbClr val="000000"/>
           </a:solidFill>
@@ -6347,7 +6538,7 @@
           <a:sym typeface="Arial"/>
         </a:defRPr>
       </a:lvl8pPr>
-      <a:lvl9pPr lvl="8" marR="0" rtl="0" algn="l">
+      <a:lvl9pPr marR="0" lvl="8" algn="l" rtl="0">
         <a:lnSpc>
           <a:spcPct val="100000"/>
         </a:lnSpc>
@@ -6361,7 +6552,7 @@
           <a:srgbClr val="000000"/>
         </a:buClr>
         <a:buFont typeface="Arial"/>
-        <a:defRPr b="0" i="0" sz="1400" u="none" cap="none" strike="noStrike">
+        <a:defRPr sz="1400" b="0" i="0" u="none" strike="noStrike" cap="none">
           <a:solidFill>
             <a:srgbClr val="000000"/>
           </a:solidFill>
@@ -6373,7 +6564,7 @@
       </a:lvl9pPr>
     </p:titleStyle>
     <p:bodyStyle>
-      <a:defPPr lvl="0" marR="0" rtl="0" algn="l">
+      <a:defPPr marR="0" lvl="0" algn="l" rtl="0">
         <a:lnSpc>
           <a:spcPct val="100000"/>
         </a:lnSpc>
@@ -6384,7 +6575,7 @@
           <a:spcPts val="0"/>
         </a:spcAft>
       </a:defPPr>
-      <a:lvl1pPr lvl="0" marR="0" rtl="0" algn="l">
+      <a:lvl1pPr marR="0" lvl="0" algn="l" rtl="0">
         <a:lnSpc>
           <a:spcPct val="100000"/>
         </a:lnSpc>
@@ -6398,7 +6589,7 @@
           <a:srgbClr val="000000"/>
         </a:buClr>
         <a:buFont typeface="Arial"/>
-        <a:defRPr b="0" i="0" sz="1400" u="none" cap="none" strike="noStrike">
+        <a:defRPr sz="1400" b="0" i="0" u="none" strike="noStrike" cap="none">
           <a:solidFill>
             <a:srgbClr val="000000"/>
           </a:solidFill>
@@ -6408,7 +6599,7 @@
           <a:sym typeface="Arial"/>
         </a:defRPr>
       </a:lvl1pPr>
-      <a:lvl2pPr lvl="1" marR="0" rtl="0" algn="l">
+      <a:lvl2pPr marR="0" lvl="1" algn="l" rtl="0">
         <a:lnSpc>
           <a:spcPct val="100000"/>
         </a:lnSpc>
@@ -6422,7 +6613,7 @@
           <a:srgbClr val="000000"/>
         </a:buClr>
         <a:buFont typeface="Arial"/>
-        <a:defRPr b="0" i="0" sz="1400" u="none" cap="none" strike="noStrike">
+        <a:defRPr sz="1400" b="0" i="0" u="none" strike="noStrike" cap="none">
           <a:solidFill>
             <a:srgbClr val="000000"/>
           </a:solidFill>
@@ -6432,7 +6623,7 @@
           <a:sym typeface="Arial"/>
         </a:defRPr>
       </a:lvl2pPr>
-      <a:lvl3pPr lvl="2" marR="0" rtl="0" algn="l">
+      <a:lvl3pPr marR="0" lvl="2" algn="l" rtl="0">
         <a:lnSpc>
           <a:spcPct val="100000"/>
         </a:lnSpc>
@@ -6446,7 +6637,7 @@
           <a:srgbClr val="000000"/>
         </a:buClr>
         <a:buFont typeface="Arial"/>
-        <a:defRPr b="0" i="0" sz="1400" u="none" cap="none" strike="noStrike">
+        <a:defRPr sz="1400" b="0" i="0" u="none" strike="noStrike" cap="none">
           <a:solidFill>
             <a:srgbClr val="000000"/>
           </a:solidFill>
@@ -6456,7 +6647,7 @@
           <a:sym typeface="Arial"/>
         </a:defRPr>
       </a:lvl3pPr>
-      <a:lvl4pPr lvl="3" marR="0" rtl="0" algn="l">
+      <a:lvl4pPr marR="0" lvl="3" algn="l" rtl="0">
         <a:lnSpc>
           <a:spcPct val="100000"/>
         </a:lnSpc>
@@ -6470,7 +6661,7 @@
           <a:srgbClr val="000000"/>
         </a:buClr>
         <a:buFont typeface="Arial"/>
-        <a:defRPr b="0" i="0" sz="1400" u="none" cap="none" strike="noStrike">
+        <a:defRPr sz="1400" b="0" i="0" u="none" strike="noStrike" cap="none">
           <a:solidFill>
             <a:srgbClr val="000000"/>
           </a:solidFill>
@@ -6480,7 +6671,7 @@
           <a:sym typeface="Arial"/>
         </a:defRPr>
       </a:lvl4pPr>
-      <a:lvl5pPr lvl="4" marR="0" rtl="0" algn="l">
+      <a:lvl5pPr marR="0" lvl="4" algn="l" rtl="0">
         <a:lnSpc>
           <a:spcPct val="100000"/>
         </a:lnSpc>
@@ -6494,7 +6685,7 @@
           <a:srgbClr val="000000"/>
         </a:buClr>
         <a:buFont typeface="Arial"/>
-        <a:defRPr b="0" i="0" sz="1400" u="none" cap="none" strike="noStrike">
+        <a:defRPr sz="1400" b="0" i="0" u="none" strike="noStrike" cap="none">
           <a:solidFill>
             <a:srgbClr val="000000"/>
           </a:solidFill>
@@ -6504,7 +6695,7 @@
           <a:sym typeface="Arial"/>
         </a:defRPr>
       </a:lvl5pPr>
-      <a:lvl6pPr lvl="5" marR="0" rtl="0" algn="l">
+      <a:lvl6pPr marR="0" lvl="5" algn="l" rtl="0">
         <a:lnSpc>
           <a:spcPct val="100000"/>
         </a:lnSpc>
@@ -6518,7 +6709,7 @@
           <a:srgbClr val="000000"/>
         </a:buClr>
         <a:buFont typeface="Arial"/>
-        <a:defRPr b="0" i="0" sz="1400" u="none" cap="none" strike="noStrike">
+        <a:defRPr sz="1400" b="0" i="0" u="none" strike="noStrike" cap="none">
           <a:solidFill>
             <a:srgbClr val="000000"/>
           </a:solidFill>
@@ -6528,7 +6719,7 @@
           <a:sym typeface="Arial"/>
         </a:defRPr>
       </a:lvl6pPr>
-      <a:lvl7pPr lvl="6" marR="0" rtl="0" algn="l">
+      <a:lvl7pPr marR="0" lvl="6" algn="l" rtl="0">
         <a:lnSpc>
           <a:spcPct val="100000"/>
         </a:lnSpc>
@@ -6542,7 +6733,7 @@
           <a:srgbClr val="000000"/>
         </a:buClr>
         <a:buFont typeface="Arial"/>
-        <a:defRPr b="0" i="0" sz="1400" u="none" cap="none" strike="noStrike">
+        <a:defRPr sz="1400" b="0" i="0" u="none" strike="noStrike" cap="none">
           <a:solidFill>
             <a:srgbClr val="000000"/>
           </a:solidFill>
@@ -6552,7 +6743,7 @@
           <a:sym typeface="Arial"/>
         </a:defRPr>
       </a:lvl7pPr>
-      <a:lvl8pPr lvl="7" marR="0" rtl="0" algn="l">
+      <a:lvl8pPr marR="0" lvl="7" algn="l" rtl="0">
         <a:lnSpc>
           <a:spcPct val="100000"/>
         </a:lnSpc>
@@ -6566,7 +6757,7 @@
           <a:srgbClr val="000000"/>
         </a:buClr>
         <a:buFont typeface="Arial"/>
-        <a:defRPr b="0" i="0" sz="1400" u="none" cap="none" strike="noStrike">
+        <a:defRPr sz="1400" b="0" i="0" u="none" strike="noStrike" cap="none">
           <a:solidFill>
             <a:srgbClr val="000000"/>
           </a:solidFill>
@@ -6576,7 +6767,7 @@
           <a:sym typeface="Arial"/>
         </a:defRPr>
       </a:lvl8pPr>
-      <a:lvl9pPr lvl="8" marR="0" rtl="0" algn="l">
+      <a:lvl9pPr marR="0" lvl="8" algn="l" rtl="0">
         <a:lnSpc>
           <a:spcPct val="100000"/>
         </a:lnSpc>
@@ -6590,7 +6781,7 @@
           <a:srgbClr val="000000"/>
         </a:buClr>
         <a:buFont typeface="Arial"/>
-        <a:defRPr b="0" i="0" sz="1400" u="none" cap="none" strike="noStrike">
+        <a:defRPr sz="1400" b="0" i="0" u="none" strike="noStrike" cap="none">
           <a:solidFill>
             <a:srgbClr val="000000"/>
           </a:solidFill>
@@ -6602,7 +6793,7 @@
       </a:lvl9pPr>
     </p:bodyStyle>
     <p:otherStyle>
-      <a:defPPr lvl="0" marR="0" rtl="0" algn="l">
+      <a:defPPr marR="0" lvl="0" algn="l" rtl="0">
         <a:lnSpc>
           <a:spcPct val="100000"/>
         </a:lnSpc>
@@ -6613,7 +6804,7 @@
           <a:spcPts val="0"/>
         </a:spcAft>
       </a:defPPr>
-      <a:lvl1pPr lvl="0" marR="0" rtl="0" algn="l">
+      <a:lvl1pPr marR="0" lvl="0" algn="l" rtl="0">
         <a:lnSpc>
           <a:spcPct val="100000"/>
         </a:lnSpc>
@@ -6627,7 +6818,7 @@
           <a:srgbClr val="000000"/>
         </a:buClr>
         <a:buFont typeface="Arial"/>
-        <a:defRPr b="0" i="0" sz="1400" u="none" cap="none" strike="noStrike">
+        <a:defRPr sz="1400" b="0" i="0" u="none" strike="noStrike" cap="none">
           <a:solidFill>
             <a:srgbClr val="000000"/>
           </a:solidFill>
@@ -6637,7 +6828,7 @@
           <a:sym typeface="Arial"/>
         </a:defRPr>
       </a:lvl1pPr>
-      <a:lvl2pPr lvl="1" marR="0" rtl="0" algn="l">
+      <a:lvl2pPr marR="0" lvl="1" algn="l" rtl="0">
         <a:lnSpc>
           <a:spcPct val="100000"/>
         </a:lnSpc>
@@ -6651,7 +6842,7 @@
           <a:srgbClr val="000000"/>
         </a:buClr>
         <a:buFont typeface="Arial"/>
-        <a:defRPr b="0" i="0" sz="1400" u="none" cap="none" strike="noStrike">
+        <a:defRPr sz="1400" b="0" i="0" u="none" strike="noStrike" cap="none">
           <a:solidFill>
             <a:srgbClr val="000000"/>
           </a:solidFill>
@@ -6661,7 +6852,7 @@
           <a:sym typeface="Arial"/>
         </a:defRPr>
       </a:lvl2pPr>
-      <a:lvl3pPr lvl="2" marR="0" rtl="0" algn="l">
+      <a:lvl3pPr marR="0" lvl="2" algn="l" rtl="0">
         <a:lnSpc>
           <a:spcPct val="100000"/>
         </a:lnSpc>
@@ -6675,7 +6866,7 @@
           <a:srgbClr val="000000"/>
         </a:buClr>
         <a:buFont typeface="Arial"/>
-        <a:defRPr b="0" i="0" sz="1400" u="none" cap="none" strike="noStrike">
+        <a:defRPr sz="1400" b="0" i="0" u="none" strike="noStrike" cap="none">
           <a:solidFill>
             <a:srgbClr val="000000"/>
           </a:solidFill>
@@ -6685,7 +6876,7 @@
           <a:sym typeface="Arial"/>
         </a:defRPr>
       </a:lvl3pPr>
-      <a:lvl4pPr lvl="3" marR="0" rtl="0" algn="l">
+      <a:lvl4pPr marR="0" lvl="3" algn="l" rtl="0">
         <a:lnSpc>
           <a:spcPct val="100000"/>
         </a:lnSpc>
@@ -6699,7 +6890,7 @@
           <a:srgbClr val="000000"/>
         </a:buClr>
         <a:buFont typeface="Arial"/>
-        <a:defRPr b="0" i="0" sz="1400" u="none" cap="none" strike="noStrike">
+        <a:defRPr sz="1400" b="0" i="0" u="none" strike="noStrike" cap="none">
           <a:solidFill>
             <a:srgbClr val="000000"/>
           </a:solidFill>
@@ -6709,7 +6900,7 @@
           <a:sym typeface="Arial"/>
         </a:defRPr>
       </a:lvl4pPr>
-      <a:lvl5pPr lvl="4" marR="0" rtl="0" algn="l">
+      <a:lvl5pPr marR="0" lvl="4" algn="l" rtl="0">
         <a:lnSpc>
           <a:spcPct val="100000"/>
         </a:lnSpc>
@@ -6723,7 +6914,7 @@
           <a:srgbClr val="000000"/>
         </a:buClr>
         <a:buFont typeface="Arial"/>
-        <a:defRPr b="0" i="0" sz="1400" u="none" cap="none" strike="noStrike">
+        <a:defRPr sz="1400" b="0" i="0" u="none" strike="noStrike" cap="none">
           <a:solidFill>
             <a:srgbClr val="000000"/>
           </a:solidFill>
@@ -6733,7 +6924,7 @@
           <a:sym typeface="Arial"/>
         </a:defRPr>
       </a:lvl5pPr>
-      <a:lvl6pPr lvl="5" marR="0" rtl="0" algn="l">
+      <a:lvl6pPr marR="0" lvl="5" algn="l" rtl="0">
         <a:lnSpc>
           <a:spcPct val="100000"/>
         </a:lnSpc>
@@ -6747,7 +6938,7 @@
           <a:srgbClr val="000000"/>
         </a:buClr>
         <a:buFont typeface="Arial"/>
-        <a:defRPr b="0" i="0" sz="1400" u="none" cap="none" strike="noStrike">
+        <a:defRPr sz="1400" b="0" i="0" u="none" strike="noStrike" cap="none">
           <a:solidFill>
             <a:srgbClr val="000000"/>
           </a:solidFill>
@@ -6757,7 +6948,7 @@
           <a:sym typeface="Arial"/>
         </a:defRPr>
       </a:lvl6pPr>
-      <a:lvl7pPr lvl="6" marR="0" rtl="0" algn="l">
+      <a:lvl7pPr marR="0" lvl="6" algn="l" rtl="0">
         <a:lnSpc>
           <a:spcPct val="100000"/>
         </a:lnSpc>
@@ -6771,7 +6962,7 @@
           <a:srgbClr val="000000"/>
         </a:buClr>
         <a:buFont typeface="Arial"/>
-        <a:defRPr b="0" i="0" sz="1400" u="none" cap="none" strike="noStrike">
+        <a:defRPr sz="1400" b="0" i="0" u="none" strike="noStrike" cap="none">
           <a:solidFill>
             <a:srgbClr val="000000"/>
           </a:solidFill>
@@ -6781,7 +6972,7 @@
           <a:sym typeface="Arial"/>
         </a:defRPr>
       </a:lvl7pPr>
-      <a:lvl8pPr lvl="7" marR="0" rtl="0" algn="l">
+      <a:lvl8pPr marR="0" lvl="7" algn="l" rtl="0">
         <a:lnSpc>
           <a:spcPct val="100000"/>
         </a:lnSpc>
@@ -6795,7 +6986,7 @@
           <a:srgbClr val="000000"/>
         </a:buClr>
         <a:buFont typeface="Arial"/>
-        <a:defRPr b="0" i="0" sz="1400" u="none" cap="none" strike="noStrike">
+        <a:defRPr sz="1400" b="0" i="0" u="none" strike="noStrike" cap="none">
           <a:solidFill>
             <a:srgbClr val="000000"/>
           </a:solidFill>
@@ -6805,7 +6996,7 @@
           <a:sym typeface="Arial"/>
         </a:defRPr>
       </a:lvl8pPr>
-      <a:lvl9pPr lvl="8" marR="0" rtl="0" algn="l">
+      <a:lvl9pPr marR="0" lvl="8" algn="l" rtl="0">
         <a:lnSpc>
           <a:spcPct val="100000"/>
         </a:lnSpc>
@@ -6819,7 +7010,7 @@
           <a:srgbClr val="000000"/>
         </a:buClr>
         <a:buFont typeface="Arial"/>
-        <a:defRPr b="0" i="0" sz="1400" u="none" cap="none" strike="noStrike">
+        <a:defRPr sz="1400" b="0" i="0" u="none" strike="noStrike" cap="none">
           <a:solidFill>
             <a:srgbClr val="000000"/>
           </a:solidFill>
@@ -6835,11 +7026,11 @@
 </file>
 
 <file path=ppt/slides/slide1.xml><?xml version="1.0" encoding="utf-8"?>
-<p:sld xmlns:a="http://schemas.openxmlformats.org/drawingml/2006/main" xmlns:r="http://schemas.openxmlformats.org/officeDocument/2006/relationships" xmlns:mc="http://schemas.openxmlformats.org/markup-compatibility/2006" xmlns:mv="urn:schemas-microsoft-com:mac:vml" xmlns:p="http://schemas.openxmlformats.org/presentationml/2006/main" xmlns:c="http://schemas.openxmlformats.org/drawingml/2006/chart" xmlns:dgm="http://schemas.openxmlformats.org/drawingml/2006/diagram" xmlns:o="urn:schemas-microsoft-com:office:office" xmlns:v="urn:schemas-microsoft-com:vml" xmlns:pvml="urn:schemas-microsoft-com:office:powerpoint" xmlns:com="http://schemas.openxmlformats.org/drawingml/2006/compatibility" xmlns:p14="http://schemas.microsoft.com/office/powerpoint/2010/main" xmlns:p15="http://schemas.microsoft.com/office/powerpoint/2012/main" xmlns:ahyp="http://schemas.microsoft.com/office/drawing/2018/hyperlinkcolor">
+<p:sld xmlns:a="http://schemas.openxmlformats.org/drawingml/2006/main" xmlns:r="http://schemas.openxmlformats.org/officeDocument/2006/relationships" xmlns:p="http://schemas.openxmlformats.org/presentationml/2006/main">
   <p:cSld>
     <p:spTree>
       <p:nvGrpSpPr>
-        <p:cNvPr id="53" name="Shape 53"/>
+        <p:cNvPr id="1" name="Shape 53"/>
         <p:cNvGrpSpPr/>
         <p:nvPr/>
       </p:nvGrpSpPr>
@@ -6861,7 +7052,7 @@
           <a:blip r:embed="rId3">
             <a:alphaModFix/>
           </a:blip>
-          <a:srcRect b="7813" l="0" r="0" t="7813"/>
+          <a:srcRect t="7813" b="7813"/>
           <a:stretch/>
         </p:blipFill>
         <p:spPr>
@@ -6881,9 +7072,11 @@
       <p:sp>
         <p:nvSpPr>
           <p:cNvPr id="55" name="Google Shape;55;p13"/>
-          <p:cNvSpPr txBox="1"/>
+          <p:cNvSpPr txBox="1">
+            <a:spLocks noGrp="1"/>
+          </p:cNvSpPr>
           <p:nvPr>
-            <p:ph idx="1" type="subTitle"/>
+            <p:ph type="subTitle" idx="1"/>
           </p:nvPr>
         </p:nvSpPr>
         <p:spPr>
@@ -6896,12 +7089,12 @@
           </a:prstGeom>
         </p:spPr>
         <p:txBody>
-          <a:bodyPr anchorCtr="0" anchor="t" bIns="91425" lIns="91425" spcFirstLastPara="1" rIns="91425" wrap="square" tIns="91425">
+          <a:bodyPr spcFirstLastPara="1" wrap="square" lIns="91425" tIns="91425" rIns="91425" bIns="91425" anchor="t" anchorCtr="0">
             <a:noAutofit/>
           </a:bodyPr>
           <a:lstStyle/>
           <a:p>
-            <a:pPr indent="0" lvl="0" marL="0" rtl="0" algn="l">
+            <a:pPr marL="0" lvl="0" indent="0" algn="l" rtl="0">
               <a:spcBef>
                 <a:spcPts val="0"/>
               </a:spcBef>
@@ -6911,7 +7104,7 @@
               <a:buNone/>
             </a:pPr>
             <a:r>
-              <a:rPr b="1" i="1" lang="en" sz="1600">
+              <a:rPr lang="en" sz="1600" b="1" i="1">
                 <a:solidFill>
                   <a:srgbClr val="FFFFFF"/>
                 </a:solidFill>
@@ -6922,7 +7115,7 @@
               </a:rPr>
               <a:t>Valentina DiProietto</a:t>
             </a:r>
-            <a:endParaRPr b="1" i="1" sz="1600">
+            <a:endParaRPr sz="1600" b="1" i="1">
               <a:solidFill>
                 <a:srgbClr val="FFFFFF"/>
               </a:solidFill>
@@ -6933,7 +7126,7 @@
             </a:endParaRPr>
           </a:p>
           <a:p>
-            <a:pPr indent="0" lvl="0" marL="0" rtl="0" algn="l">
+            <a:pPr marL="0" lvl="0" indent="0" algn="l" rtl="0">
               <a:spcBef>
                 <a:spcPts val="0"/>
               </a:spcBef>
@@ -6948,7 +7141,7 @@
               <a:buNone/>
             </a:pPr>
             <a:r>
-              <a:rPr b="1" i="1" lang="en" sz="1600">
+              <a:rPr lang="en" sz="1600" b="1" i="1">
                 <a:solidFill>
                   <a:srgbClr val="FFFFFF"/>
                 </a:solidFill>
@@ -6959,7 +7152,7 @@
               </a:rPr>
               <a:t>Alexandre Mondin</a:t>
             </a:r>
-            <a:endParaRPr b="1" i="1" sz="1600">
+            <a:endParaRPr sz="1600" b="1" i="1">
               <a:solidFill>
                 <a:srgbClr val="FFFFFF"/>
               </a:solidFill>
@@ -6970,7 +7163,7 @@
             </a:endParaRPr>
           </a:p>
           <a:p>
-            <a:pPr indent="0" lvl="0" marL="0" rtl="0" algn="l">
+            <a:pPr marL="0" lvl="0" indent="0" algn="l" rtl="0">
               <a:spcBef>
                 <a:spcPts val="0"/>
               </a:spcBef>
@@ -6980,7 +7173,7 @@
               <a:buNone/>
             </a:pPr>
             <a:r>
-              <a:rPr b="1" i="1" lang="en" sz="1600">
+              <a:rPr lang="en" sz="1600" b="1" i="1">
                 <a:solidFill>
                   <a:srgbClr val="FFFFFF"/>
                 </a:solidFill>
@@ -6991,7 +7184,7 @@
               </a:rPr>
               <a:t>Laurent Nguyen</a:t>
             </a:r>
-            <a:endParaRPr b="1" i="1" sz="1600">
+            <a:endParaRPr sz="1600" b="1" i="1">
               <a:solidFill>
                 <a:srgbClr val="FFFFFF"/>
               </a:solidFill>
@@ -7002,7 +7195,7 @@
             </a:endParaRPr>
           </a:p>
           <a:p>
-            <a:pPr indent="0" lvl="0" marL="0" rtl="0" algn="l">
+            <a:pPr marL="0" lvl="0" indent="0" algn="l" rtl="0">
               <a:spcBef>
                 <a:spcPts val="0"/>
               </a:spcBef>
@@ -7012,7 +7205,7 @@
               <a:buNone/>
             </a:pPr>
             <a:r>
-              <a:rPr b="1" i="1" lang="en" sz="1600">
+              <a:rPr lang="en" sz="1600" b="1" i="1">
                 <a:solidFill>
                   <a:srgbClr val="FFFFFF"/>
                 </a:solidFill>
@@ -7023,7 +7216,7 @@
               </a:rPr>
               <a:t>Vincent Pauwels</a:t>
             </a:r>
-            <a:endParaRPr b="1" sz="1600">
+            <a:endParaRPr sz="1600" b="1">
               <a:solidFill>
                 <a:srgbClr val="FFFFFF"/>
               </a:solidFill>
@@ -7034,18 +7227,15 @@
             </a:endParaRPr>
           </a:p>
           <a:p>
-            <a:pPr indent="0" lvl="0" marL="0" rtl="0" algn="l">
-              <a:spcBef>
-                <a:spcPts val="0"/>
-              </a:spcBef>
-              <a:spcAft>
-                <a:spcPts val="0"/>
-              </a:spcAft>
-              <a:buNone/>
-            </a:pPr>
-            <a:r>
-              <a:t/>
-            </a:r>
+            <a:pPr marL="0" lvl="0" indent="0" algn="l" rtl="0">
+              <a:spcBef>
+                <a:spcPts val="0"/>
+              </a:spcBef>
+              <a:spcAft>
+                <a:spcPts val="0"/>
+              </a:spcAft>
+              <a:buNone/>
+            </a:pPr>
             <a:endParaRPr sz="1500">
               <a:solidFill>
                 <a:srgbClr val="FFFFFF"/>
@@ -7082,23 +7272,20 @@
           </a:ln>
         </p:spPr>
         <p:txBody>
-          <a:bodyPr anchorCtr="0" anchor="ctr" bIns="91425" lIns="91425" spcFirstLastPara="1" rIns="91425" wrap="square" tIns="91425">
+          <a:bodyPr spcFirstLastPara="1" wrap="square" lIns="91425" tIns="91425" rIns="91425" bIns="91425" anchor="ctr" anchorCtr="0">
             <a:noAutofit/>
           </a:bodyPr>
           <a:lstStyle/>
           <a:p>
-            <a:pPr indent="0" lvl="0" marL="0" rtl="0" algn="l">
-              <a:spcBef>
-                <a:spcPts val="0"/>
-              </a:spcBef>
-              <a:spcAft>
-                <a:spcPts val="0"/>
-              </a:spcAft>
-              <a:buNone/>
-            </a:pPr>
-            <a:r>
-              <a:t/>
-            </a:r>
+            <a:pPr marL="0" lvl="0" indent="0" algn="l" rtl="0">
+              <a:spcBef>
+                <a:spcPts val="0"/>
+              </a:spcBef>
+              <a:spcAft>
+                <a:spcPts val="0"/>
+              </a:spcAft>
+              <a:buNone/>
+            </a:pPr>
             <a:endParaRPr/>
           </a:p>
         </p:txBody>
@@ -7123,12 +7310,12 @@
           </a:ln>
         </p:spPr>
         <p:txBody>
-          <a:bodyPr anchorCtr="0" anchor="t" bIns="91425" lIns="91425" spcFirstLastPara="1" rIns="91425" wrap="square" tIns="91425">
+          <a:bodyPr spcFirstLastPara="1" wrap="square" lIns="91425" tIns="91425" rIns="91425" bIns="91425" anchor="t" anchorCtr="0">
             <a:spAutoFit/>
           </a:bodyPr>
           <a:lstStyle/>
           <a:p>
-            <a:pPr indent="0" lvl="0" marL="0" rtl="0" algn="ctr">
+            <a:pPr marL="0" lvl="0" indent="0" algn="ctr" rtl="0">
               <a:spcBef>
                 <a:spcPts val="0"/>
               </a:spcBef>
@@ -7138,7 +7325,7 @@
               <a:buNone/>
             </a:pPr>
             <a:r>
-              <a:rPr b="1" lang="en" sz="3600">
+              <a:rPr lang="en" sz="3600" b="1">
                 <a:solidFill>
                   <a:schemeClr val="lt1"/>
                 </a:solidFill>
@@ -7149,7 +7336,7 @@
               </a:rPr>
               <a:t>Projet Big Data 2020-2021</a:t>
             </a:r>
-            <a:endParaRPr b="1" sz="3600">
+            <a:endParaRPr sz="3600" b="1">
               <a:solidFill>
                 <a:schemeClr val="lt1"/>
               </a:solidFill>
@@ -7160,19 +7347,16 @@
             </a:endParaRPr>
           </a:p>
           <a:p>
-            <a:pPr indent="0" lvl="0" marL="0" rtl="0" algn="ctr">
-              <a:spcBef>
-                <a:spcPts val="0"/>
-              </a:spcBef>
-              <a:spcAft>
-                <a:spcPts val="0"/>
-              </a:spcAft>
-              <a:buNone/>
-            </a:pPr>
-            <a:r>
-              <a:t/>
-            </a:r>
-            <a:endParaRPr b="1" sz="3600">
+            <a:pPr marL="0" lvl="0" indent="0" algn="ctr" rtl="0">
+              <a:spcBef>
+                <a:spcPts val="0"/>
+              </a:spcBef>
+              <a:spcAft>
+                <a:spcPts val="0"/>
+              </a:spcAft>
+              <a:buNone/>
+            </a:pPr>
+            <a:endParaRPr sz="3600" b="1">
               <a:solidFill>
                 <a:schemeClr val="lt1"/>
               </a:solidFill>
@@ -7183,7 +7367,7 @@
             </a:endParaRPr>
           </a:p>
           <a:p>
-            <a:pPr indent="0" lvl="0" marL="0" rtl="0" algn="ctr">
+            <a:pPr marL="0" lvl="0" indent="0" algn="ctr" rtl="0">
               <a:spcBef>
                 <a:spcPts val="0"/>
               </a:spcBef>
@@ -7220,7 +7404,7 @@
             </a:endParaRPr>
           </a:p>
           <a:p>
-            <a:pPr indent="0" lvl="0" marL="0" rtl="0" algn="ctr">
+            <a:pPr marL="0" lvl="0" indent="0" algn="ctr" rtl="0">
               <a:spcBef>
                 <a:spcPts val="0"/>
               </a:spcBef>
@@ -7257,18 +7441,15 @@
             </a:endParaRPr>
           </a:p>
           <a:p>
-            <a:pPr indent="0" lvl="0" marL="0" rtl="0" algn="l">
-              <a:spcBef>
-                <a:spcPts val="0"/>
-              </a:spcBef>
-              <a:spcAft>
-                <a:spcPts val="0"/>
-              </a:spcAft>
-              <a:buNone/>
-            </a:pPr>
-            <a:r>
-              <a:t/>
-            </a:r>
+            <a:pPr marL="0" lvl="0" indent="0" algn="l" rtl="0">
+              <a:spcBef>
+                <a:spcPts val="0"/>
+              </a:spcBef>
+              <a:spcAft>
+                <a:spcPts val="0"/>
+              </a:spcAft>
+              <a:buNone/>
+            </a:pPr>
             <a:endParaRPr/>
           </a:p>
         </p:txBody>
@@ -7310,11 +7491,11 @@
 </file>
 
 <file path=ppt/slides/slide10.xml><?xml version="1.0" encoding="utf-8"?>
-<p:sld xmlns:a="http://schemas.openxmlformats.org/drawingml/2006/main" xmlns:r="http://schemas.openxmlformats.org/officeDocument/2006/relationships" xmlns:mc="http://schemas.openxmlformats.org/markup-compatibility/2006" xmlns:mv="urn:schemas-microsoft-com:mac:vml" xmlns:p="http://schemas.openxmlformats.org/presentationml/2006/main" xmlns:c="http://schemas.openxmlformats.org/drawingml/2006/chart" xmlns:dgm="http://schemas.openxmlformats.org/drawingml/2006/diagram" xmlns:o="urn:schemas-microsoft-com:office:office" xmlns:v="urn:schemas-microsoft-com:vml" xmlns:pvml="urn:schemas-microsoft-com:office:powerpoint" xmlns:com="http://schemas.openxmlformats.org/drawingml/2006/compatibility" xmlns:p14="http://schemas.microsoft.com/office/powerpoint/2010/main" xmlns:p15="http://schemas.microsoft.com/office/powerpoint/2012/main" xmlns:ahyp="http://schemas.microsoft.com/office/drawing/2018/hyperlinkcolor">
+<p:sld xmlns:a="http://schemas.openxmlformats.org/drawingml/2006/main" xmlns:r="http://schemas.openxmlformats.org/officeDocument/2006/relationships" xmlns:p="http://schemas.openxmlformats.org/presentationml/2006/main">
   <p:cSld>
     <p:spTree>
       <p:nvGrpSpPr>
-        <p:cNvPr id="166" name="Shape 166"/>
+        <p:cNvPr id="1" name="Shape 166"/>
         <p:cNvGrpSpPr/>
         <p:nvPr/>
       </p:nvGrpSpPr>
@@ -7329,7 +7510,9 @@
       <p:sp>
         <p:nvSpPr>
           <p:cNvPr id="167" name="Google Shape;167;p22"/>
-          <p:cNvSpPr txBox="1"/>
+          <p:cNvSpPr txBox="1">
+            <a:spLocks noGrp="1"/>
+          </p:cNvSpPr>
           <p:nvPr>
             <p:ph type="title"/>
           </p:nvPr>
@@ -7344,12 +7527,12 @@
           </a:prstGeom>
         </p:spPr>
         <p:txBody>
-          <a:bodyPr anchorCtr="0" anchor="t" bIns="91425" lIns="91425" spcFirstLastPara="1" rIns="91425" wrap="square" tIns="91425">
+          <a:bodyPr spcFirstLastPara="1" wrap="square" lIns="91425" tIns="91425" rIns="91425" bIns="91425" anchor="t" anchorCtr="0">
             <a:noAutofit/>
           </a:bodyPr>
           <a:lstStyle/>
           <a:p>
-            <a:pPr indent="0" lvl="0" marL="0" rtl="0" algn="l">
+            <a:pPr marL="0" lvl="0" indent="0" algn="l" rtl="0">
               <a:spcBef>
                 <a:spcPts val="0"/>
               </a:spcBef>
@@ -7359,14 +7542,20 @@
               <a:buNone/>
             </a:pPr>
             <a:r>
-              <a:rPr lang="en"/>
-              <a:t>Volumétrie des données</a:t>
+              <a:rPr lang="en" dirty="0"/>
+              <a:t>Volumétrie des données – dataframe</a:t>
             </a:r>
+            <a:br>
+              <a:rPr lang="en" dirty="0"/>
+            </a:br>
+            <a:br>
+              <a:rPr lang="en" dirty="0"/>
+            </a:br>
             <a:r>
-              <a:rPr lang="en"/>
-              <a:t> - dataframe</a:t>
+              <a:rPr lang="en" sz="1400" i="1" dirty="0"/>
+              <a:t>Pour 1 an de données au format .parquet</a:t>
             </a:r>
-            <a:endParaRPr/>
+            <a:endParaRPr i="1" dirty="0"/>
           </a:p>
         </p:txBody>
       </p:sp>
@@ -7415,34 +7604,31 @@
           <a:solidFill>
             <a:srgbClr val="9FC5E8"/>
           </a:solidFill>
-          <a:ln cap="flat" cmpd="sng" w="9525">
+          <a:ln w="9525" cap="flat" cmpd="sng">
             <a:solidFill>
               <a:schemeClr val="dk2"/>
             </a:solidFill>
             <a:prstDash val="solid"/>
             <a:round/>
-            <a:headEnd len="sm" w="sm" type="none"/>
-            <a:tailEnd len="sm" w="sm" type="none"/>
+            <a:headEnd type="none" w="sm" len="sm"/>
+            <a:tailEnd type="none" w="sm" len="sm"/>
           </a:ln>
         </p:spPr>
         <p:txBody>
-          <a:bodyPr anchorCtr="0" anchor="ctr" bIns="91425" lIns="91425" spcFirstLastPara="1" rIns="91425" wrap="square" tIns="91425">
+          <a:bodyPr spcFirstLastPara="1" wrap="square" lIns="91425" tIns="91425" rIns="91425" bIns="91425" anchor="ctr" anchorCtr="0">
             <a:noAutofit/>
           </a:bodyPr>
           <a:lstStyle/>
           <a:p>
-            <a:pPr indent="0" lvl="0" marL="0" rtl="0" algn="l">
-              <a:spcBef>
-                <a:spcPts val="0"/>
-              </a:spcBef>
-              <a:spcAft>
-                <a:spcPts val="0"/>
-              </a:spcAft>
-              <a:buNone/>
-            </a:pPr>
-            <a:r>
-              <a:t/>
-            </a:r>
+            <a:pPr marL="0" lvl="0" indent="0" algn="l" rtl="0">
+              <a:spcBef>
+                <a:spcPts val="0"/>
+              </a:spcBef>
+              <a:spcAft>
+                <a:spcPts val="0"/>
+              </a:spcAft>
+              <a:buNone/>
+            </a:pPr>
             <a:endParaRPr/>
           </a:p>
         </p:txBody>
@@ -7464,34 +7650,31 @@
           <a:solidFill>
             <a:srgbClr val="3D85C6"/>
           </a:solidFill>
-          <a:ln cap="flat" cmpd="sng" w="9525">
+          <a:ln w="9525" cap="flat" cmpd="sng">
             <a:solidFill>
               <a:schemeClr val="dk2"/>
             </a:solidFill>
             <a:prstDash val="solid"/>
             <a:round/>
-            <a:headEnd len="sm" w="sm" type="none"/>
-            <a:tailEnd len="sm" w="sm" type="none"/>
+            <a:headEnd type="none" w="sm" len="sm"/>
+            <a:tailEnd type="none" w="sm" len="sm"/>
           </a:ln>
         </p:spPr>
         <p:txBody>
-          <a:bodyPr anchorCtr="0" anchor="ctr" bIns="91425" lIns="91425" spcFirstLastPara="1" rIns="91425" wrap="square" tIns="91425">
+          <a:bodyPr spcFirstLastPara="1" wrap="square" lIns="91425" tIns="91425" rIns="91425" bIns="91425" anchor="ctr" anchorCtr="0">
             <a:noAutofit/>
           </a:bodyPr>
           <a:lstStyle/>
           <a:p>
-            <a:pPr indent="0" lvl="0" marL="0" rtl="0" algn="l">
-              <a:spcBef>
-                <a:spcPts val="0"/>
-              </a:spcBef>
-              <a:spcAft>
-                <a:spcPts val="0"/>
-              </a:spcAft>
-              <a:buNone/>
-            </a:pPr>
-            <a:r>
-              <a:t/>
-            </a:r>
+            <a:pPr marL="0" lvl="0" indent="0" algn="l" rtl="0">
+              <a:spcBef>
+                <a:spcPts val="0"/>
+              </a:spcBef>
+              <a:spcAft>
+                <a:spcPts val="0"/>
+              </a:spcAft>
+              <a:buNone/>
+            </a:pPr>
             <a:endParaRPr/>
           </a:p>
         </p:txBody>
@@ -7513,34 +7696,31 @@
           <a:solidFill>
             <a:srgbClr val="6FA8DC"/>
           </a:solidFill>
-          <a:ln cap="flat" cmpd="sng" w="9525">
+          <a:ln w="9525" cap="flat" cmpd="sng">
             <a:solidFill>
               <a:schemeClr val="dk2"/>
             </a:solidFill>
             <a:prstDash val="solid"/>
             <a:round/>
-            <a:headEnd len="sm" w="sm" type="none"/>
-            <a:tailEnd len="sm" w="sm" type="none"/>
+            <a:headEnd type="none" w="sm" len="sm"/>
+            <a:tailEnd type="none" w="sm" len="sm"/>
           </a:ln>
         </p:spPr>
         <p:txBody>
-          <a:bodyPr anchorCtr="0" anchor="ctr" bIns="91425" lIns="91425" spcFirstLastPara="1" rIns="91425" wrap="square" tIns="91425">
+          <a:bodyPr spcFirstLastPara="1" wrap="square" lIns="91425" tIns="91425" rIns="91425" bIns="91425" anchor="ctr" anchorCtr="0">
             <a:noAutofit/>
           </a:bodyPr>
           <a:lstStyle/>
           <a:p>
-            <a:pPr indent="0" lvl="0" marL="0" rtl="0" algn="l">
-              <a:spcBef>
-                <a:spcPts val="0"/>
-              </a:spcBef>
-              <a:spcAft>
-                <a:spcPts val="0"/>
-              </a:spcAft>
-              <a:buNone/>
-            </a:pPr>
-            <a:r>
-              <a:t/>
-            </a:r>
+            <a:pPr marL="0" lvl="0" indent="0" algn="l" rtl="0">
+              <a:spcBef>
+                <a:spcPts val="0"/>
+              </a:spcBef>
+              <a:spcAft>
+                <a:spcPts val="0"/>
+              </a:spcAft>
+              <a:buNone/>
+            </a:pPr>
             <a:endParaRPr/>
           </a:p>
         </p:txBody>
@@ -7560,23 +7740,23 @@
             <a:avLst/>
           </a:prstGeom>
           <a:noFill/>
-          <a:ln cap="flat" cmpd="sng" w="9525">
+          <a:ln w="9525" cap="flat" cmpd="sng">
             <a:solidFill>
               <a:srgbClr val="000000"/>
             </a:solidFill>
             <a:prstDash val="solid"/>
             <a:round/>
-            <a:headEnd len="sm" w="sm" type="none"/>
-            <a:tailEnd len="sm" w="sm" type="none"/>
+            <a:headEnd type="none" w="sm" len="sm"/>
+            <a:tailEnd type="none" w="sm" len="sm"/>
           </a:ln>
         </p:spPr>
         <p:txBody>
-          <a:bodyPr anchorCtr="0" anchor="t" bIns="91425" lIns="91425" spcFirstLastPara="1" rIns="91425" wrap="square" tIns="91425">
+          <a:bodyPr spcFirstLastPara="1" wrap="square" lIns="91425" tIns="91425" rIns="91425" bIns="91425" anchor="t" anchorCtr="0">
             <a:spAutoFit/>
           </a:bodyPr>
           <a:lstStyle/>
           <a:p>
-            <a:pPr indent="0" lvl="0" marL="0" rtl="0" algn="l">
+            <a:pPr marL="0" lvl="0" indent="0" algn="l" rtl="0">
               <a:spcBef>
                 <a:spcPts val="0"/>
               </a:spcBef>
@@ -7608,23 +7788,23 @@
             <a:avLst/>
           </a:prstGeom>
           <a:noFill/>
-          <a:ln cap="flat" cmpd="sng" w="9525">
+          <a:ln w="9525" cap="flat" cmpd="sng">
             <a:solidFill>
               <a:srgbClr val="000000"/>
             </a:solidFill>
             <a:prstDash val="solid"/>
             <a:round/>
-            <a:headEnd len="sm" w="sm" type="none"/>
-            <a:tailEnd len="sm" w="sm" type="none"/>
+            <a:headEnd type="none" w="sm" len="sm"/>
+            <a:tailEnd type="none" w="sm" len="sm"/>
           </a:ln>
         </p:spPr>
         <p:txBody>
-          <a:bodyPr anchorCtr="0" anchor="t" bIns="91425" lIns="91425" spcFirstLastPara="1" rIns="91425" wrap="square" tIns="91425">
+          <a:bodyPr spcFirstLastPara="1" wrap="square" lIns="91425" tIns="91425" rIns="91425" bIns="91425" anchor="t" anchorCtr="0">
             <a:spAutoFit/>
           </a:bodyPr>
           <a:lstStyle/>
           <a:p>
-            <a:pPr indent="0" lvl="0" marL="0" rtl="0" algn="l">
+            <a:pPr marL="0" lvl="0" indent="0" algn="l" rtl="0">
               <a:spcBef>
                 <a:spcPts val="0"/>
               </a:spcBef>
@@ -7656,23 +7836,23 @@
             <a:avLst/>
           </a:prstGeom>
           <a:noFill/>
-          <a:ln cap="flat" cmpd="sng" w="9525">
+          <a:ln w="9525" cap="flat" cmpd="sng">
             <a:solidFill>
               <a:srgbClr val="000000"/>
             </a:solidFill>
             <a:prstDash val="solid"/>
             <a:round/>
-            <a:headEnd len="sm" w="sm" type="none"/>
-            <a:tailEnd len="sm" w="sm" type="none"/>
+            <a:headEnd type="none" w="sm" len="sm"/>
+            <a:tailEnd type="none" w="sm" len="sm"/>
           </a:ln>
         </p:spPr>
         <p:txBody>
-          <a:bodyPr anchorCtr="0" anchor="t" bIns="91425" lIns="91425" spcFirstLastPara="1" rIns="91425" wrap="square" tIns="91425">
+          <a:bodyPr spcFirstLastPara="1" wrap="square" lIns="91425" tIns="91425" rIns="91425" bIns="91425" anchor="t" anchorCtr="0">
             <a:spAutoFit/>
           </a:bodyPr>
           <a:lstStyle/>
           <a:p>
-            <a:pPr indent="0" lvl="0" marL="0" rtl="0" algn="l">
+            <a:pPr marL="0" lvl="0" indent="0" algn="l" rtl="0">
               <a:spcBef>
                 <a:spcPts val="0"/>
               </a:spcBef>
@@ -7709,12 +7889,12 @@
           </a:ln>
         </p:spPr>
         <p:txBody>
-          <a:bodyPr anchorCtr="0" anchor="t" bIns="91425" lIns="91425" spcFirstLastPara="1" rIns="91425" wrap="square" tIns="91425">
+          <a:bodyPr spcFirstLastPara="1" wrap="square" lIns="91425" tIns="91425" rIns="91425" bIns="91425" anchor="t" anchorCtr="0">
             <a:spAutoFit/>
           </a:bodyPr>
           <a:lstStyle/>
           <a:p>
-            <a:pPr indent="0" lvl="0" marL="0" rtl="0" algn="l">
+            <a:pPr marL="0" lvl="0" indent="0" algn="l" rtl="0">
               <a:spcBef>
                 <a:spcPts val="0"/>
               </a:spcBef>
@@ -7751,12 +7931,12 @@
           </a:ln>
         </p:spPr>
         <p:txBody>
-          <a:bodyPr anchorCtr="0" anchor="t" bIns="91425" lIns="91425" spcFirstLastPara="1" rIns="91425" wrap="square" tIns="91425">
+          <a:bodyPr spcFirstLastPara="1" wrap="square" lIns="91425" tIns="91425" rIns="91425" bIns="91425" anchor="t" anchorCtr="0">
             <a:spAutoFit/>
           </a:bodyPr>
           <a:lstStyle/>
           <a:p>
-            <a:pPr indent="0" lvl="0" marL="0" rtl="0" algn="l">
+            <a:pPr marL="0" lvl="0" indent="0" algn="l" rtl="0">
               <a:spcBef>
                 <a:spcPts val="0"/>
               </a:spcBef>
@@ -7767,11 +7947,7 @@
             </a:pPr>
             <a:r>
               <a:rPr lang="en"/>
-              <a:t>96</a:t>
-            </a:r>
-            <a:r>
-              <a:rPr lang="en"/>
-              <a:t> Mo</a:t>
+              <a:t>96 Mo</a:t>
             </a:r>
             <a:endParaRPr/>
           </a:p>
@@ -7797,12 +7973,12 @@
           </a:ln>
         </p:spPr>
         <p:txBody>
-          <a:bodyPr anchorCtr="0" anchor="t" bIns="91425" lIns="91425" spcFirstLastPara="1" rIns="91425" wrap="square" tIns="91425">
+          <a:bodyPr spcFirstLastPara="1" wrap="square" lIns="91425" tIns="91425" rIns="91425" bIns="91425" anchor="t" anchorCtr="0">
             <a:spAutoFit/>
           </a:bodyPr>
           <a:lstStyle/>
           <a:p>
-            <a:pPr indent="0" lvl="0" marL="0" rtl="0" algn="l">
+            <a:pPr marL="0" lvl="0" indent="0" algn="l" rtl="0">
               <a:spcBef>
                 <a:spcPts val="0"/>
               </a:spcBef>
@@ -7828,11 +8004,11 @@
 </file>
 
 <file path=ppt/slides/slide11.xml><?xml version="1.0" encoding="utf-8"?>
-<p:sld xmlns:a="http://schemas.openxmlformats.org/drawingml/2006/main" xmlns:r="http://schemas.openxmlformats.org/officeDocument/2006/relationships" xmlns:mc="http://schemas.openxmlformats.org/markup-compatibility/2006" xmlns:mv="urn:schemas-microsoft-com:mac:vml" xmlns:p="http://schemas.openxmlformats.org/presentationml/2006/main" xmlns:c="http://schemas.openxmlformats.org/drawingml/2006/chart" xmlns:dgm="http://schemas.openxmlformats.org/drawingml/2006/diagram" xmlns:o="urn:schemas-microsoft-com:office:office" xmlns:v="urn:schemas-microsoft-com:vml" xmlns:pvml="urn:schemas-microsoft-com:office:powerpoint" xmlns:com="http://schemas.openxmlformats.org/drawingml/2006/compatibility" xmlns:p14="http://schemas.microsoft.com/office/powerpoint/2010/main" xmlns:p15="http://schemas.microsoft.com/office/powerpoint/2012/main" xmlns:ahyp="http://schemas.microsoft.com/office/drawing/2018/hyperlinkcolor">
+<p:sld xmlns:a="http://schemas.openxmlformats.org/drawingml/2006/main" xmlns:r="http://schemas.openxmlformats.org/officeDocument/2006/relationships" xmlns:p="http://schemas.openxmlformats.org/presentationml/2006/main">
   <p:cSld>
     <p:spTree>
       <p:nvGrpSpPr>
-        <p:cNvPr id="181" name="Shape 181"/>
+        <p:cNvPr id="1" name="Shape 181"/>
         <p:cNvGrpSpPr/>
         <p:nvPr/>
       </p:nvGrpSpPr>
@@ -7847,7 +8023,9 @@
       <p:sp>
         <p:nvSpPr>
           <p:cNvPr id="182" name="Google Shape;182;p23"/>
-          <p:cNvSpPr txBox="1"/>
+          <p:cNvSpPr txBox="1">
+            <a:spLocks noGrp="1"/>
+          </p:cNvSpPr>
           <p:nvPr>
             <p:ph type="title"/>
           </p:nvPr>
@@ -7862,12 +8040,12 @@
           </a:prstGeom>
         </p:spPr>
         <p:txBody>
-          <a:bodyPr anchorCtr="0" anchor="t" bIns="91425" lIns="91425" spcFirstLastPara="1" rIns="91425" wrap="square" tIns="91425">
+          <a:bodyPr spcFirstLastPara="1" wrap="square" lIns="91425" tIns="91425" rIns="91425" bIns="91425" anchor="t" anchorCtr="0">
             <a:noAutofit/>
           </a:bodyPr>
           <a:lstStyle/>
           <a:p>
-            <a:pPr indent="0" lvl="0" marL="0" rtl="0" algn="l">
+            <a:pPr marL="0" lvl="0" indent="0" algn="l" rtl="0">
               <a:spcBef>
                 <a:spcPts val="0"/>
               </a:spcBef>
@@ -7953,38 +8131,35 @@
           </a:xfrm>
           <a:prstGeom prst="roundRect">
             <a:avLst>
-              <a:gd fmla="val 16667" name="adj"/>
+              <a:gd name="adj" fmla="val 16667"/>
             </a:avLst>
           </a:prstGeom>
           <a:noFill/>
-          <a:ln cap="flat" cmpd="sng" w="28575">
+          <a:ln w="28575" cap="flat" cmpd="sng">
             <a:solidFill>
               <a:srgbClr val="980000"/>
             </a:solidFill>
             <a:prstDash val="solid"/>
             <a:round/>
-            <a:headEnd len="sm" w="sm" type="none"/>
-            <a:tailEnd len="sm" w="sm" type="none"/>
+            <a:headEnd type="none" w="sm" len="sm"/>
+            <a:tailEnd type="none" w="sm" len="sm"/>
           </a:ln>
         </p:spPr>
         <p:txBody>
-          <a:bodyPr anchorCtr="0" anchor="ctr" bIns="91425" lIns="91425" spcFirstLastPara="1" rIns="91425" wrap="square" tIns="91425">
+          <a:bodyPr spcFirstLastPara="1" wrap="square" lIns="91425" tIns="91425" rIns="91425" bIns="91425" anchor="ctr" anchorCtr="0">
             <a:noAutofit/>
           </a:bodyPr>
           <a:lstStyle/>
           <a:p>
-            <a:pPr indent="0" lvl="0" marL="0" rtl="0" algn="l">
-              <a:spcBef>
-                <a:spcPts val="0"/>
-              </a:spcBef>
-              <a:spcAft>
-                <a:spcPts val="0"/>
-              </a:spcAft>
-              <a:buNone/>
-            </a:pPr>
-            <a:r>
-              <a:t/>
-            </a:r>
+            <a:pPr marL="0" lvl="0" indent="0" algn="l" rtl="0">
+              <a:spcBef>
+                <a:spcPts val="0"/>
+              </a:spcBef>
+              <a:spcAft>
+                <a:spcPts val="0"/>
+              </a:spcAft>
+              <a:buNone/>
+            </a:pPr>
             <a:endParaRPr>
               <a:solidFill>
                 <a:srgbClr val="FF0000"/>
@@ -8013,12 +8188,12 @@
           </a:ln>
         </p:spPr>
         <p:txBody>
-          <a:bodyPr anchorCtr="0" anchor="t" bIns="91425" lIns="91425" spcFirstLastPara="1" rIns="91425" wrap="square" tIns="91425">
+          <a:bodyPr spcFirstLastPara="1" wrap="square" lIns="91425" tIns="91425" rIns="91425" bIns="91425" anchor="t" anchorCtr="0">
             <a:spAutoFit/>
           </a:bodyPr>
           <a:lstStyle/>
           <a:p>
-            <a:pPr indent="0" lvl="0" marL="0" rtl="0" algn="l">
+            <a:pPr marL="0" lvl="0" indent="0" algn="l" rtl="0">
               <a:spcBef>
                 <a:spcPts val="0"/>
               </a:spcBef>
@@ -8028,7 +8203,7 @@
               <a:buNone/>
             </a:pPr>
             <a:r>
-              <a:rPr i="1" lang="en" sz="1500">
+              <a:rPr lang="en" sz="1500" i="1">
                 <a:solidFill>
                   <a:srgbClr val="434343"/>
                 </a:solidFill>
@@ -8036,7 +8211,7 @@
               <a:t>Une répartition </a:t>
             </a:r>
             <a:r>
-              <a:rPr b="1" i="1" lang="en" sz="1500">
+              <a:rPr lang="en" sz="1500" b="1" i="1">
                 <a:solidFill>
                   <a:srgbClr val="434343"/>
                 </a:solidFill>
@@ -8044,14 +8219,14 @@
               <a:t>équitable </a:t>
             </a:r>
             <a:r>
-              <a:rPr i="1" lang="en" sz="1500">
+              <a:rPr lang="en" sz="1500" i="1">
                 <a:solidFill>
                   <a:srgbClr val="434343"/>
                 </a:solidFill>
               </a:rPr>
               <a:t>du chargement sur chaque noeud du cluster</a:t>
             </a:r>
-            <a:endParaRPr i="1" sz="1500">
+            <a:endParaRPr sz="1500" i="1">
               <a:solidFill>
                 <a:srgbClr val="434343"/>
               </a:solidFill>
@@ -8068,11 +8243,11 @@
 </file>
 
 <file path=ppt/slides/slide12.xml><?xml version="1.0" encoding="utf-8"?>
-<p:sld xmlns:a="http://schemas.openxmlformats.org/drawingml/2006/main" xmlns:r="http://schemas.openxmlformats.org/officeDocument/2006/relationships" xmlns:mc="http://schemas.openxmlformats.org/markup-compatibility/2006" xmlns:mv="urn:schemas-microsoft-com:mac:vml" xmlns:p="http://schemas.openxmlformats.org/presentationml/2006/main" xmlns:c="http://schemas.openxmlformats.org/drawingml/2006/chart" xmlns:dgm="http://schemas.openxmlformats.org/drawingml/2006/diagram" xmlns:o="urn:schemas-microsoft-com:office:office" xmlns:v="urn:schemas-microsoft-com:vml" xmlns:pvml="urn:schemas-microsoft-com:office:powerpoint" xmlns:com="http://schemas.openxmlformats.org/drawingml/2006/compatibility" xmlns:p14="http://schemas.microsoft.com/office/powerpoint/2010/main" xmlns:p15="http://schemas.microsoft.com/office/powerpoint/2012/main" xmlns:ahyp="http://schemas.microsoft.com/office/drawing/2018/hyperlinkcolor">
+<p:sld xmlns:a="http://schemas.openxmlformats.org/drawingml/2006/main" xmlns:r="http://schemas.openxmlformats.org/officeDocument/2006/relationships" xmlns:p="http://schemas.openxmlformats.org/presentationml/2006/main">
   <p:cSld>
     <p:spTree>
       <p:nvGrpSpPr>
-        <p:cNvPr id="190" name="Shape 190"/>
+        <p:cNvPr id="1" name="Shape 190"/>
         <p:cNvGrpSpPr/>
         <p:nvPr/>
       </p:nvGrpSpPr>
@@ -8087,7 +8262,9 @@
       <p:sp>
         <p:nvSpPr>
           <p:cNvPr id="191" name="Google Shape;191;p24"/>
-          <p:cNvSpPr txBox="1"/>
+          <p:cNvSpPr txBox="1">
+            <a:spLocks noGrp="1"/>
+          </p:cNvSpPr>
           <p:nvPr>
             <p:ph type="title"/>
           </p:nvPr>
@@ -8102,12 +8279,12 @@
           </a:prstGeom>
         </p:spPr>
         <p:txBody>
-          <a:bodyPr anchorCtr="0" anchor="t" bIns="91425" lIns="91425" spcFirstLastPara="1" rIns="91425" wrap="square" tIns="91425">
+          <a:bodyPr spcFirstLastPara="1" wrap="square" lIns="91425" tIns="91425" rIns="91425" bIns="91425" anchor="t" anchorCtr="0">
             <a:noAutofit/>
           </a:bodyPr>
           <a:lstStyle/>
           <a:p>
-            <a:pPr indent="0" lvl="0" marL="0" rtl="0" algn="l">
+            <a:pPr marL="0" lvl="0" indent="0" algn="l" rtl="0">
               <a:spcBef>
                 <a:spcPts val="0"/>
               </a:spcBef>
@@ -8155,9 +8332,11 @@
       <p:sp>
         <p:nvSpPr>
           <p:cNvPr id="193" name="Google Shape;193;p24"/>
-          <p:cNvSpPr txBox="1"/>
+          <p:cNvSpPr txBox="1">
+            <a:spLocks noGrp="1"/>
+          </p:cNvSpPr>
           <p:nvPr>
-            <p:ph idx="1" type="body"/>
+            <p:ph type="body" idx="1"/>
           </p:nvPr>
         </p:nvSpPr>
         <p:spPr>
@@ -8170,12 +8349,12 @@
           </a:prstGeom>
         </p:spPr>
         <p:txBody>
-          <a:bodyPr anchorCtr="0" anchor="t" bIns="91425" lIns="91425" spcFirstLastPara="1" rIns="91425" wrap="square" tIns="91425">
+          <a:bodyPr spcFirstLastPara="1" wrap="square" lIns="91425" tIns="91425" rIns="91425" bIns="91425" anchor="t" anchorCtr="0">
             <a:noAutofit/>
           </a:bodyPr>
           <a:lstStyle/>
           <a:p>
-            <a:pPr indent="-342900" lvl="0" marL="457200" rtl="0" algn="l">
+            <a:pPr marL="457200" lvl="0" indent="-342900" algn="l" rtl="0">
               <a:spcBef>
                 <a:spcPts val="0"/>
               </a:spcBef>
@@ -8230,11 +8409,11 @@
 </file>
 
 <file path=ppt/slides/slide13.xml><?xml version="1.0" encoding="utf-8"?>
-<p:sld xmlns:a="http://schemas.openxmlformats.org/drawingml/2006/main" xmlns:r="http://schemas.openxmlformats.org/officeDocument/2006/relationships" xmlns:mc="http://schemas.openxmlformats.org/markup-compatibility/2006" xmlns:mv="urn:schemas-microsoft-com:mac:vml" xmlns:p="http://schemas.openxmlformats.org/presentationml/2006/main" xmlns:c="http://schemas.openxmlformats.org/drawingml/2006/chart" xmlns:dgm="http://schemas.openxmlformats.org/drawingml/2006/diagram" xmlns:o="urn:schemas-microsoft-com:office:office" xmlns:v="urn:schemas-microsoft-com:vml" xmlns:pvml="urn:schemas-microsoft-com:office:powerpoint" xmlns:com="http://schemas.openxmlformats.org/drawingml/2006/compatibility" xmlns:p14="http://schemas.microsoft.com/office/powerpoint/2010/main" xmlns:p15="http://schemas.microsoft.com/office/powerpoint/2012/main" xmlns:ahyp="http://schemas.microsoft.com/office/drawing/2018/hyperlinkcolor">
+<p:sld xmlns:a="http://schemas.openxmlformats.org/drawingml/2006/main" xmlns:r="http://schemas.openxmlformats.org/officeDocument/2006/relationships" xmlns:p="http://schemas.openxmlformats.org/presentationml/2006/main">
   <p:cSld>
     <p:spTree>
       <p:nvGrpSpPr>
-        <p:cNvPr id="198" name="Shape 198"/>
+        <p:cNvPr id="1" name="Shape 198"/>
         <p:cNvGrpSpPr/>
         <p:nvPr/>
       </p:nvGrpSpPr>
@@ -8249,7 +8428,9 @@
       <p:sp>
         <p:nvSpPr>
           <p:cNvPr id="199" name="Google Shape;199;p25"/>
-          <p:cNvSpPr txBox="1"/>
+          <p:cNvSpPr txBox="1">
+            <a:spLocks noGrp="1"/>
+          </p:cNvSpPr>
           <p:nvPr>
             <p:ph type="title"/>
           </p:nvPr>
@@ -8264,12 +8445,12 @@
           </a:prstGeom>
         </p:spPr>
         <p:txBody>
-          <a:bodyPr anchorCtr="0" anchor="t" bIns="91425" lIns="91425" spcFirstLastPara="1" rIns="91425" wrap="square" tIns="91425">
+          <a:bodyPr spcFirstLastPara="1" wrap="square" lIns="91425" tIns="91425" rIns="91425" bIns="91425" anchor="t" anchorCtr="0">
             <a:noAutofit/>
           </a:bodyPr>
           <a:lstStyle/>
           <a:p>
-            <a:pPr indent="0" lvl="0" marL="0" rtl="0" algn="l">
+            <a:pPr marL="0" lvl="0" indent="0" algn="l" rtl="0">
               <a:spcBef>
                 <a:spcPts val="0"/>
               </a:spcBef>
@@ -8279,7 +8460,7 @@
               <a:buNone/>
             </a:pPr>
             <a:r>
-              <a:rPr i="1" lang="en">
+              <a:rPr lang="en" i="1">
                 <a:solidFill>
                   <a:schemeClr val="dk2"/>
                 </a:solidFill>
@@ -8341,34 +8522,31 @@
               <a:alpha val="4860"/>
             </a:srgbClr>
           </a:solidFill>
-          <a:ln cap="flat" cmpd="sng" w="9525">
+          <a:ln w="9525" cap="flat" cmpd="sng">
             <a:solidFill>
               <a:srgbClr val="434343"/>
             </a:solidFill>
             <a:prstDash val="solid"/>
             <a:round/>
-            <a:headEnd len="sm" w="sm" type="none"/>
-            <a:tailEnd len="sm" w="sm" type="none"/>
+            <a:headEnd type="none" w="sm" len="sm"/>
+            <a:tailEnd type="none" w="sm" len="sm"/>
           </a:ln>
         </p:spPr>
         <p:txBody>
-          <a:bodyPr anchorCtr="0" anchor="ctr" bIns="91425" lIns="91425" spcFirstLastPara="1" rIns="91425" wrap="square" tIns="91425">
+          <a:bodyPr spcFirstLastPara="1" wrap="square" lIns="91425" tIns="91425" rIns="91425" bIns="91425" anchor="ctr" anchorCtr="0">
             <a:noAutofit/>
           </a:bodyPr>
           <a:lstStyle/>
           <a:p>
-            <a:pPr indent="0" lvl="0" marL="0" rtl="0" algn="l">
-              <a:spcBef>
-                <a:spcPts val="0"/>
-              </a:spcBef>
-              <a:spcAft>
-                <a:spcPts val="0"/>
-              </a:spcAft>
-              <a:buNone/>
-            </a:pPr>
-            <a:r>
-              <a:t/>
-            </a:r>
+            <a:pPr marL="0" lvl="0" indent="0" algn="l" rtl="0">
+              <a:spcBef>
+                <a:spcPts val="0"/>
+              </a:spcBef>
+              <a:spcAft>
+                <a:spcPts val="0"/>
+              </a:spcAft>
+              <a:buNone/>
+            </a:pPr>
             <a:endParaRPr/>
           </a:p>
         </p:txBody>
@@ -8382,11 +8560,177 @@
 </file>
 
 <file path=ppt/slides/slide14.xml><?xml version="1.0" encoding="utf-8"?>
-<p:sld xmlns:a="http://schemas.openxmlformats.org/drawingml/2006/main" xmlns:r="http://schemas.openxmlformats.org/officeDocument/2006/relationships" xmlns:mc="http://schemas.openxmlformats.org/markup-compatibility/2006" xmlns:mv="urn:schemas-microsoft-com:mac:vml" xmlns:p="http://schemas.openxmlformats.org/presentationml/2006/main" xmlns:c="http://schemas.openxmlformats.org/drawingml/2006/chart" xmlns:dgm="http://schemas.openxmlformats.org/drawingml/2006/diagram" xmlns:o="urn:schemas-microsoft-com:office:office" xmlns:v="urn:schemas-microsoft-com:vml" xmlns:pvml="urn:schemas-microsoft-com:office:powerpoint" xmlns:com="http://schemas.openxmlformats.org/drawingml/2006/compatibility" xmlns:p14="http://schemas.microsoft.com/office/powerpoint/2010/main" xmlns:p15="http://schemas.microsoft.com/office/powerpoint/2012/main" xmlns:ahyp="http://schemas.microsoft.com/office/drawing/2018/hyperlinkcolor">
+<p:sld xmlns:a="http://schemas.openxmlformats.org/drawingml/2006/main" xmlns:r="http://schemas.openxmlformats.org/officeDocument/2006/relationships" xmlns:p="http://schemas.openxmlformats.org/presentationml/2006/main">
   <p:cSld>
     <p:spTree>
       <p:nvGrpSpPr>
-        <p:cNvPr id="205" name="Shape 205"/>
+        <p:cNvPr id="1" name=""/>
+        <p:cNvGrpSpPr/>
+        <p:nvPr/>
+      </p:nvGrpSpPr>
+      <p:grpSpPr>
+        <a:xfrm>
+          <a:off x="0" y="0"/>
+          <a:ext cx="0" cy="0"/>
+          <a:chOff x="0" y="0"/>
+          <a:chExt cx="0" cy="0"/>
+        </a:xfrm>
+      </p:grpSpPr>
+      <p:sp>
+        <p:nvSpPr>
+          <p:cNvPr id="2" name="Titre 1">
+            <a:extLst>
+              <a:ext uri="{FF2B5EF4-FFF2-40B4-BE49-F238E27FC236}">
+                <a16:creationId xmlns:a16="http://schemas.microsoft.com/office/drawing/2014/main" id="{19D10CB9-DA0D-4DEC-8128-AE4349A59DEB}"/>
+              </a:ext>
+            </a:extLst>
+          </p:cNvPr>
+          <p:cNvSpPr>
+            <a:spLocks noGrp="1"/>
+          </p:cNvSpPr>
+          <p:nvPr>
+            <p:ph type="title"/>
+          </p:nvPr>
+        </p:nvSpPr>
+        <p:spPr/>
+        <p:txBody>
+          <a:bodyPr/>
+          <a:lstStyle/>
+          <a:p>
+            <a:r>
+              <a:rPr lang="fr-FR" dirty="0"/>
+              <a:t>En conclusion nous avons réussi à stocker sur AWS</a:t>
+            </a:r>
+          </a:p>
+        </p:txBody>
+      </p:sp>
+      <p:sp>
+        <p:nvSpPr>
+          <p:cNvPr id="3" name="Espace réservé du texte 2">
+            <a:extLst>
+              <a:ext uri="{FF2B5EF4-FFF2-40B4-BE49-F238E27FC236}">
+                <a16:creationId xmlns:a16="http://schemas.microsoft.com/office/drawing/2014/main" id="{26739D48-E4EA-4C7C-95E5-B3A0683BF34B}"/>
+              </a:ext>
+            </a:extLst>
+          </p:cNvPr>
+          <p:cNvSpPr>
+            <a:spLocks noGrp="1"/>
+          </p:cNvSpPr>
+          <p:nvPr>
+            <p:ph type="body" idx="1"/>
+          </p:nvPr>
+        </p:nvSpPr>
+        <p:spPr/>
+        <p:txBody>
+          <a:bodyPr/>
+          <a:lstStyle/>
+          <a:p>
+            <a:r>
+              <a:rPr lang="fr-FR" dirty="0"/>
+              <a:t>Requête 1 : 1 an de données sur Cassandra</a:t>
+            </a:r>
+          </a:p>
+          <a:p>
+            <a:endParaRPr lang="fr-FR" dirty="0"/>
+          </a:p>
+          <a:p>
+            <a:r>
+              <a:rPr lang="fr-FR" dirty="0"/>
+              <a:t>Requête 2 : 1 an de données sur Cassandra</a:t>
+            </a:r>
+          </a:p>
+          <a:p>
+            <a:endParaRPr lang="fr-FR" dirty="0"/>
+          </a:p>
+          <a:p>
+            <a:r>
+              <a:rPr lang="fr-FR" dirty="0"/>
+              <a:t>Requête 3 : 1 journée sur Cassandra</a:t>
+            </a:r>
+          </a:p>
+          <a:p>
+            <a:endParaRPr lang="fr-FR" dirty="0"/>
+          </a:p>
+          <a:p>
+            <a:pPr marL="114300" indent="0">
+              <a:buNone/>
+            </a:pPr>
+            <a:endParaRPr lang="fr-FR" dirty="0"/>
+          </a:p>
+          <a:p>
+            <a:pPr marL="114300" indent="0">
+              <a:buNone/>
+            </a:pPr>
+            <a:r>
+              <a:rPr lang="fr-FR" sz="1600" dirty="0"/>
+              <a:t>Pour pouvoir stocker la 3</a:t>
+            </a:r>
+            <a:r>
+              <a:rPr lang="fr-FR" sz="1600" baseline="30000" dirty="0"/>
+              <a:t>ème</a:t>
+            </a:r>
+            <a:r>
+              <a:rPr lang="fr-FR" sz="1600" dirty="0"/>
+              <a:t> requête nous devons séparer la table en 3. Cette opération a été réalisé en local mais le temps nous a manqué pour l’implémenter sur AWS avec une année entière de données.</a:t>
+            </a:r>
+          </a:p>
+        </p:txBody>
+      </p:sp>
+      <p:pic>
+        <p:nvPicPr>
+          <p:cNvPr id="5" name="Graphique 4" descr="Badge Tick1 avec un remplissage uni">
+            <a:extLst>
+              <a:ext uri="{FF2B5EF4-FFF2-40B4-BE49-F238E27FC236}">
+                <a16:creationId xmlns:a16="http://schemas.microsoft.com/office/drawing/2014/main" id="{D968800D-366E-4189-94EA-743D3C581707}"/>
+              </a:ext>
+            </a:extLst>
+          </p:cNvPr>
+          <p:cNvPicPr>
+            <a:picLocks noChangeAspect="1"/>
+          </p:cNvPicPr>
+          <p:nvPr/>
+        </p:nvPicPr>
+        <p:blipFill>
+          <a:blip r:embed="rId2">
+            <a:extLst>
+              <a:ext uri="{96DAC541-7B7A-43D3-8B79-37D633B846F1}">
+                <asvg:svgBlip xmlns:asvg="http://schemas.microsoft.com/office/drawing/2016/SVG/main" r:embed="rId3"/>
+              </a:ext>
+            </a:extLst>
+          </a:blip>
+          <a:stretch>
+            <a:fillRect/>
+          </a:stretch>
+        </p:blipFill>
+        <p:spPr>
+          <a:xfrm>
+            <a:off x="6765131" y="1393032"/>
+            <a:ext cx="1335881" cy="1335881"/>
+          </a:xfrm>
+          <a:prstGeom prst="rect">
+            <a:avLst/>
+          </a:prstGeom>
+        </p:spPr>
+      </p:pic>
+    </p:spTree>
+    <p:extLst>
+      <p:ext uri="{BB962C8B-B14F-4D97-AF65-F5344CB8AC3E}">
+        <p14:creationId xmlns:p14="http://schemas.microsoft.com/office/powerpoint/2010/main" val="2237092279"/>
+      </p:ext>
+    </p:extLst>
+  </p:cSld>
+  <p:clrMapOvr>
+    <a:masterClrMapping/>
+  </p:clrMapOvr>
+</p:sld>
+</file>
+
+<file path=ppt/slides/slide15.xml><?xml version="1.0" encoding="utf-8"?>
+<p:sld xmlns:a="http://schemas.openxmlformats.org/drawingml/2006/main" xmlns:r="http://schemas.openxmlformats.org/officeDocument/2006/relationships" xmlns:p="http://schemas.openxmlformats.org/presentationml/2006/main">
+  <p:cSld>
+    <p:spTree>
+      <p:nvGrpSpPr>
+        <p:cNvPr id="1" name="Shape 205"/>
         <p:cNvGrpSpPr/>
         <p:nvPr/>
       </p:nvGrpSpPr>
@@ -8401,7 +8745,9 @@
       <p:sp>
         <p:nvSpPr>
           <p:cNvPr id="206" name="Google Shape;206;p26"/>
-          <p:cNvSpPr txBox="1"/>
+          <p:cNvSpPr txBox="1">
+            <a:spLocks noGrp="1"/>
+          </p:cNvSpPr>
           <p:nvPr>
             <p:ph type="title"/>
           </p:nvPr>
@@ -8416,12 +8762,12 @@
           </a:prstGeom>
         </p:spPr>
         <p:txBody>
-          <a:bodyPr anchorCtr="0" anchor="t" bIns="91425" lIns="91425" spcFirstLastPara="1" rIns="91425" wrap="square" tIns="91425">
+          <a:bodyPr spcFirstLastPara="1" wrap="square" lIns="91425" tIns="91425" rIns="91425" bIns="91425" anchor="t" anchorCtr="0">
             <a:noAutofit/>
           </a:bodyPr>
           <a:lstStyle/>
           <a:p>
-            <a:pPr indent="0" lvl="0" marL="0" rtl="0" algn="l">
+            <a:pPr marL="0" lvl="0" indent="0" algn="l" rtl="0">
               <a:spcBef>
                 <a:spcPts val="0"/>
               </a:spcBef>
@@ -8441,9 +8787,11 @@
       <p:sp>
         <p:nvSpPr>
           <p:cNvPr id="207" name="Google Shape;207;p26"/>
-          <p:cNvSpPr txBox="1"/>
+          <p:cNvSpPr txBox="1">
+            <a:spLocks noGrp="1"/>
+          </p:cNvSpPr>
           <p:nvPr>
-            <p:ph idx="1" type="body"/>
+            <p:ph type="body" idx="1"/>
           </p:nvPr>
         </p:nvSpPr>
         <p:spPr>
@@ -8456,12 +8804,12 @@
           </a:prstGeom>
         </p:spPr>
         <p:txBody>
-          <a:bodyPr anchorCtr="0" anchor="t" bIns="91425" lIns="91425" spcFirstLastPara="1" rIns="91425" wrap="square" tIns="91425">
+          <a:bodyPr spcFirstLastPara="1" wrap="square" lIns="91425" tIns="91425" rIns="91425" bIns="91425" anchor="t" anchorCtr="0">
             <a:noAutofit/>
           </a:bodyPr>
           <a:lstStyle/>
           <a:p>
-            <a:pPr indent="-342900" lvl="0" marL="457200" rtl="0" algn="l">
+            <a:pPr marL="457200" lvl="0" indent="-342900" algn="l" rtl="0">
               <a:spcBef>
                 <a:spcPts val="0"/>
               </a:spcBef>
@@ -8478,7 +8826,7 @@
             <a:endParaRPr/>
           </a:p>
           <a:p>
-            <a:pPr indent="0" lvl="0" marL="457200" rtl="0" algn="l">
+            <a:pPr marL="457200" lvl="0" indent="0" algn="l" rtl="0">
               <a:spcBef>
                 <a:spcPts val="1600"/>
               </a:spcBef>
@@ -8487,13 +8835,10 @@
               </a:spcAft>
               <a:buNone/>
             </a:pPr>
-            <a:r>
-              <a:t/>
-            </a:r>
             <a:endParaRPr/>
           </a:p>
           <a:p>
-            <a:pPr indent="-342900" lvl="0" marL="457200" rtl="0" algn="l">
+            <a:pPr marL="457200" lvl="0" indent="-342900" algn="l" rtl="0">
               <a:spcBef>
                 <a:spcPts val="1600"/>
               </a:spcBef>
@@ -8575,12 +8920,12 @@
 </p:sld>
 </file>
 
-<file path=ppt/slides/slide15.xml><?xml version="1.0" encoding="utf-8"?>
-<p:sld xmlns:a="http://schemas.openxmlformats.org/drawingml/2006/main" xmlns:r="http://schemas.openxmlformats.org/officeDocument/2006/relationships" xmlns:mc="http://schemas.openxmlformats.org/markup-compatibility/2006" xmlns:mv="urn:schemas-microsoft-com:mac:vml" xmlns:p="http://schemas.openxmlformats.org/presentationml/2006/main" xmlns:c="http://schemas.openxmlformats.org/drawingml/2006/chart" xmlns:dgm="http://schemas.openxmlformats.org/drawingml/2006/diagram" xmlns:o="urn:schemas-microsoft-com:office:office" xmlns:v="urn:schemas-microsoft-com:vml" xmlns:pvml="urn:schemas-microsoft-com:office:powerpoint" xmlns:com="http://schemas.openxmlformats.org/drawingml/2006/compatibility" xmlns:p14="http://schemas.microsoft.com/office/powerpoint/2010/main" xmlns:p15="http://schemas.microsoft.com/office/powerpoint/2012/main" xmlns:ahyp="http://schemas.microsoft.com/office/drawing/2018/hyperlinkcolor">
+<file path=ppt/slides/slide16.xml><?xml version="1.0" encoding="utf-8"?>
+<p:sld xmlns:a="http://schemas.openxmlformats.org/drawingml/2006/main" xmlns:r="http://schemas.openxmlformats.org/officeDocument/2006/relationships" xmlns:p="http://schemas.openxmlformats.org/presentationml/2006/main">
   <p:cSld>
     <p:spTree>
       <p:nvGrpSpPr>
-        <p:cNvPr id="213" name="Shape 213"/>
+        <p:cNvPr id="1" name="Shape 213"/>
         <p:cNvGrpSpPr/>
         <p:nvPr/>
       </p:nvGrpSpPr>
@@ -8595,7 +8940,9 @@
       <p:sp>
         <p:nvSpPr>
           <p:cNvPr id="214" name="Google Shape;214;p27"/>
-          <p:cNvSpPr txBox="1"/>
+          <p:cNvSpPr txBox="1">
+            <a:spLocks noGrp="1"/>
+          </p:cNvSpPr>
           <p:nvPr>
             <p:ph type="title"/>
           </p:nvPr>
@@ -8610,12 +8957,12 @@
           </a:prstGeom>
         </p:spPr>
         <p:txBody>
-          <a:bodyPr anchorCtr="0" anchor="t" bIns="91425" lIns="91425" spcFirstLastPara="1" rIns="91425" wrap="square" tIns="91425">
+          <a:bodyPr spcFirstLastPara="1" wrap="square" lIns="91425" tIns="91425" rIns="91425" bIns="91425" anchor="t" anchorCtr="0">
             <a:noAutofit/>
           </a:bodyPr>
           <a:lstStyle/>
           <a:p>
-            <a:pPr indent="0" lvl="0" marL="0" rtl="0" algn="l">
+            <a:pPr marL="0" lvl="0" indent="0" algn="l" rtl="0">
               <a:spcBef>
                 <a:spcPts val="0"/>
               </a:spcBef>
@@ -8626,11 +8973,7 @@
             </a:pPr>
             <a:r>
               <a:rPr lang="en"/>
-              <a:t>Des q</a:t>
-            </a:r>
-            <a:r>
-              <a:rPr lang="en"/>
-              <a:t>uestions ?</a:t>
+              <a:t>Des questions ?</a:t>
             </a:r>
             <a:endParaRPr/>
           </a:p>
@@ -8656,12 +8999,12 @@
           </a:ln>
         </p:spPr>
         <p:txBody>
-          <a:bodyPr anchorCtr="0" anchor="t" bIns="91425" lIns="91425" spcFirstLastPara="1" rIns="91425" wrap="square" tIns="91425">
+          <a:bodyPr spcFirstLastPara="1" wrap="square" lIns="91425" tIns="91425" rIns="91425" bIns="91425" anchor="t" anchorCtr="0">
             <a:spAutoFit/>
           </a:bodyPr>
           <a:lstStyle/>
           <a:p>
-            <a:pPr indent="0" lvl="0" marL="0" rtl="0" algn="l">
+            <a:pPr marL="0" lvl="0" indent="0" algn="l" rtl="0">
               <a:spcBef>
                 <a:spcPts val="0"/>
               </a:spcBef>
@@ -8671,10 +9014,10 @@
               <a:buNone/>
             </a:pPr>
             <a:r>
-              <a:rPr i="1" lang="en" sz="1500"/>
+              <a:rPr lang="en" sz="1500" i="1"/>
               <a:t>https://github.com/MSBGD-Gdelt-Project/gdelt</a:t>
             </a:r>
-            <a:endParaRPr i="1" sz="1500"/>
+            <a:endParaRPr sz="1500" i="1"/>
           </a:p>
         </p:txBody>
       </p:sp>
@@ -8726,12 +9069,12 @@
           </a:ln>
         </p:spPr>
         <p:txBody>
-          <a:bodyPr anchorCtr="0" anchor="t" bIns="91425" lIns="91425" spcFirstLastPara="1" rIns="91425" wrap="square" tIns="91425">
+          <a:bodyPr spcFirstLastPara="1" wrap="square" lIns="91425" tIns="91425" rIns="91425" bIns="91425" anchor="t" anchorCtr="0">
             <a:spAutoFit/>
           </a:bodyPr>
           <a:lstStyle/>
           <a:p>
-            <a:pPr indent="0" lvl="0" marL="0" rtl="0" algn="l">
+            <a:pPr marL="0" lvl="0" indent="0" algn="l" rtl="0">
               <a:spcBef>
                 <a:spcPts val="0"/>
               </a:spcBef>
@@ -8763,14 +9106,14 @@
             <a:avLst/>
           </a:prstGeom>
           <a:noFill/>
-          <a:ln cap="flat" cmpd="sng" w="9525">
+          <a:ln w="9525" cap="flat" cmpd="sng">
             <a:solidFill>
               <a:schemeClr val="dk2"/>
             </a:solidFill>
             <a:prstDash val="solid"/>
             <a:round/>
-            <a:headEnd len="med" w="med" type="none"/>
-            <a:tailEnd len="med" w="med" type="none"/>
+            <a:headEnd type="none" w="med" len="med"/>
+            <a:tailEnd type="none" w="med" len="med"/>
           </a:ln>
         </p:spPr>
       </p:cxnSp>
@@ -8783,11 +9126,11 @@
 </file>
 
 <file path=ppt/slides/slide2.xml><?xml version="1.0" encoding="utf-8"?>
-<p:sld xmlns:a="http://schemas.openxmlformats.org/drawingml/2006/main" xmlns:r="http://schemas.openxmlformats.org/officeDocument/2006/relationships" xmlns:mc="http://schemas.openxmlformats.org/markup-compatibility/2006" xmlns:mv="urn:schemas-microsoft-com:mac:vml" xmlns:p="http://schemas.openxmlformats.org/presentationml/2006/main" xmlns:c="http://schemas.openxmlformats.org/drawingml/2006/chart" xmlns:dgm="http://schemas.openxmlformats.org/drawingml/2006/diagram" xmlns:o="urn:schemas-microsoft-com:office:office" xmlns:v="urn:schemas-microsoft-com:vml" xmlns:pvml="urn:schemas-microsoft-com:office:powerpoint" xmlns:com="http://schemas.openxmlformats.org/drawingml/2006/compatibility" xmlns:p14="http://schemas.microsoft.com/office/powerpoint/2010/main" xmlns:p15="http://schemas.microsoft.com/office/powerpoint/2012/main" xmlns:ahyp="http://schemas.microsoft.com/office/drawing/2018/hyperlinkcolor">
+<p:sld xmlns:a="http://schemas.openxmlformats.org/drawingml/2006/main" xmlns:r="http://schemas.openxmlformats.org/officeDocument/2006/relationships" xmlns:p="http://schemas.openxmlformats.org/presentationml/2006/main">
   <p:cSld>
     <p:spTree>
       <p:nvGrpSpPr>
-        <p:cNvPr id="62" name="Shape 62"/>
+        <p:cNvPr id="1" name="Shape 62"/>
         <p:cNvGrpSpPr/>
         <p:nvPr/>
       </p:nvGrpSpPr>
@@ -8802,9 +9145,11 @@
       <p:sp>
         <p:nvSpPr>
           <p:cNvPr id="63" name="Google Shape;63;p14"/>
-          <p:cNvSpPr txBox="1"/>
+          <p:cNvSpPr txBox="1">
+            <a:spLocks noGrp="1"/>
+          </p:cNvSpPr>
           <p:nvPr>
-            <p:ph idx="4294967295" type="title"/>
+            <p:ph type="title" idx="4294967295"/>
           </p:nvPr>
         </p:nvSpPr>
         <p:spPr>
@@ -8817,12 +9162,12 @@
           </a:prstGeom>
         </p:spPr>
         <p:txBody>
-          <a:bodyPr anchorCtr="0" anchor="t" bIns="91425" lIns="91425" spcFirstLastPara="1" rIns="91425" wrap="square" tIns="91425">
+          <a:bodyPr spcFirstLastPara="1" wrap="square" lIns="91425" tIns="91425" rIns="91425" bIns="91425" anchor="t" anchorCtr="0">
             <a:noAutofit/>
           </a:bodyPr>
           <a:lstStyle/>
           <a:p>
-            <a:pPr indent="0" lvl="0" marL="0" rtl="0" algn="l">
+            <a:pPr marL="0" lvl="0" indent="0" algn="l" rtl="0">
               <a:spcBef>
                 <a:spcPts val="0"/>
               </a:spcBef>
@@ -8842,9 +9187,11 @@
       <p:sp>
         <p:nvSpPr>
           <p:cNvPr id="64" name="Google Shape;64;p14"/>
-          <p:cNvSpPr txBox="1"/>
+          <p:cNvSpPr txBox="1">
+            <a:spLocks noGrp="1"/>
+          </p:cNvSpPr>
           <p:nvPr>
-            <p:ph idx="4294967295" type="body"/>
+            <p:ph type="body" idx="4294967295"/>
           </p:nvPr>
         </p:nvSpPr>
         <p:spPr>
@@ -8857,12 +9204,12 @@
           </a:prstGeom>
         </p:spPr>
         <p:txBody>
-          <a:bodyPr anchorCtr="0" anchor="t" bIns="91425" lIns="91425" spcFirstLastPara="1" rIns="91425" wrap="square" tIns="91425">
+          <a:bodyPr spcFirstLastPara="1" wrap="square" lIns="91425" tIns="91425" rIns="91425" bIns="91425" anchor="t" anchorCtr="0">
             <a:noAutofit/>
           </a:bodyPr>
           <a:lstStyle/>
           <a:p>
-            <a:pPr indent="-317500" lvl="0" marL="457200" rtl="0" algn="l">
+            <a:pPr marL="457200" lvl="0" indent="-317500" algn="l" rtl="0">
               <a:spcBef>
                 <a:spcPts val="0"/>
               </a:spcBef>
@@ -8876,21 +9223,21 @@
               <a:buChar char="✦"/>
             </a:pPr>
             <a:r>
-              <a:rPr b="1" lang="en" sz="1400">
+              <a:rPr lang="en" sz="1400" b="1" dirty="0">
                 <a:solidFill>
                   <a:srgbClr val="434343"/>
                 </a:solidFill>
               </a:rPr>
               <a:t>Objectif : </a:t>
             </a:r>
-            <a:endParaRPr b="1" sz="1400">
+            <a:endParaRPr sz="1400" b="1" dirty="0">
               <a:solidFill>
                 <a:srgbClr val="434343"/>
               </a:solidFill>
             </a:endParaRPr>
           </a:p>
           <a:p>
-            <a:pPr indent="0" lvl="0" marL="457200" rtl="0" algn="l">
+            <a:pPr marL="457200" lvl="0" indent="0" algn="l" rtl="0">
               <a:spcBef>
                 <a:spcPts val="1600"/>
               </a:spcBef>
@@ -8900,7 +9247,7 @@
               <a:buNone/>
             </a:pPr>
             <a:r>
-              <a:rPr lang="en" sz="1400">
+              <a:rPr lang="en" sz="1400" dirty="0">
                 <a:solidFill>
                   <a:srgbClr val="434343"/>
                 </a:solidFill>
@@ -8911,7 +9258,7 @@
               <a:t>Proposer un système de stockage distribué, résilient et performant sur AWS pour opérer des requêtes sur un large volume de données (1 an de données traitant du COVID depuis la base de données : </a:t>
             </a:r>
             <a:r>
-              <a:rPr i="1" lang="en" sz="1400" u="sng">
+              <a:rPr lang="en" sz="1400" i="1" u="sng" dirty="0">
                 <a:solidFill>
                   <a:srgbClr val="1D4B8F"/>
                 </a:solidFill>
@@ -8921,7 +9268,7 @@
                 <a:hlinkClick r:id="rId3">
                   <a:extLst>
                     <a:ext uri="{A12FA001-AC4F-418D-AE19-62706E023703}">
-                      <ahyp:hlinkClr val="tx"/>
+                      <ahyp:hlinkClr xmlns:ahyp="http://schemas.microsoft.com/office/drawing/2018/hyperlinkcolor" val="tx"/>
                     </a:ext>
                   </a:extLst>
                 </a:hlinkClick>
@@ -8929,17 +9276,17 @@
               <a:t>The Global Database of Events, Language, and Tone (</a:t>
             </a:r>
             <a:r>
-              <a:rPr b="1" i="1" lang="en" sz="1400" u="sng">
+              <a:rPr lang="en" sz="1400" b="1" i="1" u="sng" dirty="0">
                 <a:solidFill>
                   <a:srgbClr val="1D4B8F"/>
                 </a:solidFill>
                 <a:highlight>
                   <a:srgbClr val="FFFFFF"/>
                 </a:highlight>
-                <a:hlinkClick r:id="rId4">
+                <a:hlinkClick r:id="rId3">
                   <a:extLst>
                     <a:ext uri="{A12FA001-AC4F-418D-AE19-62706E023703}">
-                      <ahyp:hlinkClr val="tx"/>
+                      <ahyp:hlinkClr xmlns:ahyp="http://schemas.microsoft.com/office/drawing/2018/hyperlinkcolor" val="tx"/>
                     </a:ext>
                   </a:extLst>
                 </a:hlinkClick>
@@ -8947,17 +9294,17 @@
               <a:t>GDELT</a:t>
             </a:r>
             <a:r>
-              <a:rPr i="1" lang="en" sz="1400" u="sng">
+              <a:rPr lang="en" sz="1400" i="1" u="sng" dirty="0">
                 <a:solidFill>
                   <a:srgbClr val="1D4B8F"/>
                 </a:solidFill>
                 <a:highlight>
                   <a:srgbClr val="FFFFFF"/>
                 </a:highlight>
-                <a:hlinkClick r:id="rId5">
+                <a:hlinkClick r:id="rId3">
                   <a:extLst>
                     <a:ext uri="{A12FA001-AC4F-418D-AE19-62706E023703}">
-                      <ahyp:hlinkClr val="tx"/>
+                      <ahyp:hlinkClr xmlns:ahyp="http://schemas.microsoft.com/office/drawing/2018/hyperlinkcolor" val="tx"/>
                     </a:ext>
                   </a:extLst>
                 </a:hlinkClick>
@@ -8965,21 +9312,21 @@
               <a:t>)</a:t>
             </a:r>
             <a:r>
-              <a:rPr lang="en" sz="1400">
+              <a:rPr lang="en" sz="1400" dirty="0">
                 <a:solidFill>
                   <a:srgbClr val="434343"/>
                 </a:solidFill>
               </a:rPr>
               <a:t>)</a:t>
             </a:r>
-            <a:endParaRPr sz="1400">
+            <a:endParaRPr sz="1400" dirty="0">
               <a:solidFill>
                 <a:srgbClr val="434343"/>
               </a:solidFill>
             </a:endParaRPr>
           </a:p>
           <a:p>
-            <a:pPr indent="0" lvl="0" marL="457200" rtl="0" algn="l">
+            <a:pPr marL="457200" lvl="0" indent="0" algn="l" rtl="0">
               <a:lnSpc>
                 <a:spcPct val="100000"/>
               </a:lnSpc>
@@ -8991,17 +9338,14 @@
               </a:spcAft>
               <a:buNone/>
             </a:pPr>
-            <a:r>
-              <a:t/>
-            </a:r>
-            <a:endParaRPr sz="1400">
+            <a:endParaRPr sz="1400" dirty="0">
               <a:solidFill>
                 <a:srgbClr val="434343"/>
               </a:solidFill>
             </a:endParaRPr>
           </a:p>
           <a:p>
-            <a:pPr indent="-317500" lvl="0" marL="457200" rtl="0" algn="l">
+            <a:pPr marL="457200" lvl="0" indent="-317500" algn="l" rtl="0">
               <a:lnSpc>
                 <a:spcPct val="200000"/>
               </a:lnSpc>
@@ -9018,21 +9362,21 @@
               <a:buChar char="✦"/>
             </a:pPr>
             <a:r>
-              <a:rPr b="1" lang="en" sz="1400">
+              <a:rPr lang="en" sz="1400" b="1" dirty="0">
                 <a:solidFill>
                   <a:srgbClr val="434343"/>
                 </a:solidFill>
               </a:rPr>
               <a:t>Contraintes :</a:t>
             </a:r>
-            <a:endParaRPr b="1" sz="1400">
+            <a:endParaRPr sz="1400" b="1" dirty="0">
               <a:solidFill>
                 <a:srgbClr val="434343"/>
               </a:solidFill>
             </a:endParaRPr>
           </a:p>
           <a:p>
-            <a:pPr indent="-317500" lvl="1" marL="914400" rtl="0" algn="l">
+            <a:pPr marL="914400" lvl="1" indent="-317500" algn="l" rtl="0">
               <a:lnSpc>
                 <a:spcPct val="160000"/>
               </a:lnSpc>
@@ -9050,7 +9394,7 @@
               <a:buChar char="✓"/>
             </a:pPr>
             <a:r>
-              <a:rPr lang="en">
+              <a:rPr lang="en" dirty="0">
                 <a:solidFill>
                   <a:srgbClr val="434343"/>
                 </a:solidFill>
@@ -9061,7 +9405,7 @@
               <a:t>Utiliser </a:t>
             </a:r>
             <a:r>
-              <a:rPr b="1" lang="en">
+              <a:rPr lang="en" b="1" dirty="0">
                 <a:solidFill>
                   <a:srgbClr val="434343"/>
                 </a:solidFill>
@@ -9072,7 +9416,7 @@
               <a:t>au moins 1 technologie vue en cours</a:t>
             </a:r>
             <a:r>
-              <a:rPr lang="en">
+              <a:rPr lang="en" dirty="0">
                 <a:solidFill>
                   <a:srgbClr val="434343"/>
                 </a:solidFill>
@@ -9082,7 +9426,7 @@
               </a:rPr>
               <a:t> </a:t>
             </a:r>
-            <a:endParaRPr>
+            <a:endParaRPr dirty="0">
               <a:solidFill>
                 <a:srgbClr val="434343"/>
               </a:solidFill>
@@ -9092,7 +9436,7 @@
             </a:endParaRPr>
           </a:p>
           <a:p>
-            <a:pPr indent="-317500" lvl="1" marL="914400" rtl="0" algn="l">
+            <a:pPr marL="914400" lvl="1" indent="-317500" algn="l" rtl="0">
               <a:lnSpc>
                 <a:spcPct val="160000"/>
               </a:lnSpc>
@@ -9110,7 +9454,7 @@
               <a:buChar char="✓"/>
             </a:pPr>
             <a:r>
-              <a:rPr lang="en">
+              <a:rPr lang="en" dirty="0">
                 <a:solidFill>
                   <a:srgbClr val="434343"/>
                 </a:solidFill>
@@ -9121,7 +9465,7 @@
               <a:t>Concevoir </a:t>
             </a:r>
             <a:r>
-              <a:rPr b="1" lang="en">
+              <a:rPr lang="en" b="1" dirty="0">
                 <a:solidFill>
                   <a:srgbClr val="434343"/>
                 </a:solidFill>
@@ -9131,7 +9475,7 @@
               </a:rPr>
               <a:t>un système distribué et tolérant aux pannes</a:t>
             </a:r>
-            <a:endParaRPr>
+            <a:endParaRPr dirty="0">
               <a:solidFill>
                 <a:srgbClr val="434343"/>
               </a:solidFill>
@@ -9141,7 +9485,7 @@
             </a:endParaRPr>
           </a:p>
           <a:p>
-            <a:pPr indent="-317500" lvl="1" marL="914400" rtl="0" algn="l">
+            <a:pPr marL="914400" lvl="1" indent="-317500" algn="l" rtl="0">
               <a:lnSpc>
                 <a:spcPct val="160000"/>
               </a:lnSpc>
@@ -9159,7 +9503,7 @@
               <a:buChar char="✓"/>
             </a:pPr>
             <a:r>
-              <a:rPr lang="en">
+              <a:rPr lang="en" dirty="0">
                 <a:solidFill>
                   <a:srgbClr val="434343"/>
                 </a:solidFill>
@@ -9170,7 +9514,7 @@
               <a:t>Charger </a:t>
             </a:r>
             <a:r>
-              <a:rPr b="1" lang="en">
+              <a:rPr lang="en" b="1" dirty="0">
                 <a:solidFill>
                   <a:srgbClr val="434343"/>
                 </a:solidFill>
@@ -9181,7 +9525,7 @@
               <a:t>une année de données</a:t>
             </a:r>
             <a:r>
-              <a:rPr lang="en">
+              <a:rPr lang="en" dirty="0">
                 <a:solidFill>
                   <a:srgbClr val="434343"/>
                 </a:solidFill>
@@ -9191,7 +9535,7 @@
               </a:rPr>
               <a:t> sur le cluster</a:t>
             </a:r>
-            <a:endParaRPr>
+            <a:endParaRPr dirty="0">
               <a:solidFill>
                 <a:srgbClr val="434343"/>
               </a:solidFill>
@@ -9201,7 +9545,7 @@
             </a:endParaRPr>
           </a:p>
           <a:p>
-            <a:pPr indent="-317500" lvl="1" marL="914400" rtl="0" algn="l">
+            <a:pPr marL="914400" lvl="1" indent="-317500" algn="l" rtl="0">
               <a:lnSpc>
                 <a:spcPct val="160000"/>
               </a:lnSpc>
@@ -9219,7 +9563,7 @@
               <a:buChar char="✓"/>
             </a:pPr>
             <a:r>
-              <a:rPr lang="en">
+              <a:rPr lang="en" dirty="0">
                 <a:solidFill>
                   <a:srgbClr val="434343"/>
                 </a:solidFill>
@@ -9230,7 +9574,7 @@
               <a:t>Utiliser </a:t>
             </a:r>
             <a:r>
-              <a:rPr b="1" i="1" lang="en">
+              <a:rPr lang="en" b="1" i="1" dirty="0">
                 <a:solidFill>
                   <a:srgbClr val="434343"/>
                 </a:solidFill>
@@ -9241,7 +9585,7 @@
               <a:t>AWS</a:t>
             </a:r>
             <a:r>
-              <a:rPr lang="en">
+              <a:rPr lang="en" dirty="0">
                 <a:solidFill>
                   <a:srgbClr val="434343"/>
                 </a:solidFill>
@@ -9251,7 +9595,7 @@
               </a:rPr>
               <a:t> pour déployer le cluster</a:t>
             </a:r>
-            <a:endParaRPr>
+            <a:endParaRPr dirty="0">
               <a:solidFill>
                 <a:srgbClr val="434343"/>
               </a:solidFill>
@@ -9266,7 +9610,7 @@
           <p:nvPr/>
         </p:nvPicPr>
         <p:blipFill>
-          <a:blip r:embed="rId6">
+          <a:blip r:embed="rId4">
             <a:alphaModFix/>
           </a:blip>
           <a:stretch>
@@ -9296,11 +9640,11 @@
 </file>
 
 <file path=ppt/slides/slide3.xml><?xml version="1.0" encoding="utf-8"?>
-<p:sld xmlns:a="http://schemas.openxmlformats.org/drawingml/2006/main" xmlns:r="http://schemas.openxmlformats.org/officeDocument/2006/relationships" xmlns:mc="http://schemas.openxmlformats.org/markup-compatibility/2006" xmlns:mv="urn:schemas-microsoft-com:mac:vml" xmlns:p="http://schemas.openxmlformats.org/presentationml/2006/main" xmlns:c="http://schemas.openxmlformats.org/drawingml/2006/chart" xmlns:dgm="http://schemas.openxmlformats.org/drawingml/2006/diagram" xmlns:o="urn:schemas-microsoft-com:office:office" xmlns:v="urn:schemas-microsoft-com:vml" xmlns:pvml="urn:schemas-microsoft-com:office:powerpoint" xmlns:com="http://schemas.openxmlformats.org/drawingml/2006/compatibility" xmlns:p14="http://schemas.microsoft.com/office/powerpoint/2010/main" xmlns:p15="http://schemas.microsoft.com/office/powerpoint/2012/main" xmlns:ahyp="http://schemas.microsoft.com/office/drawing/2018/hyperlinkcolor">
+<p:sld xmlns:a="http://schemas.openxmlformats.org/drawingml/2006/main" xmlns:r="http://schemas.openxmlformats.org/officeDocument/2006/relationships" xmlns:p="http://schemas.openxmlformats.org/presentationml/2006/main">
   <p:cSld>
     <p:spTree>
       <p:nvGrpSpPr>
-        <p:cNvPr id="69" name="Shape 69"/>
+        <p:cNvPr id="1" name="Shape 69"/>
         <p:cNvGrpSpPr/>
         <p:nvPr/>
       </p:nvGrpSpPr>
@@ -9465,38 +9809,35 @@
           </a:xfrm>
           <a:prstGeom prst="roundRect">
             <a:avLst>
-              <a:gd fmla="val 16667" name="adj"/>
+              <a:gd name="adj" fmla="val 16667"/>
             </a:avLst>
           </a:prstGeom>
           <a:noFill/>
-          <a:ln cap="flat" cmpd="sng" w="9525">
+          <a:ln w="9525" cap="flat" cmpd="sng">
             <a:solidFill>
               <a:srgbClr val="FF9900"/>
             </a:solidFill>
             <a:prstDash val="dash"/>
             <a:round/>
-            <a:headEnd len="sm" w="sm" type="none"/>
-            <a:tailEnd len="sm" w="sm" type="none"/>
+            <a:headEnd type="none" w="sm" len="sm"/>
+            <a:tailEnd type="none" w="sm" len="sm"/>
           </a:ln>
         </p:spPr>
         <p:txBody>
-          <a:bodyPr anchorCtr="0" anchor="ctr" bIns="91425" lIns="91425" spcFirstLastPara="1" rIns="91425" wrap="square" tIns="91425">
+          <a:bodyPr spcFirstLastPara="1" wrap="square" lIns="91425" tIns="91425" rIns="91425" bIns="91425" anchor="ctr" anchorCtr="0">
             <a:noAutofit/>
           </a:bodyPr>
           <a:lstStyle/>
           <a:p>
-            <a:pPr indent="0" lvl="0" marL="0" rtl="0" algn="l">
-              <a:spcBef>
-                <a:spcPts val="0"/>
-              </a:spcBef>
-              <a:spcAft>
-                <a:spcPts val="0"/>
-              </a:spcAft>
-              <a:buNone/>
-            </a:pPr>
-            <a:r>
-              <a:t/>
-            </a:r>
+            <a:pPr marL="0" lvl="0" indent="0" algn="l" rtl="0">
+              <a:spcBef>
+                <a:spcPts val="0"/>
+              </a:spcBef>
+              <a:spcAft>
+                <a:spcPts val="0"/>
+              </a:spcAft>
+              <a:buNone/>
+            </a:pPr>
             <a:endParaRPr/>
           </a:p>
         </p:txBody>
@@ -9521,12 +9862,12 @@
           </a:ln>
         </p:spPr>
         <p:txBody>
-          <a:bodyPr anchorCtr="0" anchor="t" bIns="91425" lIns="91425" spcFirstLastPara="1" rIns="91425" wrap="square" tIns="91425">
+          <a:bodyPr spcFirstLastPara="1" wrap="square" lIns="91425" tIns="91425" rIns="91425" bIns="91425" anchor="t" anchorCtr="0">
             <a:spAutoFit/>
           </a:bodyPr>
           <a:lstStyle/>
           <a:p>
-            <a:pPr indent="0" lvl="0" marL="0" rtl="0" algn="ctr">
+            <a:pPr marL="0" lvl="0" indent="0" algn="ctr" rtl="0">
               <a:spcBef>
                 <a:spcPts val="0"/>
               </a:spcBef>
@@ -9563,12 +9904,12 @@
           </a:ln>
         </p:spPr>
         <p:txBody>
-          <a:bodyPr anchorCtr="0" anchor="t" bIns="91425" lIns="91425" spcFirstLastPara="1" rIns="91425" wrap="square" tIns="91425">
+          <a:bodyPr spcFirstLastPara="1" wrap="square" lIns="91425" tIns="91425" rIns="91425" bIns="91425" anchor="t" anchorCtr="0">
             <a:spAutoFit/>
           </a:bodyPr>
           <a:lstStyle/>
           <a:p>
-            <a:pPr indent="0" lvl="0" marL="0" rtl="0" algn="ctr">
+            <a:pPr marL="0" lvl="0" indent="0" algn="ctr" rtl="0">
               <a:spcBef>
                 <a:spcPts val="0"/>
               </a:spcBef>
@@ -9579,11 +9920,7 @@
             </a:pPr>
             <a:r>
               <a:rPr lang="en" sz="1200"/>
-              <a:t>3</a:t>
-            </a:r>
-            <a:r>
-              <a:rPr lang="en" sz="1200"/>
-              <a:t> core nodes</a:t>
+              <a:t>3 core nodes</a:t>
             </a:r>
             <a:endParaRPr sz="1200"/>
           </a:p>
@@ -9688,34 +10025,31 @@
             <a:avLst/>
           </a:prstGeom>
           <a:noFill/>
-          <a:ln cap="flat" cmpd="sng" w="38100">
+          <a:ln w="38100" cap="flat" cmpd="sng">
             <a:solidFill>
               <a:srgbClr val="4A86E8"/>
             </a:solidFill>
             <a:prstDash val="lgDash"/>
             <a:round/>
-            <a:headEnd len="sm" w="sm" type="none"/>
-            <a:tailEnd len="sm" w="sm" type="none"/>
+            <a:headEnd type="none" w="sm" len="sm"/>
+            <a:tailEnd type="none" w="sm" len="sm"/>
           </a:ln>
         </p:spPr>
         <p:txBody>
-          <a:bodyPr anchorCtr="0" anchor="ctr" bIns="91425" lIns="91425" spcFirstLastPara="1" rIns="91425" wrap="square" tIns="91425">
+          <a:bodyPr spcFirstLastPara="1" wrap="square" lIns="91425" tIns="91425" rIns="91425" bIns="91425" anchor="ctr" anchorCtr="0">
             <a:noAutofit/>
           </a:bodyPr>
           <a:lstStyle/>
           <a:p>
-            <a:pPr indent="0" lvl="0" marL="0" rtl="0" algn="l">
-              <a:spcBef>
-                <a:spcPts val="0"/>
-              </a:spcBef>
-              <a:spcAft>
-                <a:spcPts val="0"/>
-              </a:spcAft>
-              <a:buNone/>
-            </a:pPr>
-            <a:r>
-              <a:t/>
-            </a:r>
+            <a:pPr marL="0" lvl="0" indent="0" algn="l" rtl="0">
+              <a:spcBef>
+                <a:spcPts val="0"/>
+              </a:spcBef>
+              <a:spcAft>
+                <a:spcPts val="0"/>
+              </a:spcAft>
+              <a:buNone/>
+            </a:pPr>
             <a:endParaRPr/>
           </a:p>
         </p:txBody>
@@ -9733,38 +10067,35 @@
           </a:xfrm>
           <a:prstGeom prst="roundRect">
             <a:avLst>
-              <a:gd fmla="val 16667" name="adj"/>
+              <a:gd name="adj" fmla="val 16667"/>
             </a:avLst>
           </a:prstGeom>
           <a:noFill/>
-          <a:ln cap="flat" cmpd="sng" w="9525">
+          <a:ln w="9525" cap="flat" cmpd="sng">
             <a:solidFill>
               <a:srgbClr val="FF9900"/>
             </a:solidFill>
             <a:prstDash val="dash"/>
             <a:round/>
-            <a:headEnd len="sm" w="sm" type="none"/>
-            <a:tailEnd len="sm" w="sm" type="none"/>
+            <a:headEnd type="none" w="sm" len="sm"/>
+            <a:tailEnd type="none" w="sm" len="sm"/>
           </a:ln>
         </p:spPr>
         <p:txBody>
-          <a:bodyPr anchorCtr="0" anchor="ctr" bIns="91425" lIns="91425" spcFirstLastPara="1" rIns="91425" wrap="square" tIns="91425">
+          <a:bodyPr spcFirstLastPara="1" wrap="square" lIns="91425" tIns="91425" rIns="91425" bIns="91425" anchor="ctr" anchorCtr="0">
             <a:noAutofit/>
           </a:bodyPr>
           <a:lstStyle/>
           <a:p>
-            <a:pPr indent="0" lvl="0" marL="0" rtl="0" algn="l">
-              <a:spcBef>
-                <a:spcPts val="0"/>
-              </a:spcBef>
-              <a:spcAft>
-                <a:spcPts val="0"/>
-              </a:spcAft>
-              <a:buNone/>
-            </a:pPr>
-            <a:r>
-              <a:t/>
-            </a:r>
+            <a:pPr marL="0" lvl="0" indent="0" algn="l" rtl="0">
+              <a:spcBef>
+                <a:spcPts val="0"/>
+              </a:spcBef>
+              <a:spcAft>
+                <a:spcPts val="0"/>
+              </a:spcAft>
+              <a:buNone/>
+            </a:pPr>
             <a:endParaRPr/>
           </a:p>
         </p:txBody>
@@ -9800,9 +10131,11 @@
       <p:sp>
         <p:nvSpPr>
           <p:cNvPr id="84" name="Google Shape;84;p15"/>
-          <p:cNvSpPr txBox="1"/>
+          <p:cNvSpPr txBox="1">
+            <a:spLocks noGrp="1"/>
+          </p:cNvSpPr>
           <p:nvPr>
-            <p:ph idx="1" type="body"/>
+            <p:ph type="body" idx="1"/>
           </p:nvPr>
         </p:nvSpPr>
         <p:spPr>
@@ -9815,12 +10148,12 @@
           </a:prstGeom>
         </p:spPr>
         <p:txBody>
-          <a:bodyPr anchorCtr="0" anchor="t" bIns="91425" lIns="91425" spcFirstLastPara="1" rIns="91425" wrap="square" tIns="91425">
+          <a:bodyPr spcFirstLastPara="1" wrap="square" lIns="91425" tIns="91425" rIns="91425" bIns="91425" anchor="t" anchorCtr="0">
             <a:noAutofit/>
           </a:bodyPr>
           <a:lstStyle/>
           <a:p>
-            <a:pPr indent="-304800" lvl="0" marL="457200" rtl="0" algn="l">
+            <a:pPr marL="457200" lvl="0" indent="-304800" algn="l" rtl="0">
               <a:lnSpc>
                 <a:spcPct val="115000"/>
               </a:lnSpc>
@@ -9834,7 +10167,7 @@
               <a:buChar char="✦"/>
             </a:pPr>
             <a:r>
-              <a:rPr b="1" lang="en" sz="1200"/>
+              <a:rPr lang="en" sz="1200" b="1"/>
               <a:t>Cluster AWS EC2</a:t>
             </a:r>
             <a:r>
@@ -9842,7 +10175,7 @@
               <a:t> : </a:t>
             </a:r>
             <a:r>
-              <a:rPr b="1" lang="en" sz="1200"/>
+              <a:rPr lang="en" sz="1200" b="1"/>
               <a:t>4</a:t>
             </a:r>
             <a:r>
@@ -9852,7 +10185,7 @@
             <a:endParaRPr sz="1200"/>
           </a:p>
           <a:p>
-            <a:pPr indent="0" lvl="0" marL="457200" rtl="0" algn="l">
+            <a:pPr marL="457200" lvl="0" indent="0" algn="l" rtl="0">
               <a:lnSpc>
                 <a:spcPct val="100000"/>
               </a:lnSpc>
@@ -9871,7 +10204,7 @@
             <a:endParaRPr sz="1200"/>
           </a:p>
           <a:p>
-            <a:pPr indent="-304800" lvl="0" marL="457200" rtl="0" algn="l">
+            <a:pPr marL="457200" lvl="0" indent="-304800" algn="l" rtl="0">
               <a:lnSpc>
                 <a:spcPct val="115000"/>
               </a:lnSpc>
@@ -9885,19 +10218,15 @@
               <a:buChar char="✦"/>
             </a:pPr>
             <a:r>
-              <a:rPr b="1" lang="en" sz="1200"/>
+              <a:rPr lang="en" sz="1200" b="1"/>
               <a:t>Cassandra</a:t>
             </a:r>
             <a:r>
               <a:rPr lang="en" sz="1200"/>
-              <a:t> 3.09 : </a:t>
+              <a:t> 3.09 : système NoSQL qui privilégie la </a:t>
             </a:r>
             <a:r>
-              <a:rPr lang="en" sz="1200"/>
-              <a:t>système NoSQL qui privilégie la </a:t>
-            </a:r>
-            <a:r>
-              <a:rPr b="1" lang="en" sz="1200" u="sng"/>
+              <a:rPr lang="en" sz="1200" b="1" u="sng"/>
               <a:t>disponibilité</a:t>
             </a:r>
             <a:r>
@@ -9905,7 +10234,7 @@
               <a:t> et la </a:t>
             </a:r>
             <a:r>
-              <a:rPr b="1" lang="en" sz="1200" u="sng"/>
+              <a:rPr lang="en" sz="1200" b="1" u="sng"/>
               <a:t>rapidité d’accès</a:t>
             </a:r>
             <a:r>
@@ -9913,13 +10242,13 @@
               <a:t> aux données plutôt que leur cohérence dans la mesure où les </a:t>
             </a:r>
             <a:r>
-              <a:rPr b="1" lang="en" sz="1200"/>
+              <a:rPr lang="en" sz="1200" b="1"/>
               <a:t>données sont statiques et chargées qu’une seule fois</a:t>
             </a:r>
-            <a:endParaRPr b="1" sz="1200"/>
-          </a:p>
-          <a:p>
-            <a:pPr indent="-304800" lvl="0" marL="457200" rtl="0" algn="l">
+            <a:endParaRPr sz="1200" b="1"/>
+          </a:p>
+          <a:p>
+            <a:pPr marL="457200" lvl="0" indent="-304800" algn="l" rtl="0">
               <a:lnSpc>
                 <a:spcPct val="115000"/>
               </a:lnSpc>
@@ -9937,7 +10266,7 @@
               <a:t>Contrainte de disponibilité des données : possibilité de perdre </a:t>
             </a:r>
             <a:r>
-              <a:rPr b="1" lang="en" sz="1200"/>
+              <a:rPr lang="en" sz="1200" b="1"/>
               <a:t>1</a:t>
             </a:r>
             <a:r>
@@ -9945,7 +10274,7 @@
               <a:t> noeud, donc </a:t>
             </a:r>
             <a:r>
-              <a:rPr b="1" lang="en" sz="1200"/>
+              <a:rPr lang="en" sz="1200" b="1"/>
               <a:t>Replication Factor</a:t>
             </a:r>
             <a:r>
@@ -9953,13 +10282,13 @@
               <a:t> de </a:t>
             </a:r>
             <a:r>
-              <a:rPr b="1" lang="en" sz="1200"/>
+              <a:rPr lang="en" sz="1200" b="1"/>
               <a:t>2</a:t>
             </a:r>
-            <a:endParaRPr b="1" sz="1200"/>
-          </a:p>
-          <a:p>
-            <a:pPr indent="-304800" lvl="0" marL="457200" rtl="0" algn="l">
+            <a:endParaRPr sz="1200" b="1"/>
+          </a:p>
+          <a:p>
+            <a:pPr marL="457200" lvl="0" indent="-304800" algn="l" rtl="0">
               <a:lnSpc>
                 <a:spcPct val="115000"/>
               </a:lnSpc>
@@ -9977,7 +10306,7 @@
               <a:t>Données statiques donc obligation de cohérence faible =&gt;</a:t>
             </a:r>
             <a:r>
-              <a:rPr b="1" lang="en" sz="1200"/>
+              <a:rPr lang="en" sz="1200" b="1"/>
               <a:t>pas de nécessité de cohérence immédiate</a:t>
             </a:r>
             <a:r>
@@ -9987,7 +10316,7 @@
             <a:endParaRPr sz="1200"/>
           </a:p>
           <a:p>
-            <a:pPr indent="0" lvl="0" marL="457200" rtl="0" algn="l">
+            <a:pPr marL="457200" lvl="0" indent="0" algn="l" rtl="0">
               <a:lnSpc>
                 <a:spcPct val="115000"/>
               </a:lnSpc>
@@ -10004,32 +10333,20 @@
               <a:t>Par conséquent : </a:t>
             </a:r>
             <a:r>
-              <a:rPr b="1" lang="en" sz="1200"/>
-              <a:t>O</a:t>
-            </a:r>
-            <a:r>
-              <a:rPr b="1" lang="en" sz="1200"/>
-              <a:t>NE </a:t>
+              <a:rPr lang="en" sz="1200" b="1"/>
+              <a:t>ONE </a:t>
             </a:r>
             <a:r>
               <a:rPr lang="en" sz="1200"/>
               <a:t>en écriture et </a:t>
             </a:r>
             <a:r>
-              <a:rPr b="1" lang="en" sz="1200"/>
+              <a:rPr lang="en" sz="1200" b="1"/>
               <a:t>ONE </a:t>
             </a:r>
             <a:r>
               <a:rPr lang="en" sz="1200"/>
-              <a:t>en lecture (cependant, il n’y aura pas de mécanisme de read repair </a:t>
-            </a:r>
-            <a:r>
-              <a:rPr lang="en" sz="1200"/>
-              <a:t>nécessaire</a:t>
-            </a:r>
-            <a:r>
-              <a:rPr lang="en" sz="1200"/>
-              <a:t>) </a:t>
+              <a:t>en lecture (cependant, il n’y aura pas de mécanisme de read repair nécessaire) </a:t>
             </a:r>
             <a:endParaRPr sz="1200">
               <a:solidFill>
@@ -10054,34 +10371,31 @@
             <a:avLst/>
           </a:prstGeom>
           <a:noFill/>
-          <a:ln cap="flat" cmpd="sng" w="9525">
+          <a:ln w="9525" cap="flat" cmpd="sng">
             <a:solidFill>
               <a:srgbClr val="FF9900"/>
             </a:solidFill>
             <a:prstDash val="solid"/>
             <a:round/>
-            <a:headEnd len="sm" w="sm" type="none"/>
-            <a:tailEnd len="sm" w="sm" type="none"/>
+            <a:headEnd type="none" w="sm" len="sm"/>
+            <a:tailEnd type="none" w="sm" len="sm"/>
           </a:ln>
         </p:spPr>
         <p:txBody>
-          <a:bodyPr anchorCtr="0" anchor="ctr" bIns="91425" lIns="91425" spcFirstLastPara="1" rIns="91425" wrap="square" tIns="91425">
+          <a:bodyPr spcFirstLastPara="1" wrap="square" lIns="91425" tIns="91425" rIns="91425" bIns="91425" anchor="ctr" anchorCtr="0">
             <a:noAutofit/>
           </a:bodyPr>
           <a:lstStyle/>
           <a:p>
-            <a:pPr indent="0" lvl="0" marL="0" rtl="0" algn="l">
-              <a:spcBef>
-                <a:spcPts val="0"/>
-              </a:spcBef>
-              <a:spcAft>
-                <a:spcPts val="0"/>
-              </a:spcAft>
-              <a:buNone/>
-            </a:pPr>
-            <a:r>
-              <a:t/>
-            </a:r>
+            <a:pPr marL="0" lvl="0" indent="0" algn="l" rtl="0">
+              <a:spcBef>
+                <a:spcPts val="0"/>
+              </a:spcBef>
+              <a:spcAft>
+                <a:spcPts val="0"/>
+              </a:spcAft>
+              <a:buNone/>
+            </a:pPr>
             <a:endParaRPr/>
           </a:p>
         </p:txBody>
@@ -10089,7 +10403,9 @@
       <p:sp>
         <p:nvSpPr>
           <p:cNvPr id="86" name="Google Shape;86;p15"/>
-          <p:cNvSpPr txBox="1"/>
+          <p:cNvSpPr txBox="1">
+            <a:spLocks noGrp="1"/>
+          </p:cNvSpPr>
           <p:nvPr>
             <p:ph type="title"/>
           </p:nvPr>
@@ -10104,12 +10420,12 @@
           </a:prstGeom>
         </p:spPr>
         <p:txBody>
-          <a:bodyPr anchorCtr="0" anchor="t" bIns="91425" lIns="91425" spcFirstLastPara="1" rIns="91425" wrap="square" tIns="91425">
+          <a:bodyPr spcFirstLastPara="1" wrap="square" lIns="91425" tIns="91425" rIns="91425" bIns="91425" anchor="t" anchorCtr="0">
             <a:noAutofit/>
           </a:bodyPr>
           <a:lstStyle/>
           <a:p>
-            <a:pPr indent="0" lvl="0" marL="0" rtl="0" algn="l">
+            <a:pPr marL="0" lvl="0" indent="0" algn="l" rtl="0">
               <a:spcBef>
                 <a:spcPts val="0"/>
               </a:spcBef>
@@ -10191,11 +10507,11 @@
 </file>
 
 <file path=ppt/slides/slide4.xml><?xml version="1.0" encoding="utf-8"?>
-<p:sld xmlns:a="http://schemas.openxmlformats.org/drawingml/2006/main" xmlns:r="http://schemas.openxmlformats.org/officeDocument/2006/relationships" xmlns:mc="http://schemas.openxmlformats.org/markup-compatibility/2006" xmlns:mv="urn:schemas-microsoft-com:mac:vml" xmlns:p="http://schemas.openxmlformats.org/presentationml/2006/main" xmlns:c="http://schemas.openxmlformats.org/drawingml/2006/chart" xmlns:dgm="http://schemas.openxmlformats.org/drawingml/2006/diagram" xmlns:o="urn:schemas-microsoft-com:office:office" xmlns:v="urn:schemas-microsoft-com:vml" xmlns:pvml="urn:schemas-microsoft-com:office:powerpoint" xmlns:com="http://schemas.openxmlformats.org/drawingml/2006/compatibility" xmlns:p14="http://schemas.microsoft.com/office/powerpoint/2010/main" xmlns:p15="http://schemas.microsoft.com/office/powerpoint/2012/main" xmlns:ahyp="http://schemas.microsoft.com/office/drawing/2018/hyperlinkcolor">
+<p:sld xmlns:a="http://schemas.openxmlformats.org/drawingml/2006/main" xmlns:r="http://schemas.openxmlformats.org/officeDocument/2006/relationships" xmlns:p="http://schemas.openxmlformats.org/presentationml/2006/main">
   <p:cSld>
     <p:spTree>
       <p:nvGrpSpPr>
-        <p:cNvPr id="92" name="Shape 92"/>
+        <p:cNvPr id="1" name="Shape 92"/>
         <p:cNvGrpSpPr/>
         <p:nvPr/>
       </p:nvGrpSpPr>
@@ -10210,7 +10526,9 @@
       <p:sp>
         <p:nvSpPr>
           <p:cNvPr id="93" name="Google Shape;93;p16"/>
-          <p:cNvSpPr txBox="1"/>
+          <p:cNvSpPr txBox="1">
+            <a:spLocks noGrp="1"/>
+          </p:cNvSpPr>
           <p:nvPr>
             <p:ph type="title"/>
           </p:nvPr>
@@ -10225,12 +10543,12 @@
           </a:prstGeom>
         </p:spPr>
         <p:txBody>
-          <a:bodyPr anchorCtr="0" anchor="t" bIns="91425" lIns="91425" spcFirstLastPara="1" rIns="91425" wrap="square" tIns="91425">
+          <a:bodyPr spcFirstLastPara="1" wrap="square" lIns="91425" tIns="91425" rIns="91425" bIns="91425" anchor="t" anchorCtr="0">
             <a:noAutofit/>
           </a:bodyPr>
           <a:lstStyle/>
           <a:p>
-            <a:pPr indent="0" lvl="0" marL="0" rtl="0" algn="l">
+            <a:pPr marL="0" lvl="0" indent="0" algn="l" rtl="0">
               <a:spcBef>
                 <a:spcPts val="0"/>
               </a:spcBef>
@@ -10262,34 +10580,31 @@
             <a:avLst/>
           </a:prstGeom>
           <a:noFill/>
-          <a:ln cap="flat" cmpd="sng" w="9525">
+          <a:ln w="9525" cap="flat" cmpd="sng">
             <a:solidFill>
               <a:srgbClr val="FF9900"/>
             </a:solidFill>
             <a:prstDash val="solid"/>
             <a:round/>
-            <a:headEnd len="sm" w="sm" type="none"/>
-            <a:tailEnd len="sm" w="sm" type="none"/>
+            <a:headEnd type="none" w="sm" len="sm"/>
+            <a:tailEnd type="none" w="sm" len="sm"/>
           </a:ln>
         </p:spPr>
         <p:txBody>
-          <a:bodyPr anchorCtr="0" anchor="ctr" bIns="91425" lIns="91425" spcFirstLastPara="1" rIns="91425" wrap="square" tIns="91425">
+          <a:bodyPr spcFirstLastPara="1" wrap="square" lIns="91425" tIns="91425" rIns="91425" bIns="91425" anchor="ctr" anchorCtr="0">
             <a:noAutofit/>
           </a:bodyPr>
           <a:lstStyle/>
           <a:p>
-            <a:pPr indent="0" lvl="0" marL="0" rtl="0" algn="l">
-              <a:spcBef>
-                <a:spcPts val="0"/>
-              </a:spcBef>
-              <a:spcAft>
-                <a:spcPts val="0"/>
-              </a:spcAft>
-              <a:buNone/>
-            </a:pPr>
-            <a:r>
-              <a:t/>
-            </a:r>
+            <a:pPr marL="0" lvl="0" indent="0" algn="l" rtl="0">
+              <a:spcBef>
+                <a:spcPts val="0"/>
+              </a:spcBef>
+              <a:spcAft>
+                <a:spcPts val="0"/>
+              </a:spcAft>
+              <a:buNone/>
+            </a:pPr>
             <a:endParaRPr/>
           </a:p>
         </p:txBody>
@@ -10311,34 +10626,31 @@
           <a:solidFill>
             <a:schemeClr val="lt2"/>
           </a:solidFill>
-          <a:ln cap="flat" cmpd="sng" w="9525">
+          <a:ln w="9525" cap="flat" cmpd="sng">
             <a:solidFill>
               <a:srgbClr val="0000FF"/>
             </a:solidFill>
             <a:prstDash val="solid"/>
             <a:round/>
-            <a:headEnd len="sm" w="sm" type="none"/>
-            <a:tailEnd len="sm" w="sm" type="none"/>
+            <a:headEnd type="none" w="sm" len="sm"/>
+            <a:tailEnd type="none" w="sm" len="sm"/>
           </a:ln>
         </p:spPr>
         <p:txBody>
-          <a:bodyPr anchorCtr="0" anchor="ctr" bIns="91425" lIns="91425" spcFirstLastPara="1" rIns="91425" wrap="square" tIns="91425">
+          <a:bodyPr spcFirstLastPara="1" wrap="square" lIns="91425" tIns="91425" rIns="91425" bIns="91425" anchor="ctr" anchorCtr="0">
             <a:noAutofit/>
           </a:bodyPr>
           <a:lstStyle/>
           <a:p>
-            <a:pPr indent="0" lvl="0" marL="0" rtl="0" algn="l">
-              <a:spcBef>
-                <a:spcPts val="0"/>
-              </a:spcBef>
-              <a:spcAft>
-                <a:spcPts val="0"/>
-              </a:spcAft>
-              <a:buNone/>
-            </a:pPr>
-            <a:r>
-              <a:t/>
-            </a:r>
+            <a:pPr marL="0" lvl="0" indent="0" algn="l" rtl="0">
+              <a:spcBef>
+                <a:spcPts val="0"/>
+              </a:spcBef>
+              <a:spcAft>
+                <a:spcPts val="0"/>
+              </a:spcAft>
+              <a:buNone/>
+            </a:pPr>
             <a:endParaRPr/>
           </a:p>
         </p:txBody>
@@ -10363,12 +10675,12 @@
           </a:ln>
         </p:spPr>
         <p:txBody>
-          <a:bodyPr anchorCtr="0" anchor="t" bIns="91425" lIns="91425" spcFirstLastPara="1" rIns="91425" wrap="square" tIns="91425">
+          <a:bodyPr spcFirstLastPara="1" wrap="square" lIns="91425" tIns="91425" rIns="91425" bIns="91425" anchor="t" anchorCtr="0">
             <a:noAutofit/>
           </a:bodyPr>
           <a:lstStyle/>
           <a:p>
-            <a:pPr indent="0" lvl="0" marL="0" rtl="0" algn="l">
+            <a:pPr marL="0" lvl="0" indent="0" algn="l" rtl="0">
               <a:spcBef>
                 <a:spcPts val="0"/>
               </a:spcBef>
@@ -10428,14 +10740,14 @@
             <a:avLst/>
           </a:prstGeom>
           <a:noFill/>
-          <a:ln cap="flat" cmpd="sng" w="9525">
+          <a:ln w="9525" cap="flat" cmpd="sng">
             <a:solidFill>
               <a:schemeClr val="dk2"/>
             </a:solidFill>
             <a:prstDash val="solid"/>
             <a:round/>
-            <a:headEnd len="med" w="med" type="none"/>
-            <a:tailEnd len="med" w="med" type="triangle"/>
+            <a:headEnd type="none" w="med" len="med"/>
+            <a:tailEnd type="triangle" w="med" len="med"/>
           </a:ln>
         </p:spPr>
       </p:cxnSp>
@@ -10510,14 +10822,14 @@
             <a:avLst/>
           </a:prstGeom>
           <a:noFill/>
-          <a:ln cap="flat" cmpd="sng" w="9525">
+          <a:ln w="9525" cap="flat" cmpd="sng">
             <a:solidFill>
               <a:schemeClr val="dk2"/>
             </a:solidFill>
             <a:prstDash val="solid"/>
             <a:round/>
-            <a:headEnd len="med" w="med" type="none"/>
-            <a:tailEnd len="med" w="med" type="triangle"/>
+            <a:headEnd type="none" w="med" len="med"/>
+            <a:tailEnd type="triangle" w="med" len="med"/>
           </a:ln>
         </p:spPr>
       </p:cxnSp>
@@ -10564,14 +10876,14 @@
             <a:avLst/>
           </a:prstGeom>
           <a:noFill/>
-          <a:ln cap="flat" cmpd="sng" w="9525">
+          <a:ln w="9525" cap="flat" cmpd="sng">
             <a:solidFill>
               <a:schemeClr val="dk2"/>
             </a:solidFill>
             <a:prstDash val="solid"/>
             <a:round/>
-            <a:headEnd len="med" w="med" type="none"/>
-            <a:tailEnd len="med" w="med" type="triangle"/>
+            <a:headEnd type="none" w="med" len="med"/>
+            <a:tailEnd type="triangle" w="med" len="med"/>
           </a:ln>
         </p:spPr>
       </p:cxnSp>
@@ -10590,14 +10902,14 @@
             <a:avLst/>
           </a:prstGeom>
           <a:noFill/>
-          <a:ln cap="flat" cmpd="sng" w="9525">
+          <a:ln w="9525" cap="flat" cmpd="sng">
             <a:solidFill>
               <a:schemeClr val="dk2"/>
             </a:solidFill>
             <a:prstDash val="solid"/>
             <a:round/>
-            <a:headEnd len="med" w="med" type="none"/>
-            <a:tailEnd len="med" w="med" type="triangle"/>
+            <a:headEnd type="none" w="med" len="med"/>
+            <a:tailEnd type="triangle" w="med" len="med"/>
           </a:ln>
         </p:spPr>
       </p:cxnSp>
@@ -10610,7 +10922,7 @@
           <p:nvPr/>
         </p:nvCxnSpPr>
         <p:spPr>
-          <a:xfrm flipH="1" rot="10800000">
+          <a:xfrm rot="10800000" flipH="1">
             <a:off x="5319763" y="1832868"/>
             <a:ext cx="260700" cy="929700"/>
           </a:xfrm>
@@ -10618,14 +10930,14 @@
             <a:avLst/>
           </a:prstGeom>
           <a:noFill/>
-          <a:ln cap="flat" cmpd="sng" w="9525">
+          <a:ln w="9525" cap="flat" cmpd="sng">
             <a:solidFill>
               <a:schemeClr val="dk2"/>
             </a:solidFill>
             <a:prstDash val="solid"/>
             <a:round/>
-            <a:headEnd len="med" w="med" type="none"/>
-            <a:tailEnd len="med" w="med" type="triangle"/>
+            <a:headEnd type="none" w="med" len="med"/>
+            <a:tailEnd type="triangle" w="med" len="med"/>
           </a:ln>
         </p:spPr>
       </p:cxnSp>
@@ -10646,14 +10958,14 @@
             <a:avLst/>
           </a:prstGeom>
           <a:noFill/>
-          <a:ln cap="flat" cmpd="sng" w="9525">
+          <a:ln w="9525" cap="flat" cmpd="sng">
             <a:solidFill>
               <a:schemeClr val="dk2"/>
             </a:solidFill>
             <a:prstDash val="solid"/>
             <a:round/>
-            <a:headEnd len="med" w="med" type="none"/>
-            <a:tailEnd len="med" w="med" type="triangle"/>
+            <a:headEnd type="none" w="med" len="med"/>
+            <a:tailEnd type="triangle" w="med" len="med"/>
           </a:ln>
         </p:spPr>
       </p:cxnSp>
@@ -10786,14 +11098,14 @@
             <a:avLst/>
           </a:prstGeom>
           <a:noFill/>
-          <a:ln cap="flat" cmpd="sng" w="9525">
+          <a:ln w="9525" cap="flat" cmpd="sng">
             <a:solidFill>
               <a:schemeClr val="dk2"/>
             </a:solidFill>
             <a:prstDash val="solid"/>
             <a:round/>
-            <a:headEnd len="med" w="med" type="none"/>
-            <a:tailEnd len="med" w="med" type="triangle"/>
+            <a:headEnd type="none" w="med" len="med"/>
+            <a:tailEnd type="triangle" w="med" len="med"/>
           </a:ln>
         </p:spPr>
       </p:cxnSp>
@@ -11006,29 +11318,29 @@
           </a:xfrm>
           <a:prstGeom prst="roundRect">
             <a:avLst>
-              <a:gd fmla="val 16667" name="adj"/>
+              <a:gd name="adj" fmla="val 16667"/>
             </a:avLst>
           </a:prstGeom>
           <a:solidFill>
             <a:schemeClr val="lt2"/>
           </a:solidFill>
-          <a:ln cap="flat" cmpd="sng" w="9525">
+          <a:ln w="9525" cap="flat" cmpd="sng">
             <a:solidFill>
               <a:schemeClr val="dk2"/>
             </a:solidFill>
             <a:prstDash val="solid"/>
             <a:round/>
-            <a:headEnd len="sm" w="sm" type="none"/>
-            <a:tailEnd len="sm" w="sm" type="none"/>
+            <a:headEnd type="none" w="sm" len="sm"/>
+            <a:tailEnd type="none" w="sm" len="sm"/>
           </a:ln>
         </p:spPr>
         <p:txBody>
-          <a:bodyPr anchorCtr="0" anchor="ctr" bIns="91425" lIns="91425" spcFirstLastPara="1" rIns="91425" wrap="square" tIns="91425">
+          <a:bodyPr spcFirstLastPara="1" wrap="square" lIns="91425" tIns="91425" rIns="91425" bIns="91425" anchor="ctr" anchorCtr="0">
             <a:noAutofit/>
           </a:bodyPr>
           <a:lstStyle/>
           <a:p>
-            <a:pPr indent="0" lvl="0" marL="0" rtl="0" algn="ctr">
+            <a:pPr marL="0" lvl="0" indent="0" algn="ctr" rtl="0">
               <a:spcBef>
                 <a:spcPts val="0"/>
               </a:spcBef>
@@ -11057,7 +11369,7 @@
             </a:endParaRPr>
           </a:p>
           <a:p>
-            <a:pPr indent="0" lvl="0" marL="0" rtl="0" algn="ctr">
+            <a:pPr marL="0" lvl="0" indent="0" algn="ctr" rtl="0">
               <a:spcBef>
                 <a:spcPts val="0"/>
               </a:spcBef>
@@ -11096,29 +11408,29 @@
           </a:xfrm>
           <a:prstGeom prst="roundRect">
             <a:avLst>
-              <a:gd fmla="val 16667" name="adj"/>
+              <a:gd name="adj" fmla="val 16667"/>
             </a:avLst>
           </a:prstGeom>
           <a:solidFill>
             <a:schemeClr val="lt2"/>
           </a:solidFill>
-          <a:ln cap="flat" cmpd="sng" w="9525">
+          <a:ln w="9525" cap="flat" cmpd="sng">
             <a:solidFill>
               <a:schemeClr val="dk2"/>
             </a:solidFill>
             <a:prstDash val="solid"/>
             <a:round/>
-            <a:headEnd len="sm" w="sm" type="none"/>
-            <a:tailEnd len="sm" w="sm" type="none"/>
+            <a:headEnd type="none" w="sm" len="sm"/>
+            <a:tailEnd type="none" w="sm" len="sm"/>
           </a:ln>
         </p:spPr>
         <p:txBody>
-          <a:bodyPr anchorCtr="0" anchor="ctr" bIns="91425" lIns="91425" spcFirstLastPara="1" rIns="91425" wrap="square" tIns="91425">
+          <a:bodyPr spcFirstLastPara="1" wrap="square" lIns="91425" tIns="91425" rIns="91425" bIns="91425" anchor="ctr" anchorCtr="0">
             <a:noAutofit/>
           </a:bodyPr>
           <a:lstStyle/>
           <a:p>
-            <a:pPr indent="0" lvl="0" marL="0" rtl="0" algn="ctr">
+            <a:pPr marL="0" lvl="0" indent="0" algn="ctr" rtl="0">
               <a:spcBef>
                 <a:spcPts val="0"/>
               </a:spcBef>
@@ -11142,7 +11454,7 @@
             </a:endParaRPr>
           </a:p>
           <a:p>
-            <a:pPr indent="0" lvl="0" marL="0" rtl="0" algn="ctr">
+            <a:pPr marL="0" lvl="0" indent="0" algn="ctr" rtl="0">
               <a:spcBef>
                 <a:spcPts val="0"/>
               </a:spcBef>
@@ -11176,29 +11488,29 @@
           </a:xfrm>
           <a:prstGeom prst="roundRect">
             <a:avLst>
-              <a:gd fmla="val 16667" name="adj"/>
+              <a:gd name="adj" fmla="val 16667"/>
             </a:avLst>
           </a:prstGeom>
           <a:solidFill>
             <a:schemeClr val="lt2"/>
           </a:solidFill>
-          <a:ln cap="flat" cmpd="sng" w="9525">
+          <a:ln w="9525" cap="flat" cmpd="sng">
             <a:solidFill>
               <a:schemeClr val="dk2"/>
             </a:solidFill>
             <a:prstDash val="solid"/>
             <a:round/>
-            <a:headEnd len="sm" w="sm" type="none"/>
-            <a:tailEnd len="sm" w="sm" type="none"/>
+            <a:headEnd type="none" w="sm" len="sm"/>
+            <a:tailEnd type="none" w="sm" len="sm"/>
           </a:ln>
         </p:spPr>
         <p:txBody>
-          <a:bodyPr anchorCtr="0" anchor="ctr" bIns="91425" lIns="91425" spcFirstLastPara="1" rIns="91425" wrap="square" tIns="91425">
+          <a:bodyPr spcFirstLastPara="1" wrap="square" lIns="91425" tIns="91425" rIns="91425" bIns="91425" anchor="ctr" anchorCtr="0">
             <a:noAutofit/>
           </a:bodyPr>
           <a:lstStyle/>
           <a:p>
-            <a:pPr indent="0" lvl="0" marL="0" rtl="0" algn="ctr">
+            <a:pPr marL="0" lvl="0" indent="0" algn="ctr" rtl="0">
               <a:spcBef>
                 <a:spcPts val="0"/>
               </a:spcBef>
@@ -11222,7 +11534,7 @@
             </a:endParaRPr>
           </a:p>
           <a:p>
-            <a:pPr indent="0" lvl="0" marL="0" rtl="0" algn="ctr">
+            <a:pPr marL="0" lvl="0" indent="0" algn="ctr" rtl="0">
               <a:spcBef>
                 <a:spcPts val="0"/>
               </a:spcBef>
@@ -11256,27 +11568,27 @@
           </a:xfrm>
           <a:prstGeom prst="roundRect">
             <a:avLst>
-              <a:gd fmla="val 16667" name="adj"/>
+              <a:gd name="adj" fmla="val 16667"/>
             </a:avLst>
           </a:prstGeom>
           <a:noFill/>
-          <a:ln cap="flat" cmpd="sng" w="9525">
+          <a:ln w="9525" cap="flat" cmpd="sng">
             <a:solidFill>
               <a:schemeClr val="dk2"/>
             </a:solidFill>
             <a:prstDash val="solid"/>
             <a:round/>
-            <a:headEnd len="sm" w="sm" type="none"/>
-            <a:tailEnd len="sm" w="sm" type="none"/>
+            <a:headEnd type="none" w="sm" len="sm"/>
+            <a:tailEnd type="none" w="sm" len="sm"/>
           </a:ln>
         </p:spPr>
         <p:txBody>
-          <a:bodyPr anchorCtr="0" anchor="ctr" bIns="91425" lIns="91425" spcFirstLastPara="1" rIns="91425" wrap="square" tIns="91425">
+          <a:bodyPr spcFirstLastPara="1" wrap="square" lIns="91425" tIns="91425" rIns="91425" bIns="91425" anchor="ctr" anchorCtr="0">
             <a:noAutofit/>
           </a:bodyPr>
           <a:lstStyle/>
           <a:p>
-            <a:pPr indent="0" lvl="0" marL="0" rtl="0" algn="l">
+            <a:pPr marL="0" lvl="0" indent="0" algn="l" rtl="0">
               <a:spcBef>
                 <a:spcPts val="0"/>
               </a:spcBef>
@@ -11305,7 +11617,7 @@
             </a:endParaRPr>
           </a:p>
           <a:p>
-            <a:pPr indent="-304800" lvl="0" marL="457200" rtl="0" algn="l">
+            <a:pPr marL="457200" lvl="0" indent="-304800" algn="l" rtl="0">
               <a:spcBef>
                 <a:spcPts val="0"/>
               </a:spcBef>
@@ -11333,7 +11645,7 @@
             </a:endParaRPr>
           </a:p>
           <a:p>
-            <a:pPr indent="-304800" lvl="0" marL="457200" rtl="0" algn="l">
+            <a:pPr marL="457200" lvl="0" indent="-304800" algn="l" rtl="0">
               <a:spcBef>
                 <a:spcPts val="0"/>
               </a:spcBef>
@@ -11361,7 +11673,7 @@
             </a:endParaRPr>
           </a:p>
           <a:p>
-            <a:pPr indent="-304800" lvl="0" marL="457200" rtl="0" algn="l">
+            <a:pPr marL="457200" lvl="0" indent="-304800" algn="l" rtl="0">
               <a:spcBef>
                 <a:spcPts val="0"/>
               </a:spcBef>
@@ -11399,27 +11711,27 @@
           </a:xfrm>
           <a:prstGeom prst="roundRect">
             <a:avLst>
-              <a:gd fmla="val 16667" name="adj"/>
+              <a:gd name="adj" fmla="val 16667"/>
             </a:avLst>
           </a:prstGeom>
           <a:noFill/>
-          <a:ln cap="flat" cmpd="sng" w="9525">
+          <a:ln w="9525" cap="flat" cmpd="sng">
             <a:solidFill>
               <a:schemeClr val="dk2"/>
             </a:solidFill>
             <a:prstDash val="solid"/>
             <a:round/>
-            <a:headEnd len="sm" w="sm" type="none"/>
-            <a:tailEnd len="sm" w="sm" type="none"/>
+            <a:headEnd type="none" w="sm" len="sm"/>
+            <a:tailEnd type="none" w="sm" len="sm"/>
           </a:ln>
         </p:spPr>
         <p:txBody>
-          <a:bodyPr anchorCtr="0" anchor="ctr" bIns="91425" lIns="91425" spcFirstLastPara="1" rIns="91425" wrap="square" tIns="91425">
+          <a:bodyPr spcFirstLastPara="1" wrap="square" lIns="91425" tIns="91425" rIns="91425" bIns="91425" anchor="ctr" anchorCtr="0">
             <a:noAutofit/>
           </a:bodyPr>
           <a:lstStyle/>
           <a:p>
-            <a:pPr indent="0" lvl="0" marL="0" rtl="0" algn="ctr">
+            <a:pPr marL="0" lvl="0" indent="0" algn="ctr" rtl="0">
               <a:spcBef>
                 <a:spcPts val="0"/>
               </a:spcBef>
@@ -11486,27 +11798,27 @@
           </a:xfrm>
           <a:prstGeom prst="roundRect">
             <a:avLst>
-              <a:gd fmla="val 16667" name="adj"/>
+              <a:gd name="adj" fmla="val 16667"/>
             </a:avLst>
           </a:prstGeom>
           <a:noFill/>
-          <a:ln cap="flat" cmpd="sng" w="9525">
+          <a:ln w="9525" cap="flat" cmpd="sng">
             <a:solidFill>
               <a:schemeClr val="dk2"/>
             </a:solidFill>
             <a:prstDash val="solid"/>
             <a:round/>
-            <a:headEnd len="sm" w="sm" type="none"/>
-            <a:tailEnd len="sm" w="sm" type="none"/>
+            <a:headEnd type="none" w="sm" len="sm"/>
+            <a:tailEnd type="none" w="sm" len="sm"/>
           </a:ln>
         </p:spPr>
         <p:txBody>
-          <a:bodyPr anchorCtr="0" anchor="ctr" bIns="91425" lIns="91425" spcFirstLastPara="1" rIns="91425" wrap="square" tIns="91425">
+          <a:bodyPr spcFirstLastPara="1" wrap="square" lIns="91425" tIns="91425" rIns="91425" bIns="91425" anchor="ctr" anchorCtr="0">
             <a:noAutofit/>
           </a:bodyPr>
           <a:lstStyle/>
           <a:p>
-            <a:pPr indent="0" lvl="0" marL="0" rtl="0" algn="ctr">
+            <a:pPr marL="0" lvl="0" indent="0" algn="ctr" rtl="0">
               <a:spcBef>
                 <a:spcPts val="0"/>
               </a:spcBef>
@@ -11536,11 +11848,11 @@
 </file>
 
 <file path=ppt/slides/slide5.xml><?xml version="1.0" encoding="utf-8"?>
-<p:sld xmlns:a="http://schemas.openxmlformats.org/drawingml/2006/main" xmlns:r="http://schemas.openxmlformats.org/officeDocument/2006/relationships" xmlns:mc="http://schemas.openxmlformats.org/markup-compatibility/2006" xmlns:mv="urn:schemas-microsoft-com:mac:vml" xmlns:p="http://schemas.openxmlformats.org/presentationml/2006/main" xmlns:c="http://schemas.openxmlformats.org/drawingml/2006/chart" xmlns:dgm="http://schemas.openxmlformats.org/drawingml/2006/diagram" xmlns:o="urn:schemas-microsoft-com:office:office" xmlns:v="urn:schemas-microsoft-com:vml" xmlns:pvml="urn:schemas-microsoft-com:office:powerpoint" xmlns:com="http://schemas.openxmlformats.org/drawingml/2006/compatibility" xmlns:p14="http://schemas.microsoft.com/office/powerpoint/2010/main" xmlns:p15="http://schemas.microsoft.com/office/powerpoint/2012/main" xmlns:ahyp="http://schemas.microsoft.com/office/drawing/2018/hyperlinkcolor">
+<p:sld xmlns:a="http://schemas.openxmlformats.org/drawingml/2006/main" xmlns:r="http://schemas.openxmlformats.org/officeDocument/2006/relationships" xmlns:p="http://schemas.openxmlformats.org/presentationml/2006/main">
   <p:cSld>
     <p:spTree>
       <p:nvGrpSpPr>
-        <p:cNvPr id="131" name="Shape 131"/>
+        <p:cNvPr id="1" name="Shape 131"/>
         <p:cNvGrpSpPr/>
         <p:nvPr/>
       </p:nvGrpSpPr>
@@ -11555,7 +11867,9 @@
       <p:sp>
         <p:nvSpPr>
           <p:cNvPr id="132" name="Google Shape;132;p17"/>
-          <p:cNvSpPr txBox="1"/>
+          <p:cNvSpPr txBox="1">
+            <a:spLocks noGrp="1"/>
+          </p:cNvSpPr>
           <p:nvPr>
             <p:ph type="title"/>
           </p:nvPr>
@@ -11570,12 +11884,12 @@
           </a:prstGeom>
         </p:spPr>
         <p:txBody>
-          <a:bodyPr anchorCtr="0" anchor="t" bIns="91425" lIns="91425" spcFirstLastPara="1" rIns="91425" wrap="square" tIns="91425">
+          <a:bodyPr spcFirstLastPara="1" wrap="square" lIns="91425" tIns="91425" rIns="91425" bIns="91425" anchor="t" anchorCtr="0">
             <a:noAutofit/>
           </a:bodyPr>
           <a:lstStyle/>
           <a:p>
-            <a:pPr indent="0" lvl="0" marL="0" rtl="0" algn="l">
+            <a:pPr marL="0" lvl="0" indent="0" algn="l" rtl="0">
               <a:spcBef>
                 <a:spcPts val="0"/>
               </a:spcBef>
@@ -11612,12 +11926,12 @@
           </a:ln>
         </p:spPr>
         <p:txBody>
-          <a:bodyPr anchorCtr="0" anchor="t" bIns="91425" lIns="91425" spcFirstLastPara="1" rIns="91425" wrap="square" tIns="91425">
+          <a:bodyPr spcFirstLastPara="1" wrap="square" lIns="91425" tIns="91425" rIns="91425" bIns="91425" anchor="t" anchorCtr="0">
             <a:spAutoFit/>
           </a:bodyPr>
           <a:lstStyle/>
           <a:p>
-            <a:pPr indent="-317500" lvl="0" marL="457200" rtl="0" algn="l">
+            <a:pPr marL="457200" lvl="0" indent="-317500" algn="l" rtl="0">
               <a:lnSpc>
                 <a:spcPct val="115000"/>
               </a:lnSpc>
@@ -11634,36 +11948,12 @@
               <a:buChar char="✦"/>
             </a:pPr>
             <a:r>
-              <a:rPr b="1" lang="en">
+              <a:rPr lang="en" b="1">
                 <a:solidFill>
                   <a:srgbClr val="434343"/>
                 </a:solidFill>
               </a:rPr>
-              <a:t>Fichiers parquet</a:t>
-            </a:r>
-            <a:r>
-              <a:rPr b="1" lang="en">
-                <a:solidFill>
-                  <a:srgbClr val="434343"/>
-                </a:solidFill>
-              </a:rPr>
-              <a:t> (p</a:t>
-            </a:r>
-            <a:r>
-              <a:rPr b="1" lang="en">
-                <a:solidFill>
-                  <a:srgbClr val="434343"/>
-                </a:solidFill>
-              </a:rPr>
-              <a:t>remier stockage) </a:t>
-            </a:r>
-            <a:r>
-              <a:rPr b="1" lang="en">
-                <a:solidFill>
-                  <a:srgbClr val="434343"/>
-                </a:solidFill>
-              </a:rPr>
-              <a:t>:</a:t>
+              <a:t>Fichiers parquet (premier stockage) :</a:t>
             </a:r>
             <a:endParaRPr b="1">
               <a:solidFill>
@@ -11672,7 +11962,7 @@
             </a:endParaRPr>
           </a:p>
           <a:p>
-            <a:pPr indent="-317500" lvl="0" marL="457200" rtl="0" algn="l">
+            <a:pPr marL="457200" lvl="0" indent="-317500" algn="l" rtl="0">
               <a:lnSpc>
                 <a:spcPct val="115000"/>
               </a:lnSpc>
@@ -11703,7 +11993,7 @@
             </a:endParaRPr>
           </a:p>
           <a:p>
-            <a:pPr indent="-317500" lvl="0" marL="457200" rtl="0" algn="l">
+            <a:pPr marL="457200" lvl="0" indent="-317500" algn="l" rtl="0">
               <a:lnSpc>
                 <a:spcPct val="115000"/>
               </a:lnSpc>
@@ -11734,7 +12024,7 @@
             </a:endParaRPr>
           </a:p>
           <a:p>
-            <a:pPr indent="-349250" lvl="0" marL="457200" rtl="0" algn="l">
+            <a:pPr marL="457200" lvl="0" indent="-349250" algn="l" rtl="0">
               <a:lnSpc>
                 <a:spcPct val="150000"/>
               </a:lnSpc>
@@ -11803,11 +12093,11 @@
 </file>
 
 <file path=ppt/slides/slide6.xml><?xml version="1.0" encoding="utf-8"?>
-<p:sld xmlns:a="http://schemas.openxmlformats.org/drawingml/2006/main" xmlns:r="http://schemas.openxmlformats.org/officeDocument/2006/relationships" xmlns:mc="http://schemas.openxmlformats.org/markup-compatibility/2006" xmlns:mv="urn:schemas-microsoft-com:mac:vml" xmlns:p="http://schemas.openxmlformats.org/presentationml/2006/main" xmlns:c="http://schemas.openxmlformats.org/drawingml/2006/chart" xmlns:dgm="http://schemas.openxmlformats.org/drawingml/2006/diagram" xmlns:o="urn:schemas-microsoft-com:office:office" xmlns:v="urn:schemas-microsoft-com:vml" xmlns:pvml="urn:schemas-microsoft-com:office:powerpoint" xmlns:com="http://schemas.openxmlformats.org/drawingml/2006/compatibility" xmlns:p14="http://schemas.microsoft.com/office/powerpoint/2010/main" xmlns:p15="http://schemas.microsoft.com/office/powerpoint/2012/main" xmlns:ahyp="http://schemas.microsoft.com/office/drawing/2018/hyperlinkcolor">
+<p:sld xmlns:a="http://schemas.openxmlformats.org/drawingml/2006/main" xmlns:r="http://schemas.openxmlformats.org/officeDocument/2006/relationships" xmlns:p="http://schemas.openxmlformats.org/presentationml/2006/main">
   <p:cSld>
     <p:spTree>
       <p:nvGrpSpPr>
-        <p:cNvPr id="138" name="Shape 138"/>
+        <p:cNvPr id="1" name="Shape 138"/>
         <p:cNvGrpSpPr/>
         <p:nvPr/>
       </p:nvGrpSpPr>
@@ -11822,7 +12112,9 @@
       <p:sp>
         <p:nvSpPr>
           <p:cNvPr id="139" name="Google Shape;139;p18"/>
-          <p:cNvSpPr txBox="1"/>
+          <p:cNvSpPr txBox="1">
+            <a:spLocks noGrp="1"/>
+          </p:cNvSpPr>
           <p:nvPr>
             <p:ph type="title"/>
           </p:nvPr>
@@ -11837,12 +12129,12 @@
           </a:prstGeom>
         </p:spPr>
         <p:txBody>
-          <a:bodyPr anchorCtr="0" anchor="t" bIns="91425" lIns="91425" spcFirstLastPara="1" rIns="91425" wrap="square" tIns="91425">
+          <a:bodyPr spcFirstLastPara="1" wrap="square" lIns="91425" tIns="91425" rIns="91425" bIns="91425" anchor="t" anchorCtr="0">
             <a:noAutofit/>
           </a:bodyPr>
           <a:lstStyle/>
           <a:p>
-            <a:pPr indent="0" lvl="0" marL="0" rtl="0" algn="l">
+            <a:pPr marL="0" lvl="0" indent="0" algn="l" rtl="0">
               <a:spcBef>
                 <a:spcPts val="0"/>
               </a:spcBef>
@@ -11879,12 +12171,12 @@
           </a:ln>
         </p:spPr>
         <p:txBody>
-          <a:bodyPr anchorCtr="0" anchor="t" bIns="91425" lIns="91425" spcFirstLastPara="1" rIns="91425" wrap="square" tIns="91425">
+          <a:bodyPr spcFirstLastPara="1" wrap="square" lIns="91425" tIns="91425" rIns="91425" bIns="91425" anchor="t" anchorCtr="0">
             <a:spAutoFit/>
           </a:bodyPr>
           <a:lstStyle/>
           <a:p>
-            <a:pPr indent="-317500" lvl="0" marL="457200" rtl="0" algn="l">
+            <a:pPr marL="457200" lvl="0" indent="-317500" algn="l" rtl="0">
               <a:lnSpc>
                 <a:spcPct val="115000"/>
               </a:lnSpc>
@@ -11901,7 +12193,7 @@
               <a:buChar char="✦"/>
             </a:pPr>
             <a:r>
-              <a:rPr b="1" lang="en">
+              <a:rPr lang="en" b="1">
                 <a:solidFill>
                   <a:srgbClr val="434343"/>
                 </a:solidFill>
@@ -11915,7 +12207,7 @@
             </a:endParaRPr>
           </a:p>
           <a:p>
-            <a:pPr indent="-317500" lvl="0" marL="457200" rtl="0" algn="l">
+            <a:pPr marL="457200" lvl="0" indent="-317500" algn="l" rtl="0">
               <a:lnSpc>
                 <a:spcPct val="115000"/>
               </a:lnSpc>
@@ -11946,7 +12238,7 @@
             </a:endParaRPr>
           </a:p>
           <a:p>
-            <a:pPr indent="-317500" lvl="0" marL="457200" rtl="0" algn="l">
+            <a:pPr marL="457200" lvl="0" indent="-317500" algn="l" rtl="0">
               <a:lnSpc>
                 <a:spcPct val="115000"/>
               </a:lnSpc>
@@ -11977,7 +12269,7 @@
             </a:endParaRPr>
           </a:p>
           <a:p>
-            <a:pPr indent="-349250" lvl="0" marL="457200" rtl="0" algn="l">
+            <a:pPr marL="457200" lvl="0" indent="-349250" algn="l" rtl="0">
               <a:lnSpc>
                 <a:spcPct val="150000"/>
               </a:lnSpc>
@@ -12008,7 +12300,7 @@
             </a:endParaRPr>
           </a:p>
           <a:p>
-            <a:pPr indent="-317500" lvl="0" marL="457200" rtl="0" algn="l">
+            <a:pPr marL="457200" lvl="0" indent="-317500" algn="l" rtl="0">
               <a:lnSpc>
                 <a:spcPct val="115000"/>
               </a:lnSpc>
@@ -12025,7 +12317,7 @@
               <a:buChar char="✦"/>
             </a:pPr>
             <a:r>
-              <a:rPr b="1" lang="en">
+              <a:rPr lang="en" b="1">
                 <a:solidFill>
                   <a:srgbClr val="434343"/>
                 </a:solidFill>
@@ -12039,7 +12331,7 @@
             </a:endParaRPr>
           </a:p>
           <a:p>
-            <a:pPr indent="-317500" lvl="0" marL="457200" marR="0" rtl="0" algn="l">
+            <a:pPr marL="457200" marR="0" lvl="0" indent="-317500" algn="l" rtl="0">
               <a:lnSpc>
                 <a:spcPct val="115000"/>
               </a:lnSpc>
@@ -12070,7 +12362,7 @@
             </a:endParaRPr>
           </a:p>
           <a:p>
-            <a:pPr indent="-317500" lvl="0" marL="457200" marR="0" rtl="0" algn="l">
+            <a:pPr marL="457200" marR="0" lvl="0" indent="-317500" algn="l" rtl="0">
               <a:lnSpc>
                 <a:spcPct val="115000"/>
               </a:lnSpc>
@@ -12101,7 +12393,7 @@
             </a:endParaRPr>
           </a:p>
           <a:p>
-            <a:pPr indent="-317500" lvl="0" marL="457200" marR="0" rtl="0" algn="l">
+            <a:pPr marL="457200" marR="0" lvl="0" indent="-317500" algn="l" rtl="0">
               <a:lnSpc>
                 <a:spcPct val="115000"/>
               </a:lnSpc>
@@ -12132,7 +12424,7 @@
             </a:endParaRPr>
           </a:p>
           <a:p>
-            <a:pPr indent="-349250" lvl="0" marL="457200" rtl="0" algn="l">
+            <a:pPr marL="457200" lvl="0" indent="-349250" algn="l" rtl="0">
               <a:lnSpc>
                 <a:spcPct val="150000"/>
               </a:lnSpc>
@@ -12201,11 +12493,11 @@
 </file>
 
 <file path=ppt/slides/slide7.xml><?xml version="1.0" encoding="utf-8"?>
-<p:sld xmlns:a="http://schemas.openxmlformats.org/drawingml/2006/main" xmlns:r="http://schemas.openxmlformats.org/officeDocument/2006/relationships" xmlns:mc="http://schemas.openxmlformats.org/markup-compatibility/2006" xmlns:mv="urn:schemas-microsoft-com:mac:vml" xmlns:p="http://schemas.openxmlformats.org/presentationml/2006/main" xmlns:c="http://schemas.openxmlformats.org/drawingml/2006/chart" xmlns:dgm="http://schemas.openxmlformats.org/drawingml/2006/diagram" xmlns:o="urn:schemas-microsoft-com:office:office" xmlns:v="urn:schemas-microsoft-com:vml" xmlns:pvml="urn:schemas-microsoft-com:office:powerpoint" xmlns:com="http://schemas.openxmlformats.org/drawingml/2006/compatibility" xmlns:p14="http://schemas.microsoft.com/office/powerpoint/2010/main" xmlns:p15="http://schemas.microsoft.com/office/powerpoint/2012/main" xmlns:ahyp="http://schemas.microsoft.com/office/drawing/2018/hyperlinkcolor">
+<p:sld xmlns:a="http://schemas.openxmlformats.org/drawingml/2006/main" xmlns:r="http://schemas.openxmlformats.org/officeDocument/2006/relationships" xmlns:p="http://schemas.openxmlformats.org/presentationml/2006/main">
   <p:cSld>
     <p:spTree>
       <p:nvGrpSpPr>
-        <p:cNvPr id="145" name="Shape 145"/>
+        <p:cNvPr id="1" name="Shape 145"/>
         <p:cNvGrpSpPr/>
         <p:nvPr/>
       </p:nvGrpSpPr>
@@ -12220,7 +12512,9 @@
       <p:sp>
         <p:nvSpPr>
           <p:cNvPr id="146" name="Google Shape;146;p19"/>
-          <p:cNvSpPr txBox="1"/>
+          <p:cNvSpPr txBox="1">
+            <a:spLocks noGrp="1"/>
+          </p:cNvSpPr>
           <p:nvPr>
             <p:ph type="title"/>
           </p:nvPr>
@@ -12235,12 +12529,12 @@
           </a:prstGeom>
         </p:spPr>
         <p:txBody>
-          <a:bodyPr anchorCtr="0" anchor="t" bIns="91425" lIns="91425" spcFirstLastPara="1" rIns="91425" wrap="square" tIns="91425">
+          <a:bodyPr spcFirstLastPara="1" wrap="square" lIns="91425" tIns="91425" rIns="91425" bIns="91425" anchor="t" anchorCtr="0">
             <a:noAutofit/>
           </a:bodyPr>
           <a:lstStyle/>
           <a:p>
-            <a:pPr indent="0" lvl="0" marL="0" rtl="0" algn="l">
+            <a:pPr marL="0" lvl="0" indent="0" algn="l" rtl="0">
               <a:spcBef>
                 <a:spcPts val="0"/>
               </a:spcBef>
@@ -12277,12 +12571,12 @@
           </a:ln>
         </p:spPr>
         <p:txBody>
-          <a:bodyPr anchorCtr="0" anchor="t" bIns="91425" lIns="91425" spcFirstLastPara="1" rIns="91425" wrap="square" tIns="91425">
+          <a:bodyPr spcFirstLastPara="1" wrap="square" lIns="91425" tIns="91425" rIns="91425" bIns="91425" anchor="t" anchorCtr="0">
             <a:spAutoFit/>
           </a:bodyPr>
           <a:lstStyle/>
           <a:p>
-            <a:pPr indent="-317500" lvl="0" marL="457200" rtl="0" algn="l">
+            <a:pPr marL="457200" lvl="0" indent="-317500" algn="l" rtl="0">
               <a:lnSpc>
                 <a:spcPct val="115000"/>
               </a:lnSpc>
@@ -12299,7 +12593,7 @@
               <a:buChar char="✦"/>
             </a:pPr>
             <a:r>
-              <a:rPr b="1" lang="en">
+              <a:rPr lang="en" b="1">
                 <a:solidFill>
                   <a:srgbClr val="434343"/>
                 </a:solidFill>
@@ -12313,7 +12607,7 @@
             </a:endParaRPr>
           </a:p>
           <a:p>
-            <a:pPr indent="-317500" lvl="0" marL="457200" rtl="0" algn="l">
+            <a:pPr marL="457200" lvl="0" indent="-317500" algn="l" rtl="0">
               <a:lnSpc>
                 <a:spcPct val="115000"/>
               </a:lnSpc>
@@ -12344,7 +12638,7 @@
             </a:endParaRPr>
           </a:p>
           <a:p>
-            <a:pPr indent="-317500" lvl="0" marL="457200" rtl="0" algn="l">
+            <a:pPr marL="457200" lvl="0" indent="-317500" algn="l" rtl="0">
               <a:lnSpc>
                 <a:spcPct val="115000"/>
               </a:lnSpc>
@@ -12375,7 +12669,7 @@
             </a:endParaRPr>
           </a:p>
           <a:p>
-            <a:pPr indent="-349250" lvl="0" marL="457200" rtl="0" algn="l">
+            <a:pPr marL="457200" lvl="0" indent="-349250" algn="l" rtl="0">
               <a:lnSpc>
                 <a:spcPct val="150000"/>
               </a:lnSpc>
@@ -12406,7 +12700,7 @@
             </a:endParaRPr>
           </a:p>
           <a:p>
-            <a:pPr indent="-317500" lvl="0" marL="457200" rtl="0" algn="l">
+            <a:pPr marL="457200" lvl="0" indent="-317500" algn="l" rtl="0">
               <a:lnSpc>
                 <a:spcPct val="115000"/>
               </a:lnSpc>
@@ -12423,7 +12717,7 @@
               <a:buChar char="✦"/>
             </a:pPr>
             <a:r>
-              <a:rPr b="1" lang="en">
+              <a:rPr lang="en" b="1">
                 <a:solidFill>
                   <a:srgbClr val="434343"/>
                 </a:solidFill>
@@ -12437,7 +12731,7 @@
             </a:endParaRPr>
           </a:p>
           <a:p>
-            <a:pPr indent="-317500" lvl="0" marL="457200" marR="0" rtl="0" algn="l">
+            <a:pPr marL="457200" marR="0" lvl="0" indent="-317500" algn="l" rtl="0">
               <a:lnSpc>
                 <a:spcPct val="115000"/>
               </a:lnSpc>
@@ -12468,7 +12762,7 @@
             </a:endParaRPr>
           </a:p>
           <a:p>
-            <a:pPr indent="-317500" lvl="0" marL="457200" marR="0" rtl="0" algn="l">
+            <a:pPr marL="457200" marR="0" lvl="0" indent="-317500" algn="l" rtl="0">
               <a:lnSpc>
                 <a:spcPct val="115000"/>
               </a:lnSpc>
@@ -12499,7 +12793,7 @@
             </a:endParaRPr>
           </a:p>
           <a:p>
-            <a:pPr indent="-317500" lvl="0" marL="457200" marR="0" rtl="0" algn="l">
+            <a:pPr marL="457200" marR="0" lvl="0" indent="-317500" algn="l" rtl="0">
               <a:lnSpc>
                 <a:spcPct val="115000"/>
               </a:lnSpc>
@@ -12530,7 +12824,7 @@
             </a:endParaRPr>
           </a:p>
           <a:p>
-            <a:pPr indent="-349250" lvl="0" marL="457200" rtl="0" algn="l">
+            <a:pPr marL="457200" lvl="0" indent="-349250" algn="l" rtl="0">
               <a:lnSpc>
                 <a:spcPct val="150000"/>
               </a:lnSpc>
@@ -12561,7 +12855,7 @@
             </a:endParaRPr>
           </a:p>
           <a:p>
-            <a:pPr indent="-317500" lvl="0" marL="457200" rtl="0" algn="l">
+            <a:pPr marL="457200" lvl="0" indent="-317500" algn="l" rtl="0">
               <a:lnSpc>
                 <a:spcPct val="115000"/>
               </a:lnSpc>
@@ -12578,21 +12872,21 @@
               <a:buChar char="✦"/>
             </a:pPr>
             <a:r>
-              <a:rPr b="1" lang="en">
+              <a:rPr lang="en" b="1">
                 <a:solidFill>
                   <a:srgbClr val="434343"/>
                 </a:solidFill>
               </a:rPr>
               <a:t>Spark :</a:t>
             </a:r>
-            <a:endParaRPr b="1" sz="1100">
+            <a:endParaRPr sz="1100" b="1">
               <a:solidFill>
                 <a:schemeClr val="dk1"/>
               </a:solidFill>
             </a:endParaRPr>
           </a:p>
           <a:p>
-            <a:pPr indent="-317500" lvl="0" marL="457200" marR="0" rtl="0" algn="l">
+            <a:pPr marL="457200" marR="0" lvl="0" indent="-317500" algn="l" rtl="0">
               <a:lnSpc>
                 <a:spcPct val="115000"/>
               </a:lnSpc>
@@ -12623,7 +12917,7 @@
             </a:endParaRPr>
           </a:p>
           <a:p>
-            <a:pPr indent="-317500" lvl="0" marL="457200" marR="0" rtl="0" algn="l">
+            <a:pPr marL="457200" marR="0" lvl="0" indent="-317500" algn="l" rtl="0">
               <a:lnSpc>
                 <a:spcPct val="115000"/>
               </a:lnSpc>
@@ -12654,7 +12948,7 @@
             </a:endParaRPr>
           </a:p>
           <a:p>
-            <a:pPr indent="-349250" lvl="0" marL="457200" marR="0" rtl="0" algn="l">
+            <a:pPr marL="457200" marR="0" lvl="0" indent="-349250" algn="l" rtl="0">
               <a:lnSpc>
                 <a:spcPct val="115000"/>
               </a:lnSpc>
@@ -12723,11 +13017,11 @@
 </file>
 
 <file path=ppt/slides/slide8.xml><?xml version="1.0" encoding="utf-8"?>
-<p:sld xmlns:a="http://schemas.openxmlformats.org/drawingml/2006/main" xmlns:r="http://schemas.openxmlformats.org/officeDocument/2006/relationships" xmlns:mc="http://schemas.openxmlformats.org/markup-compatibility/2006" xmlns:mv="urn:schemas-microsoft-com:mac:vml" xmlns:p="http://schemas.openxmlformats.org/presentationml/2006/main" xmlns:c="http://schemas.openxmlformats.org/drawingml/2006/chart" xmlns:dgm="http://schemas.openxmlformats.org/drawingml/2006/diagram" xmlns:o="urn:schemas-microsoft-com:office:office" xmlns:v="urn:schemas-microsoft-com:vml" xmlns:pvml="urn:schemas-microsoft-com:office:powerpoint" xmlns:com="http://schemas.openxmlformats.org/drawingml/2006/compatibility" xmlns:p14="http://schemas.microsoft.com/office/powerpoint/2010/main" xmlns:p15="http://schemas.microsoft.com/office/powerpoint/2012/main" xmlns:ahyp="http://schemas.microsoft.com/office/drawing/2018/hyperlinkcolor">
+<p:sld xmlns:a="http://schemas.openxmlformats.org/drawingml/2006/main" xmlns:r="http://schemas.openxmlformats.org/officeDocument/2006/relationships" xmlns:p="http://schemas.openxmlformats.org/presentationml/2006/main">
   <p:cSld>
     <p:spTree>
       <p:nvGrpSpPr>
-        <p:cNvPr id="152" name="Shape 152"/>
+        <p:cNvPr id="1" name="Shape 152"/>
         <p:cNvGrpSpPr/>
         <p:nvPr/>
       </p:nvGrpSpPr>
@@ -12742,7 +13036,9 @@
       <p:sp>
         <p:nvSpPr>
           <p:cNvPr id="153" name="Google Shape;153;p20"/>
-          <p:cNvSpPr txBox="1"/>
+          <p:cNvSpPr txBox="1">
+            <a:spLocks noGrp="1"/>
+          </p:cNvSpPr>
           <p:nvPr>
             <p:ph type="title"/>
           </p:nvPr>
@@ -12757,12 +13053,12 @@
           </a:prstGeom>
         </p:spPr>
         <p:txBody>
-          <a:bodyPr anchorCtr="0" anchor="t" bIns="91425" lIns="91425" spcFirstLastPara="1" rIns="91425" wrap="square" tIns="91425">
+          <a:bodyPr spcFirstLastPara="1" wrap="square" lIns="91425" tIns="91425" rIns="91425" bIns="91425" anchor="t" anchorCtr="0">
             <a:noAutofit/>
           </a:bodyPr>
           <a:lstStyle/>
           <a:p>
-            <a:pPr indent="0" lvl="0" marL="0" rtl="0" algn="l">
+            <a:pPr marL="0" lvl="0" indent="0" algn="l" rtl="0">
               <a:spcBef>
                 <a:spcPts val="0"/>
               </a:spcBef>
@@ -12782,9 +13078,11 @@
       <p:sp>
         <p:nvSpPr>
           <p:cNvPr id="154" name="Google Shape;154;p20"/>
-          <p:cNvSpPr txBox="1"/>
+          <p:cNvSpPr txBox="1">
+            <a:spLocks noGrp="1"/>
+          </p:cNvSpPr>
           <p:nvPr>
-            <p:ph idx="1" type="body"/>
+            <p:ph type="body" idx="1"/>
           </p:nvPr>
         </p:nvSpPr>
         <p:spPr>
@@ -12797,12 +13095,12 @@
           </a:prstGeom>
         </p:spPr>
         <p:txBody>
-          <a:bodyPr anchorCtr="0" anchor="t" bIns="91425" lIns="91425" spcFirstLastPara="1" rIns="91425" wrap="square" tIns="91425">
+          <a:bodyPr spcFirstLastPara="1" wrap="square" lIns="91425" tIns="91425" rIns="91425" bIns="91425" anchor="t" anchorCtr="0">
             <a:noAutofit/>
           </a:bodyPr>
           <a:lstStyle/>
           <a:p>
-            <a:pPr indent="-317500" lvl="0" marL="457200" rtl="0" algn="l">
+            <a:pPr marL="457200" lvl="0" indent="-317500" algn="l" rtl="0">
               <a:spcBef>
                 <a:spcPts val="0"/>
               </a:spcBef>
@@ -12816,21 +13114,21 @@
               <a:buChar char="✦"/>
             </a:pPr>
             <a:r>
-              <a:rPr b="1" lang="en" sz="1400">
+              <a:rPr lang="en" sz="1400" b="1">
                 <a:solidFill>
                   <a:srgbClr val="434343"/>
                 </a:solidFill>
               </a:rPr>
               <a:t>Compte AWS Educate limité (pas de credentials)</a:t>
             </a:r>
-            <a:endParaRPr b="1" sz="1400">
+            <a:endParaRPr sz="1400" b="1">
               <a:solidFill>
                 <a:srgbClr val="434343"/>
               </a:solidFill>
             </a:endParaRPr>
           </a:p>
           <a:p>
-            <a:pPr indent="-317500" lvl="1" marL="914400" rtl="0" algn="l">
+            <a:pPr marL="914400" lvl="1" indent="-317500" algn="l" rtl="0">
               <a:spcBef>
                 <a:spcPts val="0"/>
               </a:spcBef>
@@ -12847,7 +13145,7 @@
             <a:endParaRPr/>
           </a:p>
           <a:p>
-            <a:pPr indent="-317500" lvl="1" marL="914400" rtl="0" algn="l">
+            <a:pPr marL="914400" lvl="1" indent="-317500" algn="l" rtl="0">
               <a:spcBef>
                 <a:spcPts val="0"/>
               </a:spcBef>
@@ -12864,7 +13162,7 @@
             <a:endParaRPr/>
           </a:p>
           <a:p>
-            <a:pPr indent="-317500" lvl="1" marL="914400" rtl="0" algn="l">
+            <a:pPr marL="914400" lvl="1" indent="-317500" algn="l" rtl="0">
               <a:spcBef>
                 <a:spcPts val="0"/>
               </a:spcBef>
@@ -12876,28 +13174,12 @@
             </a:pPr>
             <a:r>
               <a:rPr lang="en"/>
-              <a:t>Pas de permission suffisante pour installer le service managé de Cassandra ⇒ Installation et configuration de Cassandra manuellement sur chaque slave (+</a:t>
-            </a:r>
-            <a:r>
-              <a:rPr lang="en"/>
-              <a:t>CQLSH sur au moins un slave)</a:t>
-            </a:r>
-            <a:r>
-              <a:rPr lang="en"/>
-              <a:t> et ajout d’un </a:t>
-            </a:r>
-            <a:r>
-              <a:rPr lang="en"/>
-              <a:t>interpréteur</a:t>
-            </a:r>
-            <a:r>
-              <a:rPr lang="en"/>
-              <a:t> dans Zeppelin pour faire la connexion</a:t>
+              <a:t>Pas de permission suffisante pour installer le service managé de Cassandra ⇒ Installation et configuration de Cassandra manuellement sur chaque slave (+CQLSH sur au moins un slave) et ajout d’un interpréteur dans Zeppelin pour faire la connexion</a:t>
             </a:r>
             <a:endParaRPr/>
           </a:p>
           <a:p>
-            <a:pPr indent="0" lvl="0" marL="457200" marR="0" rtl="0" algn="l">
+            <a:pPr marL="457200" marR="0" lvl="0" indent="0" algn="l" rtl="0">
               <a:lnSpc>
                 <a:spcPct val="100000"/>
               </a:lnSpc>
@@ -12909,13 +13191,10 @@
               </a:spcAft>
               <a:buNone/>
             </a:pPr>
-            <a:r>
-              <a:t/>
-            </a:r>
             <a:endParaRPr sz="1400"/>
           </a:p>
           <a:p>
-            <a:pPr indent="-317500" lvl="0" marL="457200" rtl="0" algn="l">
+            <a:pPr marL="457200" lvl="0" indent="-317500" algn="l" rtl="0">
               <a:spcBef>
                 <a:spcPts val="0"/>
               </a:spcBef>
@@ -12929,7 +13208,7 @@
               <a:buChar char="✦"/>
             </a:pPr>
             <a:r>
-              <a:rPr b="1" lang="en" sz="1400">
+              <a:rPr lang="en" sz="1400" b="1">
                 <a:solidFill>
                   <a:srgbClr val="434343"/>
                 </a:solidFill>
@@ -12943,7 +13222,7 @@
             </a:endParaRPr>
           </a:p>
           <a:p>
-            <a:pPr indent="-317500" lvl="1" marL="914400" rtl="0" algn="l">
+            <a:pPr marL="914400" lvl="1" indent="-317500" algn="l" rtl="0">
               <a:spcBef>
                 <a:spcPts val="0"/>
               </a:spcBef>
@@ -12960,7 +13239,7 @@
             <a:endParaRPr/>
           </a:p>
           <a:p>
-            <a:pPr indent="-317500" lvl="1" marL="914400" rtl="0" algn="l">
+            <a:pPr marL="914400" lvl="1" indent="-317500" algn="l" rtl="0">
               <a:spcBef>
                 <a:spcPts val="0"/>
               </a:spcBef>
@@ -12977,7 +13256,7 @@
             <a:endParaRPr/>
           </a:p>
           <a:p>
-            <a:pPr indent="0" lvl="0" marL="0" rtl="0" algn="l">
+            <a:pPr marL="0" lvl="0" indent="0" algn="l" rtl="0">
               <a:spcBef>
                 <a:spcPts val="1600"/>
               </a:spcBef>
@@ -12986,9 +13265,6 @@
               </a:spcAft>
               <a:buNone/>
             </a:pPr>
-            <a:r>
-              <a:t/>
-            </a:r>
             <a:endParaRPr>
               <a:solidFill>
                 <a:srgbClr val="FF0000"/>
@@ -13034,11 +13310,11 @@
 </file>
 
 <file path=ppt/slides/slide9.xml><?xml version="1.0" encoding="utf-8"?>
-<p:sld xmlns:a="http://schemas.openxmlformats.org/drawingml/2006/main" xmlns:r="http://schemas.openxmlformats.org/officeDocument/2006/relationships" xmlns:mc="http://schemas.openxmlformats.org/markup-compatibility/2006" xmlns:mv="urn:schemas-microsoft-com:mac:vml" xmlns:p="http://schemas.openxmlformats.org/presentationml/2006/main" xmlns:c="http://schemas.openxmlformats.org/drawingml/2006/chart" xmlns:dgm="http://schemas.openxmlformats.org/drawingml/2006/diagram" xmlns:o="urn:schemas-microsoft-com:office:office" xmlns:v="urn:schemas-microsoft-com:vml" xmlns:pvml="urn:schemas-microsoft-com:office:powerpoint" xmlns:com="http://schemas.openxmlformats.org/drawingml/2006/compatibility" xmlns:p14="http://schemas.microsoft.com/office/powerpoint/2010/main" xmlns:p15="http://schemas.microsoft.com/office/powerpoint/2012/main" xmlns:ahyp="http://schemas.microsoft.com/office/drawing/2018/hyperlinkcolor">
+<p:sld xmlns:a="http://schemas.openxmlformats.org/drawingml/2006/main" xmlns:r="http://schemas.openxmlformats.org/officeDocument/2006/relationships" xmlns:p="http://schemas.openxmlformats.org/presentationml/2006/main">
   <p:cSld>
     <p:spTree>
       <p:nvGrpSpPr>
-        <p:cNvPr id="159" name="Shape 159"/>
+        <p:cNvPr id="1" name="Shape 159"/>
         <p:cNvGrpSpPr/>
         <p:nvPr/>
       </p:nvGrpSpPr>
@@ -13053,7 +13329,9 @@
       <p:sp>
         <p:nvSpPr>
           <p:cNvPr id="160" name="Google Shape;160;p21"/>
-          <p:cNvSpPr txBox="1"/>
+          <p:cNvSpPr txBox="1">
+            <a:spLocks noGrp="1"/>
+          </p:cNvSpPr>
           <p:nvPr>
             <p:ph type="title"/>
           </p:nvPr>
@@ -13068,12 +13346,12 @@
           </a:prstGeom>
         </p:spPr>
         <p:txBody>
-          <a:bodyPr anchorCtr="0" anchor="t" bIns="91425" lIns="91425" spcFirstLastPara="1" rIns="91425" wrap="square" tIns="91425">
+          <a:bodyPr spcFirstLastPara="1" wrap="square" lIns="91425" tIns="91425" rIns="91425" bIns="91425" anchor="t" anchorCtr="0">
             <a:noAutofit/>
           </a:bodyPr>
           <a:lstStyle/>
           <a:p>
-            <a:pPr indent="0" lvl="0" marL="0" rtl="0" algn="l">
+            <a:pPr marL="0" lvl="0" indent="0" algn="l" rtl="0">
               <a:spcBef>
                 <a:spcPts val="0"/>
               </a:spcBef>
@@ -13113,14 +13391,14 @@
             <a:avLst/>
           </a:prstGeom>
           <a:noFill/>
-          <a:ln cap="flat" cmpd="sng" w="9525">
+          <a:ln w="9525" cap="flat" cmpd="sng">
             <a:solidFill>
               <a:schemeClr val="dk2"/>
             </a:solidFill>
             <a:prstDash val="solid"/>
             <a:round/>
-            <a:headEnd len="sm" w="sm" type="none"/>
-            <a:tailEnd len="sm" w="sm" type="none"/>
+            <a:headEnd type="none" w="sm" len="sm"/>
+            <a:tailEnd type="none" w="sm" len="sm"/>
           </a:ln>
         </p:spPr>
       </p:pic>
@@ -13161,7 +13439,288 @@
 </file>
 
 <file path=ppt/theme/theme1.xml><?xml version="1.0" encoding="utf-8"?>
-<a:theme xmlns:a="http://schemas.openxmlformats.org/drawingml/2006/main" xmlns:r="http://schemas.openxmlformats.org/officeDocument/2006/relationships">
+<a:theme xmlns:a="http://schemas.openxmlformats.org/drawingml/2006/main" name="Simple Light">
+  <a:themeElements>
+    <a:clrScheme name="Simple Light">
+      <a:dk1>
+        <a:srgbClr val="000000"/>
+      </a:dk1>
+      <a:lt1>
+        <a:srgbClr val="FFFFFF"/>
+      </a:lt1>
+      <a:dk2>
+        <a:srgbClr val="595959"/>
+      </a:dk2>
+      <a:lt2>
+        <a:srgbClr val="EEEEEE"/>
+      </a:lt2>
+      <a:accent1>
+        <a:srgbClr val="FFAB40"/>
+      </a:accent1>
+      <a:accent2>
+        <a:srgbClr val="212121"/>
+      </a:accent2>
+      <a:accent3>
+        <a:srgbClr val="78909C"/>
+      </a:accent3>
+      <a:accent4>
+        <a:srgbClr val="FFAB40"/>
+      </a:accent4>
+      <a:accent5>
+        <a:srgbClr val="0097A7"/>
+      </a:accent5>
+      <a:accent6>
+        <a:srgbClr val="EEFF41"/>
+      </a:accent6>
+      <a:hlink>
+        <a:srgbClr val="0097A7"/>
+      </a:hlink>
+      <a:folHlink>
+        <a:srgbClr val="0097A7"/>
+      </a:folHlink>
+    </a:clrScheme>
+    <a:fontScheme name="Office">
+      <a:majorFont>
+        <a:latin typeface="Arial"/>
+        <a:ea typeface=""/>
+        <a:cs typeface=""/>
+        <a:font script="Jpan" typeface="ＭＳ Ｐゴシック"/>
+        <a:font script="Hang" typeface="맑은 고딕"/>
+        <a:font script="Hans" typeface="宋体"/>
+        <a:font script="Hant" typeface="新細明體"/>
+        <a:font script="Arab" typeface="Times New Roman"/>
+        <a:font script="Hebr" typeface="Times New Roman"/>
+        <a:font script="Thai" typeface="Angsana New"/>
+        <a:font script="Ethi" typeface="Nyala"/>
+        <a:font script="Beng" typeface="Vrinda"/>
+        <a:font script="Gujr" typeface="Shruti"/>
+        <a:font script="Khmr" typeface="MoolBoran"/>
+        <a:font script="Knda" typeface="Tunga"/>
+        <a:font script="Guru" typeface="Raavi"/>
+        <a:font script="Cans" typeface="Euphemia"/>
+        <a:font script="Cher" typeface="Plantagenet Cherokee"/>
+        <a:font script="Yiii" typeface="Microsoft Yi Baiti"/>
+        <a:font script="Tibt" typeface="Microsoft Himalaya"/>
+        <a:font script="Thaa" typeface="MV Boli"/>
+        <a:font script="Deva" typeface="Mangal"/>
+        <a:font script="Telu" typeface="Gautami"/>
+        <a:font script="Taml" typeface="Latha"/>
+        <a:font script="Syrc" typeface="Estrangelo Edessa"/>
+        <a:font script="Orya" typeface="Kalinga"/>
+        <a:font script="Mlym" typeface="Kartika"/>
+        <a:font script="Laoo" typeface="DokChampa"/>
+        <a:font script="Sinh" typeface="Iskoola Pota"/>
+        <a:font script="Mong" typeface="Mongolian Baiti"/>
+        <a:font script="Viet" typeface="Times New Roman"/>
+        <a:font script="Uigh" typeface="Microsoft Uighur"/>
+        <a:font script="Geor" typeface="Sylfaen"/>
+      </a:majorFont>
+      <a:minorFont>
+        <a:latin typeface="Arial"/>
+        <a:ea typeface=""/>
+        <a:cs typeface=""/>
+        <a:font script="Jpan" typeface="ＭＳ Ｐゴシック"/>
+        <a:font script="Hang" typeface="맑은 고딕"/>
+        <a:font script="Hans" typeface="宋体"/>
+        <a:font script="Hant" typeface="新細明體"/>
+        <a:font script="Arab" typeface="Arial"/>
+        <a:font script="Hebr" typeface="Arial"/>
+        <a:font script="Thai" typeface="Cordia New"/>
+        <a:font script="Ethi" typeface="Nyala"/>
+        <a:font script="Beng" typeface="Vrinda"/>
+        <a:font script="Gujr" typeface="Shruti"/>
+        <a:font script="Khmr" typeface="DaunPenh"/>
+        <a:font script="Knda" typeface="Tunga"/>
+        <a:font script="Guru" typeface="Raavi"/>
+        <a:font script="Cans" typeface="Euphemia"/>
+        <a:font script="Cher" typeface="Plantagenet Cherokee"/>
+        <a:font script="Yiii" typeface="Microsoft Yi Baiti"/>
+        <a:font script="Tibt" typeface="Microsoft Himalaya"/>
+        <a:font script="Thaa" typeface="MV Boli"/>
+        <a:font script="Deva" typeface="Mangal"/>
+        <a:font script="Telu" typeface="Gautami"/>
+        <a:font script="Taml" typeface="Latha"/>
+        <a:font script="Syrc" typeface="Estrangelo Edessa"/>
+        <a:font script="Orya" typeface="Kalinga"/>
+        <a:font script="Mlym" typeface="Kartika"/>
+        <a:font script="Laoo" typeface="DokChampa"/>
+        <a:font script="Sinh" typeface="Iskoola Pota"/>
+        <a:font script="Mong" typeface="Mongolian Baiti"/>
+        <a:font script="Viet" typeface="Arial"/>
+        <a:font script="Uigh" typeface="Microsoft Uighur"/>
+        <a:font script="Geor" typeface="Sylfaen"/>
+      </a:minorFont>
+    </a:fontScheme>
+    <a:fmtScheme name="Office">
+      <a:fillStyleLst>
+        <a:solidFill>
+          <a:schemeClr val="phClr"/>
+        </a:solidFill>
+        <a:gradFill rotWithShape="1">
+          <a:gsLst>
+            <a:gs pos="0">
+              <a:schemeClr val="phClr">
+                <a:tint val="50000"/>
+                <a:satMod val="300000"/>
+              </a:schemeClr>
+            </a:gs>
+            <a:gs pos="35000">
+              <a:schemeClr val="phClr">
+                <a:tint val="37000"/>
+                <a:satMod val="300000"/>
+              </a:schemeClr>
+            </a:gs>
+            <a:gs pos="100000">
+              <a:schemeClr val="phClr">
+                <a:tint val="15000"/>
+                <a:satMod val="350000"/>
+              </a:schemeClr>
+            </a:gs>
+          </a:gsLst>
+          <a:lin ang="16200000" scaled="1"/>
+        </a:gradFill>
+        <a:gradFill rotWithShape="1">
+          <a:gsLst>
+            <a:gs pos="0">
+              <a:schemeClr val="phClr">
+                <a:tint val="100000"/>
+                <a:shade val="100000"/>
+                <a:satMod val="130000"/>
+              </a:schemeClr>
+            </a:gs>
+            <a:gs pos="100000">
+              <a:schemeClr val="phClr">
+                <a:tint val="50000"/>
+                <a:shade val="100000"/>
+                <a:satMod val="350000"/>
+              </a:schemeClr>
+            </a:gs>
+          </a:gsLst>
+          <a:lin ang="16200000" scaled="0"/>
+        </a:gradFill>
+      </a:fillStyleLst>
+      <a:lnStyleLst>
+        <a:ln w="9525" cap="flat" cmpd="sng" algn="ctr">
+          <a:solidFill>
+            <a:schemeClr val="phClr">
+              <a:shade val="95000"/>
+              <a:satMod val="105000"/>
+            </a:schemeClr>
+          </a:solidFill>
+          <a:prstDash val="solid"/>
+        </a:ln>
+        <a:ln w="25400" cap="flat" cmpd="sng" algn="ctr">
+          <a:solidFill>
+            <a:schemeClr val="phClr"/>
+          </a:solidFill>
+          <a:prstDash val="solid"/>
+        </a:ln>
+        <a:ln w="38100" cap="flat" cmpd="sng" algn="ctr">
+          <a:solidFill>
+            <a:schemeClr val="phClr"/>
+          </a:solidFill>
+          <a:prstDash val="solid"/>
+        </a:ln>
+      </a:lnStyleLst>
+      <a:effectStyleLst>
+        <a:effectStyle>
+          <a:effectLst>
+            <a:outerShdw blurRad="40000" dist="20000" dir="5400000" rotWithShape="0">
+              <a:srgbClr val="000000">
+                <a:alpha val="38000"/>
+              </a:srgbClr>
+            </a:outerShdw>
+          </a:effectLst>
+        </a:effectStyle>
+        <a:effectStyle>
+          <a:effectLst>
+            <a:outerShdw blurRad="40000" dist="23000" dir="5400000" rotWithShape="0">
+              <a:srgbClr val="000000">
+                <a:alpha val="35000"/>
+              </a:srgbClr>
+            </a:outerShdw>
+          </a:effectLst>
+        </a:effectStyle>
+        <a:effectStyle>
+          <a:effectLst>
+            <a:outerShdw blurRad="40000" dist="23000" dir="5400000" rotWithShape="0">
+              <a:srgbClr val="000000">
+                <a:alpha val="35000"/>
+              </a:srgbClr>
+            </a:outerShdw>
+          </a:effectLst>
+          <a:scene3d>
+            <a:camera prst="orthographicFront">
+              <a:rot lat="0" lon="0" rev="0"/>
+            </a:camera>
+            <a:lightRig rig="threePt" dir="t">
+              <a:rot lat="0" lon="0" rev="1200000"/>
+            </a:lightRig>
+          </a:scene3d>
+          <a:sp3d>
+            <a:bevelT w="63500" h="25400"/>
+          </a:sp3d>
+        </a:effectStyle>
+      </a:effectStyleLst>
+      <a:bgFillStyleLst>
+        <a:solidFill>
+          <a:schemeClr val="phClr"/>
+        </a:solidFill>
+        <a:gradFill rotWithShape="1">
+          <a:gsLst>
+            <a:gs pos="0">
+              <a:schemeClr val="phClr">
+                <a:tint val="40000"/>
+                <a:satMod val="350000"/>
+              </a:schemeClr>
+            </a:gs>
+            <a:gs pos="40000">
+              <a:schemeClr val="phClr">
+                <a:tint val="45000"/>
+                <a:shade val="99000"/>
+                <a:satMod val="350000"/>
+              </a:schemeClr>
+            </a:gs>
+            <a:gs pos="100000">
+              <a:schemeClr val="phClr">
+                <a:shade val="20000"/>
+                <a:satMod val="255000"/>
+              </a:schemeClr>
+            </a:gs>
+          </a:gsLst>
+          <a:path path="circle">
+            <a:fillToRect l="50000" t="-80000" r="50000" b="180000"/>
+          </a:path>
+        </a:gradFill>
+        <a:gradFill rotWithShape="1">
+          <a:gsLst>
+            <a:gs pos="0">
+              <a:schemeClr val="phClr">
+                <a:tint val="80000"/>
+                <a:satMod val="300000"/>
+              </a:schemeClr>
+            </a:gs>
+            <a:gs pos="100000">
+              <a:schemeClr val="phClr">
+                <a:shade val="30000"/>
+                <a:satMod val="200000"/>
+              </a:schemeClr>
+            </a:gs>
+          </a:gsLst>
+          <a:path path="circle">
+            <a:fillToRect l="50000" t="50000" r="50000" b="50000"/>
+          </a:path>
+        </a:gradFill>
+      </a:bgFillStyleLst>
+    </a:fmtScheme>
+  </a:themeElements>
+  <a:objectDefaults/>
+  <a:extraClrSchemeLst/>
+</a:theme>
+</file>
+
+<file path=ppt/theme/theme2.xml><?xml version="1.0" encoding="utf-8"?>
+<a:theme xmlns:a="http://schemas.openxmlformats.org/drawingml/2006/main">
   <a:themeElements>
     <a:clrScheme name="Default">
       <a:dk1>
@@ -13436,284 +13995,7 @@
       </a:bgFillStyleLst>
     </a:fmtScheme>
   </a:themeElements>
-</a:theme>
-</file>
-
-<file path=ppt/theme/theme2.xml><?xml version="1.0" encoding="utf-8"?>
-<a:theme xmlns:a="http://schemas.openxmlformats.org/drawingml/2006/main" xmlns:r="http://schemas.openxmlformats.org/officeDocument/2006/relationships" name="Simple Light">
-  <a:themeElements>
-    <a:clrScheme name="Simple Light">
-      <a:dk1>
-        <a:srgbClr val="000000"/>
-      </a:dk1>
-      <a:lt1>
-        <a:srgbClr val="FFFFFF"/>
-      </a:lt1>
-      <a:dk2>
-        <a:srgbClr val="595959"/>
-      </a:dk2>
-      <a:lt2>
-        <a:srgbClr val="EEEEEE"/>
-      </a:lt2>
-      <a:accent1>
-        <a:srgbClr val="FFAB40"/>
-      </a:accent1>
-      <a:accent2>
-        <a:srgbClr val="212121"/>
-      </a:accent2>
-      <a:accent3>
-        <a:srgbClr val="78909C"/>
-      </a:accent3>
-      <a:accent4>
-        <a:srgbClr val="FFAB40"/>
-      </a:accent4>
-      <a:accent5>
-        <a:srgbClr val="0097A7"/>
-      </a:accent5>
-      <a:accent6>
-        <a:srgbClr val="EEFF41"/>
-      </a:accent6>
-      <a:hlink>
-        <a:srgbClr val="0097A7"/>
-      </a:hlink>
-      <a:folHlink>
-        <a:srgbClr val="0097A7"/>
-      </a:folHlink>
-    </a:clrScheme>
-    <a:fontScheme name="Office">
-      <a:majorFont>
-        <a:latin typeface="Arial"/>
-        <a:ea typeface=""/>
-        <a:cs typeface=""/>
-        <a:font script="Jpan" typeface="ＭＳ Ｐゴシック"/>
-        <a:font script="Hang" typeface="맑은 고딕"/>
-        <a:font script="Hans" typeface="宋体"/>
-        <a:font script="Hant" typeface="新細明體"/>
-        <a:font script="Arab" typeface="Times New Roman"/>
-        <a:font script="Hebr" typeface="Times New Roman"/>
-        <a:font script="Thai" typeface="Angsana New"/>
-        <a:font script="Ethi" typeface="Nyala"/>
-        <a:font script="Beng" typeface="Vrinda"/>
-        <a:font script="Gujr" typeface="Shruti"/>
-        <a:font script="Khmr" typeface="MoolBoran"/>
-        <a:font script="Knda" typeface="Tunga"/>
-        <a:font script="Guru" typeface="Raavi"/>
-        <a:font script="Cans" typeface="Euphemia"/>
-        <a:font script="Cher" typeface="Plantagenet Cherokee"/>
-        <a:font script="Yiii" typeface="Microsoft Yi Baiti"/>
-        <a:font script="Tibt" typeface="Microsoft Himalaya"/>
-        <a:font script="Thaa" typeface="MV Boli"/>
-        <a:font script="Deva" typeface="Mangal"/>
-        <a:font script="Telu" typeface="Gautami"/>
-        <a:font script="Taml" typeface="Latha"/>
-        <a:font script="Syrc" typeface="Estrangelo Edessa"/>
-        <a:font script="Orya" typeface="Kalinga"/>
-        <a:font script="Mlym" typeface="Kartika"/>
-        <a:font script="Laoo" typeface="DokChampa"/>
-        <a:font script="Sinh" typeface="Iskoola Pota"/>
-        <a:font script="Mong" typeface="Mongolian Baiti"/>
-        <a:font script="Viet" typeface="Times New Roman"/>
-        <a:font script="Uigh" typeface="Microsoft Uighur"/>
-        <a:font script="Geor" typeface="Sylfaen"/>
-      </a:majorFont>
-      <a:minorFont>
-        <a:latin typeface="Arial"/>
-        <a:ea typeface=""/>
-        <a:cs typeface=""/>
-        <a:font script="Jpan" typeface="ＭＳ Ｐゴシック"/>
-        <a:font script="Hang" typeface="맑은 고딕"/>
-        <a:font script="Hans" typeface="宋体"/>
-        <a:font script="Hant" typeface="新細明體"/>
-        <a:font script="Arab" typeface="Arial"/>
-        <a:font script="Hebr" typeface="Arial"/>
-        <a:font script="Thai" typeface="Cordia New"/>
-        <a:font script="Ethi" typeface="Nyala"/>
-        <a:font script="Beng" typeface="Vrinda"/>
-        <a:font script="Gujr" typeface="Shruti"/>
-        <a:font script="Khmr" typeface="DaunPenh"/>
-        <a:font script="Knda" typeface="Tunga"/>
-        <a:font script="Guru" typeface="Raavi"/>
-        <a:font script="Cans" typeface="Euphemia"/>
-        <a:font script="Cher" typeface="Plantagenet Cherokee"/>
-        <a:font script="Yiii" typeface="Microsoft Yi Baiti"/>
-        <a:font script="Tibt" typeface="Microsoft Himalaya"/>
-        <a:font script="Thaa" typeface="MV Boli"/>
-        <a:font script="Deva" typeface="Mangal"/>
-        <a:font script="Telu" typeface="Gautami"/>
-        <a:font script="Taml" typeface="Latha"/>
-        <a:font script="Syrc" typeface="Estrangelo Edessa"/>
-        <a:font script="Orya" typeface="Kalinga"/>
-        <a:font script="Mlym" typeface="Kartika"/>
-        <a:font script="Laoo" typeface="DokChampa"/>
-        <a:font script="Sinh" typeface="Iskoola Pota"/>
-        <a:font script="Mong" typeface="Mongolian Baiti"/>
-        <a:font script="Viet" typeface="Arial"/>
-        <a:font script="Uigh" typeface="Microsoft Uighur"/>
-        <a:font script="Geor" typeface="Sylfaen"/>
-      </a:minorFont>
-    </a:fontScheme>
-    <a:fmtScheme name="Office">
-      <a:fillStyleLst>
-        <a:solidFill>
-          <a:schemeClr val="phClr"/>
-        </a:solidFill>
-        <a:gradFill rotWithShape="1">
-          <a:gsLst>
-            <a:gs pos="0">
-              <a:schemeClr val="phClr">
-                <a:tint val="50000"/>
-                <a:satMod val="300000"/>
-              </a:schemeClr>
-            </a:gs>
-            <a:gs pos="35000">
-              <a:schemeClr val="phClr">
-                <a:tint val="37000"/>
-                <a:satMod val="300000"/>
-              </a:schemeClr>
-            </a:gs>
-            <a:gs pos="100000">
-              <a:schemeClr val="phClr">
-                <a:tint val="15000"/>
-                <a:satMod val="350000"/>
-              </a:schemeClr>
-            </a:gs>
-          </a:gsLst>
-          <a:lin ang="16200000" scaled="1"/>
-        </a:gradFill>
-        <a:gradFill rotWithShape="1">
-          <a:gsLst>
-            <a:gs pos="0">
-              <a:schemeClr val="phClr">
-                <a:tint val="100000"/>
-                <a:shade val="100000"/>
-                <a:satMod val="130000"/>
-              </a:schemeClr>
-            </a:gs>
-            <a:gs pos="100000">
-              <a:schemeClr val="phClr">
-                <a:tint val="50000"/>
-                <a:shade val="100000"/>
-                <a:satMod val="350000"/>
-              </a:schemeClr>
-            </a:gs>
-          </a:gsLst>
-          <a:lin ang="16200000" scaled="0"/>
-        </a:gradFill>
-      </a:fillStyleLst>
-      <a:lnStyleLst>
-        <a:ln w="9525" cap="flat" cmpd="sng" algn="ctr">
-          <a:solidFill>
-            <a:schemeClr val="phClr">
-              <a:shade val="95000"/>
-              <a:satMod val="105000"/>
-            </a:schemeClr>
-          </a:solidFill>
-          <a:prstDash val="solid"/>
-        </a:ln>
-        <a:ln w="25400" cap="flat" cmpd="sng" algn="ctr">
-          <a:solidFill>
-            <a:schemeClr val="phClr"/>
-          </a:solidFill>
-          <a:prstDash val="solid"/>
-        </a:ln>
-        <a:ln w="38100" cap="flat" cmpd="sng" algn="ctr">
-          <a:solidFill>
-            <a:schemeClr val="phClr"/>
-          </a:solidFill>
-          <a:prstDash val="solid"/>
-        </a:ln>
-      </a:lnStyleLst>
-      <a:effectStyleLst>
-        <a:effectStyle>
-          <a:effectLst>
-            <a:outerShdw blurRad="40000" dist="20000" dir="5400000" rotWithShape="0">
-              <a:srgbClr val="000000">
-                <a:alpha val="38000"/>
-              </a:srgbClr>
-            </a:outerShdw>
-          </a:effectLst>
-        </a:effectStyle>
-        <a:effectStyle>
-          <a:effectLst>
-            <a:outerShdw blurRad="40000" dist="23000" dir="5400000" rotWithShape="0">
-              <a:srgbClr val="000000">
-                <a:alpha val="35000"/>
-              </a:srgbClr>
-            </a:outerShdw>
-          </a:effectLst>
-        </a:effectStyle>
-        <a:effectStyle>
-          <a:effectLst>
-            <a:outerShdw blurRad="40000" dist="23000" dir="5400000" rotWithShape="0">
-              <a:srgbClr val="000000">
-                <a:alpha val="35000"/>
-              </a:srgbClr>
-            </a:outerShdw>
-          </a:effectLst>
-          <a:scene3d>
-            <a:camera prst="orthographicFront">
-              <a:rot lat="0" lon="0" rev="0"/>
-            </a:camera>
-            <a:lightRig rig="threePt" dir="t">
-              <a:rot lat="0" lon="0" rev="1200000"/>
-            </a:lightRig>
-          </a:scene3d>
-          <a:sp3d>
-            <a:bevelT w="63500" h="25400"/>
-          </a:sp3d>
-        </a:effectStyle>
-      </a:effectStyleLst>
-      <a:bgFillStyleLst>
-        <a:solidFill>
-          <a:schemeClr val="phClr"/>
-        </a:solidFill>
-        <a:gradFill rotWithShape="1">
-          <a:gsLst>
-            <a:gs pos="0">
-              <a:schemeClr val="phClr">
-                <a:tint val="40000"/>
-                <a:satMod val="350000"/>
-              </a:schemeClr>
-            </a:gs>
-            <a:gs pos="40000">
-              <a:schemeClr val="phClr">
-                <a:tint val="45000"/>
-                <a:shade val="99000"/>
-                <a:satMod val="350000"/>
-              </a:schemeClr>
-            </a:gs>
-            <a:gs pos="100000">
-              <a:schemeClr val="phClr">
-                <a:shade val="20000"/>
-                <a:satMod val="255000"/>
-              </a:schemeClr>
-            </a:gs>
-          </a:gsLst>
-          <a:path path="circle">
-            <a:fillToRect l="50000" t="-80000" r="50000" b="180000"/>
-          </a:path>
-        </a:gradFill>
-        <a:gradFill rotWithShape="1">
-          <a:gsLst>
-            <a:gs pos="0">
-              <a:schemeClr val="phClr">
-                <a:tint val="80000"/>
-                <a:satMod val="300000"/>
-              </a:schemeClr>
-            </a:gs>
-            <a:gs pos="100000">
-              <a:schemeClr val="phClr">
-                <a:shade val="30000"/>
-                <a:satMod val="200000"/>
-              </a:schemeClr>
-            </a:gs>
-          </a:gsLst>
-          <a:path path="circle">
-            <a:fillToRect l="50000" t="50000" r="50000" b="50000"/>
-          </a:path>
-        </a:gradFill>
-      </a:bgFillStyleLst>
-    </a:fmtScheme>
-  </a:themeElements>
+  <a:objectDefaults/>
+  <a:extraClrSchemeLst/>
 </a:theme>
 </file>